--- a/LTI_Angular/PPT/AngularForms.pptx
+++ b/LTI_Angular/PPT/AngularForms.pptx
@@ -755,7 +755,7 @@
           <a:p>
             <a:fld id="{D2474CCF-98B4-411A-8810-C31E8C29E19B}" type="datetimeFigureOut">
               <a:rPr lang="en-US" smtClean="0"/>
-              <a:t>4/27/2022</a:t>
+              <a:t>9/16/2022</a:t>
             </a:fld>
             <a:endParaRPr lang="en-US"/>
           </a:p>
@@ -1183,7 +1183,7 @@
           <a:p>
             <a:fld id="{D2474CCF-98B4-411A-8810-C31E8C29E19B}" type="datetimeFigureOut">
               <a:rPr lang="en-US" smtClean="0"/>
-              <a:t>4/27/2022</a:t>
+              <a:t>9/16/2022</a:t>
             </a:fld>
             <a:endParaRPr lang="en-US"/>
           </a:p>
@@ -1391,7 +1391,7 @@
           <a:p>
             <a:fld id="{D2474CCF-98B4-411A-8810-C31E8C29E19B}" type="datetimeFigureOut">
               <a:rPr lang="en-US" smtClean="0"/>
-              <a:t>4/27/2022</a:t>
+              <a:t>9/16/2022</a:t>
             </a:fld>
             <a:endParaRPr lang="en-US"/>
           </a:p>
@@ -2167,7 +2167,7 @@
           <a:p>
             <a:fld id="{D2474CCF-98B4-411A-8810-C31E8C29E19B}" type="datetimeFigureOut">
               <a:rPr lang="en-US" smtClean="0"/>
-              <a:t>4/27/2022</a:t>
+              <a:t>9/16/2022</a:t>
             </a:fld>
             <a:endParaRPr lang="en-US"/>
           </a:p>
@@ -2845,7 +2845,7 @@
           <a:p>
             <a:fld id="{D2474CCF-98B4-411A-8810-C31E8C29E19B}" type="datetimeFigureOut">
               <a:rPr lang="en-US" smtClean="0"/>
-              <a:t>4/27/2022</a:t>
+              <a:t>9/16/2022</a:t>
             </a:fld>
             <a:endParaRPr lang="en-US"/>
           </a:p>
@@ -3536,7 +3536,7 @@
           <a:p>
             <a:fld id="{D2474CCF-98B4-411A-8810-C31E8C29E19B}" type="datetimeFigureOut">
               <a:rPr lang="en-US" smtClean="0"/>
-              <a:t>4/27/2022</a:t>
+              <a:t>9/16/2022</a:t>
             </a:fld>
             <a:endParaRPr lang="en-US"/>
           </a:p>
@@ -4338,7 +4338,7 @@
           <a:p>
             <a:fld id="{D2474CCF-98B4-411A-8810-C31E8C29E19B}" type="datetimeFigureOut">
               <a:rPr lang="en-US" smtClean="0"/>
-              <a:t>4/27/2022</a:t>
+              <a:t>9/16/2022</a:t>
             </a:fld>
             <a:endParaRPr lang="en-US"/>
           </a:p>
@@ -4869,7 +4869,7 @@
           <a:p>
             <a:fld id="{D2474CCF-98B4-411A-8810-C31E8C29E19B}" type="datetimeFigureOut">
               <a:rPr lang="en-US" smtClean="0"/>
-              <a:t>4/27/2022</a:t>
+              <a:t>9/16/2022</a:t>
             </a:fld>
             <a:endParaRPr lang="en-US"/>
           </a:p>
@@ -5372,7 +5372,7 @@
           <a:p>
             <a:fld id="{D2474CCF-98B4-411A-8810-C31E8C29E19B}" type="datetimeFigureOut">
               <a:rPr lang="en-US" smtClean="0"/>
-              <a:t>4/27/2022</a:t>
+              <a:t>9/16/2022</a:t>
             </a:fld>
             <a:endParaRPr lang="en-US"/>
           </a:p>
@@ -5683,7 +5683,7 @@
           <a:p>
             <a:fld id="{D2474CCF-98B4-411A-8810-C31E8C29E19B}" type="datetimeFigureOut">
               <a:rPr lang="en-US" smtClean="0"/>
-              <a:t>4/27/2022</a:t>
+              <a:t>9/16/2022</a:t>
             </a:fld>
             <a:endParaRPr lang="en-US"/>
           </a:p>
@@ -5974,7 +5974,7 @@
           <a:p>
             <a:fld id="{D2474CCF-98B4-411A-8810-C31E8C29E19B}" type="datetimeFigureOut">
               <a:rPr lang="en-US" smtClean="0"/>
-              <a:t>4/27/2022</a:t>
+              <a:t>9/16/2022</a:t>
             </a:fld>
             <a:endParaRPr lang="en-US"/>
           </a:p>
@@ -6215,7 +6215,7 @@
           <a:p>
             <a:fld id="{D2474CCF-98B4-411A-8810-C31E8C29E19B}" type="datetimeFigureOut">
               <a:rPr lang="en-US" smtClean="0"/>
-              <a:t>4/27/2022</a:t>
+              <a:t>9/16/2022</a:t>
             </a:fld>
             <a:endParaRPr lang="en-US"/>
           </a:p>
@@ -9254,7 +9254,7 @@
         <p:spPr>
           <a:xfrm>
             <a:off x="845598" y="3567216"/>
-            <a:ext cx="7961051" cy="923330"/>
+            <a:ext cx="9948526" cy="1200329"/>
           </a:xfrm>
           <a:prstGeom prst="rect">
             <a:avLst/>
@@ -9291,7 +9291,67 @@
                 <a:effectLst/>
                 <a:latin typeface="-apple-system"/>
               </a:rPr>
-              <a:t>Angular Template-driven Forms </a:t>
+              <a:t>Angular Template-driven Forms  used for One way binding to send data from template (</a:t>
+            </a:r>
+            <a:r>
+              <a:rPr lang="en-US" i="0" dirty="0" err="1">
+                <a:solidFill>
+                  <a:srgbClr val="000000"/>
+                </a:solidFill>
+                <a:effectLst/>
+                <a:latin typeface="-apple-system"/>
+              </a:rPr>
+              <a:t>HtML</a:t>
+            </a:r>
+            <a:r>
+              <a:rPr lang="en-US" i="0" dirty="0">
+                <a:solidFill>
+                  <a:srgbClr val="000000"/>
+                </a:solidFill>
+                <a:effectLst/>
+                <a:latin typeface="-apple-system"/>
+              </a:rPr>
+              <a:t>) to </a:t>
+            </a:r>
+            <a:r>
+              <a:rPr lang="en-US" i="0" dirty="0" err="1">
+                <a:solidFill>
+                  <a:srgbClr val="000000"/>
+                </a:solidFill>
+                <a:effectLst/>
+                <a:latin typeface="-apple-system"/>
+              </a:rPr>
+              <a:t>component.ts</a:t>
+            </a:r>
+            <a:r>
+              <a:rPr lang="en-US" i="0" dirty="0">
+                <a:solidFill>
+                  <a:srgbClr val="000000"/>
+                </a:solidFill>
+                <a:effectLst/>
+                <a:latin typeface="-apple-system"/>
+              </a:rPr>
+              <a:t> =&gt;</a:t>
+            </a:r>
+            <a:r>
+              <a:rPr lang="en-US" i="0" dirty="0" err="1">
+                <a:solidFill>
+                  <a:srgbClr val="000000"/>
+                </a:solidFill>
+                <a:effectLst/>
+                <a:latin typeface="-apple-system"/>
+              </a:rPr>
+              <a:t>FormsModules</a:t>
+            </a:r>
+            <a:r>
+              <a:rPr lang="en-US" i="0" dirty="0">
+                <a:solidFill>
+                  <a:srgbClr val="000000"/>
+                </a:solidFill>
+                <a:effectLst/>
+                <a:latin typeface="-apple-system"/>
+              </a:rPr>
+              <a:t>  is imported</a:t>
             </a:r>
           </a:p>
           <a:p>
@@ -9306,7 +9366,43 @@
                 </a:solidFill>
                 <a:latin typeface="-apple-system"/>
               </a:rPr>
-              <a:t>Angular Model-driven Forms </a:t>
+              <a:t>Angular Model-driven Forms / </a:t>
+            </a:r>
+            <a:r>
+              <a:rPr lang="en-US" dirty="0" err="1">
+                <a:solidFill>
+                  <a:srgbClr val="000000"/>
+                </a:solidFill>
+                <a:latin typeface="-apple-system"/>
+              </a:rPr>
+              <a:t>ReactiveForm</a:t>
+            </a:r>
+            <a:r>
+              <a:rPr lang="en-US" dirty="0">
+                <a:solidFill>
+                  <a:srgbClr val="000000"/>
+                </a:solidFill>
+                <a:latin typeface="-apple-system"/>
+              </a:rPr>
+              <a:t> =&gt; </a:t>
+            </a:r>
+            <a:r>
+              <a:rPr lang="en-US" dirty="0" err="1">
+                <a:solidFill>
+                  <a:srgbClr val="000000"/>
+                </a:solidFill>
+                <a:latin typeface="-apple-system"/>
+              </a:rPr>
+              <a:t>ReactiveFormsModule</a:t>
+            </a:r>
+            <a:r>
+              <a:rPr lang="en-US" dirty="0">
+                <a:solidFill>
+                  <a:srgbClr val="000000"/>
+                </a:solidFill>
+                <a:latin typeface="-apple-system"/>
+              </a:rPr>
+              <a:t> </a:t>
             </a:r>
             <a:endParaRPr lang="en-IN" dirty="0"/>
           </a:p>
@@ -9517,7 +9613,7 @@
               <a:tabLst/>
             </a:pPr>
             <a:r>
-              <a:rPr kumimoji="0" lang="en-US" altLang="en-US" sz="2000" b="0" i="0" u="none" strike="noStrike" cap="none" normalizeH="0" baseline="0">
+              <a:rPr kumimoji="0" lang="en-US" altLang="en-US" sz="2000" b="0" i="0" u="none" strike="noStrike" cap="none" normalizeH="0" baseline="0" dirty="0">
                 <a:ln>
                   <a:noFill/>
                 </a:ln>
@@ -9529,7 +9625,7 @@
               </a:rPr>
               <a:t>The Template-driven forms </a:t>
             </a:r>
-            <a:endParaRPr kumimoji="0" lang="en-US" altLang="en-US" sz="2000" b="0" i="0" u="none" strike="noStrike" cap="none" normalizeH="0" baseline="0">
+            <a:endParaRPr kumimoji="0" lang="en-US" altLang="en-US" sz="2000" b="0" i="0" u="none" strike="noStrike" cap="none" normalizeH="0" baseline="0" dirty="0">
               <a:ln>
                 <a:noFill/>
               </a:ln>
@@ -9557,7 +9653,7 @@
               <a:tabLst/>
             </a:pPr>
             <a:r>
-              <a:rPr kumimoji="0" lang="en-US" altLang="en-US" sz="2000" b="0" i="0" u="none" strike="noStrike" cap="none" normalizeH="0" baseline="0">
+              <a:rPr kumimoji="0" lang="en-US" altLang="en-US" sz="2000" b="0" i="0" u="none" strike="noStrike" cap="none" normalizeH="0" baseline="0" dirty="0">
                 <a:ln>
                   <a:noFill/>
                 </a:ln>
@@ -9567,7 +9663,33 @@
                 <a:effectLst/>
                 <a:latin typeface="-apple-system"/>
               </a:rPr>
-              <a:t>The form is set up using ngForm directive</a:t>
+              <a:t>The form is set up using </a:t>
+            </a:r>
+            <a:r>
+              <a:rPr kumimoji="0" lang="en-US" altLang="en-US" sz="2000" b="0" i="0" u="none" strike="noStrike" cap="none" normalizeH="0" baseline="0" dirty="0" err="1">
+                <a:ln>
+                  <a:noFill/>
+                </a:ln>
+                <a:solidFill>
+                  <a:srgbClr val="000000"/>
+                </a:solidFill>
+                <a:effectLst/>
+                <a:latin typeface="-apple-system"/>
+              </a:rPr>
+              <a:t>ngForm</a:t>
+            </a:r>
+            <a:r>
+              <a:rPr kumimoji="0" lang="en-US" altLang="en-US" sz="2000" b="0" i="0" u="none" strike="noStrike" cap="none" normalizeH="0" baseline="0" dirty="0">
+                <a:ln>
+                  <a:noFill/>
+                </a:ln>
+                <a:solidFill>
+                  <a:srgbClr val="000000"/>
+                </a:solidFill>
+                <a:effectLst/>
+                <a:latin typeface="-apple-system"/>
+              </a:rPr>
+              <a:t> directive</a:t>
             </a:r>
           </a:p>
           <a:p>
@@ -9588,7 +9710,7 @@
               <a:tabLst/>
             </a:pPr>
             <a:r>
-              <a:rPr kumimoji="0" lang="en-US" altLang="en-US" sz="2000" b="0" i="0" u="none" strike="noStrike" cap="none" normalizeH="0" baseline="0">
+              <a:rPr kumimoji="0" lang="en-US" altLang="en-US" sz="2000" b="0" i="0" u="none" strike="noStrike" cap="none" normalizeH="0" baseline="0" dirty="0">
                 <a:ln>
                   <a:noFill/>
                 </a:ln>
@@ -9598,7 +9720,33 @@
                 <a:effectLst/>
                 <a:latin typeface="-apple-system"/>
               </a:rPr>
-              <a:t>controls are set up using the ngModel directive</a:t>
+              <a:t>controls are set up using the </a:t>
+            </a:r>
+            <a:r>
+              <a:rPr kumimoji="0" lang="en-US" altLang="en-US" sz="2000" b="0" i="0" u="none" strike="noStrike" cap="none" normalizeH="0" baseline="0" dirty="0" err="1">
+                <a:ln>
+                  <a:noFill/>
+                </a:ln>
+                <a:solidFill>
+                  <a:srgbClr val="000000"/>
+                </a:solidFill>
+                <a:effectLst/>
+                <a:latin typeface="-apple-system"/>
+              </a:rPr>
+              <a:t>ngModel</a:t>
+            </a:r>
+            <a:r>
+              <a:rPr kumimoji="0" lang="en-US" altLang="en-US" sz="2000" b="0" i="0" u="none" strike="noStrike" cap="none" normalizeH="0" baseline="0" dirty="0">
+                <a:ln>
+                  <a:noFill/>
+                </a:ln>
+                <a:solidFill>
+                  <a:srgbClr val="000000"/>
+                </a:solidFill>
+                <a:effectLst/>
+                <a:latin typeface="-apple-system"/>
+              </a:rPr>
+              <a:t> directive</a:t>
             </a:r>
           </a:p>
           <a:p>
@@ -9619,7 +9767,7 @@
               <a:tabLst/>
             </a:pPr>
             <a:r>
-              <a:rPr kumimoji="0" lang="en-US" altLang="en-US" sz="2000" b="0" i="0" u="none" strike="noStrike" cap="none" normalizeH="0" baseline="0">
+              <a:rPr kumimoji="0" lang="en-US" altLang="en-US" sz="2000" b="0" i="0" u="none" strike="noStrike" cap="none" normalizeH="0" baseline="0" dirty="0" err="1">
                 <a:ln>
                   <a:noFill/>
                 </a:ln>
@@ -9629,7 +9777,20 @@
                 <a:effectLst/>
                 <a:latin typeface="-apple-system"/>
               </a:rPr>
-              <a:t>ngModel also provides the two-way data binding</a:t>
+              <a:t>ngModel</a:t>
+            </a:r>
+            <a:r>
+              <a:rPr kumimoji="0" lang="en-US" altLang="en-US" sz="2000" b="0" i="0" u="none" strike="noStrike" cap="none" normalizeH="0" baseline="0" dirty="0">
+                <a:ln>
+                  <a:noFill/>
+                </a:ln>
+                <a:solidFill>
+                  <a:srgbClr val="000000"/>
+                </a:solidFill>
+                <a:effectLst/>
+                <a:latin typeface="-apple-system"/>
+              </a:rPr>
+              <a:t> also provides the two-way data binding</a:t>
             </a:r>
           </a:p>
           <a:p>
@@ -9650,7 +9811,7 @@
               <a:tabLst/>
             </a:pPr>
             <a:r>
-              <a:rPr kumimoji="0" lang="en-US" altLang="en-US" sz="2000" b="0" i="0" u="none" strike="noStrike" cap="none" normalizeH="0" baseline="0">
+              <a:rPr kumimoji="0" lang="en-US" altLang="en-US" sz="2000" b="0" i="0" u="none" strike="noStrike" cap="none" normalizeH="0" baseline="0" dirty="0">
                 <a:ln>
                   <a:noFill/>
                 </a:ln>
@@ -9681,7 +9842,7 @@
               <a:tabLst/>
             </a:pPr>
             <a:br>
-              <a:rPr kumimoji="0" lang="en-US" altLang="en-US" sz="2000" b="0" i="0" u="none" strike="noStrike" cap="none" normalizeH="0" baseline="0">
+              <a:rPr kumimoji="0" lang="en-US" altLang="en-US" sz="2000" b="0" i="0" u="none" strike="noStrike" cap="none" normalizeH="0" baseline="0" dirty="0">
                 <a:ln>
                   <a:noFill/>
                 </a:ln>
@@ -9691,7 +9852,7 @@
                 <a:effectLst/>
               </a:rPr>
             </a:br>
-            <a:endParaRPr kumimoji="0" lang="en-US" altLang="en-US" sz="2000" b="0" i="0" u="none" strike="noStrike" cap="none" normalizeH="0" baseline="0">
+            <a:endParaRPr kumimoji="0" lang="en-US" altLang="en-US" sz="2000" b="0" i="0" u="none" strike="noStrike" cap="none" normalizeH="0" baseline="0" dirty="0">
               <a:ln>
                 <a:noFill/>
               </a:ln>
@@ -10765,6 +10926,19 @@
               <a:tabLst/>
             </a:pPr>
             <a:r>
+              <a:rPr kumimoji="0" lang="en-US" altLang="en-US" sz="2000" b="0" i="0" u="none" strike="noStrike" cap="none" normalizeH="0" baseline="0" dirty="0">
+                <a:ln>
+                  <a:noFill/>
+                </a:ln>
+                <a:solidFill>
+                  <a:srgbClr val="000000"/>
+                </a:solidFill>
+                <a:effectLst/>
+                <a:latin typeface="-apple-system"/>
+              </a:rPr>
+              <a:t>Creates </a:t>
+            </a:r>
+            <a:r>
               <a:rPr kumimoji="0" lang="en-US" altLang="en-US" sz="2000" b="0" i="0" u="none" strike="noStrike" cap="none" normalizeH="0" baseline="0" dirty="0" err="1">
                 <a:ln>
                   <a:noFill/>
@@ -10775,7 +10949,7 @@
                 <a:effectLst/>
                 <a:latin typeface="-apple-system"/>
               </a:rPr>
-              <a:t>CreatesFormControl</a:t>
+              <a:t>FormControl</a:t>
             </a:r>
             <a:r>
               <a:rPr kumimoji="0" lang="en-US" altLang="en-US" sz="2000" b="0" i="0" u="none" strike="noStrike" cap="none" normalizeH="0" baseline="0" dirty="0">
@@ -10835,6 +11009,19 @@
               <a:tabLst/>
             </a:pPr>
             <a:r>
+              <a:rPr kumimoji="0" lang="en-US" altLang="en-US" sz="2000" b="0" i="0" u="none" strike="noStrike" cap="none" normalizeH="0" baseline="0" dirty="0">
+                <a:ln>
+                  <a:noFill/>
+                </a:ln>
+                <a:solidFill>
+                  <a:srgbClr val="000000"/>
+                </a:solidFill>
+                <a:effectLst/>
+                <a:latin typeface="-apple-system"/>
+              </a:rPr>
+              <a:t>Creates </a:t>
+            </a:r>
+            <a:r>
               <a:rPr kumimoji="0" lang="en-US" altLang="en-US" sz="2000" b="0" i="0" u="none" strike="noStrike" cap="none" normalizeH="0" baseline="0" dirty="0" err="1">
                 <a:ln>
                   <a:noFill/>
@@ -10845,7 +11032,7 @@
                 <a:effectLst/>
                 <a:latin typeface="-apple-system"/>
               </a:rPr>
-              <a:t>CreatesFormGroup</a:t>
+              <a:t>FormGroup</a:t>
             </a:r>
             <a:r>
               <a:rPr kumimoji="0" lang="en-US" altLang="en-US" sz="2000" b="0" i="0" u="none" strike="noStrike" cap="none" normalizeH="0" baseline="0" dirty="0">
@@ -13112,7 +13299,7 @@
             </a:r>
             <a:r>
               <a:rPr lang="en-US" dirty="0" err="1"/>
-              <a:t>I,e</a:t>
+              <a:t>i.e</a:t>
             </a:r>
             <a:r>
               <a:rPr lang="en-US" dirty="0"/>
@@ -13152,7 +13339,7 @@
           <a:p>
             <a:r>
               <a:rPr lang="en-US" dirty="0"/>
-              <a:t>Import </a:t>
+              <a:t>Import  </a:t>
             </a:r>
             <a:r>
               <a:rPr lang="en-US" dirty="0" err="1"/>

--- a/LTI_Angular/PPT/AngularForms.pptx
+++ b/LTI_Angular/PPT/AngularForms.pptx
@@ -2,7 +2,7 @@
 <file path=ppt/presentation.xml><?xml version="1.0" encoding="utf-8"?>
 <p:presentation xmlns:a="http://schemas.openxmlformats.org/drawingml/2006/main" xmlns:r="http://schemas.openxmlformats.org/officeDocument/2006/relationships" xmlns:p="http://schemas.openxmlformats.org/presentationml/2006/main" saveSubsetFonts="1">
   <p:sldMasterIdLst>
-    <p:sldMasterId id="2147483660" r:id="rId1"/>
+    <p:sldMasterId id="2147483720" r:id="rId1"/>
   </p:sldMasterIdLst>
   <p:sldIdLst>
     <p:sldId id="256" r:id="rId2"/>
@@ -119,7 +119,7 @@
   </p:defaultTextStyle>
   <p:extLst>
     <p:ext uri="{EFAFB233-063F-42B5-8137-9DF3F51BA10A}">
-      <p15:sldGuideLst xmlns:p15="http://schemas.microsoft.com/office/powerpoint/2012/main"/>
+      <p15:sldGuideLst xmlns="" xmlns:p15="http://schemas.microsoft.com/office/powerpoint/2012/main"/>
     </p:ext>
   </p:extLst>
 </p:presentation>
@@ -128,6 +128,11 @@
 <file path=ppt/slideLayouts/slideLayout1.xml><?xml version="1.0" encoding="utf-8"?>
 <p:sldLayout xmlns:a="http://schemas.openxmlformats.org/drawingml/2006/main" xmlns:r="http://schemas.openxmlformats.org/officeDocument/2006/relationships" xmlns:p="http://schemas.openxmlformats.org/presentationml/2006/main" type="title" preserve="1">
   <p:cSld name="Title Slide">
+    <p:bg>
+      <p:bgRef idx="1002">
+        <a:schemeClr val="bg2"/>
+      </p:bgRef>
+    </p:bg>
     <p:spTree>
       <p:nvGrpSpPr>
         <p:cNvPr id="1" name=""/>
@@ -144,479 +149,7 @@
       </p:grpSpPr>
       <p:sp>
         <p:nvSpPr>
-          <p:cNvPr id="7" name="Rectangle 6">
-            <a:extLst>
-              <a:ext uri="{FF2B5EF4-FFF2-40B4-BE49-F238E27FC236}">
-                <a16:creationId xmlns:a16="http://schemas.microsoft.com/office/drawing/2014/main" id="{FB45BD54-D254-4322-AF58-CAE8257A3F82}"/>
-              </a:ext>
-            </a:extLst>
-          </p:cNvPr>
-          <p:cNvSpPr/>
-          <p:nvPr/>
-        </p:nvSpPr>
-        <p:spPr>
-          <a:xfrm>
-            <a:off x="0" y="0"/>
-            <a:ext cx="4710545" cy="6858000"/>
-          </a:xfrm>
-          <a:prstGeom prst="rect">
-            <a:avLst/>
-          </a:prstGeom>
-          <a:solidFill>
-            <a:srgbClr val="0070C0"/>
-          </a:solidFill>
-          <a:ln>
-            <a:noFill/>
-          </a:ln>
-        </p:spPr>
-        <p:style>
-          <a:lnRef idx="2">
-            <a:schemeClr val="accent1">
-              <a:shade val="50000"/>
-            </a:schemeClr>
-          </a:lnRef>
-          <a:fillRef idx="1">
-            <a:schemeClr val="accent1"/>
-          </a:fillRef>
-          <a:effectRef idx="0">
-            <a:schemeClr val="accent1"/>
-          </a:effectRef>
-          <a:fontRef idx="minor">
-            <a:schemeClr val="lt1"/>
-          </a:fontRef>
-        </p:style>
-        <p:txBody>
-          <a:bodyPr rtlCol="0" anchor="ctr"/>
-          <a:lstStyle/>
-          <a:p>
-            <a:pPr algn="ctr"/>
-            <a:endParaRPr lang="en-US"/>
-          </a:p>
-        </p:txBody>
-      </p:sp>
-      <p:sp>
-        <p:nvSpPr>
-          <p:cNvPr id="8" name="Rectangle 7">
-            <a:extLst>
-              <a:ext uri="{FF2B5EF4-FFF2-40B4-BE49-F238E27FC236}">
-                <a16:creationId xmlns:a16="http://schemas.microsoft.com/office/drawing/2014/main" id="{F10DB2E3-BEBB-417E-9A38-25C15BFBA35A}"/>
-              </a:ext>
-            </a:extLst>
-          </p:cNvPr>
-          <p:cNvSpPr/>
-          <p:nvPr/>
-        </p:nvSpPr>
-        <p:spPr>
-          <a:xfrm>
-            <a:off x="3579669" y="198650"/>
-            <a:ext cx="8409707" cy="6433806"/>
-          </a:xfrm>
-          <a:prstGeom prst="rect">
-            <a:avLst/>
-          </a:prstGeom>
-          <a:solidFill>
-            <a:schemeClr val="bg1"/>
-          </a:solidFill>
-          <a:ln>
-            <a:solidFill>
-              <a:schemeClr val="accent3">
-                <a:lumMod val="20000"/>
-                <a:lumOff val="80000"/>
-              </a:schemeClr>
-            </a:solidFill>
-          </a:ln>
-        </p:spPr>
-        <p:style>
-          <a:lnRef idx="2">
-            <a:schemeClr val="accent1">
-              <a:shade val="50000"/>
-            </a:schemeClr>
-          </a:lnRef>
-          <a:fillRef idx="1">
-            <a:schemeClr val="accent1"/>
-          </a:fillRef>
-          <a:effectRef idx="0">
-            <a:schemeClr val="accent1"/>
-          </a:effectRef>
-          <a:fontRef idx="minor">
-            <a:schemeClr val="lt1"/>
-          </a:fontRef>
-        </p:style>
-        <p:txBody>
-          <a:bodyPr rtlCol="0" anchor="ctr"/>
-          <a:lstStyle/>
-          <a:p>
-            <a:pPr algn="ctr"/>
-            <a:endParaRPr lang="en-US"/>
-          </a:p>
-        </p:txBody>
-      </p:sp>
-      <p:pic>
-        <p:nvPicPr>
-          <p:cNvPr id="9" name="Picture 8">
-            <a:extLst>
-              <a:ext uri="{FF2B5EF4-FFF2-40B4-BE49-F238E27FC236}">
-                <a16:creationId xmlns:a16="http://schemas.microsoft.com/office/drawing/2014/main" id="{D263A75F-78DF-42A9-BC21-1C7D5E55C115}"/>
-              </a:ext>
-            </a:extLst>
-          </p:cNvPr>
-          <p:cNvPicPr>
-            <a:picLocks noChangeAspect="1"/>
-          </p:cNvPicPr>
-          <p:nvPr/>
-        </p:nvPicPr>
-        <p:blipFill>
-          <a:blip r:embed="rId2">
-            <a:biLevel thresh="25000"/>
-            <a:extLst>
-              <a:ext uri="{28A0092B-C50C-407E-A947-70E740481C1C}">
-                <a14:useLocalDpi xmlns:a14="http://schemas.microsoft.com/office/drawing/2010/main" val="0"/>
-              </a:ext>
-            </a:extLst>
-          </a:blip>
-          <a:stretch>
-            <a:fillRect/>
-          </a:stretch>
-        </p:blipFill>
-        <p:spPr>
-          <a:xfrm>
-            <a:off x="452427" y="2435170"/>
-            <a:ext cx="2650991" cy="1213895"/>
-          </a:xfrm>
-          <a:prstGeom prst="rect">
-            <a:avLst/>
-          </a:prstGeom>
-        </p:spPr>
-      </p:pic>
-      <p:sp>
-        <p:nvSpPr>
-          <p:cNvPr id="10" name="Rectangle 9">
-            <a:extLst>
-              <a:ext uri="{FF2B5EF4-FFF2-40B4-BE49-F238E27FC236}">
-                <a16:creationId xmlns:a16="http://schemas.microsoft.com/office/drawing/2014/main" id="{2B1FEF01-CFDC-4705-BBAE-88BD256BEE19}"/>
-              </a:ext>
-            </a:extLst>
-          </p:cNvPr>
-          <p:cNvSpPr/>
-          <p:nvPr/>
-        </p:nvSpPr>
-        <p:spPr>
-          <a:xfrm>
-            <a:off x="11194473" y="6359236"/>
-            <a:ext cx="775853" cy="249382"/>
-          </a:xfrm>
-          <a:prstGeom prst="rect">
-            <a:avLst/>
-          </a:prstGeom>
-          <a:solidFill>
-            <a:srgbClr val="00B0F0"/>
-          </a:solidFill>
-          <a:ln>
-            <a:noFill/>
-          </a:ln>
-        </p:spPr>
-        <p:style>
-          <a:lnRef idx="2">
-            <a:schemeClr val="accent1">
-              <a:shade val="50000"/>
-            </a:schemeClr>
-          </a:lnRef>
-          <a:fillRef idx="1">
-            <a:schemeClr val="accent1"/>
-          </a:fillRef>
-          <a:effectRef idx="0">
-            <a:schemeClr val="accent1"/>
-          </a:effectRef>
-          <a:fontRef idx="minor">
-            <a:schemeClr val="lt1"/>
-          </a:fontRef>
-        </p:style>
-        <p:txBody>
-          <a:bodyPr rtlCol="0" anchor="ctr"/>
-          <a:lstStyle/>
-          <a:p>
-            <a:pPr algn="ctr"/>
-            <a:r>
-              <a:rPr lang="en-US" sz="900" dirty="0">
-                <a:solidFill>
-                  <a:schemeClr val="bg1"/>
-                </a:solidFill>
-                <a:latin typeface="Segoe UI" panose="020B0502040204020203" pitchFamily="34" charset="0"/>
-                <a:ea typeface="Segoe UI" panose="020B0502040204020203" pitchFamily="34" charset="0"/>
-                <a:cs typeface="Segoe UI" panose="020B0502040204020203" pitchFamily="34" charset="0"/>
-              </a:rPr>
-              <a:t>Manage</a:t>
-            </a:r>
-          </a:p>
-        </p:txBody>
-      </p:sp>
-      <p:sp>
-        <p:nvSpPr>
-          <p:cNvPr id="11" name="Rectangle 10">
-            <a:extLst>
-              <a:ext uri="{FF2B5EF4-FFF2-40B4-BE49-F238E27FC236}">
-                <a16:creationId xmlns:a16="http://schemas.microsoft.com/office/drawing/2014/main" id="{776D622D-9BE6-4C9D-8064-B078A5E909E2}"/>
-              </a:ext>
-            </a:extLst>
-          </p:cNvPr>
-          <p:cNvSpPr/>
-          <p:nvPr/>
-        </p:nvSpPr>
-        <p:spPr>
-          <a:xfrm>
-            <a:off x="10401669" y="6359236"/>
-            <a:ext cx="775853" cy="249382"/>
-          </a:xfrm>
-          <a:prstGeom prst="rect">
-            <a:avLst/>
-          </a:prstGeom>
-          <a:solidFill>
-            <a:srgbClr val="FFC000"/>
-          </a:solidFill>
-          <a:ln>
-            <a:noFill/>
-          </a:ln>
-        </p:spPr>
-        <p:style>
-          <a:lnRef idx="2">
-            <a:schemeClr val="accent1">
-              <a:shade val="50000"/>
-            </a:schemeClr>
-          </a:lnRef>
-          <a:fillRef idx="1">
-            <a:schemeClr val="accent1"/>
-          </a:fillRef>
-          <a:effectRef idx="0">
-            <a:schemeClr val="accent1"/>
-          </a:effectRef>
-          <a:fontRef idx="minor">
-            <a:schemeClr val="lt1"/>
-          </a:fontRef>
-        </p:style>
-        <p:txBody>
-          <a:bodyPr rtlCol="0" anchor="ctr"/>
-          <a:lstStyle/>
-          <a:p>
-            <a:pPr algn="ctr"/>
-            <a:r>
-              <a:rPr lang="en-US" sz="900" dirty="0">
-                <a:solidFill>
-                  <a:schemeClr val="bg1"/>
-                </a:solidFill>
-                <a:latin typeface="Segoe UI" panose="020B0502040204020203" pitchFamily="34" charset="0"/>
-                <a:ea typeface="Segoe UI" panose="020B0502040204020203" pitchFamily="34" charset="0"/>
-                <a:cs typeface="Segoe UI" panose="020B0502040204020203" pitchFamily="34" charset="0"/>
-              </a:rPr>
-              <a:t>Implement</a:t>
-            </a:r>
-          </a:p>
-        </p:txBody>
-      </p:sp>
-      <p:sp>
-        <p:nvSpPr>
-          <p:cNvPr id="12" name="Rectangle 11">
-            <a:extLst>
-              <a:ext uri="{FF2B5EF4-FFF2-40B4-BE49-F238E27FC236}">
-                <a16:creationId xmlns:a16="http://schemas.microsoft.com/office/drawing/2014/main" id="{7B9C8AFD-31CF-44B5-815D-F706827DA94E}"/>
-              </a:ext>
-            </a:extLst>
-          </p:cNvPr>
-          <p:cNvSpPr/>
-          <p:nvPr/>
-        </p:nvSpPr>
-        <p:spPr>
-          <a:xfrm>
-            <a:off x="9608865" y="6359236"/>
-            <a:ext cx="775853" cy="249382"/>
-          </a:xfrm>
-          <a:prstGeom prst="rect">
-            <a:avLst/>
-          </a:prstGeom>
-          <a:solidFill>
-            <a:srgbClr val="33CC33"/>
-          </a:solidFill>
-          <a:ln>
-            <a:noFill/>
-          </a:ln>
-        </p:spPr>
-        <p:style>
-          <a:lnRef idx="2">
-            <a:schemeClr val="accent1">
-              <a:shade val="50000"/>
-            </a:schemeClr>
-          </a:lnRef>
-          <a:fillRef idx="1">
-            <a:schemeClr val="accent1"/>
-          </a:fillRef>
-          <a:effectRef idx="0">
-            <a:schemeClr val="accent1"/>
-          </a:effectRef>
-          <a:fontRef idx="minor">
-            <a:schemeClr val="lt1"/>
-          </a:fontRef>
-        </p:style>
-        <p:txBody>
-          <a:bodyPr rtlCol="0" anchor="ctr"/>
-          <a:lstStyle/>
-          <a:p>
-            <a:pPr algn="ctr"/>
-            <a:r>
-              <a:rPr lang="en-US" sz="900" dirty="0">
-                <a:solidFill>
-                  <a:schemeClr val="bg1"/>
-                </a:solidFill>
-                <a:latin typeface="Segoe UI" panose="020B0502040204020203" pitchFamily="34" charset="0"/>
-                <a:ea typeface="Segoe UI" panose="020B0502040204020203" pitchFamily="34" charset="0"/>
-                <a:cs typeface="Segoe UI" panose="020B0502040204020203" pitchFamily="34" charset="0"/>
-              </a:rPr>
-              <a:t>Advise</a:t>
-            </a:r>
-          </a:p>
-        </p:txBody>
-      </p:sp>
-      <p:sp>
-        <p:nvSpPr>
-          <p:cNvPr id="13" name="Rectangle 12">
-            <a:extLst>
-              <a:ext uri="{FF2B5EF4-FFF2-40B4-BE49-F238E27FC236}">
-                <a16:creationId xmlns:a16="http://schemas.microsoft.com/office/drawing/2014/main" id="{CCB5F93B-4C98-41CB-94D6-75C066006312}"/>
-              </a:ext>
-            </a:extLst>
-          </p:cNvPr>
-          <p:cNvSpPr/>
-          <p:nvPr/>
-        </p:nvSpPr>
-        <p:spPr>
-          <a:xfrm>
-            <a:off x="8816061" y="6359236"/>
-            <a:ext cx="775853" cy="249382"/>
-          </a:xfrm>
-          <a:prstGeom prst="rect">
-            <a:avLst/>
-          </a:prstGeom>
-          <a:solidFill>
-            <a:schemeClr val="accent2"/>
-          </a:solidFill>
-          <a:ln>
-            <a:noFill/>
-          </a:ln>
-        </p:spPr>
-        <p:style>
-          <a:lnRef idx="2">
-            <a:schemeClr val="accent1">
-              <a:shade val="50000"/>
-            </a:schemeClr>
-          </a:lnRef>
-          <a:fillRef idx="1">
-            <a:schemeClr val="accent1"/>
-          </a:fillRef>
-          <a:effectRef idx="0">
-            <a:schemeClr val="accent1"/>
-          </a:effectRef>
-          <a:fontRef idx="minor">
-            <a:schemeClr val="lt1"/>
-          </a:fontRef>
-        </p:style>
-        <p:txBody>
-          <a:bodyPr rtlCol="0" anchor="ctr"/>
-          <a:lstStyle/>
-          <a:p>
-            <a:pPr algn="ctr"/>
-            <a:r>
-              <a:rPr lang="en-US" sz="900" dirty="0">
-                <a:solidFill>
-                  <a:schemeClr val="bg1"/>
-                </a:solidFill>
-                <a:latin typeface="Segoe UI" panose="020B0502040204020203" pitchFamily="34" charset="0"/>
-                <a:ea typeface="Segoe UI" panose="020B0502040204020203" pitchFamily="34" charset="0"/>
-                <a:cs typeface="Segoe UI" panose="020B0502040204020203" pitchFamily="34" charset="0"/>
-              </a:rPr>
-              <a:t>Educate</a:t>
-            </a:r>
-          </a:p>
-        </p:txBody>
-      </p:sp>
-      <p:pic>
-        <p:nvPicPr>
-          <p:cNvPr id="14" name="Picture 13">
-            <a:extLst>
-              <a:ext uri="{FF2B5EF4-FFF2-40B4-BE49-F238E27FC236}">
-                <a16:creationId xmlns:a16="http://schemas.microsoft.com/office/drawing/2014/main" id="{0F325318-E234-4F36-8B87-16BA513E587C}"/>
-              </a:ext>
-            </a:extLst>
-          </p:cNvPr>
-          <p:cNvPicPr>
-            <a:picLocks noChangeAspect="1"/>
-          </p:cNvPicPr>
-          <p:nvPr/>
-        </p:nvPicPr>
-        <p:blipFill>
-          <a:blip r:embed="rId3">
-            <a:extLst>
-              <a:ext uri="{28A0092B-C50C-407E-A947-70E740481C1C}">
-                <a14:useLocalDpi xmlns:a14="http://schemas.microsoft.com/office/drawing/2010/main" val="0"/>
-              </a:ext>
-            </a:extLst>
-          </a:blip>
-          <a:stretch>
-            <a:fillRect/>
-          </a:stretch>
-        </p:blipFill>
-        <p:spPr>
-          <a:xfrm>
-            <a:off x="8162724" y="5082520"/>
-            <a:ext cx="1724772" cy="496382"/>
-          </a:xfrm>
-          <a:prstGeom prst="rect">
-            <a:avLst/>
-          </a:prstGeom>
-        </p:spPr>
-      </p:pic>
-      <p:pic>
-        <p:nvPicPr>
-          <p:cNvPr id="15" name="Picture 14">
-            <a:extLst>
-              <a:ext uri="{FF2B5EF4-FFF2-40B4-BE49-F238E27FC236}">
-                <a16:creationId xmlns:a16="http://schemas.microsoft.com/office/drawing/2014/main" id="{33C151AA-4A07-419B-9ED6-CEF6AC61C135}"/>
-              </a:ext>
-            </a:extLst>
-          </p:cNvPr>
-          <p:cNvPicPr>
-            <a:picLocks noChangeAspect="1"/>
-          </p:cNvPicPr>
-          <p:nvPr/>
-        </p:nvPicPr>
-        <p:blipFill>
-          <a:blip r:embed="rId4">
-            <a:extLst>
-              <a:ext uri="{28A0092B-C50C-407E-A947-70E740481C1C}">
-                <a14:useLocalDpi xmlns:a14="http://schemas.microsoft.com/office/drawing/2010/main" val="0"/>
-              </a:ext>
-            </a:extLst>
-          </a:blip>
-          <a:stretch>
-            <a:fillRect/>
-          </a:stretch>
-        </p:blipFill>
-        <p:spPr>
-          <a:xfrm>
-            <a:off x="5699516" y="4978669"/>
-            <a:ext cx="2166937" cy="704084"/>
-          </a:xfrm>
-          <a:prstGeom prst="rect">
-            <a:avLst/>
-          </a:prstGeom>
-        </p:spPr>
-      </p:pic>
-      <p:sp>
-        <p:nvSpPr>
-          <p:cNvPr id="2" name="Title 1">
-            <a:extLst>
-              <a:ext uri="{FF2B5EF4-FFF2-40B4-BE49-F238E27FC236}">
-                <a16:creationId xmlns:a16="http://schemas.microsoft.com/office/drawing/2014/main" id="{357F1B1E-B7D1-4F84-BC64-4CE0DB37DA10}"/>
-              </a:ext>
-            </a:extLst>
-          </p:cNvPr>
+          <p:cNvPr id="9" name="Title 8"/>
           <p:cNvSpPr>
             <a:spLocks noGrp="1"/>
           </p:cNvSpPr>
@@ -626,45 +159,70 @@
         </p:nvSpPr>
         <p:spPr>
           <a:xfrm>
-            <a:off x="3778624" y="1574538"/>
-            <a:ext cx="8001000" cy="1701519"/>
+            <a:off x="711200" y="1371600"/>
+            <a:ext cx="10468864" cy="1828800"/>
           </a:xfrm>
+          <a:ln>
+            <a:noFill/>
+          </a:ln>
         </p:spPr>
         <p:txBody>
-          <a:bodyPr anchor="ctr">
+          <a:bodyPr vert="horz" tIns="0" rIns="18288" bIns="0" anchor="b">
             <a:normAutofit/>
+            <a:scene3d>
+              <a:camera prst="orthographicFront"/>
+              <a:lightRig rig="freezing" dir="t">
+                <a:rot lat="0" lon="0" rev="5640000"/>
+              </a:lightRig>
+            </a:scene3d>
+            <a:sp3d prstMaterial="flat">
+              <a:bevelT w="38100" h="38100"/>
+              <a:contourClr>
+                <a:schemeClr val="tx2"/>
+              </a:contourClr>
+            </a:sp3d>
           </a:bodyPr>
           <a:lstStyle>
-            <a:lvl1pPr algn="ctr">
-              <a:defRPr sz="4000">
-                <a:solidFill>
-                  <a:schemeClr val="tx1">
-                    <a:lumMod val="50000"/>
-                    <a:lumOff val="50000"/>
+            <a:lvl1pPr algn="r" rtl="0">
+              <a:spcBef>
+                <a:spcPct val="0"/>
+              </a:spcBef>
+              <a:buNone/>
+              <a:defRPr sz="5600" b="1">
+                <a:ln>
+                  <a:noFill/>
+                </a:ln>
+                <a:solidFill>
+                  <a:schemeClr val="accent3">
+                    <a:tint val="90000"/>
+                    <a:satMod val="120000"/>
                   </a:schemeClr>
                 </a:solidFill>
-                <a:latin typeface="Trebuchet MS" panose="020B0603020202020204" pitchFamily="34" charset="0"/>
+                <a:effectLst>
+                  <a:outerShdw blurRad="38100" dist="25400" dir="5400000" algn="tl" rotWithShape="0">
+                    <a:srgbClr val="000000">
+                      <a:alpha val="43000"/>
+                    </a:srgbClr>
+                  </a:outerShdw>
+                </a:effectLst>
+                <a:latin typeface="+mj-lt"/>
+                <a:ea typeface="+mj-ea"/>
+                <a:cs typeface="+mj-cs"/>
               </a:defRPr>
             </a:lvl1pPr>
           </a:lstStyle>
           <a:p>
             <a:r>
-              <a:rPr lang="en-US"/>
+              <a:rPr kumimoji="0" lang="en-US" smtClean="0"/>
               <a:t>Click to edit Master title style</a:t>
             </a:r>
-            <a:endParaRPr lang="en-US" dirty="0"/>
-          </a:p>
-        </p:txBody>
-      </p:sp>
-      <p:sp>
-        <p:nvSpPr>
-          <p:cNvPr id="3" name="Subtitle 2">
-            <a:extLst>
-              <a:ext uri="{FF2B5EF4-FFF2-40B4-BE49-F238E27FC236}">
-                <a16:creationId xmlns:a16="http://schemas.microsoft.com/office/drawing/2014/main" id="{EE486D6E-6BA8-4C52-924A-59253267AF57}"/>
-              </a:ext>
-            </a:extLst>
-          </p:cNvPr>
+            <a:endParaRPr kumimoji="0" lang="en-US"/>
+          </a:p>
+        </p:txBody>
+      </p:sp>
+      <p:sp>
+        <p:nvSpPr>
+          <p:cNvPr id="17" name="Subtitle 16"/>
           <p:cNvSpPr>
             <a:spLocks noGrp="1"/>
           </p:cNvSpPr>
@@ -674,73 +232,58 @@
         </p:nvSpPr>
         <p:spPr>
           <a:xfrm>
-            <a:off x="3778624" y="3602038"/>
-            <a:ext cx="8001000" cy="806816"/>
+            <a:off x="711200" y="3228536"/>
+            <a:ext cx="10472928" cy="1752600"/>
           </a:xfrm>
         </p:spPr>
         <p:txBody>
-          <a:bodyPr anchor="ctr"/>
+          <a:bodyPr lIns="0" rIns="18288"/>
           <a:lstStyle>
-            <a:lvl1pPr marL="0" indent="0" algn="ctr">
+            <a:lvl1pPr marL="0" marR="45720" indent="0" algn="r">
               <a:buNone/>
-              <a:defRPr sz="2400">
-                <a:solidFill>
-                  <a:srgbClr val="0070C0"/>
-                </a:solidFill>
-                <a:latin typeface="Trebuchet MS" panose="020B0603020202020204" pitchFamily="34" charset="0"/>
+              <a:defRPr>
+                <a:solidFill>
+                  <a:schemeClr val="tx1"/>
+                </a:solidFill>
               </a:defRPr>
             </a:lvl1pPr>
             <a:lvl2pPr marL="457200" indent="0" algn="ctr">
               <a:buNone/>
-              <a:defRPr sz="2000"/>
             </a:lvl2pPr>
             <a:lvl3pPr marL="914400" indent="0" algn="ctr">
               <a:buNone/>
-              <a:defRPr sz="1800"/>
             </a:lvl3pPr>
             <a:lvl4pPr marL="1371600" indent="0" algn="ctr">
               <a:buNone/>
-              <a:defRPr sz="1600"/>
             </a:lvl4pPr>
             <a:lvl5pPr marL="1828800" indent="0" algn="ctr">
               <a:buNone/>
-              <a:defRPr sz="1600"/>
             </a:lvl5pPr>
             <a:lvl6pPr marL="2286000" indent="0" algn="ctr">
               <a:buNone/>
-              <a:defRPr sz="1600"/>
             </a:lvl6pPr>
             <a:lvl7pPr marL="2743200" indent="0" algn="ctr">
               <a:buNone/>
-              <a:defRPr sz="1600"/>
             </a:lvl7pPr>
             <a:lvl8pPr marL="3200400" indent="0" algn="ctr">
               <a:buNone/>
-              <a:defRPr sz="1600"/>
             </a:lvl8pPr>
             <a:lvl9pPr marL="3657600" indent="0" algn="ctr">
               <a:buNone/>
-              <a:defRPr sz="1600"/>
             </a:lvl9pPr>
           </a:lstStyle>
           <a:p>
             <a:r>
-              <a:rPr lang="en-US"/>
+              <a:rPr kumimoji="0" lang="en-US" smtClean="0"/>
               <a:t>Click to edit Master subtitle style</a:t>
             </a:r>
-            <a:endParaRPr lang="en-US" dirty="0"/>
-          </a:p>
-        </p:txBody>
-      </p:sp>
-      <p:sp>
-        <p:nvSpPr>
-          <p:cNvPr id="4" name="Date Placeholder 3">
-            <a:extLst>
-              <a:ext uri="{FF2B5EF4-FFF2-40B4-BE49-F238E27FC236}">
-                <a16:creationId xmlns:a16="http://schemas.microsoft.com/office/drawing/2014/main" id="{D3A3C5C8-6BE2-42E9-8B5A-2ED21D041198}"/>
-              </a:ext>
-            </a:extLst>
-          </p:cNvPr>
+            <a:endParaRPr kumimoji="0" lang="en-US"/>
+          </a:p>
+        </p:txBody>
+      </p:sp>
+      <p:sp>
+        <p:nvSpPr>
+          <p:cNvPr id="30" name="Date Placeholder 29"/>
           <p:cNvSpPr>
             <a:spLocks noGrp="1"/>
           </p:cNvSpPr>
@@ -755,7 +298,8 @@
           <a:p>
             <a:fld id="{D2474CCF-98B4-411A-8810-C31E8C29E19B}" type="datetimeFigureOut">
               <a:rPr lang="en-US" smtClean="0"/>
-              <a:t>9/16/2022</a:t>
+              <a:pPr/>
+              <a:t>11/8/2023</a:t>
             </a:fld>
             <a:endParaRPr lang="en-US"/>
           </a:p>
@@ -763,13 +307,7 @@
       </p:sp>
       <p:sp>
         <p:nvSpPr>
-          <p:cNvPr id="5" name="Footer Placeholder 4">
-            <a:extLst>
-              <a:ext uri="{FF2B5EF4-FFF2-40B4-BE49-F238E27FC236}">
-                <a16:creationId xmlns:a16="http://schemas.microsoft.com/office/drawing/2014/main" id="{5318EDC7-CDC2-4407-9F8F-C0CEAA400966}"/>
-              </a:ext>
-            </a:extLst>
-          </p:cNvPr>
+          <p:cNvPr id="19" name="Footer Placeholder 18"/>
           <p:cNvSpPr>
             <a:spLocks noGrp="1"/>
           </p:cNvSpPr>
@@ -788,13 +326,7 @@
       </p:sp>
       <p:sp>
         <p:nvSpPr>
-          <p:cNvPr id="6" name="Slide Number Placeholder 5">
-            <a:extLst>
-              <a:ext uri="{FF2B5EF4-FFF2-40B4-BE49-F238E27FC236}">
-                <a16:creationId xmlns:a16="http://schemas.microsoft.com/office/drawing/2014/main" id="{B6F695F3-58FF-4760-B1DC-C5025EA66D87}"/>
-              </a:ext>
-            </a:extLst>
-          </p:cNvPr>
+          <p:cNvPr id="27" name="Slide Number Placeholder 26"/>
           <p:cNvSpPr>
             <a:spLocks noGrp="1"/>
           </p:cNvSpPr>
@@ -809,251 +341,17 @@
           <a:p>
             <a:fld id="{A1FD0E78-183D-4F7D-A18B-8A4BED7B6988}" type="slidenum">
               <a:rPr lang="en-US" smtClean="0"/>
+              <a:pPr/>
               <a:t>‹#›</a:t>
             </a:fld>
             <a:endParaRPr lang="en-US"/>
           </a:p>
         </p:txBody>
       </p:sp>
-      <p:cxnSp>
-        <p:nvCxnSpPr>
-          <p:cNvPr id="17" name="Straight Connector 16">
-            <a:extLst>
-              <a:ext uri="{FF2B5EF4-FFF2-40B4-BE49-F238E27FC236}">
-                <a16:creationId xmlns:a16="http://schemas.microsoft.com/office/drawing/2014/main" id="{70565CEE-49E5-468C-A0B4-83E886C61D84}"/>
-              </a:ext>
-            </a:extLst>
-          </p:cNvPr>
-          <p:cNvCxnSpPr/>
-          <p:nvPr/>
-        </p:nvCxnSpPr>
-        <p:spPr>
-          <a:xfrm>
-            <a:off x="3778624" y="3602038"/>
-            <a:ext cx="8001000" cy="0"/>
-          </a:xfrm>
-          <a:prstGeom prst="line">
-            <a:avLst/>
-          </a:prstGeom>
-        </p:spPr>
-        <p:style>
-          <a:lnRef idx="1">
-            <a:schemeClr val="accent1"/>
-          </a:lnRef>
-          <a:fillRef idx="0">
-            <a:schemeClr val="accent1"/>
-          </a:fillRef>
-          <a:effectRef idx="0">
-            <a:schemeClr val="accent1"/>
-          </a:effectRef>
-          <a:fontRef idx="minor">
-            <a:schemeClr val="tx1"/>
-          </a:fontRef>
-        </p:style>
-      </p:cxnSp>
-      <p:sp>
-        <p:nvSpPr>
-          <p:cNvPr id="18" name="Freeform: Shape 17">
-            <a:extLst>
-              <a:ext uri="{FF2B5EF4-FFF2-40B4-BE49-F238E27FC236}">
-                <a16:creationId xmlns:a16="http://schemas.microsoft.com/office/drawing/2014/main" id="{740C7E80-A24C-4396-B051-437EF1D79AB8}"/>
-              </a:ext>
-            </a:extLst>
-          </p:cNvPr>
-          <p:cNvSpPr/>
-          <p:nvPr/>
-        </p:nvSpPr>
-        <p:spPr>
-          <a:xfrm>
-            <a:off x="7968342" y="4876803"/>
-            <a:ext cx="2032000" cy="870858"/>
-          </a:xfrm>
-          <a:custGeom>
-            <a:avLst/>
-            <a:gdLst>
-              <a:gd name="connsiteX0" fmla="*/ 1959429 w 2032000"/>
-              <a:gd name="connsiteY0" fmla="*/ 0 h 870858"/>
-              <a:gd name="connsiteX1" fmla="*/ 0 w 2032000"/>
-              <a:gd name="connsiteY1" fmla="*/ 0 h 870858"/>
-              <a:gd name="connsiteX2" fmla="*/ 0 w 2032000"/>
-              <a:gd name="connsiteY2" fmla="*/ 870858 h 870858"/>
-              <a:gd name="connsiteX3" fmla="*/ 2032000 w 2032000"/>
-              <a:gd name="connsiteY3" fmla="*/ 870858 h 870858"/>
-            </a:gdLst>
-            <a:ahLst/>
-            <a:cxnLst>
-              <a:cxn ang="0">
-                <a:pos x="connsiteX0" y="connsiteY0"/>
-              </a:cxn>
-              <a:cxn ang="0">
-                <a:pos x="connsiteX1" y="connsiteY1"/>
-              </a:cxn>
-              <a:cxn ang="0">
-                <a:pos x="connsiteX2" y="connsiteY2"/>
-              </a:cxn>
-              <a:cxn ang="0">
-                <a:pos x="connsiteX3" y="connsiteY3"/>
-              </a:cxn>
-            </a:cxnLst>
-            <a:rect l="l" t="t" r="r" b="b"/>
-            <a:pathLst>
-              <a:path w="2032000" h="870858">
-                <a:moveTo>
-                  <a:pt x="1959429" y="0"/>
-                </a:moveTo>
-                <a:lnTo>
-                  <a:pt x="0" y="0"/>
-                </a:lnTo>
-                <a:lnTo>
-                  <a:pt x="0" y="870858"/>
-                </a:lnTo>
-                <a:lnTo>
-                  <a:pt x="2032000" y="870858"/>
-                </a:lnTo>
-              </a:path>
-            </a:pathLst>
-          </a:custGeom>
-          <a:noFill/>
-          <a:ln>
-            <a:solidFill>
-              <a:schemeClr val="accent3">
-                <a:lumMod val="40000"/>
-                <a:lumOff val="60000"/>
-              </a:schemeClr>
-            </a:solidFill>
-          </a:ln>
-        </p:spPr>
-        <p:style>
-          <a:lnRef idx="2">
-            <a:schemeClr val="accent1">
-              <a:shade val="50000"/>
-            </a:schemeClr>
-          </a:lnRef>
-          <a:fillRef idx="1">
-            <a:schemeClr val="accent1"/>
-          </a:fillRef>
-          <a:effectRef idx="0">
-            <a:schemeClr val="accent1"/>
-          </a:effectRef>
-          <a:fontRef idx="minor">
-            <a:schemeClr val="lt1"/>
-          </a:fontRef>
-        </p:style>
-        <p:txBody>
-          <a:bodyPr rtlCol="0" anchor="ctr"/>
-          <a:lstStyle/>
-          <a:p>
-            <a:pPr algn="ctr"/>
-            <a:endParaRPr lang="en-US"/>
-          </a:p>
-        </p:txBody>
-      </p:sp>
-      <p:sp>
-        <p:nvSpPr>
-          <p:cNvPr id="19" name="Freeform: Shape 18">
-            <a:extLst>
-              <a:ext uri="{FF2B5EF4-FFF2-40B4-BE49-F238E27FC236}">
-                <a16:creationId xmlns:a16="http://schemas.microsoft.com/office/drawing/2014/main" id="{C52EBDC4-1E90-4F52-92F1-8C4F5999C539}"/>
-              </a:ext>
-            </a:extLst>
-          </p:cNvPr>
-          <p:cNvSpPr/>
-          <p:nvPr/>
-        </p:nvSpPr>
-        <p:spPr>
-          <a:xfrm rot="10800000">
-            <a:off x="5849258" y="4876803"/>
-            <a:ext cx="2032000" cy="870858"/>
-          </a:xfrm>
-          <a:custGeom>
-            <a:avLst/>
-            <a:gdLst>
-              <a:gd name="connsiteX0" fmla="*/ 1959429 w 2032000"/>
-              <a:gd name="connsiteY0" fmla="*/ 0 h 870858"/>
-              <a:gd name="connsiteX1" fmla="*/ 0 w 2032000"/>
-              <a:gd name="connsiteY1" fmla="*/ 0 h 870858"/>
-              <a:gd name="connsiteX2" fmla="*/ 0 w 2032000"/>
-              <a:gd name="connsiteY2" fmla="*/ 870858 h 870858"/>
-              <a:gd name="connsiteX3" fmla="*/ 2032000 w 2032000"/>
-              <a:gd name="connsiteY3" fmla="*/ 870858 h 870858"/>
-            </a:gdLst>
-            <a:ahLst/>
-            <a:cxnLst>
-              <a:cxn ang="0">
-                <a:pos x="connsiteX0" y="connsiteY0"/>
-              </a:cxn>
-              <a:cxn ang="0">
-                <a:pos x="connsiteX1" y="connsiteY1"/>
-              </a:cxn>
-              <a:cxn ang="0">
-                <a:pos x="connsiteX2" y="connsiteY2"/>
-              </a:cxn>
-              <a:cxn ang="0">
-                <a:pos x="connsiteX3" y="connsiteY3"/>
-              </a:cxn>
-            </a:cxnLst>
-            <a:rect l="l" t="t" r="r" b="b"/>
-            <a:pathLst>
-              <a:path w="2032000" h="870858">
-                <a:moveTo>
-                  <a:pt x="1959429" y="0"/>
-                </a:moveTo>
-                <a:lnTo>
-                  <a:pt x="0" y="0"/>
-                </a:lnTo>
-                <a:lnTo>
-                  <a:pt x="0" y="870858"/>
-                </a:lnTo>
-                <a:lnTo>
-                  <a:pt x="2032000" y="870858"/>
-                </a:lnTo>
-              </a:path>
-            </a:pathLst>
-          </a:custGeom>
-          <a:noFill/>
-          <a:ln>
-            <a:solidFill>
-              <a:schemeClr val="accent3">
-                <a:lumMod val="40000"/>
-                <a:lumOff val="60000"/>
-              </a:schemeClr>
-            </a:solidFill>
-          </a:ln>
-        </p:spPr>
-        <p:style>
-          <a:lnRef idx="2">
-            <a:schemeClr val="accent1">
-              <a:shade val="50000"/>
-            </a:schemeClr>
-          </a:lnRef>
-          <a:fillRef idx="1">
-            <a:schemeClr val="accent1"/>
-          </a:fillRef>
-          <a:effectRef idx="0">
-            <a:schemeClr val="accent1"/>
-          </a:effectRef>
-          <a:fontRef idx="minor">
-            <a:schemeClr val="lt1"/>
-          </a:fontRef>
-        </p:style>
-        <p:txBody>
-          <a:bodyPr rtlCol="0" anchor="ctr"/>
-          <a:lstStyle/>
-          <a:p>
-            <a:pPr algn="ctr"/>
-            <a:endParaRPr lang="en-US"/>
-          </a:p>
-        </p:txBody>
-      </p:sp>
     </p:spTree>
-    <p:extLst>
-      <p:ext uri="{BB962C8B-B14F-4D97-AF65-F5344CB8AC3E}">
-        <p14:creationId xmlns:p14="http://schemas.microsoft.com/office/powerpoint/2010/main" val="1137530690"/>
-      </p:ext>
-    </p:extLst>
   </p:cSld>
   <p:clrMapOvr>
-    <a:masterClrMapping/>
+    <a:overrideClrMapping bg1="dk1" tx1="lt1" bg2="dk2" tx2="lt2" accent1="accent1" accent2="accent2" accent3="accent3" accent4="accent4" accent5="accent5" accent6="accent6" hlink="hlink" folHlink="folHlink"/>
   </p:clrMapOvr>
 </p:sldLayout>
 </file>
@@ -1077,13 +375,7 @@
       </p:grpSpPr>
       <p:sp>
         <p:nvSpPr>
-          <p:cNvPr id="2" name="Title 1">
-            <a:extLst>
-              <a:ext uri="{FF2B5EF4-FFF2-40B4-BE49-F238E27FC236}">
-                <a16:creationId xmlns:a16="http://schemas.microsoft.com/office/drawing/2014/main" id="{954B1346-0FB6-45C7-A96E-DBDDF4C7C069}"/>
-              </a:ext>
-            </a:extLst>
-          </p:cNvPr>
+          <p:cNvPr id="2" name="Title 1"/>
           <p:cNvSpPr>
             <a:spLocks noGrp="1"/>
           </p:cNvSpPr>
@@ -1097,21 +389,16 @@
           <a:lstStyle/>
           <a:p>
             <a:r>
-              <a:rPr lang="en-US"/>
+              <a:rPr kumimoji="0" lang="en-US" smtClean="0"/>
               <a:t>Click to edit Master title style</a:t>
             </a:r>
-          </a:p>
-        </p:txBody>
-      </p:sp>
-      <p:sp>
-        <p:nvSpPr>
-          <p:cNvPr id="3" name="Vertical Text Placeholder 2">
-            <a:extLst>
-              <a:ext uri="{FF2B5EF4-FFF2-40B4-BE49-F238E27FC236}">
-                <a16:creationId xmlns:a16="http://schemas.microsoft.com/office/drawing/2014/main" id="{5C29AF55-8DB4-4235-B18B-7CA1658AEA7D}"/>
-              </a:ext>
-            </a:extLst>
-          </p:cNvPr>
+            <a:endParaRPr kumimoji="0" lang="en-US"/>
+          </a:p>
+        </p:txBody>
+      </p:sp>
+      <p:sp>
+        <p:nvSpPr>
+          <p:cNvPr id="3" name="Vertical Text Placeholder 2"/>
           <p:cNvSpPr>
             <a:spLocks noGrp="1"/>
           </p:cNvSpPr>
@@ -1124,51 +411,46 @@
           <a:bodyPr vert="eaVert"/>
           <a:lstStyle/>
           <a:p>
-            <a:pPr lvl="0"/>
-            <a:r>
-              <a:rPr lang="en-US"/>
-              <a:t>Edit Master text styles</a:t>
-            </a:r>
-          </a:p>
-          <a:p>
-            <a:pPr lvl="1"/>
-            <a:r>
-              <a:rPr lang="en-US"/>
+            <a:pPr lvl="0" eaLnBrk="1" latinLnBrk="0" hangingPunct="1"/>
+            <a:r>
+              <a:rPr lang="en-US" smtClean="0"/>
+              <a:t>Click to edit Master text styles</a:t>
+            </a:r>
+          </a:p>
+          <a:p>
+            <a:pPr lvl="1" eaLnBrk="1" latinLnBrk="0" hangingPunct="1"/>
+            <a:r>
+              <a:rPr lang="en-US" smtClean="0"/>
               <a:t>Second level</a:t>
             </a:r>
           </a:p>
           <a:p>
-            <a:pPr lvl="2"/>
-            <a:r>
-              <a:rPr lang="en-US"/>
+            <a:pPr lvl="2" eaLnBrk="1" latinLnBrk="0" hangingPunct="1"/>
+            <a:r>
+              <a:rPr lang="en-US" smtClean="0"/>
               <a:t>Third level</a:t>
             </a:r>
           </a:p>
           <a:p>
-            <a:pPr lvl="3"/>
-            <a:r>
-              <a:rPr lang="en-US"/>
+            <a:pPr lvl="3" eaLnBrk="1" latinLnBrk="0" hangingPunct="1"/>
+            <a:r>
+              <a:rPr lang="en-US" smtClean="0"/>
               <a:t>Fourth level</a:t>
             </a:r>
           </a:p>
           <a:p>
-            <a:pPr lvl="4"/>
-            <a:r>
-              <a:rPr lang="en-US"/>
+            <a:pPr lvl="4" eaLnBrk="1" latinLnBrk="0" hangingPunct="1"/>
+            <a:r>
+              <a:rPr lang="en-US" smtClean="0"/>
               <a:t>Fifth level</a:t>
             </a:r>
-          </a:p>
-        </p:txBody>
-      </p:sp>
-      <p:sp>
-        <p:nvSpPr>
-          <p:cNvPr id="4" name="Date Placeholder 3">
-            <a:extLst>
-              <a:ext uri="{FF2B5EF4-FFF2-40B4-BE49-F238E27FC236}">
-                <a16:creationId xmlns:a16="http://schemas.microsoft.com/office/drawing/2014/main" id="{1AF36DFF-55B4-41FE-BF5D-FC115ECB708B}"/>
-              </a:ext>
-            </a:extLst>
-          </p:cNvPr>
+            <a:endParaRPr kumimoji="0" lang="en-US"/>
+          </a:p>
+        </p:txBody>
+      </p:sp>
+      <p:sp>
+        <p:nvSpPr>
+          <p:cNvPr id="4" name="Date Placeholder 3"/>
           <p:cNvSpPr>
             <a:spLocks noGrp="1"/>
           </p:cNvSpPr>
@@ -1183,7 +465,8 @@
           <a:p>
             <a:fld id="{D2474CCF-98B4-411A-8810-C31E8C29E19B}" type="datetimeFigureOut">
               <a:rPr lang="en-US" smtClean="0"/>
-              <a:t>9/16/2022</a:t>
+              <a:pPr/>
+              <a:t>11/8/2023</a:t>
             </a:fld>
             <a:endParaRPr lang="en-US"/>
           </a:p>
@@ -1191,13 +474,7 @@
       </p:sp>
       <p:sp>
         <p:nvSpPr>
-          <p:cNvPr id="5" name="Footer Placeholder 4">
-            <a:extLst>
-              <a:ext uri="{FF2B5EF4-FFF2-40B4-BE49-F238E27FC236}">
-                <a16:creationId xmlns:a16="http://schemas.microsoft.com/office/drawing/2014/main" id="{CB1B04A8-2C06-4BAA-A780-6380C576F998}"/>
-              </a:ext>
-            </a:extLst>
-          </p:cNvPr>
+          <p:cNvPr id="5" name="Footer Placeholder 4"/>
           <p:cNvSpPr>
             <a:spLocks noGrp="1"/>
           </p:cNvSpPr>
@@ -1216,13 +493,7 @@
       </p:sp>
       <p:sp>
         <p:nvSpPr>
-          <p:cNvPr id="6" name="Slide Number Placeholder 5">
-            <a:extLst>
-              <a:ext uri="{FF2B5EF4-FFF2-40B4-BE49-F238E27FC236}">
-                <a16:creationId xmlns:a16="http://schemas.microsoft.com/office/drawing/2014/main" id="{5A3476E6-F3EA-4F13-B40F-1978B532D33E}"/>
-              </a:ext>
-            </a:extLst>
-          </p:cNvPr>
+          <p:cNvPr id="6" name="Slide Number Placeholder 5"/>
           <p:cNvSpPr>
             <a:spLocks noGrp="1"/>
           </p:cNvSpPr>
@@ -1237,6 +508,7 @@
           <a:p>
             <a:fld id="{A1FD0E78-183D-4F7D-A18B-8A4BED7B6988}" type="slidenum">
               <a:rPr lang="en-US" smtClean="0"/>
+              <a:pPr/>
               <a:t>‹#›</a:t>
             </a:fld>
             <a:endParaRPr lang="en-US"/>
@@ -1244,11 +516,6 @@
         </p:txBody>
       </p:sp>
     </p:spTree>
-    <p:extLst>
-      <p:ext uri="{BB962C8B-B14F-4D97-AF65-F5344CB8AC3E}">
-        <p14:creationId xmlns:p14="http://schemas.microsoft.com/office/powerpoint/2010/main" val="1738558996"/>
-      </p:ext>
-    </p:extLst>
   </p:cSld>
   <p:clrMapOvr>
     <a:masterClrMapping/>
@@ -1275,13 +542,7 @@
       </p:grpSpPr>
       <p:sp>
         <p:nvSpPr>
-          <p:cNvPr id="2" name="Vertical Title 1">
-            <a:extLst>
-              <a:ext uri="{FF2B5EF4-FFF2-40B4-BE49-F238E27FC236}">
-                <a16:creationId xmlns:a16="http://schemas.microsoft.com/office/drawing/2014/main" id="{8BDEE29A-7B74-4351-AF12-4B1C4A1C76B4}"/>
-              </a:ext>
-            </a:extLst>
-          </p:cNvPr>
+          <p:cNvPr id="2" name="Vertical Title 1"/>
           <p:cNvSpPr>
             <a:spLocks noGrp="1"/>
           </p:cNvSpPr>
@@ -1291,8 +552,8 @@
         </p:nvSpPr>
         <p:spPr>
           <a:xfrm>
-            <a:off x="8724900" y="365125"/>
-            <a:ext cx="2628900" cy="5811838"/>
+            <a:off x="8839200" y="914402"/>
+            <a:ext cx="2743200" cy="5211763"/>
           </a:xfrm>
         </p:spPr>
         <p:txBody>
@@ -1300,21 +561,16 @@
           <a:lstStyle/>
           <a:p>
             <a:r>
-              <a:rPr lang="en-US"/>
+              <a:rPr kumimoji="0" lang="en-US" smtClean="0"/>
               <a:t>Click to edit Master title style</a:t>
             </a:r>
-          </a:p>
-        </p:txBody>
-      </p:sp>
-      <p:sp>
-        <p:nvSpPr>
-          <p:cNvPr id="3" name="Vertical Text Placeholder 2">
-            <a:extLst>
-              <a:ext uri="{FF2B5EF4-FFF2-40B4-BE49-F238E27FC236}">
-                <a16:creationId xmlns:a16="http://schemas.microsoft.com/office/drawing/2014/main" id="{003DBD61-8BBB-4413-B521-69C6BA2EBDB8}"/>
-              </a:ext>
-            </a:extLst>
-          </p:cNvPr>
+            <a:endParaRPr kumimoji="0" lang="en-US"/>
+          </a:p>
+        </p:txBody>
+      </p:sp>
+      <p:sp>
+        <p:nvSpPr>
+          <p:cNvPr id="3" name="Vertical Text Placeholder 2"/>
           <p:cNvSpPr>
             <a:spLocks noGrp="1"/>
           </p:cNvSpPr>
@@ -1324,59 +580,54 @@
         </p:nvSpPr>
         <p:spPr>
           <a:xfrm>
-            <a:off x="838200" y="365125"/>
-            <a:ext cx="7734300" cy="5811838"/>
+            <a:off x="609600" y="914402"/>
+            <a:ext cx="8026400" cy="5211763"/>
           </a:xfrm>
         </p:spPr>
         <p:txBody>
           <a:bodyPr vert="eaVert"/>
           <a:lstStyle/>
           <a:p>
-            <a:pPr lvl="0"/>
-            <a:r>
-              <a:rPr lang="en-US"/>
-              <a:t>Edit Master text styles</a:t>
-            </a:r>
-          </a:p>
-          <a:p>
-            <a:pPr lvl="1"/>
-            <a:r>
-              <a:rPr lang="en-US"/>
+            <a:pPr lvl="0" eaLnBrk="1" latinLnBrk="0" hangingPunct="1"/>
+            <a:r>
+              <a:rPr lang="en-US" smtClean="0"/>
+              <a:t>Click to edit Master text styles</a:t>
+            </a:r>
+          </a:p>
+          <a:p>
+            <a:pPr lvl="1" eaLnBrk="1" latinLnBrk="0" hangingPunct="1"/>
+            <a:r>
+              <a:rPr lang="en-US" smtClean="0"/>
               <a:t>Second level</a:t>
             </a:r>
           </a:p>
           <a:p>
-            <a:pPr lvl="2"/>
-            <a:r>
-              <a:rPr lang="en-US"/>
+            <a:pPr lvl="2" eaLnBrk="1" latinLnBrk="0" hangingPunct="1"/>
+            <a:r>
+              <a:rPr lang="en-US" smtClean="0"/>
               <a:t>Third level</a:t>
             </a:r>
           </a:p>
           <a:p>
-            <a:pPr lvl="3"/>
-            <a:r>
-              <a:rPr lang="en-US"/>
+            <a:pPr lvl="3" eaLnBrk="1" latinLnBrk="0" hangingPunct="1"/>
+            <a:r>
+              <a:rPr lang="en-US" smtClean="0"/>
               <a:t>Fourth level</a:t>
             </a:r>
           </a:p>
           <a:p>
-            <a:pPr lvl="4"/>
-            <a:r>
-              <a:rPr lang="en-US"/>
+            <a:pPr lvl="4" eaLnBrk="1" latinLnBrk="0" hangingPunct="1"/>
+            <a:r>
+              <a:rPr lang="en-US" smtClean="0"/>
               <a:t>Fifth level</a:t>
             </a:r>
-          </a:p>
-        </p:txBody>
-      </p:sp>
-      <p:sp>
-        <p:nvSpPr>
-          <p:cNvPr id="4" name="Date Placeholder 3">
-            <a:extLst>
-              <a:ext uri="{FF2B5EF4-FFF2-40B4-BE49-F238E27FC236}">
-                <a16:creationId xmlns:a16="http://schemas.microsoft.com/office/drawing/2014/main" id="{83B486CF-3404-43E2-AAB7-B052FC466837}"/>
-              </a:ext>
-            </a:extLst>
-          </p:cNvPr>
+            <a:endParaRPr kumimoji="0" lang="en-US"/>
+          </a:p>
+        </p:txBody>
+      </p:sp>
+      <p:sp>
+        <p:nvSpPr>
+          <p:cNvPr id="4" name="Date Placeholder 3"/>
           <p:cNvSpPr>
             <a:spLocks noGrp="1"/>
           </p:cNvSpPr>
@@ -1391,7 +642,8 @@
           <a:p>
             <a:fld id="{D2474CCF-98B4-411A-8810-C31E8C29E19B}" type="datetimeFigureOut">
               <a:rPr lang="en-US" smtClean="0"/>
-              <a:t>9/16/2022</a:t>
+              <a:pPr/>
+              <a:t>11/8/2023</a:t>
             </a:fld>
             <a:endParaRPr lang="en-US"/>
           </a:p>
@@ -1399,13 +651,7 @@
       </p:sp>
       <p:sp>
         <p:nvSpPr>
-          <p:cNvPr id="5" name="Footer Placeholder 4">
-            <a:extLst>
-              <a:ext uri="{FF2B5EF4-FFF2-40B4-BE49-F238E27FC236}">
-                <a16:creationId xmlns:a16="http://schemas.microsoft.com/office/drawing/2014/main" id="{F37AE448-840B-441A-88AC-D0E89CE174BF}"/>
-              </a:ext>
-            </a:extLst>
-          </p:cNvPr>
+          <p:cNvPr id="5" name="Footer Placeholder 4"/>
           <p:cNvSpPr>
             <a:spLocks noGrp="1"/>
           </p:cNvSpPr>
@@ -1424,13 +670,7 @@
       </p:sp>
       <p:sp>
         <p:nvSpPr>
-          <p:cNvPr id="6" name="Slide Number Placeholder 5">
-            <a:extLst>
-              <a:ext uri="{FF2B5EF4-FFF2-40B4-BE49-F238E27FC236}">
-                <a16:creationId xmlns:a16="http://schemas.microsoft.com/office/drawing/2014/main" id="{E3356B10-E457-4193-8E4C-4179814527ED}"/>
-              </a:ext>
-            </a:extLst>
-          </p:cNvPr>
+          <p:cNvPr id="6" name="Slide Number Placeholder 5"/>
           <p:cNvSpPr>
             <a:spLocks noGrp="1"/>
           </p:cNvSpPr>
@@ -1445,6 +685,7 @@
           <a:p>
             <a:fld id="{A1FD0E78-183D-4F7D-A18B-8A4BED7B6988}" type="slidenum">
               <a:rPr lang="en-US" smtClean="0"/>
+              <a:pPr/>
               <a:t>‹#›</a:t>
             </a:fld>
             <a:endParaRPr lang="en-US"/>
@@ -1452,11 +693,6 @@
         </p:txBody>
       </p:sp>
     </p:spTree>
-    <p:extLst>
-      <p:ext uri="{BB962C8B-B14F-4D97-AF65-F5344CB8AC3E}">
-        <p14:creationId xmlns:p14="http://schemas.microsoft.com/office/powerpoint/2010/main" val="1506037322"/>
-      </p:ext>
-    </p:extLst>
   </p:cSld>
   <p:clrMapOvr>
     <a:masterClrMapping/>
@@ -1483,514 +719,7 @@
       </p:grpSpPr>
       <p:sp>
         <p:nvSpPr>
-          <p:cNvPr id="7" name="Rectangle 6">
-            <a:extLst>
-              <a:ext uri="{FF2B5EF4-FFF2-40B4-BE49-F238E27FC236}">
-                <a16:creationId xmlns:a16="http://schemas.microsoft.com/office/drawing/2014/main" id="{A8C48660-697D-4BB9-97F6-A5BB6C764668}"/>
-              </a:ext>
-            </a:extLst>
-          </p:cNvPr>
-          <p:cNvSpPr/>
-          <p:nvPr/>
-        </p:nvSpPr>
-        <p:spPr>
-          <a:xfrm>
-            <a:off x="0" y="0"/>
-            <a:ext cx="595745" cy="6858000"/>
-          </a:xfrm>
-          <a:prstGeom prst="rect">
-            <a:avLst/>
-          </a:prstGeom>
-          <a:ln>
-            <a:noFill/>
-          </a:ln>
-        </p:spPr>
-        <p:style>
-          <a:lnRef idx="2">
-            <a:schemeClr val="accent1">
-              <a:shade val="50000"/>
-            </a:schemeClr>
-          </a:lnRef>
-          <a:fillRef idx="1">
-            <a:schemeClr val="accent1"/>
-          </a:fillRef>
-          <a:effectRef idx="0">
-            <a:schemeClr val="accent1"/>
-          </a:effectRef>
-          <a:fontRef idx="minor">
-            <a:schemeClr val="lt1"/>
-          </a:fontRef>
-        </p:style>
-        <p:txBody>
-          <a:bodyPr rtlCol="0" anchor="ctr"/>
-          <a:lstStyle/>
-          <a:p>
-            <a:pPr algn="ctr"/>
-            <a:endParaRPr lang="en-US"/>
-          </a:p>
-        </p:txBody>
-      </p:sp>
-      <p:sp>
-        <p:nvSpPr>
-          <p:cNvPr id="8" name="Rectangle 7">
-            <a:extLst>
-              <a:ext uri="{FF2B5EF4-FFF2-40B4-BE49-F238E27FC236}">
-                <a16:creationId xmlns:a16="http://schemas.microsoft.com/office/drawing/2014/main" id="{BD0BE8EE-2EB2-435C-9D5A-AAA15842A36C}"/>
-              </a:ext>
-            </a:extLst>
-          </p:cNvPr>
-          <p:cNvSpPr/>
-          <p:nvPr/>
-        </p:nvSpPr>
-        <p:spPr>
-          <a:xfrm>
-            <a:off x="207818" y="201706"/>
-            <a:ext cx="11762508" cy="6433806"/>
-          </a:xfrm>
-          <a:prstGeom prst="rect">
-            <a:avLst/>
-          </a:prstGeom>
-          <a:solidFill>
-            <a:schemeClr val="bg1"/>
-          </a:solidFill>
-          <a:ln>
-            <a:solidFill>
-              <a:schemeClr val="accent3">
-                <a:lumMod val="20000"/>
-                <a:lumOff val="80000"/>
-              </a:schemeClr>
-            </a:solidFill>
-          </a:ln>
-        </p:spPr>
-        <p:style>
-          <a:lnRef idx="2">
-            <a:schemeClr val="accent1">
-              <a:shade val="50000"/>
-            </a:schemeClr>
-          </a:lnRef>
-          <a:fillRef idx="1">
-            <a:schemeClr val="accent1"/>
-          </a:fillRef>
-          <a:effectRef idx="0">
-            <a:schemeClr val="accent1"/>
-          </a:effectRef>
-          <a:fontRef idx="minor">
-            <a:schemeClr val="lt1"/>
-          </a:fontRef>
-        </p:style>
-        <p:txBody>
-          <a:bodyPr rtlCol="0" anchor="ctr"/>
-          <a:lstStyle/>
-          <a:p>
-            <a:pPr algn="ctr"/>
-            <a:endParaRPr lang="en-US"/>
-          </a:p>
-        </p:txBody>
-      </p:sp>
-      <p:sp>
-        <p:nvSpPr>
-          <p:cNvPr id="9" name="Rectangle 8">
-            <a:extLst>
-              <a:ext uri="{FF2B5EF4-FFF2-40B4-BE49-F238E27FC236}">
-                <a16:creationId xmlns:a16="http://schemas.microsoft.com/office/drawing/2014/main" id="{423355C8-5657-4103-B600-59803F24DBFF}"/>
-              </a:ext>
-            </a:extLst>
-          </p:cNvPr>
-          <p:cNvSpPr/>
-          <p:nvPr/>
-        </p:nvSpPr>
-        <p:spPr>
-          <a:xfrm>
-            <a:off x="11194473" y="6359236"/>
-            <a:ext cx="775853" cy="249382"/>
-          </a:xfrm>
-          <a:prstGeom prst="rect">
-            <a:avLst/>
-          </a:prstGeom>
-          <a:solidFill>
-            <a:srgbClr val="00B0F0"/>
-          </a:solidFill>
-          <a:ln>
-            <a:noFill/>
-          </a:ln>
-        </p:spPr>
-        <p:style>
-          <a:lnRef idx="2">
-            <a:schemeClr val="accent1">
-              <a:shade val="50000"/>
-            </a:schemeClr>
-          </a:lnRef>
-          <a:fillRef idx="1">
-            <a:schemeClr val="accent1"/>
-          </a:fillRef>
-          <a:effectRef idx="0">
-            <a:schemeClr val="accent1"/>
-          </a:effectRef>
-          <a:fontRef idx="minor">
-            <a:schemeClr val="lt1"/>
-          </a:fontRef>
-        </p:style>
-        <p:txBody>
-          <a:bodyPr rtlCol="0" anchor="ctr"/>
-          <a:lstStyle/>
-          <a:p>
-            <a:pPr algn="ctr"/>
-            <a:r>
-              <a:rPr lang="en-US" sz="900" dirty="0">
-                <a:solidFill>
-                  <a:schemeClr val="bg1"/>
-                </a:solidFill>
-                <a:latin typeface="Segoe UI" panose="020B0502040204020203" pitchFamily="34" charset="0"/>
-                <a:ea typeface="Segoe UI" panose="020B0502040204020203" pitchFamily="34" charset="0"/>
-                <a:cs typeface="Segoe UI" panose="020B0502040204020203" pitchFamily="34" charset="0"/>
-              </a:rPr>
-              <a:t>Manage</a:t>
-            </a:r>
-          </a:p>
-        </p:txBody>
-      </p:sp>
-      <p:sp>
-        <p:nvSpPr>
-          <p:cNvPr id="10" name="Rectangle 9">
-            <a:extLst>
-              <a:ext uri="{FF2B5EF4-FFF2-40B4-BE49-F238E27FC236}">
-                <a16:creationId xmlns:a16="http://schemas.microsoft.com/office/drawing/2014/main" id="{CFF2C038-CD71-4DD5-AD56-49FB9C0E8AF6}"/>
-              </a:ext>
-            </a:extLst>
-          </p:cNvPr>
-          <p:cNvSpPr/>
-          <p:nvPr/>
-        </p:nvSpPr>
-        <p:spPr>
-          <a:xfrm>
-            <a:off x="10401669" y="6359236"/>
-            <a:ext cx="775853" cy="249382"/>
-          </a:xfrm>
-          <a:prstGeom prst="rect">
-            <a:avLst/>
-          </a:prstGeom>
-          <a:solidFill>
-            <a:srgbClr val="FFC000"/>
-          </a:solidFill>
-          <a:ln>
-            <a:noFill/>
-          </a:ln>
-        </p:spPr>
-        <p:style>
-          <a:lnRef idx="2">
-            <a:schemeClr val="accent1">
-              <a:shade val="50000"/>
-            </a:schemeClr>
-          </a:lnRef>
-          <a:fillRef idx="1">
-            <a:schemeClr val="accent1"/>
-          </a:fillRef>
-          <a:effectRef idx="0">
-            <a:schemeClr val="accent1"/>
-          </a:effectRef>
-          <a:fontRef idx="minor">
-            <a:schemeClr val="lt1"/>
-          </a:fontRef>
-        </p:style>
-        <p:txBody>
-          <a:bodyPr rtlCol="0" anchor="ctr"/>
-          <a:lstStyle/>
-          <a:p>
-            <a:pPr algn="ctr"/>
-            <a:r>
-              <a:rPr lang="en-US" sz="900" dirty="0">
-                <a:solidFill>
-                  <a:schemeClr val="bg1"/>
-                </a:solidFill>
-                <a:latin typeface="Segoe UI" panose="020B0502040204020203" pitchFamily="34" charset="0"/>
-                <a:ea typeface="Segoe UI" panose="020B0502040204020203" pitchFamily="34" charset="0"/>
-                <a:cs typeface="Segoe UI" panose="020B0502040204020203" pitchFamily="34" charset="0"/>
-              </a:rPr>
-              <a:t>Implement</a:t>
-            </a:r>
-          </a:p>
-        </p:txBody>
-      </p:sp>
-      <p:sp>
-        <p:nvSpPr>
-          <p:cNvPr id="11" name="Rectangle 10">
-            <a:extLst>
-              <a:ext uri="{FF2B5EF4-FFF2-40B4-BE49-F238E27FC236}">
-                <a16:creationId xmlns:a16="http://schemas.microsoft.com/office/drawing/2014/main" id="{D626EA1A-6BCF-4846-ABF3-498AD8F1EC82}"/>
-              </a:ext>
-            </a:extLst>
-          </p:cNvPr>
-          <p:cNvSpPr/>
-          <p:nvPr/>
-        </p:nvSpPr>
-        <p:spPr>
-          <a:xfrm>
-            <a:off x="9608865" y="6359236"/>
-            <a:ext cx="775853" cy="249382"/>
-          </a:xfrm>
-          <a:prstGeom prst="rect">
-            <a:avLst/>
-          </a:prstGeom>
-          <a:solidFill>
-            <a:srgbClr val="33CC33"/>
-          </a:solidFill>
-          <a:ln>
-            <a:noFill/>
-          </a:ln>
-        </p:spPr>
-        <p:style>
-          <a:lnRef idx="2">
-            <a:schemeClr val="accent1">
-              <a:shade val="50000"/>
-            </a:schemeClr>
-          </a:lnRef>
-          <a:fillRef idx="1">
-            <a:schemeClr val="accent1"/>
-          </a:fillRef>
-          <a:effectRef idx="0">
-            <a:schemeClr val="accent1"/>
-          </a:effectRef>
-          <a:fontRef idx="minor">
-            <a:schemeClr val="lt1"/>
-          </a:fontRef>
-        </p:style>
-        <p:txBody>
-          <a:bodyPr rtlCol="0" anchor="ctr"/>
-          <a:lstStyle/>
-          <a:p>
-            <a:pPr algn="ctr"/>
-            <a:r>
-              <a:rPr lang="en-US" sz="900" dirty="0">
-                <a:solidFill>
-                  <a:schemeClr val="bg1"/>
-                </a:solidFill>
-                <a:latin typeface="Segoe UI" panose="020B0502040204020203" pitchFamily="34" charset="0"/>
-                <a:ea typeface="Segoe UI" panose="020B0502040204020203" pitchFamily="34" charset="0"/>
-                <a:cs typeface="Segoe UI" panose="020B0502040204020203" pitchFamily="34" charset="0"/>
-              </a:rPr>
-              <a:t>Advise</a:t>
-            </a:r>
-          </a:p>
-        </p:txBody>
-      </p:sp>
-      <p:sp>
-        <p:nvSpPr>
-          <p:cNvPr id="12" name="Rectangle 11">
-            <a:extLst>
-              <a:ext uri="{FF2B5EF4-FFF2-40B4-BE49-F238E27FC236}">
-                <a16:creationId xmlns:a16="http://schemas.microsoft.com/office/drawing/2014/main" id="{E91F1E9A-33FE-49BA-B69E-30EA3CC61DB9}"/>
-              </a:ext>
-            </a:extLst>
-          </p:cNvPr>
-          <p:cNvSpPr/>
-          <p:nvPr/>
-        </p:nvSpPr>
-        <p:spPr>
-          <a:xfrm>
-            <a:off x="8816061" y="6359236"/>
-            <a:ext cx="775853" cy="249382"/>
-          </a:xfrm>
-          <a:prstGeom prst="rect">
-            <a:avLst/>
-          </a:prstGeom>
-          <a:solidFill>
-            <a:schemeClr val="accent2"/>
-          </a:solidFill>
-          <a:ln>
-            <a:noFill/>
-          </a:ln>
-        </p:spPr>
-        <p:style>
-          <a:lnRef idx="2">
-            <a:schemeClr val="accent1">
-              <a:shade val="50000"/>
-            </a:schemeClr>
-          </a:lnRef>
-          <a:fillRef idx="1">
-            <a:schemeClr val="accent1"/>
-          </a:fillRef>
-          <a:effectRef idx="0">
-            <a:schemeClr val="accent1"/>
-          </a:effectRef>
-          <a:fontRef idx="minor">
-            <a:schemeClr val="lt1"/>
-          </a:fontRef>
-        </p:style>
-        <p:txBody>
-          <a:bodyPr rtlCol="0" anchor="ctr"/>
-          <a:lstStyle/>
-          <a:p>
-            <a:pPr algn="ctr"/>
-            <a:r>
-              <a:rPr lang="en-US" sz="900" dirty="0">
-                <a:solidFill>
-                  <a:schemeClr val="bg1"/>
-                </a:solidFill>
-                <a:latin typeface="Segoe UI" panose="020B0502040204020203" pitchFamily="34" charset="0"/>
-                <a:ea typeface="Segoe UI" panose="020B0502040204020203" pitchFamily="34" charset="0"/>
-                <a:cs typeface="Segoe UI" panose="020B0502040204020203" pitchFamily="34" charset="0"/>
-              </a:rPr>
-              <a:t>Educate</a:t>
-            </a:r>
-          </a:p>
-        </p:txBody>
-      </p:sp>
-      <p:pic>
-        <p:nvPicPr>
-          <p:cNvPr id="13" name="Picture 12">
-            <a:extLst>
-              <a:ext uri="{FF2B5EF4-FFF2-40B4-BE49-F238E27FC236}">
-                <a16:creationId xmlns:a16="http://schemas.microsoft.com/office/drawing/2014/main" id="{B9CD68B3-2898-4D6B-B5C2-F62D51C485D5}"/>
-              </a:ext>
-            </a:extLst>
-          </p:cNvPr>
-          <p:cNvPicPr>
-            <a:picLocks noChangeAspect="1"/>
-          </p:cNvPicPr>
-          <p:nvPr/>
-        </p:nvPicPr>
-        <p:blipFill>
-          <a:blip r:embed="rId2">
-            <a:extLst>
-              <a:ext uri="{28A0092B-C50C-407E-A947-70E740481C1C}">
-                <a14:useLocalDpi xmlns:a14="http://schemas.microsoft.com/office/drawing/2010/main" val="0"/>
-              </a:ext>
-            </a:extLst>
-          </a:blip>
-          <a:stretch>
-            <a:fillRect/>
-          </a:stretch>
-        </p:blipFill>
-        <p:spPr>
-          <a:xfrm>
-            <a:off x="9792281" y="278160"/>
-            <a:ext cx="2153769" cy="415804"/>
-          </a:xfrm>
-          <a:prstGeom prst="rect">
-            <a:avLst/>
-          </a:prstGeom>
-        </p:spPr>
-      </p:pic>
-      <p:grpSp>
-        <p:nvGrpSpPr>
-          <p:cNvPr id="14" name="Group 13">
-            <a:extLst>
-              <a:ext uri="{FF2B5EF4-FFF2-40B4-BE49-F238E27FC236}">
-                <a16:creationId xmlns:a16="http://schemas.microsoft.com/office/drawing/2014/main" id="{C4873B59-2742-4F87-99A9-E1AA8FCD8E50}"/>
-              </a:ext>
-            </a:extLst>
-          </p:cNvPr>
-          <p:cNvGrpSpPr/>
-          <p:nvPr/>
-        </p:nvGrpSpPr>
-        <p:grpSpPr>
-          <a:xfrm>
-            <a:off x="9291457" y="4352078"/>
-            <a:ext cx="2186521" cy="1954633"/>
-            <a:chOff x="10020116" y="4405313"/>
-            <a:chExt cx="1958686" cy="1750961"/>
-          </a:xfrm>
-        </p:grpSpPr>
-        <p:pic>
-          <p:nvPicPr>
-            <p:cNvPr id="15" name="Picture 14">
-              <a:extLst>
-                <a:ext uri="{FF2B5EF4-FFF2-40B4-BE49-F238E27FC236}">
-                  <a16:creationId xmlns:a16="http://schemas.microsoft.com/office/drawing/2014/main" id="{289441B2-4EF5-4599-887F-42F7A59ADD20}"/>
-                </a:ext>
-              </a:extLst>
-            </p:cNvPr>
-            <p:cNvPicPr>
-              <a:picLocks noChangeAspect="1"/>
-            </p:cNvPicPr>
-            <p:nvPr/>
-          </p:nvPicPr>
-          <p:blipFill>
-            <a:blip r:embed="rId3">
-              <a:extLst>
-                <a:ext uri="{28A0092B-C50C-407E-A947-70E740481C1C}">
-                  <a14:useLocalDpi xmlns:a14="http://schemas.microsoft.com/office/drawing/2010/main" val="0"/>
-                </a:ext>
-              </a:extLst>
-            </a:blip>
-            <a:stretch>
-              <a:fillRect/>
-            </a:stretch>
-          </p:blipFill>
-          <p:spPr>
-            <a:xfrm>
-              <a:off x="10137447" y="4441774"/>
-              <a:ext cx="1724025" cy="1714500"/>
-            </a:xfrm>
-            <a:prstGeom prst="rect">
-              <a:avLst/>
-            </a:prstGeom>
-          </p:spPr>
-        </p:pic>
-        <p:sp>
-          <p:nvSpPr>
-            <p:cNvPr id="16" name="Rectangle 15">
-              <a:extLst>
-                <a:ext uri="{FF2B5EF4-FFF2-40B4-BE49-F238E27FC236}">
-                  <a16:creationId xmlns:a16="http://schemas.microsoft.com/office/drawing/2014/main" id="{C4F730E1-3FAD-4138-ACCA-276E0BBA031B}"/>
-                </a:ext>
-              </a:extLst>
-            </p:cNvPr>
-            <p:cNvSpPr/>
-            <p:nvPr/>
-          </p:nvSpPr>
-          <p:spPr>
-            <a:xfrm>
-              <a:off x="10020116" y="4405313"/>
-              <a:ext cx="1958686" cy="1750961"/>
-            </a:xfrm>
-            <a:prstGeom prst="rect">
-              <a:avLst/>
-            </a:prstGeom>
-            <a:solidFill>
-              <a:srgbClr val="FFFFFF">
-                <a:alpha val="90980"/>
-              </a:srgbClr>
-            </a:solidFill>
-            <a:ln>
-              <a:noFill/>
-            </a:ln>
-          </p:spPr>
-          <p:style>
-            <a:lnRef idx="2">
-              <a:schemeClr val="accent1">
-                <a:shade val="50000"/>
-              </a:schemeClr>
-            </a:lnRef>
-            <a:fillRef idx="1">
-              <a:schemeClr val="accent1"/>
-            </a:fillRef>
-            <a:effectRef idx="0">
-              <a:schemeClr val="accent1"/>
-            </a:effectRef>
-            <a:fontRef idx="minor">
-              <a:schemeClr val="lt1"/>
-            </a:fontRef>
-          </p:style>
-          <p:txBody>
-            <a:bodyPr rtlCol="0" anchor="ctr"/>
-            <a:lstStyle/>
-            <a:p>
-              <a:pPr algn="ctr"/>
-              <a:endParaRPr lang="en-US"/>
-            </a:p>
-          </p:txBody>
-        </p:sp>
-      </p:grpSp>
-      <p:sp>
-        <p:nvSpPr>
-          <p:cNvPr id="2" name="Title 1">
-            <a:extLst>
-              <a:ext uri="{FF2B5EF4-FFF2-40B4-BE49-F238E27FC236}">
-                <a16:creationId xmlns:a16="http://schemas.microsoft.com/office/drawing/2014/main" id="{3F08D64F-302C-4B73-A9F2-946CA338260A}"/>
-              </a:ext>
-            </a:extLst>
-          </p:cNvPr>
+          <p:cNvPr id="2" name="Title 1"/>
           <p:cNvSpPr>
             <a:spLocks noGrp="1"/>
           </p:cNvSpPr>
@@ -1998,45 +727,22 @@
             <p:ph type="title"/>
           </p:nvPr>
         </p:nvSpPr>
-        <p:spPr>
-          <a:xfrm>
-            <a:off x="353565" y="278160"/>
-            <a:ext cx="9438716" cy="797605"/>
-          </a:xfrm>
-        </p:spPr>
-        <p:txBody>
-          <a:bodyPr>
-            <a:normAutofit/>
-          </a:bodyPr>
-          <a:lstStyle>
-            <a:lvl1pPr>
-              <a:defRPr sz="2800">
-                <a:solidFill>
-                  <a:schemeClr val="bg1">
-                    <a:lumMod val="50000"/>
-                  </a:schemeClr>
-                </a:solidFill>
-                <a:latin typeface="Trebuchet MS" panose="020B0603020202020204" pitchFamily="34" charset="0"/>
-              </a:defRPr>
-            </a:lvl1pPr>
-          </a:lstStyle>
-          <a:p>
-            <a:r>
-              <a:rPr lang="en-US"/>
+        <p:spPr/>
+        <p:txBody>
+          <a:bodyPr/>
+          <a:lstStyle/>
+          <a:p>
+            <a:r>
+              <a:rPr kumimoji="0" lang="en-US" smtClean="0"/>
               <a:t>Click to edit Master title style</a:t>
             </a:r>
-          </a:p>
-        </p:txBody>
-      </p:sp>
-      <p:sp>
-        <p:nvSpPr>
-          <p:cNvPr id="3" name="Content Placeholder 2">
-            <a:extLst>
-              <a:ext uri="{FF2B5EF4-FFF2-40B4-BE49-F238E27FC236}">
-                <a16:creationId xmlns:a16="http://schemas.microsoft.com/office/drawing/2014/main" id="{372EB2DC-2ADD-4476-921C-5457C12D154E}"/>
-              </a:ext>
-            </a:extLst>
-          </p:cNvPr>
+            <a:endParaRPr kumimoji="0" lang="en-US"/>
+          </a:p>
+        </p:txBody>
+      </p:sp>
+      <p:sp>
+        <p:nvSpPr>
+          <p:cNvPr id="3" name="Content Placeholder 2"/>
           <p:cNvSpPr>
             <a:spLocks noGrp="1"/>
           </p:cNvSpPr>
@@ -2044,115 +750,51 @@
             <p:ph idx="1"/>
           </p:nvPr>
         </p:nvSpPr>
-        <p:spPr>
-          <a:xfrm>
-            <a:off x="726724" y="1253331"/>
-            <a:ext cx="11039452" cy="5053380"/>
-          </a:xfrm>
-        </p:spPr>
-        <p:txBody>
-          <a:bodyPr>
-            <a:normAutofit/>
-          </a:bodyPr>
-          <a:lstStyle>
-            <a:lvl1pPr>
-              <a:defRPr sz="2400">
-                <a:solidFill>
-                  <a:schemeClr val="bg1">
-                    <a:lumMod val="50000"/>
-                  </a:schemeClr>
-                </a:solidFill>
-                <a:latin typeface="Trebuchet MS" panose="020B0603020202020204" pitchFamily="34" charset="0"/>
-              </a:defRPr>
-            </a:lvl1pPr>
-            <a:lvl2pPr>
-              <a:defRPr sz="2000">
-                <a:solidFill>
-                  <a:schemeClr val="bg1">
-                    <a:lumMod val="50000"/>
-                  </a:schemeClr>
-                </a:solidFill>
-                <a:latin typeface="Trebuchet MS" panose="020B0603020202020204" pitchFamily="34" charset="0"/>
-              </a:defRPr>
-            </a:lvl2pPr>
-            <a:lvl3pPr>
-              <a:defRPr sz="1800">
-                <a:solidFill>
-                  <a:schemeClr val="bg1">
-                    <a:lumMod val="50000"/>
-                  </a:schemeClr>
-                </a:solidFill>
-                <a:latin typeface="Trebuchet MS" panose="020B0603020202020204" pitchFamily="34" charset="0"/>
-              </a:defRPr>
-            </a:lvl3pPr>
-            <a:lvl4pPr>
-              <a:defRPr sz="1600">
-                <a:solidFill>
-                  <a:schemeClr val="bg1">
-                    <a:lumMod val="50000"/>
-                  </a:schemeClr>
-                </a:solidFill>
-                <a:latin typeface="Trebuchet MS" panose="020B0603020202020204" pitchFamily="34" charset="0"/>
-              </a:defRPr>
-            </a:lvl4pPr>
-            <a:lvl5pPr>
-              <a:defRPr sz="1600">
-                <a:solidFill>
-                  <a:schemeClr val="bg1">
-                    <a:lumMod val="50000"/>
-                  </a:schemeClr>
-                </a:solidFill>
-                <a:latin typeface="Trebuchet MS" panose="020B0603020202020204" pitchFamily="34" charset="0"/>
-              </a:defRPr>
-            </a:lvl5pPr>
-          </a:lstStyle>
-          <a:p>
-            <a:pPr lvl="0"/>
-            <a:r>
-              <a:rPr lang="en-US"/>
-              <a:t>Edit Master text styles</a:t>
-            </a:r>
-          </a:p>
-          <a:p>
-            <a:pPr lvl="1"/>
-            <a:r>
-              <a:rPr lang="en-US"/>
+        <p:spPr/>
+        <p:txBody>
+          <a:bodyPr/>
+          <a:lstStyle/>
+          <a:p>
+            <a:pPr lvl="0" eaLnBrk="1" latinLnBrk="0" hangingPunct="1"/>
+            <a:r>
+              <a:rPr lang="en-US" smtClean="0"/>
+              <a:t>Click to edit Master text styles</a:t>
+            </a:r>
+          </a:p>
+          <a:p>
+            <a:pPr lvl="1" eaLnBrk="1" latinLnBrk="0" hangingPunct="1"/>
+            <a:r>
+              <a:rPr lang="en-US" smtClean="0"/>
               <a:t>Second level</a:t>
             </a:r>
           </a:p>
           <a:p>
-            <a:pPr lvl="2"/>
-            <a:r>
-              <a:rPr lang="en-US"/>
+            <a:pPr lvl="2" eaLnBrk="1" latinLnBrk="0" hangingPunct="1"/>
+            <a:r>
+              <a:rPr lang="en-US" smtClean="0"/>
               <a:t>Third level</a:t>
             </a:r>
           </a:p>
           <a:p>
-            <a:pPr lvl="3"/>
-            <a:r>
-              <a:rPr lang="en-US"/>
+            <a:pPr lvl="3" eaLnBrk="1" latinLnBrk="0" hangingPunct="1"/>
+            <a:r>
+              <a:rPr lang="en-US" smtClean="0"/>
               <a:t>Fourth level</a:t>
             </a:r>
           </a:p>
           <a:p>
-            <a:pPr lvl="4"/>
-            <a:r>
-              <a:rPr lang="en-US"/>
+            <a:pPr lvl="4" eaLnBrk="1" latinLnBrk="0" hangingPunct="1"/>
+            <a:r>
+              <a:rPr lang="en-US" smtClean="0"/>
               <a:t>Fifth level</a:t>
             </a:r>
-            <a:endParaRPr lang="en-US" dirty="0"/>
-          </a:p>
-        </p:txBody>
-      </p:sp>
-      <p:sp>
-        <p:nvSpPr>
-          <p:cNvPr id="4" name="Date Placeholder 3">
-            <a:extLst>
-              <a:ext uri="{FF2B5EF4-FFF2-40B4-BE49-F238E27FC236}">
-                <a16:creationId xmlns:a16="http://schemas.microsoft.com/office/drawing/2014/main" id="{C68B0C41-3748-45BA-AC12-3356750D6CCC}"/>
-              </a:ext>
-            </a:extLst>
-          </p:cNvPr>
+            <a:endParaRPr kumimoji="0" lang="en-US"/>
+          </a:p>
+        </p:txBody>
+      </p:sp>
+      <p:sp>
+        <p:nvSpPr>
+          <p:cNvPr id="4" name="Date Placeholder 3"/>
           <p:cNvSpPr>
             <a:spLocks noGrp="1"/>
           </p:cNvSpPr>
@@ -2167,7 +809,8 @@
           <a:p>
             <a:fld id="{D2474CCF-98B4-411A-8810-C31E8C29E19B}" type="datetimeFigureOut">
               <a:rPr lang="en-US" smtClean="0"/>
-              <a:t>9/16/2022</a:t>
+              <a:pPr/>
+              <a:t>11/8/2023</a:t>
             </a:fld>
             <a:endParaRPr lang="en-US"/>
           </a:p>
@@ -2175,13 +818,7 @@
       </p:sp>
       <p:sp>
         <p:nvSpPr>
-          <p:cNvPr id="5" name="Footer Placeholder 4">
-            <a:extLst>
-              <a:ext uri="{FF2B5EF4-FFF2-40B4-BE49-F238E27FC236}">
-                <a16:creationId xmlns:a16="http://schemas.microsoft.com/office/drawing/2014/main" id="{B2BC5298-80C2-435C-BE19-55A311B75B01}"/>
-              </a:ext>
-            </a:extLst>
-          </p:cNvPr>
+          <p:cNvPr id="5" name="Footer Placeholder 4"/>
           <p:cNvSpPr>
             <a:spLocks noGrp="1"/>
           </p:cNvSpPr>
@@ -2200,13 +837,7 @@
       </p:sp>
       <p:sp>
         <p:nvSpPr>
-          <p:cNvPr id="6" name="Slide Number Placeholder 5">
-            <a:extLst>
-              <a:ext uri="{FF2B5EF4-FFF2-40B4-BE49-F238E27FC236}">
-                <a16:creationId xmlns:a16="http://schemas.microsoft.com/office/drawing/2014/main" id="{81E8E2F2-0AF5-4302-9483-8FB2AC4A12E3}"/>
-              </a:ext>
-            </a:extLst>
-          </p:cNvPr>
+          <p:cNvPr id="6" name="Slide Number Placeholder 5"/>
           <p:cNvSpPr>
             <a:spLocks noGrp="1"/>
           </p:cNvSpPr>
@@ -2221,6 +852,7 @@
           <a:p>
             <a:fld id="{A1FD0E78-183D-4F7D-A18B-8A4BED7B6988}" type="slidenum">
               <a:rPr lang="en-US" smtClean="0"/>
+              <a:pPr/>
               <a:t>‹#›</a:t>
             </a:fld>
             <a:endParaRPr lang="en-US"/>
@@ -2228,11 +860,6 @@
         </p:txBody>
       </p:sp>
     </p:spTree>
-    <p:extLst>
-      <p:ext uri="{BB962C8B-B14F-4D97-AF65-F5344CB8AC3E}">
-        <p14:creationId xmlns:p14="http://schemas.microsoft.com/office/powerpoint/2010/main" val="4191452652"/>
-      </p:ext>
-    </p:extLst>
   </p:cSld>
   <p:clrMapOvr>
     <a:masterClrMapping/>
@@ -2243,6 +870,11 @@
 <file path=ppt/slideLayouts/slideLayout3.xml><?xml version="1.0" encoding="utf-8"?>
 <p:sldLayout xmlns:a="http://schemas.openxmlformats.org/drawingml/2006/main" xmlns:r="http://schemas.openxmlformats.org/officeDocument/2006/relationships" xmlns:p="http://schemas.openxmlformats.org/presentationml/2006/main" type="secHead" preserve="1">
   <p:cSld name="Section Header">
+    <p:bg>
+      <p:bgRef idx="1002">
+        <a:schemeClr val="bg2"/>
+      </p:bgRef>
+    </p:bg>
     <p:spTree>
       <p:nvGrpSpPr>
         <p:cNvPr id="1" name=""/>
@@ -2259,407 +891,7 @@
       </p:grpSpPr>
       <p:sp>
         <p:nvSpPr>
-          <p:cNvPr id="7" name="Rectangle 6">
-            <a:extLst>
-              <a:ext uri="{FF2B5EF4-FFF2-40B4-BE49-F238E27FC236}">
-                <a16:creationId xmlns:a16="http://schemas.microsoft.com/office/drawing/2014/main" id="{CD1C76EB-EFA3-4D98-BF85-9CBAD51246C3}"/>
-              </a:ext>
-            </a:extLst>
-          </p:cNvPr>
-          <p:cNvSpPr/>
-          <p:nvPr/>
-        </p:nvSpPr>
-        <p:spPr>
-          <a:xfrm>
-            <a:off x="0" y="0"/>
-            <a:ext cx="4710545" cy="6858000"/>
-          </a:xfrm>
-          <a:prstGeom prst="rect">
-            <a:avLst/>
-          </a:prstGeom>
-          <a:solidFill>
-            <a:srgbClr val="0070C0"/>
-          </a:solidFill>
-          <a:ln>
-            <a:noFill/>
-          </a:ln>
-        </p:spPr>
-        <p:style>
-          <a:lnRef idx="2">
-            <a:schemeClr val="accent1">
-              <a:shade val="50000"/>
-            </a:schemeClr>
-          </a:lnRef>
-          <a:fillRef idx="1">
-            <a:schemeClr val="accent1"/>
-          </a:fillRef>
-          <a:effectRef idx="0">
-            <a:schemeClr val="accent1"/>
-          </a:effectRef>
-          <a:fontRef idx="minor">
-            <a:schemeClr val="lt1"/>
-          </a:fontRef>
-        </p:style>
-        <p:txBody>
-          <a:bodyPr rtlCol="0" anchor="ctr"/>
-          <a:lstStyle/>
-          <a:p>
-            <a:pPr algn="ctr"/>
-            <a:endParaRPr lang="en-US"/>
-          </a:p>
-        </p:txBody>
-      </p:sp>
-      <p:sp>
-        <p:nvSpPr>
-          <p:cNvPr id="8" name="Rectangle 7">
-            <a:extLst>
-              <a:ext uri="{FF2B5EF4-FFF2-40B4-BE49-F238E27FC236}">
-                <a16:creationId xmlns:a16="http://schemas.microsoft.com/office/drawing/2014/main" id="{70F9218A-B816-4B5F-A0BE-D0AAD688BCDE}"/>
-              </a:ext>
-            </a:extLst>
-          </p:cNvPr>
-          <p:cNvSpPr/>
-          <p:nvPr/>
-        </p:nvSpPr>
-        <p:spPr>
-          <a:xfrm>
-            <a:off x="3579669" y="198650"/>
-            <a:ext cx="8409707" cy="6433806"/>
-          </a:xfrm>
-          <a:prstGeom prst="rect">
-            <a:avLst/>
-          </a:prstGeom>
-          <a:solidFill>
-            <a:schemeClr val="bg1"/>
-          </a:solidFill>
-          <a:ln>
-            <a:solidFill>
-              <a:schemeClr val="accent3">
-                <a:lumMod val="20000"/>
-                <a:lumOff val="80000"/>
-              </a:schemeClr>
-            </a:solidFill>
-          </a:ln>
-        </p:spPr>
-        <p:style>
-          <a:lnRef idx="2">
-            <a:schemeClr val="accent1">
-              <a:shade val="50000"/>
-            </a:schemeClr>
-          </a:lnRef>
-          <a:fillRef idx="1">
-            <a:schemeClr val="accent1"/>
-          </a:fillRef>
-          <a:effectRef idx="0">
-            <a:schemeClr val="accent1"/>
-          </a:effectRef>
-          <a:fontRef idx="minor">
-            <a:schemeClr val="lt1"/>
-          </a:fontRef>
-        </p:style>
-        <p:txBody>
-          <a:bodyPr rtlCol="0" anchor="ctr"/>
-          <a:lstStyle/>
-          <a:p>
-            <a:pPr algn="ctr"/>
-            <a:endParaRPr lang="en-US"/>
-          </a:p>
-        </p:txBody>
-      </p:sp>
-      <p:pic>
-        <p:nvPicPr>
-          <p:cNvPr id="9" name="Picture 8">
-            <a:extLst>
-              <a:ext uri="{FF2B5EF4-FFF2-40B4-BE49-F238E27FC236}">
-                <a16:creationId xmlns:a16="http://schemas.microsoft.com/office/drawing/2014/main" id="{07792D18-2682-4285-9429-837643BCD1C7}"/>
-              </a:ext>
-            </a:extLst>
-          </p:cNvPr>
-          <p:cNvPicPr>
-            <a:picLocks noChangeAspect="1"/>
-          </p:cNvPicPr>
-          <p:nvPr/>
-        </p:nvPicPr>
-        <p:blipFill>
-          <a:blip r:embed="rId2">
-            <a:biLevel thresh="25000"/>
-            <a:extLst>
-              <a:ext uri="{28A0092B-C50C-407E-A947-70E740481C1C}">
-                <a14:useLocalDpi xmlns:a14="http://schemas.microsoft.com/office/drawing/2010/main" val="0"/>
-              </a:ext>
-            </a:extLst>
-          </a:blip>
-          <a:stretch>
-            <a:fillRect/>
-          </a:stretch>
-        </p:blipFill>
-        <p:spPr>
-          <a:xfrm>
-            <a:off x="452427" y="2435170"/>
-            <a:ext cx="2650991" cy="1213895"/>
-          </a:xfrm>
-          <a:prstGeom prst="rect">
-            <a:avLst/>
-          </a:prstGeom>
-        </p:spPr>
-      </p:pic>
-      <p:sp>
-        <p:nvSpPr>
-          <p:cNvPr id="10" name="Rectangle 9">
-            <a:extLst>
-              <a:ext uri="{FF2B5EF4-FFF2-40B4-BE49-F238E27FC236}">
-                <a16:creationId xmlns:a16="http://schemas.microsoft.com/office/drawing/2014/main" id="{31E5457F-D05E-4FBC-AA16-B4542B833804}"/>
-              </a:ext>
-            </a:extLst>
-          </p:cNvPr>
-          <p:cNvSpPr/>
-          <p:nvPr/>
-        </p:nvSpPr>
-        <p:spPr>
-          <a:xfrm>
-            <a:off x="11194473" y="6359236"/>
-            <a:ext cx="775853" cy="249382"/>
-          </a:xfrm>
-          <a:prstGeom prst="rect">
-            <a:avLst/>
-          </a:prstGeom>
-          <a:solidFill>
-            <a:srgbClr val="00B0F0"/>
-          </a:solidFill>
-          <a:ln>
-            <a:noFill/>
-          </a:ln>
-        </p:spPr>
-        <p:style>
-          <a:lnRef idx="2">
-            <a:schemeClr val="accent1">
-              <a:shade val="50000"/>
-            </a:schemeClr>
-          </a:lnRef>
-          <a:fillRef idx="1">
-            <a:schemeClr val="accent1"/>
-          </a:fillRef>
-          <a:effectRef idx="0">
-            <a:schemeClr val="accent1"/>
-          </a:effectRef>
-          <a:fontRef idx="minor">
-            <a:schemeClr val="lt1"/>
-          </a:fontRef>
-        </p:style>
-        <p:txBody>
-          <a:bodyPr rtlCol="0" anchor="ctr"/>
-          <a:lstStyle/>
-          <a:p>
-            <a:pPr algn="ctr"/>
-            <a:r>
-              <a:rPr lang="en-US" sz="900" dirty="0">
-                <a:solidFill>
-                  <a:schemeClr val="bg1"/>
-                </a:solidFill>
-                <a:latin typeface="Segoe UI" panose="020B0502040204020203" pitchFamily="34" charset="0"/>
-                <a:ea typeface="Segoe UI" panose="020B0502040204020203" pitchFamily="34" charset="0"/>
-                <a:cs typeface="Segoe UI" panose="020B0502040204020203" pitchFamily="34" charset="0"/>
-              </a:rPr>
-              <a:t>Manage</a:t>
-            </a:r>
-          </a:p>
-        </p:txBody>
-      </p:sp>
-      <p:sp>
-        <p:nvSpPr>
-          <p:cNvPr id="11" name="Rectangle 10">
-            <a:extLst>
-              <a:ext uri="{FF2B5EF4-FFF2-40B4-BE49-F238E27FC236}">
-                <a16:creationId xmlns:a16="http://schemas.microsoft.com/office/drawing/2014/main" id="{3D20450F-F92F-43A7-B557-0485260B48EC}"/>
-              </a:ext>
-            </a:extLst>
-          </p:cNvPr>
-          <p:cNvSpPr/>
-          <p:nvPr/>
-        </p:nvSpPr>
-        <p:spPr>
-          <a:xfrm>
-            <a:off x="10401669" y="6359236"/>
-            <a:ext cx="775853" cy="249382"/>
-          </a:xfrm>
-          <a:prstGeom prst="rect">
-            <a:avLst/>
-          </a:prstGeom>
-          <a:solidFill>
-            <a:srgbClr val="FFC000"/>
-          </a:solidFill>
-          <a:ln>
-            <a:noFill/>
-          </a:ln>
-        </p:spPr>
-        <p:style>
-          <a:lnRef idx="2">
-            <a:schemeClr val="accent1">
-              <a:shade val="50000"/>
-            </a:schemeClr>
-          </a:lnRef>
-          <a:fillRef idx="1">
-            <a:schemeClr val="accent1"/>
-          </a:fillRef>
-          <a:effectRef idx="0">
-            <a:schemeClr val="accent1"/>
-          </a:effectRef>
-          <a:fontRef idx="minor">
-            <a:schemeClr val="lt1"/>
-          </a:fontRef>
-        </p:style>
-        <p:txBody>
-          <a:bodyPr rtlCol="0" anchor="ctr"/>
-          <a:lstStyle/>
-          <a:p>
-            <a:pPr algn="ctr"/>
-            <a:r>
-              <a:rPr lang="en-US" sz="900" dirty="0">
-                <a:solidFill>
-                  <a:schemeClr val="bg1"/>
-                </a:solidFill>
-                <a:latin typeface="Segoe UI" panose="020B0502040204020203" pitchFamily="34" charset="0"/>
-                <a:ea typeface="Segoe UI" panose="020B0502040204020203" pitchFamily="34" charset="0"/>
-                <a:cs typeface="Segoe UI" panose="020B0502040204020203" pitchFamily="34" charset="0"/>
-              </a:rPr>
-              <a:t>Implement</a:t>
-            </a:r>
-          </a:p>
-        </p:txBody>
-      </p:sp>
-      <p:sp>
-        <p:nvSpPr>
-          <p:cNvPr id="12" name="Rectangle 11">
-            <a:extLst>
-              <a:ext uri="{FF2B5EF4-FFF2-40B4-BE49-F238E27FC236}">
-                <a16:creationId xmlns:a16="http://schemas.microsoft.com/office/drawing/2014/main" id="{20D495CD-0755-4CD0-952C-38FDFD818912}"/>
-              </a:ext>
-            </a:extLst>
-          </p:cNvPr>
-          <p:cNvSpPr/>
-          <p:nvPr/>
-        </p:nvSpPr>
-        <p:spPr>
-          <a:xfrm>
-            <a:off x="9608865" y="6359236"/>
-            <a:ext cx="775853" cy="249382"/>
-          </a:xfrm>
-          <a:prstGeom prst="rect">
-            <a:avLst/>
-          </a:prstGeom>
-          <a:solidFill>
-            <a:srgbClr val="33CC33"/>
-          </a:solidFill>
-          <a:ln>
-            <a:noFill/>
-          </a:ln>
-        </p:spPr>
-        <p:style>
-          <a:lnRef idx="2">
-            <a:schemeClr val="accent1">
-              <a:shade val="50000"/>
-            </a:schemeClr>
-          </a:lnRef>
-          <a:fillRef idx="1">
-            <a:schemeClr val="accent1"/>
-          </a:fillRef>
-          <a:effectRef idx="0">
-            <a:schemeClr val="accent1"/>
-          </a:effectRef>
-          <a:fontRef idx="minor">
-            <a:schemeClr val="lt1"/>
-          </a:fontRef>
-        </p:style>
-        <p:txBody>
-          <a:bodyPr rtlCol="0" anchor="ctr"/>
-          <a:lstStyle/>
-          <a:p>
-            <a:pPr algn="ctr"/>
-            <a:r>
-              <a:rPr lang="en-US" sz="900" dirty="0">
-                <a:solidFill>
-                  <a:schemeClr val="bg1"/>
-                </a:solidFill>
-                <a:latin typeface="Segoe UI" panose="020B0502040204020203" pitchFamily="34" charset="0"/>
-                <a:ea typeface="Segoe UI" panose="020B0502040204020203" pitchFamily="34" charset="0"/>
-                <a:cs typeface="Segoe UI" panose="020B0502040204020203" pitchFamily="34" charset="0"/>
-              </a:rPr>
-              <a:t>Advise</a:t>
-            </a:r>
-          </a:p>
-        </p:txBody>
-      </p:sp>
-      <p:sp>
-        <p:nvSpPr>
-          <p:cNvPr id="13" name="Rectangle 12">
-            <a:extLst>
-              <a:ext uri="{FF2B5EF4-FFF2-40B4-BE49-F238E27FC236}">
-                <a16:creationId xmlns:a16="http://schemas.microsoft.com/office/drawing/2014/main" id="{F756530E-6471-4A98-9409-D28702635498}"/>
-              </a:ext>
-            </a:extLst>
-          </p:cNvPr>
-          <p:cNvSpPr/>
-          <p:nvPr/>
-        </p:nvSpPr>
-        <p:spPr>
-          <a:xfrm>
-            <a:off x="8816061" y="6359236"/>
-            <a:ext cx="775853" cy="249382"/>
-          </a:xfrm>
-          <a:prstGeom prst="rect">
-            <a:avLst/>
-          </a:prstGeom>
-          <a:solidFill>
-            <a:schemeClr val="accent2"/>
-          </a:solidFill>
-          <a:ln>
-            <a:noFill/>
-          </a:ln>
-        </p:spPr>
-        <p:style>
-          <a:lnRef idx="2">
-            <a:schemeClr val="accent1">
-              <a:shade val="50000"/>
-            </a:schemeClr>
-          </a:lnRef>
-          <a:fillRef idx="1">
-            <a:schemeClr val="accent1"/>
-          </a:fillRef>
-          <a:effectRef idx="0">
-            <a:schemeClr val="accent1"/>
-          </a:effectRef>
-          <a:fontRef idx="minor">
-            <a:schemeClr val="lt1"/>
-          </a:fontRef>
-        </p:style>
-        <p:txBody>
-          <a:bodyPr rtlCol="0" anchor="ctr"/>
-          <a:lstStyle/>
-          <a:p>
-            <a:pPr algn="ctr"/>
-            <a:r>
-              <a:rPr lang="en-US" sz="900" dirty="0">
-                <a:solidFill>
-                  <a:schemeClr val="bg1"/>
-                </a:solidFill>
-                <a:latin typeface="Segoe UI" panose="020B0502040204020203" pitchFamily="34" charset="0"/>
-                <a:ea typeface="Segoe UI" panose="020B0502040204020203" pitchFamily="34" charset="0"/>
-                <a:cs typeface="Segoe UI" panose="020B0502040204020203" pitchFamily="34" charset="0"/>
-              </a:rPr>
-              <a:t>Educate</a:t>
-            </a:r>
-          </a:p>
-        </p:txBody>
-      </p:sp>
-      <p:sp>
-        <p:nvSpPr>
-          <p:cNvPr id="2" name="Title 1">
-            <a:extLst>
-              <a:ext uri="{FF2B5EF4-FFF2-40B4-BE49-F238E27FC236}">
-                <a16:creationId xmlns:a16="http://schemas.microsoft.com/office/drawing/2014/main" id="{54E16744-0EC5-4409-8030-9D707EE1A1D6}"/>
-              </a:ext>
-            </a:extLst>
-          </p:cNvPr>
+          <p:cNvPr id="2" name="Title 1"/>
           <p:cNvSpPr>
             <a:spLocks noGrp="1"/>
           </p:cNvSpPr>
@@ -2669,42 +901,67 @@
         </p:nvSpPr>
         <p:spPr>
           <a:xfrm>
-            <a:off x="3744686" y="1709739"/>
-            <a:ext cx="7602764" cy="1892300"/>
+            <a:off x="707136" y="1316736"/>
+            <a:ext cx="10363200" cy="1362456"/>
           </a:xfrm>
+          <a:ln>
+            <a:noFill/>
+          </a:ln>
         </p:spPr>
         <p:txBody>
-          <a:bodyPr anchor="ctr"/>
+          <a:bodyPr vert="horz" tIns="0" bIns="0" anchor="b">
+            <a:noAutofit/>
+            <a:scene3d>
+              <a:camera prst="orthographicFront"/>
+              <a:lightRig rig="freezing" dir="t">
+                <a:rot lat="0" lon="0" rev="5640000"/>
+              </a:lightRig>
+            </a:scene3d>
+            <a:sp3d prstMaterial="flat">
+              <a:bevelT w="38100" h="38100"/>
+            </a:sp3d>
+          </a:bodyPr>
           <a:lstStyle>
-            <a:lvl1pPr algn="ctr">
-              <a:defRPr sz="4000">
-                <a:solidFill>
-                  <a:schemeClr val="bg1">
-                    <a:lumMod val="50000"/>
+            <a:lvl1pPr algn="l" rtl="0">
+              <a:spcBef>
+                <a:spcPct val="0"/>
+              </a:spcBef>
+              <a:buNone/>
+              <a:defRPr lang="en-US" sz="5600" b="1" cap="none" baseline="0" dirty="0">
+                <a:ln w="635">
+                  <a:noFill/>
+                </a:ln>
+                <a:solidFill>
+                  <a:schemeClr val="accent4">
+                    <a:tint val="90000"/>
+                    <a:satMod val="125000"/>
                   </a:schemeClr>
                 </a:solidFill>
-                <a:latin typeface="Trebuchet MS" panose="020B0603020202020204" pitchFamily="34" charset="0"/>
+                <a:effectLst>
+                  <a:outerShdw blurRad="38100" dist="25400" dir="5400000" algn="tl" rotWithShape="0">
+                    <a:srgbClr val="000000">
+                      <a:alpha val="43000"/>
+                    </a:srgbClr>
+                  </a:outerShdw>
+                </a:effectLst>
+                <a:latin typeface="+mj-lt"/>
+                <a:ea typeface="+mj-ea"/>
+                <a:cs typeface="+mj-cs"/>
               </a:defRPr>
             </a:lvl1pPr>
           </a:lstStyle>
           <a:p>
             <a:r>
-              <a:rPr lang="en-US"/>
+              <a:rPr kumimoji="0" lang="en-US" smtClean="0"/>
               <a:t>Click to edit Master title style</a:t>
             </a:r>
-            <a:endParaRPr lang="en-US" dirty="0"/>
-          </a:p>
-        </p:txBody>
-      </p:sp>
-      <p:sp>
-        <p:nvSpPr>
-          <p:cNvPr id="3" name="Text Placeholder 2">
-            <a:extLst>
-              <a:ext uri="{FF2B5EF4-FFF2-40B4-BE49-F238E27FC236}">
-                <a16:creationId xmlns:a16="http://schemas.microsoft.com/office/drawing/2014/main" id="{C98CF225-F19A-40FE-9134-ADAC53A2CB8E}"/>
-              </a:ext>
-            </a:extLst>
-          </p:cNvPr>
+            <a:endParaRPr kumimoji="0" lang="en-US"/>
+          </a:p>
+        </p:txBody>
+      </p:sp>
+      <p:sp>
+        <p:nvSpPr>
+          <p:cNvPr id="3" name="Text Placeholder 2"/>
           <p:cNvSpPr>
             <a:spLocks noGrp="1"/>
           </p:cNvSpPr>
@@ -2714,27 +971,24 @@
         </p:nvSpPr>
         <p:spPr>
           <a:xfrm>
-            <a:off x="3744686" y="3649066"/>
-            <a:ext cx="7602764" cy="980992"/>
+            <a:off x="707136" y="2704664"/>
+            <a:ext cx="10363200" cy="1509712"/>
           </a:xfrm>
         </p:spPr>
         <p:txBody>
-          <a:bodyPr anchor="ctr">
-            <a:normAutofit/>
-          </a:bodyPr>
+          <a:bodyPr lIns="45720" rIns="45720" anchor="t"/>
           <a:lstStyle>
-            <a:lvl1pPr marL="0" indent="0" algn="ctr">
+            <a:lvl1pPr marL="0" indent="0">
               <a:buNone/>
-              <a:defRPr sz="2000">
-                <a:solidFill>
-                  <a:srgbClr val="0070C0"/>
-                </a:solidFill>
-                <a:latin typeface="Trebuchet MS" panose="020B0603020202020204" pitchFamily="34" charset="0"/>
+              <a:defRPr sz="2200">
+                <a:solidFill>
+                  <a:schemeClr val="tx1"/>
+                </a:solidFill>
               </a:defRPr>
             </a:lvl1pPr>
-            <a:lvl2pPr marL="457200" indent="0">
+            <a:lvl2pPr>
               <a:buNone/>
-              <a:defRPr sz="2000">
+              <a:defRPr sz="1800">
                 <a:solidFill>
                   <a:schemeClr val="tx1">
                     <a:tint val="75000"/>
@@ -2742,9 +996,9 @@
                 </a:solidFill>
               </a:defRPr>
             </a:lvl2pPr>
-            <a:lvl3pPr marL="914400" indent="0">
+            <a:lvl3pPr>
               <a:buNone/>
-              <a:defRPr sz="1800">
+              <a:defRPr sz="1600">
                 <a:solidFill>
                   <a:schemeClr val="tx1">
                     <a:tint val="75000"/>
@@ -2752,9 +1006,9 @@
                 </a:solidFill>
               </a:defRPr>
             </a:lvl3pPr>
-            <a:lvl4pPr marL="1371600" indent="0">
+            <a:lvl4pPr>
               <a:buNone/>
-              <a:defRPr sz="1600">
+              <a:defRPr sz="1400">
                 <a:solidFill>
                   <a:schemeClr val="tx1">
                     <a:tint val="75000"/>
@@ -2762,9 +1016,9 @@
                 </a:solidFill>
               </a:defRPr>
             </a:lvl4pPr>
-            <a:lvl5pPr marL="1828800" indent="0">
+            <a:lvl5pPr>
               <a:buNone/>
-              <a:defRPr sz="1600">
+              <a:defRPr sz="1400">
                 <a:solidFill>
                   <a:schemeClr val="tx1">
                     <a:tint val="75000"/>
@@ -2772,65 +1026,19 @@
                 </a:solidFill>
               </a:defRPr>
             </a:lvl5pPr>
-            <a:lvl6pPr marL="2286000" indent="0">
-              <a:buNone/>
-              <a:defRPr sz="1600">
-                <a:solidFill>
-                  <a:schemeClr val="tx1">
-                    <a:tint val="75000"/>
-                  </a:schemeClr>
-                </a:solidFill>
-              </a:defRPr>
-            </a:lvl6pPr>
-            <a:lvl7pPr marL="2743200" indent="0">
-              <a:buNone/>
-              <a:defRPr sz="1600">
-                <a:solidFill>
-                  <a:schemeClr val="tx1">
-                    <a:tint val="75000"/>
-                  </a:schemeClr>
-                </a:solidFill>
-              </a:defRPr>
-            </a:lvl7pPr>
-            <a:lvl8pPr marL="3200400" indent="0">
-              <a:buNone/>
-              <a:defRPr sz="1600">
-                <a:solidFill>
-                  <a:schemeClr val="tx1">
-                    <a:tint val="75000"/>
-                  </a:schemeClr>
-                </a:solidFill>
-              </a:defRPr>
-            </a:lvl8pPr>
-            <a:lvl9pPr marL="3657600" indent="0">
-              <a:buNone/>
-              <a:defRPr sz="1600">
-                <a:solidFill>
-                  <a:schemeClr val="tx1">
-                    <a:tint val="75000"/>
-                  </a:schemeClr>
-                </a:solidFill>
-              </a:defRPr>
-            </a:lvl9pPr>
           </a:lstStyle>
           <a:p>
-            <a:pPr lvl="0"/>
-            <a:r>
-              <a:rPr lang="en-US"/>
-              <a:t>Edit Master text styles</a:t>
-            </a:r>
-          </a:p>
-        </p:txBody>
-      </p:sp>
-      <p:sp>
-        <p:nvSpPr>
-          <p:cNvPr id="4" name="Date Placeholder 3">
-            <a:extLst>
-              <a:ext uri="{FF2B5EF4-FFF2-40B4-BE49-F238E27FC236}">
-                <a16:creationId xmlns:a16="http://schemas.microsoft.com/office/drawing/2014/main" id="{E6052890-A463-40F0-8781-AB9ECF34701B}"/>
-              </a:ext>
-            </a:extLst>
-          </p:cNvPr>
+            <a:pPr lvl="0" eaLnBrk="1" latinLnBrk="0" hangingPunct="1"/>
+            <a:r>
+              <a:rPr kumimoji="0" lang="en-US" smtClean="0"/>
+              <a:t>Click to edit Master text styles</a:t>
+            </a:r>
+          </a:p>
+        </p:txBody>
+      </p:sp>
+      <p:sp>
+        <p:nvSpPr>
+          <p:cNvPr id="4" name="Date Placeholder 3"/>
           <p:cNvSpPr>
             <a:spLocks noGrp="1"/>
           </p:cNvSpPr>
@@ -2845,7 +1053,8 @@
           <a:p>
             <a:fld id="{D2474CCF-98B4-411A-8810-C31E8C29E19B}" type="datetimeFigureOut">
               <a:rPr lang="en-US" smtClean="0"/>
-              <a:t>9/16/2022</a:t>
+              <a:pPr/>
+              <a:t>11/8/2023</a:t>
             </a:fld>
             <a:endParaRPr lang="en-US"/>
           </a:p>
@@ -2853,13 +1062,7 @@
       </p:sp>
       <p:sp>
         <p:nvSpPr>
-          <p:cNvPr id="5" name="Footer Placeholder 4">
-            <a:extLst>
-              <a:ext uri="{FF2B5EF4-FFF2-40B4-BE49-F238E27FC236}">
-                <a16:creationId xmlns:a16="http://schemas.microsoft.com/office/drawing/2014/main" id="{4B4EBFC2-28E7-4B50-9949-2BDA85E26BB6}"/>
-              </a:ext>
-            </a:extLst>
-          </p:cNvPr>
+          <p:cNvPr id="5" name="Footer Placeholder 4"/>
           <p:cNvSpPr>
             <a:spLocks noGrp="1"/>
           </p:cNvSpPr>
@@ -2878,13 +1081,7 @@
       </p:sp>
       <p:sp>
         <p:nvSpPr>
-          <p:cNvPr id="6" name="Slide Number Placeholder 5">
-            <a:extLst>
-              <a:ext uri="{FF2B5EF4-FFF2-40B4-BE49-F238E27FC236}">
-                <a16:creationId xmlns:a16="http://schemas.microsoft.com/office/drawing/2014/main" id="{90C98516-7864-4AE1-84EA-04757DF14368}"/>
-              </a:ext>
-            </a:extLst>
-          </p:cNvPr>
+          <p:cNvPr id="6" name="Slide Number Placeholder 5"/>
           <p:cNvSpPr>
             <a:spLocks noGrp="1"/>
           </p:cNvSpPr>
@@ -2899,57 +1096,17 @@
           <a:p>
             <a:fld id="{A1FD0E78-183D-4F7D-A18B-8A4BED7B6988}" type="slidenum">
               <a:rPr lang="en-US" smtClean="0"/>
+              <a:pPr/>
               <a:t>‹#›</a:t>
             </a:fld>
             <a:endParaRPr lang="en-US"/>
           </a:p>
         </p:txBody>
       </p:sp>
-      <p:cxnSp>
-        <p:nvCxnSpPr>
-          <p:cNvPr id="14" name="Straight Connector 13">
-            <a:extLst>
-              <a:ext uri="{FF2B5EF4-FFF2-40B4-BE49-F238E27FC236}">
-                <a16:creationId xmlns:a16="http://schemas.microsoft.com/office/drawing/2014/main" id="{709AA055-0DD5-4F16-B6C2-4900CC928098}"/>
-              </a:ext>
-            </a:extLst>
-          </p:cNvPr>
-          <p:cNvCxnSpPr/>
-          <p:nvPr/>
-        </p:nvCxnSpPr>
-        <p:spPr>
-          <a:xfrm>
-            <a:off x="3778624" y="3602038"/>
-            <a:ext cx="8001000" cy="0"/>
-          </a:xfrm>
-          <a:prstGeom prst="line">
-            <a:avLst/>
-          </a:prstGeom>
-        </p:spPr>
-        <p:style>
-          <a:lnRef idx="1">
-            <a:schemeClr val="accent1"/>
-          </a:lnRef>
-          <a:fillRef idx="0">
-            <a:schemeClr val="accent1"/>
-          </a:fillRef>
-          <a:effectRef idx="0">
-            <a:schemeClr val="accent1"/>
-          </a:effectRef>
-          <a:fontRef idx="minor">
-            <a:schemeClr val="tx1"/>
-          </a:fontRef>
-        </p:style>
-      </p:cxnSp>
     </p:spTree>
-    <p:extLst>
-      <p:ext uri="{BB962C8B-B14F-4D97-AF65-F5344CB8AC3E}">
-        <p14:creationId xmlns:p14="http://schemas.microsoft.com/office/powerpoint/2010/main" val="3753181276"/>
-      </p:ext>
-    </p:extLst>
   </p:cSld>
   <p:clrMapOvr>
-    <a:masterClrMapping/>
+    <a:overrideClrMapping bg1="dk1" tx1="lt1" bg2="dk2" tx2="lt2" accent1="accent1" accent2="accent2" accent3="accent3" accent4="accent4" accent5="accent5" accent6="accent6" hlink="hlink" folHlink="folHlink"/>
   </p:clrMapOvr>
 </p:sldLayout>
 </file>
@@ -2973,403 +1130,7 @@
       </p:grpSpPr>
       <p:sp>
         <p:nvSpPr>
-          <p:cNvPr id="8" name="Rectangle 7">
-            <a:extLst>
-              <a:ext uri="{FF2B5EF4-FFF2-40B4-BE49-F238E27FC236}">
-                <a16:creationId xmlns:a16="http://schemas.microsoft.com/office/drawing/2014/main" id="{428ED813-B8D0-48D3-B71C-48DF5BDC9A90}"/>
-              </a:ext>
-            </a:extLst>
-          </p:cNvPr>
-          <p:cNvSpPr/>
-          <p:nvPr/>
-        </p:nvSpPr>
-        <p:spPr>
-          <a:xfrm>
-            <a:off x="0" y="0"/>
-            <a:ext cx="4717144" cy="6858000"/>
-          </a:xfrm>
-          <a:prstGeom prst="rect">
-            <a:avLst/>
-          </a:prstGeom>
-          <a:ln>
-            <a:noFill/>
-          </a:ln>
-        </p:spPr>
-        <p:style>
-          <a:lnRef idx="2">
-            <a:schemeClr val="accent1">
-              <a:shade val="50000"/>
-            </a:schemeClr>
-          </a:lnRef>
-          <a:fillRef idx="1">
-            <a:schemeClr val="accent1"/>
-          </a:fillRef>
-          <a:effectRef idx="0">
-            <a:schemeClr val="accent1"/>
-          </a:effectRef>
-          <a:fontRef idx="minor">
-            <a:schemeClr val="lt1"/>
-          </a:fontRef>
-        </p:style>
-        <p:txBody>
-          <a:bodyPr rtlCol="0" anchor="ctr"/>
-          <a:lstStyle/>
-          <a:p>
-            <a:pPr algn="ctr"/>
-            <a:endParaRPr lang="en-US"/>
-          </a:p>
-        </p:txBody>
-      </p:sp>
-      <p:sp>
-        <p:nvSpPr>
-          <p:cNvPr id="9" name="Rectangle 8">
-            <a:extLst>
-              <a:ext uri="{FF2B5EF4-FFF2-40B4-BE49-F238E27FC236}">
-                <a16:creationId xmlns:a16="http://schemas.microsoft.com/office/drawing/2014/main" id="{FDF0879C-37D2-4E04-A609-4FEBD2EB69A2}"/>
-              </a:ext>
-            </a:extLst>
-          </p:cNvPr>
-          <p:cNvSpPr/>
-          <p:nvPr/>
-        </p:nvSpPr>
-        <p:spPr>
-          <a:xfrm>
-            <a:off x="207818" y="201706"/>
-            <a:ext cx="11762508" cy="6433806"/>
-          </a:xfrm>
-          <a:prstGeom prst="rect">
-            <a:avLst/>
-          </a:prstGeom>
-          <a:solidFill>
-            <a:schemeClr val="bg1"/>
-          </a:solidFill>
-          <a:ln>
-            <a:solidFill>
-              <a:schemeClr val="accent3">
-                <a:lumMod val="20000"/>
-                <a:lumOff val="80000"/>
-              </a:schemeClr>
-            </a:solidFill>
-          </a:ln>
-        </p:spPr>
-        <p:style>
-          <a:lnRef idx="2">
-            <a:schemeClr val="accent1">
-              <a:shade val="50000"/>
-            </a:schemeClr>
-          </a:lnRef>
-          <a:fillRef idx="1">
-            <a:schemeClr val="accent1"/>
-          </a:fillRef>
-          <a:effectRef idx="0">
-            <a:schemeClr val="accent1"/>
-          </a:effectRef>
-          <a:fontRef idx="minor">
-            <a:schemeClr val="lt1"/>
-          </a:fontRef>
-        </p:style>
-        <p:txBody>
-          <a:bodyPr rtlCol="0" anchor="ctr"/>
-          <a:lstStyle/>
-          <a:p>
-            <a:pPr algn="ctr"/>
-            <a:endParaRPr lang="en-US"/>
-          </a:p>
-        </p:txBody>
-      </p:sp>
-      <p:sp>
-        <p:nvSpPr>
-          <p:cNvPr id="10" name="Rectangle 9">
-            <a:extLst>
-              <a:ext uri="{FF2B5EF4-FFF2-40B4-BE49-F238E27FC236}">
-                <a16:creationId xmlns:a16="http://schemas.microsoft.com/office/drawing/2014/main" id="{94C859E1-EF9A-419B-B3AC-AEA4B510D174}"/>
-              </a:ext>
-            </a:extLst>
-          </p:cNvPr>
-          <p:cNvSpPr/>
-          <p:nvPr/>
-        </p:nvSpPr>
-        <p:spPr>
-          <a:xfrm>
-            <a:off x="11194473" y="6359236"/>
-            <a:ext cx="775853" cy="249382"/>
-          </a:xfrm>
-          <a:prstGeom prst="rect">
-            <a:avLst/>
-          </a:prstGeom>
-          <a:solidFill>
-            <a:srgbClr val="00B0F0"/>
-          </a:solidFill>
-          <a:ln>
-            <a:noFill/>
-          </a:ln>
-        </p:spPr>
-        <p:style>
-          <a:lnRef idx="2">
-            <a:schemeClr val="accent1">
-              <a:shade val="50000"/>
-            </a:schemeClr>
-          </a:lnRef>
-          <a:fillRef idx="1">
-            <a:schemeClr val="accent1"/>
-          </a:fillRef>
-          <a:effectRef idx="0">
-            <a:schemeClr val="accent1"/>
-          </a:effectRef>
-          <a:fontRef idx="minor">
-            <a:schemeClr val="lt1"/>
-          </a:fontRef>
-        </p:style>
-        <p:txBody>
-          <a:bodyPr rtlCol="0" anchor="ctr"/>
-          <a:lstStyle/>
-          <a:p>
-            <a:pPr algn="ctr"/>
-            <a:r>
-              <a:rPr lang="en-US" sz="900" dirty="0">
-                <a:solidFill>
-                  <a:schemeClr val="bg1"/>
-                </a:solidFill>
-                <a:latin typeface="Segoe UI" panose="020B0502040204020203" pitchFamily="34" charset="0"/>
-                <a:ea typeface="Segoe UI" panose="020B0502040204020203" pitchFamily="34" charset="0"/>
-                <a:cs typeface="Segoe UI" panose="020B0502040204020203" pitchFamily="34" charset="0"/>
-              </a:rPr>
-              <a:t>Manage</a:t>
-            </a:r>
-          </a:p>
-        </p:txBody>
-      </p:sp>
-      <p:sp>
-        <p:nvSpPr>
-          <p:cNvPr id="11" name="Rectangle 10">
-            <a:extLst>
-              <a:ext uri="{FF2B5EF4-FFF2-40B4-BE49-F238E27FC236}">
-                <a16:creationId xmlns:a16="http://schemas.microsoft.com/office/drawing/2014/main" id="{D14C3DBE-5B2C-4C2D-8079-CF803A046CD5}"/>
-              </a:ext>
-            </a:extLst>
-          </p:cNvPr>
-          <p:cNvSpPr/>
-          <p:nvPr/>
-        </p:nvSpPr>
-        <p:spPr>
-          <a:xfrm>
-            <a:off x="10401669" y="6359236"/>
-            <a:ext cx="775853" cy="249382"/>
-          </a:xfrm>
-          <a:prstGeom prst="rect">
-            <a:avLst/>
-          </a:prstGeom>
-          <a:solidFill>
-            <a:srgbClr val="FFC000"/>
-          </a:solidFill>
-          <a:ln>
-            <a:noFill/>
-          </a:ln>
-        </p:spPr>
-        <p:style>
-          <a:lnRef idx="2">
-            <a:schemeClr val="accent1">
-              <a:shade val="50000"/>
-            </a:schemeClr>
-          </a:lnRef>
-          <a:fillRef idx="1">
-            <a:schemeClr val="accent1"/>
-          </a:fillRef>
-          <a:effectRef idx="0">
-            <a:schemeClr val="accent1"/>
-          </a:effectRef>
-          <a:fontRef idx="minor">
-            <a:schemeClr val="lt1"/>
-          </a:fontRef>
-        </p:style>
-        <p:txBody>
-          <a:bodyPr rtlCol="0" anchor="ctr"/>
-          <a:lstStyle/>
-          <a:p>
-            <a:pPr algn="ctr"/>
-            <a:r>
-              <a:rPr lang="en-US" sz="900" dirty="0">
-                <a:solidFill>
-                  <a:schemeClr val="bg1"/>
-                </a:solidFill>
-                <a:latin typeface="Segoe UI" panose="020B0502040204020203" pitchFamily="34" charset="0"/>
-                <a:ea typeface="Segoe UI" panose="020B0502040204020203" pitchFamily="34" charset="0"/>
-                <a:cs typeface="Segoe UI" panose="020B0502040204020203" pitchFamily="34" charset="0"/>
-              </a:rPr>
-              <a:t>Implement</a:t>
-            </a:r>
-          </a:p>
-        </p:txBody>
-      </p:sp>
-      <p:sp>
-        <p:nvSpPr>
-          <p:cNvPr id="12" name="Rectangle 11">
-            <a:extLst>
-              <a:ext uri="{FF2B5EF4-FFF2-40B4-BE49-F238E27FC236}">
-                <a16:creationId xmlns:a16="http://schemas.microsoft.com/office/drawing/2014/main" id="{ECE1258E-5E7B-49D9-AB2A-3FCE6F2AE3D9}"/>
-              </a:ext>
-            </a:extLst>
-          </p:cNvPr>
-          <p:cNvSpPr/>
-          <p:nvPr/>
-        </p:nvSpPr>
-        <p:spPr>
-          <a:xfrm>
-            <a:off x="9608865" y="6359236"/>
-            <a:ext cx="775853" cy="249382"/>
-          </a:xfrm>
-          <a:prstGeom prst="rect">
-            <a:avLst/>
-          </a:prstGeom>
-          <a:solidFill>
-            <a:srgbClr val="33CC33"/>
-          </a:solidFill>
-          <a:ln>
-            <a:noFill/>
-          </a:ln>
-        </p:spPr>
-        <p:style>
-          <a:lnRef idx="2">
-            <a:schemeClr val="accent1">
-              <a:shade val="50000"/>
-            </a:schemeClr>
-          </a:lnRef>
-          <a:fillRef idx="1">
-            <a:schemeClr val="accent1"/>
-          </a:fillRef>
-          <a:effectRef idx="0">
-            <a:schemeClr val="accent1"/>
-          </a:effectRef>
-          <a:fontRef idx="minor">
-            <a:schemeClr val="lt1"/>
-          </a:fontRef>
-        </p:style>
-        <p:txBody>
-          <a:bodyPr rtlCol="0" anchor="ctr"/>
-          <a:lstStyle/>
-          <a:p>
-            <a:pPr algn="ctr"/>
-            <a:r>
-              <a:rPr lang="en-US" sz="900" dirty="0">
-                <a:solidFill>
-                  <a:schemeClr val="bg1"/>
-                </a:solidFill>
-                <a:latin typeface="Segoe UI" panose="020B0502040204020203" pitchFamily="34" charset="0"/>
-                <a:ea typeface="Segoe UI" panose="020B0502040204020203" pitchFamily="34" charset="0"/>
-                <a:cs typeface="Segoe UI" panose="020B0502040204020203" pitchFamily="34" charset="0"/>
-              </a:rPr>
-              <a:t>Advise</a:t>
-            </a:r>
-          </a:p>
-        </p:txBody>
-      </p:sp>
-      <p:sp>
-        <p:nvSpPr>
-          <p:cNvPr id="13" name="Rectangle 12">
-            <a:extLst>
-              <a:ext uri="{FF2B5EF4-FFF2-40B4-BE49-F238E27FC236}">
-                <a16:creationId xmlns:a16="http://schemas.microsoft.com/office/drawing/2014/main" id="{EF2A0B40-AB4B-42CA-AD19-364DF8432A34}"/>
-              </a:ext>
-            </a:extLst>
-          </p:cNvPr>
-          <p:cNvSpPr/>
-          <p:nvPr/>
-        </p:nvSpPr>
-        <p:spPr>
-          <a:xfrm>
-            <a:off x="8816061" y="6359236"/>
-            <a:ext cx="775853" cy="249382"/>
-          </a:xfrm>
-          <a:prstGeom prst="rect">
-            <a:avLst/>
-          </a:prstGeom>
-          <a:solidFill>
-            <a:schemeClr val="accent2"/>
-          </a:solidFill>
-          <a:ln>
-            <a:noFill/>
-          </a:ln>
-        </p:spPr>
-        <p:style>
-          <a:lnRef idx="2">
-            <a:schemeClr val="accent1">
-              <a:shade val="50000"/>
-            </a:schemeClr>
-          </a:lnRef>
-          <a:fillRef idx="1">
-            <a:schemeClr val="accent1"/>
-          </a:fillRef>
-          <a:effectRef idx="0">
-            <a:schemeClr val="accent1"/>
-          </a:effectRef>
-          <a:fontRef idx="minor">
-            <a:schemeClr val="lt1"/>
-          </a:fontRef>
-        </p:style>
-        <p:txBody>
-          <a:bodyPr rtlCol="0" anchor="ctr"/>
-          <a:lstStyle/>
-          <a:p>
-            <a:pPr algn="ctr"/>
-            <a:r>
-              <a:rPr lang="en-US" sz="900" dirty="0">
-                <a:solidFill>
-                  <a:schemeClr val="bg1"/>
-                </a:solidFill>
-                <a:latin typeface="Segoe UI" panose="020B0502040204020203" pitchFamily="34" charset="0"/>
-                <a:ea typeface="Segoe UI" panose="020B0502040204020203" pitchFamily="34" charset="0"/>
-                <a:cs typeface="Segoe UI" panose="020B0502040204020203" pitchFamily="34" charset="0"/>
-              </a:rPr>
-              <a:t>Educate</a:t>
-            </a:r>
-          </a:p>
-        </p:txBody>
-      </p:sp>
-      <p:pic>
-        <p:nvPicPr>
-          <p:cNvPr id="14" name="Picture 13">
-            <a:extLst>
-              <a:ext uri="{FF2B5EF4-FFF2-40B4-BE49-F238E27FC236}">
-                <a16:creationId xmlns:a16="http://schemas.microsoft.com/office/drawing/2014/main" id="{5ACF1E32-F9E6-49E7-B655-4856AC619B36}"/>
-              </a:ext>
-            </a:extLst>
-          </p:cNvPr>
-          <p:cNvPicPr>
-            <a:picLocks noChangeAspect="1"/>
-          </p:cNvPicPr>
-          <p:nvPr/>
-        </p:nvPicPr>
-        <p:blipFill>
-          <a:blip r:embed="rId2">
-            <a:extLst>
-              <a:ext uri="{28A0092B-C50C-407E-A947-70E740481C1C}">
-                <a14:useLocalDpi xmlns:a14="http://schemas.microsoft.com/office/drawing/2010/main" val="0"/>
-              </a:ext>
-            </a:extLst>
-          </a:blip>
-          <a:stretch>
-            <a:fillRect/>
-          </a:stretch>
-        </p:blipFill>
-        <p:spPr>
-          <a:xfrm>
-            <a:off x="9792281" y="278160"/>
-            <a:ext cx="2153769" cy="415804"/>
-          </a:xfrm>
-          <a:prstGeom prst="rect">
-            <a:avLst/>
-          </a:prstGeom>
-        </p:spPr>
-      </p:pic>
-      <p:sp>
-        <p:nvSpPr>
-          <p:cNvPr id="2" name="Title 1">
-            <a:extLst>
-              <a:ext uri="{FF2B5EF4-FFF2-40B4-BE49-F238E27FC236}">
-                <a16:creationId xmlns:a16="http://schemas.microsoft.com/office/drawing/2014/main" id="{F3355067-D68C-4E9D-814B-94F341ACA832}"/>
-              </a:ext>
-            </a:extLst>
-          </p:cNvPr>
+          <p:cNvPr id="2" name="Title 1"/>
           <p:cNvSpPr>
             <a:spLocks noGrp="1"/>
           </p:cNvSpPr>
@@ -3377,27 +1138,27 @@
             <p:ph type="title"/>
           </p:nvPr>
         </p:nvSpPr>
-        <p:spPr/>
+        <p:spPr>
+          <a:xfrm>
+            <a:off x="609600" y="704088"/>
+            <a:ext cx="10972800" cy="1143000"/>
+          </a:xfrm>
+        </p:spPr>
         <p:txBody>
           <a:bodyPr/>
           <a:lstStyle/>
           <a:p>
             <a:r>
-              <a:rPr lang="en-US"/>
+              <a:rPr kumimoji="0" lang="en-US" smtClean="0"/>
               <a:t>Click to edit Master title style</a:t>
             </a:r>
-          </a:p>
-        </p:txBody>
-      </p:sp>
-      <p:sp>
-        <p:nvSpPr>
-          <p:cNvPr id="3" name="Content Placeholder 2">
-            <a:extLst>
-              <a:ext uri="{FF2B5EF4-FFF2-40B4-BE49-F238E27FC236}">
-                <a16:creationId xmlns:a16="http://schemas.microsoft.com/office/drawing/2014/main" id="{E7E56A77-566F-415D-85B3-C170D979EF12}"/>
-              </a:ext>
-            </a:extLst>
-          </p:cNvPr>
+            <a:endParaRPr kumimoji="0" lang="en-US"/>
+          </a:p>
+        </p:txBody>
+      </p:sp>
+      <p:sp>
+        <p:nvSpPr>
+          <p:cNvPr id="3" name="Content Placeholder 2"/>
           <p:cNvSpPr>
             <a:spLocks noGrp="1"/>
           </p:cNvSpPr>
@@ -3407,59 +1168,70 @@
         </p:nvSpPr>
         <p:spPr>
           <a:xfrm>
-            <a:off x="838200" y="1825625"/>
-            <a:ext cx="5181600" cy="4351338"/>
+            <a:off x="609600" y="1920085"/>
+            <a:ext cx="5384800" cy="4434840"/>
           </a:xfrm>
         </p:spPr>
         <p:txBody>
           <a:bodyPr/>
-          <a:lstStyle/>
-          <a:p>
-            <a:pPr lvl="0"/>
-            <a:r>
-              <a:rPr lang="en-US"/>
-              <a:t>Edit Master text styles</a:t>
-            </a:r>
-          </a:p>
-          <a:p>
-            <a:pPr lvl="1"/>
-            <a:r>
-              <a:rPr lang="en-US"/>
+          <a:lstStyle>
+            <a:lvl1pPr>
+              <a:defRPr sz="2600"/>
+            </a:lvl1pPr>
+            <a:lvl2pPr>
+              <a:defRPr sz="2400"/>
+            </a:lvl2pPr>
+            <a:lvl3pPr>
+              <a:defRPr sz="2000"/>
+            </a:lvl3pPr>
+            <a:lvl4pPr>
+              <a:defRPr sz="1800"/>
+            </a:lvl4pPr>
+            <a:lvl5pPr>
+              <a:defRPr sz="1800"/>
+            </a:lvl5pPr>
+          </a:lstStyle>
+          <a:p>
+            <a:pPr lvl="0" eaLnBrk="1" latinLnBrk="0" hangingPunct="1"/>
+            <a:r>
+              <a:rPr lang="en-US" smtClean="0"/>
+              <a:t>Click to edit Master text styles</a:t>
+            </a:r>
+          </a:p>
+          <a:p>
+            <a:pPr lvl="1" eaLnBrk="1" latinLnBrk="0" hangingPunct="1"/>
+            <a:r>
+              <a:rPr lang="en-US" smtClean="0"/>
               <a:t>Second level</a:t>
             </a:r>
           </a:p>
           <a:p>
-            <a:pPr lvl="2"/>
-            <a:r>
-              <a:rPr lang="en-US"/>
+            <a:pPr lvl="2" eaLnBrk="1" latinLnBrk="0" hangingPunct="1"/>
+            <a:r>
+              <a:rPr lang="en-US" smtClean="0"/>
               <a:t>Third level</a:t>
             </a:r>
           </a:p>
           <a:p>
-            <a:pPr lvl="3"/>
-            <a:r>
-              <a:rPr lang="en-US"/>
+            <a:pPr lvl="3" eaLnBrk="1" latinLnBrk="0" hangingPunct="1"/>
+            <a:r>
+              <a:rPr lang="en-US" smtClean="0"/>
               <a:t>Fourth level</a:t>
             </a:r>
           </a:p>
           <a:p>
-            <a:pPr lvl="4"/>
-            <a:r>
-              <a:rPr lang="en-US"/>
+            <a:pPr lvl="4" eaLnBrk="1" latinLnBrk="0" hangingPunct="1"/>
+            <a:r>
+              <a:rPr lang="en-US" smtClean="0"/>
               <a:t>Fifth level</a:t>
             </a:r>
-          </a:p>
-        </p:txBody>
-      </p:sp>
-      <p:sp>
-        <p:nvSpPr>
-          <p:cNvPr id="4" name="Content Placeholder 3">
-            <a:extLst>
-              <a:ext uri="{FF2B5EF4-FFF2-40B4-BE49-F238E27FC236}">
-                <a16:creationId xmlns:a16="http://schemas.microsoft.com/office/drawing/2014/main" id="{B022F81A-5D76-4DBF-9DF9-92CD90E7067D}"/>
-              </a:ext>
-            </a:extLst>
-          </p:cNvPr>
+            <a:endParaRPr kumimoji="0" lang="en-US"/>
+          </a:p>
+        </p:txBody>
+      </p:sp>
+      <p:sp>
+        <p:nvSpPr>
+          <p:cNvPr id="4" name="Content Placeholder 3"/>
           <p:cNvSpPr>
             <a:spLocks noGrp="1"/>
           </p:cNvSpPr>
@@ -3469,59 +1241,70 @@
         </p:nvSpPr>
         <p:spPr>
           <a:xfrm>
-            <a:off x="6172200" y="1825625"/>
-            <a:ext cx="5181600" cy="4351338"/>
+            <a:off x="6197600" y="1920085"/>
+            <a:ext cx="5384800" cy="4434840"/>
           </a:xfrm>
         </p:spPr>
         <p:txBody>
           <a:bodyPr/>
-          <a:lstStyle/>
-          <a:p>
-            <a:pPr lvl="0"/>
-            <a:r>
-              <a:rPr lang="en-US"/>
-              <a:t>Edit Master text styles</a:t>
-            </a:r>
-          </a:p>
-          <a:p>
-            <a:pPr lvl="1"/>
-            <a:r>
-              <a:rPr lang="en-US"/>
+          <a:lstStyle>
+            <a:lvl1pPr>
+              <a:defRPr sz="2600"/>
+            </a:lvl1pPr>
+            <a:lvl2pPr>
+              <a:defRPr sz="2400"/>
+            </a:lvl2pPr>
+            <a:lvl3pPr>
+              <a:defRPr sz="2000"/>
+            </a:lvl3pPr>
+            <a:lvl4pPr>
+              <a:defRPr sz="1800"/>
+            </a:lvl4pPr>
+            <a:lvl5pPr>
+              <a:defRPr sz="1800"/>
+            </a:lvl5pPr>
+          </a:lstStyle>
+          <a:p>
+            <a:pPr lvl="0" eaLnBrk="1" latinLnBrk="0" hangingPunct="1"/>
+            <a:r>
+              <a:rPr lang="en-US" smtClean="0"/>
+              <a:t>Click to edit Master text styles</a:t>
+            </a:r>
+          </a:p>
+          <a:p>
+            <a:pPr lvl="1" eaLnBrk="1" latinLnBrk="0" hangingPunct="1"/>
+            <a:r>
+              <a:rPr lang="en-US" smtClean="0"/>
               <a:t>Second level</a:t>
             </a:r>
           </a:p>
           <a:p>
-            <a:pPr lvl="2"/>
-            <a:r>
-              <a:rPr lang="en-US"/>
+            <a:pPr lvl="2" eaLnBrk="1" latinLnBrk="0" hangingPunct="1"/>
+            <a:r>
+              <a:rPr lang="en-US" smtClean="0"/>
               <a:t>Third level</a:t>
             </a:r>
           </a:p>
           <a:p>
-            <a:pPr lvl="3"/>
-            <a:r>
-              <a:rPr lang="en-US"/>
+            <a:pPr lvl="3" eaLnBrk="1" latinLnBrk="0" hangingPunct="1"/>
+            <a:r>
+              <a:rPr lang="en-US" smtClean="0"/>
               <a:t>Fourth level</a:t>
             </a:r>
           </a:p>
           <a:p>
-            <a:pPr lvl="4"/>
-            <a:r>
-              <a:rPr lang="en-US"/>
+            <a:pPr lvl="4" eaLnBrk="1" latinLnBrk="0" hangingPunct="1"/>
+            <a:r>
+              <a:rPr lang="en-US" smtClean="0"/>
               <a:t>Fifth level</a:t>
             </a:r>
-          </a:p>
-        </p:txBody>
-      </p:sp>
-      <p:sp>
-        <p:nvSpPr>
-          <p:cNvPr id="5" name="Date Placeholder 4">
-            <a:extLst>
-              <a:ext uri="{FF2B5EF4-FFF2-40B4-BE49-F238E27FC236}">
-                <a16:creationId xmlns:a16="http://schemas.microsoft.com/office/drawing/2014/main" id="{F71F8005-F81C-45EB-B6F5-872E765EC87A}"/>
-              </a:ext>
-            </a:extLst>
-          </p:cNvPr>
+            <a:endParaRPr kumimoji="0" lang="en-US"/>
+          </a:p>
+        </p:txBody>
+      </p:sp>
+      <p:sp>
+        <p:nvSpPr>
+          <p:cNvPr id="5" name="Date Placeholder 4"/>
           <p:cNvSpPr>
             <a:spLocks noGrp="1"/>
           </p:cNvSpPr>
@@ -3536,7 +1319,8 @@
           <a:p>
             <a:fld id="{D2474CCF-98B4-411A-8810-C31E8C29E19B}" type="datetimeFigureOut">
               <a:rPr lang="en-US" smtClean="0"/>
-              <a:t>9/16/2022</a:t>
+              <a:pPr/>
+              <a:t>11/8/2023</a:t>
             </a:fld>
             <a:endParaRPr lang="en-US"/>
           </a:p>
@@ -3544,13 +1328,7 @@
       </p:sp>
       <p:sp>
         <p:nvSpPr>
-          <p:cNvPr id="6" name="Footer Placeholder 5">
-            <a:extLst>
-              <a:ext uri="{FF2B5EF4-FFF2-40B4-BE49-F238E27FC236}">
-                <a16:creationId xmlns:a16="http://schemas.microsoft.com/office/drawing/2014/main" id="{2062E53F-F0E3-4A6E-B3B1-F5491F54889A}"/>
-              </a:ext>
-            </a:extLst>
-          </p:cNvPr>
+          <p:cNvPr id="6" name="Footer Placeholder 5"/>
           <p:cNvSpPr>
             <a:spLocks noGrp="1"/>
           </p:cNvSpPr>
@@ -3569,13 +1347,7 @@
       </p:sp>
       <p:sp>
         <p:nvSpPr>
-          <p:cNvPr id="7" name="Slide Number Placeholder 6">
-            <a:extLst>
-              <a:ext uri="{FF2B5EF4-FFF2-40B4-BE49-F238E27FC236}">
-                <a16:creationId xmlns:a16="http://schemas.microsoft.com/office/drawing/2014/main" id="{A8B69BF3-2B4A-42F7-B934-99F11627F82D}"/>
-              </a:ext>
-            </a:extLst>
-          </p:cNvPr>
+          <p:cNvPr id="7" name="Slide Number Placeholder 6"/>
           <p:cNvSpPr>
             <a:spLocks noGrp="1"/>
           </p:cNvSpPr>
@@ -3590,6 +1362,7 @@
           <a:p>
             <a:fld id="{A1FD0E78-183D-4F7D-A18B-8A4BED7B6988}" type="slidenum">
               <a:rPr lang="en-US" smtClean="0"/>
+              <a:pPr/>
               <a:t>‹#›</a:t>
             </a:fld>
             <a:endParaRPr lang="en-US"/>
@@ -3597,11 +1370,6 @@
         </p:txBody>
       </p:sp>
     </p:spTree>
-    <p:extLst>
-      <p:ext uri="{BB962C8B-B14F-4D97-AF65-F5344CB8AC3E}">
-        <p14:creationId xmlns:p14="http://schemas.microsoft.com/office/powerpoint/2010/main" val="2838539625"/>
-      </p:ext>
-    </p:extLst>
   </p:cSld>
   <p:clrMapOvr>
     <a:masterClrMapping/>
@@ -3628,403 +1396,7 @@
       </p:grpSpPr>
       <p:sp>
         <p:nvSpPr>
-          <p:cNvPr id="10" name="Rectangle 9">
-            <a:extLst>
-              <a:ext uri="{FF2B5EF4-FFF2-40B4-BE49-F238E27FC236}">
-                <a16:creationId xmlns:a16="http://schemas.microsoft.com/office/drawing/2014/main" id="{5894546B-A81A-48D4-B4C5-7E2E6285F424}"/>
-              </a:ext>
-            </a:extLst>
-          </p:cNvPr>
-          <p:cNvSpPr/>
-          <p:nvPr/>
-        </p:nvSpPr>
-        <p:spPr>
-          <a:xfrm>
-            <a:off x="0" y="0"/>
-            <a:ext cx="595745" cy="6858000"/>
-          </a:xfrm>
-          <a:prstGeom prst="rect">
-            <a:avLst/>
-          </a:prstGeom>
-          <a:ln>
-            <a:noFill/>
-          </a:ln>
-        </p:spPr>
-        <p:style>
-          <a:lnRef idx="2">
-            <a:schemeClr val="accent1">
-              <a:shade val="50000"/>
-            </a:schemeClr>
-          </a:lnRef>
-          <a:fillRef idx="1">
-            <a:schemeClr val="accent1"/>
-          </a:fillRef>
-          <a:effectRef idx="0">
-            <a:schemeClr val="accent1"/>
-          </a:effectRef>
-          <a:fontRef idx="minor">
-            <a:schemeClr val="lt1"/>
-          </a:fontRef>
-        </p:style>
-        <p:txBody>
-          <a:bodyPr rtlCol="0" anchor="ctr"/>
-          <a:lstStyle/>
-          <a:p>
-            <a:pPr algn="ctr"/>
-            <a:endParaRPr lang="en-US"/>
-          </a:p>
-        </p:txBody>
-      </p:sp>
-      <p:sp>
-        <p:nvSpPr>
-          <p:cNvPr id="11" name="Rectangle 10">
-            <a:extLst>
-              <a:ext uri="{FF2B5EF4-FFF2-40B4-BE49-F238E27FC236}">
-                <a16:creationId xmlns:a16="http://schemas.microsoft.com/office/drawing/2014/main" id="{39C06CAA-5E4F-43E2-8A98-36361486A3A4}"/>
-              </a:ext>
-            </a:extLst>
-          </p:cNvPr>
-          <p:cNvSpPr/>
-          <p:nvPr/>
-        </p:nvSpPr>
-        <p:spPr>
-          <a:xfrm>
-            <a:off x="207818" y="201706"/>
-            <a:ext cx="11762508" cy="6433806"/>
-          </a:xfrm>
-          <a:prstGeom prst="rect">
-            <a:avLst/>
-          </a:prstGeom>
-          <a:solidFill>
-            <a:schemeClr val="bg1"/>
-          </a:solidFill>
-          <a:ln>
-            <a:solidFill>
-              <a:schemeClr val="accent3">
-                <a:lumMod val="20000"/>
-                <a:lumOff val="80000"/>
-              </a:schemeClr>
-            </a:solidFill>
-          </a:ln>
-        </p:spPr>
-        <p:style>
-          <a:lnRef idx="2">
-            <a:schemeClr val="accent1">
-              <a:shade val="50000"/>
-            </a:schemeClr>
-          </a:lnRef>
-          <a:fillRef idx="1">
-            <a:schemeClr val="accent1"/>
-          </a:fillRef>
-          <a:effectRef idx="0">
-            <a:schemeClr val="accent1"/>
-          </a:effectRef>
-          <a:fontRef idx="minor">
-            <a:schemeClr val="lt1"/>
-          </a:fontRef>
-        </p:style>
-        <p:txBody>
-          <a:bodyPr rtlCol="0" anchor="ctr"/>
-          <a:lstStyle/>
-          <a:p>
-            <a:pPr algn="ctr"/>
-            <a:endParaRPr lang="en-US"/>
-          </a:p>
-        </p:txBody>
-      </p:sp>
-      <p:sp>
-        <p:nvSpPr>
-          <p:cNvPr id="12" name="Rectangle 11">
-            <a:extLst>
-              <a:ext uri="{FF2B5EF4-FFF2-40B4-BE49-F238E27FC236}">
-                <a16:creationId xmlns:a16="http://schemas.microsoft.com/office/drawing/2014/main" id="{128E28CB-622A-4807-91B6-87A76E180121}"/>
-              </a:ext>
-            </a:extLst>
-          </p:cNvPr>
-          <p:cNvSpPr/>
-          <p:nvPr/>
-        </p:nvSpPr>
-        <p:spPr>
-          <a:xfrm>
-            <a:off x="11194473" y="6359236"/>
-            <a:ext cx="775853" cy="249382"/>
-          </a:xfrm>
-          <a:prstGeom prst="rect">
-            <a:avLst/>
-          </a:prstGeom>
-          <a:solidFill>
-            <a:srgbClr val="00B0F0"/>
-          </a:solidFill>
-          <a:ln>
-            <a:noFill/>
-          </a:ln>
-        </p:spPr>
-        <p:style>
-          <a:lnRef idx="2">
-            <a:schemeClr val="accent1">
-              <a:shade val="50000"/>
-            </a:schemeClr>
-          </a:lnRef>
-          <a:fillRef idx="1">
-            <a:schemeClr val="accent1"/>
-          </a:fillRef>
-          <a:effectRef idx="0">
-            <a:schemeClr val="accent1"/>
-          </a:effectRef>
-          <a:fontRef idx="minor">
-            <a:schemeClr val="lt1"/>
-          </a:fontRef>
-        </p:style>
-        <p:txBody>
-          <a:bodyPr rtlCol="0" anchor="ctr"/>
-          <a:lstStyle/>
-          <a:p>
-            <a:pPr algn="ctr"/>
-            <a:r>
-              <a:rPr lang="en-US" sz="900" dirty="0">
-                <a:solidFill>
-                  <a:schemeClr val="bg1"/>
-                </a:solidFill>
-                <a:latin typeface="Segoe UI" panose="020B0502040204020203" pitchFamily="34" charset="0"/>
-                <a:ea typeface="Segoe UI" panose="020B0502040204020203" pitchFamily="34" charset="0"/>
-                <a:cs typeface="Segoe UI" panose="020B0502040204020203" pitchFamily="34" charset="0"/>
-              </a:rPr>
-              <a:t>Manage</a:t>
-            </a:r>
-          </a:p>
-        </p:txBody>
-      </p:sp>
-      <p:sp>
-        <p:nvSpPr>
-          <p:cNvPr id="13" name="Rectangle 12">
-            <a:extLst>
-              <a:ext uri="{FF2B5EF4-FFF2-40B4-BE49-F238E27FC236}">
-                <a16:creationId xmlns:a16="http://schemas.microsoft.com/office/drawing/2014/main" id="{9C30D63E-AE12-491E-81E4-B3C25BA710AC}"/>
-              </a:ext>
-            </a:extLst>
-          </p:cNvPr>
-          <p:cNvSpPr/>
-          <p:nvPr/>
-        </p:nvSpPr>
-        <p:spPr>
-          <a:xfrm>
-            <a:off x="10401669" y="6359236"/>
-            <a:ext cx="775853" cy="249382"/>
-          </a:xfrm>
-          <a:prstGeom prst="rect">
-            <a:avLst/>
-          </a:prstGeom>
-          <a:solidFill>
-            <a:srgbClr val="FFC000"/>
-          </a:solidFill>
-          <a:ln>
-            <a:noFill/>
-          </a:ln>
-        </p:spPr>
-        <p:style>
-          <a:lnRef idx="2">
-            <a:schemeClr val="accent1">
-              <a:shade val="50000"/>
-            </a:schemeClr>
-          </a:lnRef>
-          <a:fillRef idx="1">
-            <a:schemeClr val="accent1"/>
-          </a:fillRef>
-          <a:effectRef idx="0">
-            <a:schemeClr val="accent1"/>
-          </a:effectRef>
-          <a:fontRef idx="minor">
-            <a:schemeClr val="lt1"/>
-          </a:fontRef>
-        </p:style>
-        <p:txBody>
-          <a:bodyPr rtlCol="0" anchor="ctr"/>
-          <a:lstStyle/>
-          <a:p>
-            <a:pPr algn="ctr"/>
-            <a:r>
-              <a:rPr lang="en-US" sz="900" dirty="0">
-                <a:solidFill>
-                  <a:schemeClr val="bg1"/>
-                </a:solidFill>
-                <a:latin typeface="Segoe UI" panose="020B0502040204020203" pitchFamily="34" charset="0"/>
-                <a:ea typeface="Segoe UI" panose="020B0502040204020203" pitchFamily="34" charset="0"/>
-                <a:cs typeface="Segoe UI" panose="020B0502040204020203" pitchFamily="34" charset="0"/>
-              </a:rPr>
-              <a:t>Implement</a:t>
-            </a:r>
-          </a:p>
-        </p:txBody>
-      </p:sp>
-      <p:sp>
-        <p:nvSpPr>
-          <p:cNvPr id="14" name="Rectangle 13">
-            <a:extLst>
-              <a:ext uri="{FF2B5EF4-FFF2-40B4-BE49-F238E27FC236}">
-                <a16:creationId xmlns:a16="http://schemas.microsoft.com/office/drawing/2014/main" id="{BEA4929A-0E7F-4B2B-81BC-6899210E604F}"/>
-              </a:ext>
-            </a:extLst>
-          </p:cNvPr>
-          <p:cNvSpPr/>
-          <p:nvPr/>
-        </p:nvSpPr>
-        <p:spPr>
-          <a:xfrm>
-            <a:off x="9608865" y="6359236"/>
-            <a:ext cx="775853" cy="249382"/>
-          </a:xfrm>
-          <a:prstGeom prst="rect">
-            <a:avLst/>
-          </a:prstGeom>
-          <a:solidFill>
-            <a:srgbClr val="33CC33"/>
-          </a:solidFill>
-          <a:ln>
-            <a:noFill/>
-          </a:ln>
-        </p:spPr>
-        <p:style>
-          <a:lnRef idx="2">
-            <a:schemeClr val="accent1">
-              <a:shade val="50000"/>
-            </a:schemeClr>
-          </a:lnRef>
-          <a:fillRef idx="1">
-            <a:schemeClr val="accent1"/>
-          </a:fillRef>
-          <a:effectRef idx="0">
-            <a:schemeClr val="accent1"/>
-          </a:effectRef>
-          <a:fontRef idx="minor">
-            <a:schemeClr val="lt1"/>
-          </a:fontRef>
-        </p:style>
-        <p:txBody>
-          <a:bodyPr rtlCol="0" anchor="ctr"/>
-          <a:lstStyle/>
-          <a:p>
-            <a:pPr algn="ctr"/>
-            <a:r>
-              <a:rPr lang="en-US" sz="900" dirty="0">
-                <a:solidFill>
-                  <a:schemeClr val="bg1"/>
-                </a:solidFill>
-                <a:latin typeface="Segoe UI" panose="020B0502040204020203" pitchFamily="34" charset="0"/>
-                <a:ea typeface="Segoe UI" panose="020B0502040204020203" pitchFamily="34" charset="0"/>
-                <a:cs typeface="Segoe UI" panose="020B0502040204020203" pitchFamily="34" charset="0"/>
-              </a:rPr>
-              <a:t>Advise</a:t>
-            </a:r>
-          </a:p>
-        </p:txBody>
-      </p:sp>
-      <p:sp>
-        <p:nvSpPr>
-          <p:cNvPr id="15" name="Rectangle 14">
-            <a:extLst>
-              <a:ext uri="{FF2B5EF4-FFF2-40B4-BE49-F238E27FC236}">
-                <a16:creationId xmlns:a16="http://schemas.microsoft.com/office/drawing/2014/main" id="{4C27A026-FFDC-4CB9-9AB8-BB4B31660FD8}"/>
-              </a:ext>
-            </a:extLst>
-          </p:cNvPr>
-          <p:cNvSpPr/>
-          <p:nvPr/>
-        </p:nvSpPr>
-        <p:spPr>
-          <a:xfrm>
-            <a:off x="8816061" y="6359236"/>
-            <a:ext cx="775853" cy="249382"/>
-          </a:xfrm>
-          <a:prstGeom prst="rect">
-            <a:avLst/>
-          </a:prstGeom>
-          <a:solidFill>
-            <a:schemeClr val="accent2"/>
-          </a:solidFill>
-          <a:ln>
-            <a:noFill/>
-          </a:ln>
-        </p:spPr>
-        <p:style>
-          <a:lnRef idx="2">
-            <a:schemeClr val="accent1">
-              <a:shade val="50000"/>
-            </a:schemeClr>
-          </a:lnRef>
-          <a:fillRef idx="1">
-            <a:schemeClr val="accent1"/>
-          </a:fillRef>
-          <a:effectRef idx="0">
-            <a:schemeClr val="accent1"/>
-          </a:effectRef>
-          <a:fontRef idx="minor">
-            <a:schemeClr val="lt1"/>
-          </a:fontRef>
-        </p:style>
-        <p:txBody>
-          <a:bodyPr rtlCol="0" anchor="ctr"/>
-          <a:lstStyle/>
-          <a:p>
-            <a:pPr algn="ctr"/>
-            <a:r>
-              <a:rPr lang="en-US" sz="900" dirty="0">
-                <a:solidFill>
-                  <a:schemeClr val="bg1"/>
-                </a:solidFill>
-                <a:latin typeface="Segoe UI" panose="020B0502040204020203" pitchFamily="34" charset="0"/>
-                <a:ea typeface="Segoe UI" panose="020B0502040204020203" pitchFamily="34" charset="0"/>
-                <a:cs typeface="Segoe UI" panose="020B0502040204020203" pitchFamily="34" charset="0"/>
-              </a:rPr>
-              <a:t>Educate</a:t>
-            </a:r>
-          </a:p>
-        </p:txBody>
-      </p:sp>
-      <p:pic>
-        <p:nvPicPr>
-          <p:cNvPr id="16" name="Picture 15">
-            <a:extLst>
-              <a:ext uri="{FF2B5EF4-FFF2-40B4-BE49-F238E27FC236}">
-                <a16:creationId xmlns:a16="http://schemas.microsoft.com/office/drawing/2014/main" id="{CE0FBF31-43A4-4034-8688-BF6697211B67}"/>
-              </a:ext>
-            </a:extLst>
-          </p:cNvPr>
-          <p:cNvPicPr>
-            <a:picLocks noChangeAspect="1"/>
-          </p:cNvPicPr>
-          <p:nvPr/>
-        </p:nvPicPr>
-        <p:blipFill>
-          <a:blip r:embed="rId2">
-            <a:extLst>
-              <a:ext uri="{28A0092B-C50C-407E-A947-70E740481C1C}">
-                <a14:useLocalDpi xmlns:a14="http://schemas.microsoft.com/office/drawing/2010/main" val="0"/>
-              </a:ext>
-            </a:extLst>
-          </a:blip>
-          <a:stretch>
-            <a:fillRect/>
-          </a:stretch>
-        </p:blipFill>
-        <p:spPr>
-          <a:xfrm>
-            <a:off x="9792281" y="278160"/>
-            <a:ext cx="2153769" cy="415804"/>
-          </a:xfrm>
-          <a:prstGeom prst="rect">
-            <a:avLst/>
-          </a:prstGeom>
-        </p:spPr>
-      </p:pic>
-      <p:sp>
-        <p:nvSpPr>
-          <p:cNvPr id="2" name="Title 1">
-            <a:extLst>
-              <a:ext uri="{FF2B5EF4-FFF2-40B4-BE49-F238E27FC236}">
-                <a16:creationId xmlns:a16="http://schemas.microsoft.com/office/drawing/2014/main" id="{FA67B1EE-D3B9-4A72-BB78-BEAFBE1FD62F}"/>
-              </a:ext>
-            </a:extLst>
-          </p:cNvPr>
+          <p:cNvPr id="2" name="Title 1"/>
           <p:cNvSpPr>
             <a:spLocks noGrp="1"/>
           </p:cNvSpPr>
@@ -4034,30 +1406,29 @@
         </p:nvSpPr>
         <p:spPr>
           <a:xfrm>
-            <a:off x="839788" y="365125"/>
-            <a:ext cx="10515600" cy="1325563"/>
+            <a:off x="609600" y="704088"/>
+            <a:ext cx="10972800" cy="1143000"/>
           </a:xfrm>
         </p:spPr>
         <p:txBody>
-          <a:bodyPr/>
-          <a:lstStyle/>
-          <a:p>
-            <a:r>
-              <a:rPr lang="en-US"/>
+          <a:bodyPr tIns="45720" anchor="b"/>
+          <a:lstStyle>
+            <a:lvl1pPr>
+              <a:defRPr/>
+            </a:lvl1pPr>
+          </a:lstStyle>
+          <a:p>
+            <a:r>
+              <a:rPr kumimoji="0" lang="en-US" smtClean="0"/>
               <a:t>Click to edit Master title style</a:t>
             </a:r>
-          </a:p>
-        </p:txBody>
-      </p:sp>
-      <p:sp>
-        <p:nvSpPr>
-          <p:cNvPr id="3" name="Text Placeholder 2">
-            <a:extLst>
-              <a:ext uri="{FF2B5EF4-FFF2-40B4-BE49-F238E27FC236}">
-                <a16:creationId xmlns:a16="http://schemas.microsoft.com/office/drawing/2014/main" id="{53C1261F-F460-4F19-99F4-F65B97B6FB44}"/>
-              </a:ext>
-            </a:extLst>
-          </p:cNvPr>
+            <a:endParaRPr kumimoji="0" lang="en-US"/>
+          </a:p>
+        </p:txBody>
+      </p:sp>
+      <p:sp>
+        <p:nvSpPr>
+          <p:cNvPr id="3" name="Text Placeholder 2"/>
           <p:cNvSpPr>
             <a:spLocks noGrp="1"/>
           </p:cNvSpPr>
@@ -4067,201 +1438,180 @@
         </p:nvSpPr>
         <p:spPr>
           <a:xfrm>
-            <a:off x="839788" y="1681163"/>
-            <a:ext cx="5157787" cy="823912"/>
+            <a:off x="609600" y="1855248"/>
+            <a:ext cx="5386917" cy="659352"/>
           </a:xfrm>
         </p:spPr>
         <p:txBody>
-          <a:bodyPr anchor="b"/>
+          <a:bodyPr lIns="45720" tIns="0" rIns="45720" bIns="0" anchor="ctr">
+            <a:noAutofit/>
+          </a:bodyPr>
           <a:lstStyle>
             <a:lvl1pPr marL="0" indent="0">
               <a:buNone/>
-              <a:defRPr sz="2400" b="1"/>
+              <a:defRPr sz="2400" b="1" cap="none" baseline="0">
+                <a:solidFill>
+                  <a:schemeClr val="tx2"/>
+                </a:solidFill>
+                <a:effectLst/>
+              </a:defRPr>
             </a:lvl1pPr>
-            <a:lvl2pPr marL="457200" indent="0">
+            <a:lvl2pPr>
               <a:buNone/>
               <a:defRPr sz="2000" b="1"/>
             </a:lvl2pPr>
-            <a:lvl3pPr marL="914400" indent="0">
+            <a:lvl3pPr>
               <a:buNone/>
               <a:defRPr sz="1800" b="1"/>
             </a:lvl3pPr>
-            <a:lvl4pPr marL="1371600" indent="0">
+            <a:lvl4pPr>
               <a:buNone/>
               <a:defRPr sz="1600" b="1"/>
             </a:lvl4pPr>
-            <a:lvl5pPr marL="1828800" indent="0">
+            <a:lvl5pPr>
               <a:buNone/>
               <a:defRPr sz="1600" b="1"/>
             </a:lvl5pPr>
-            <a:lvl6pPr marL="2286000" indent="0">
-              <a:buNone/>
-              <a:defRPr sz="1600" b="1"/>
-            </a:lvl6pPr>
-            <a:lvl7pPr marL="2743200" indent="0">
-              <a:buNone/>
-              <a:defRPr sz="1600" b="1"/>
-            </a:lvl7pPr>
-            <a:lvl8pPr marL="3200400" indent="0">
-              <a:buNone/>
-              <a:defRPr sz="1600" b="1"/>
-            </a:lvl8pPr>
-            <a:lvl9pPr marL="3657600" indent="0">
-              <a:buNone/>
-              <a:defRPr sz="1600" b="1"/>
-            </a:lvl9pPr>
           </a:lstStyle>
           <a:p>
-            <a:pPr lvl="0"/>
-            <a:r>
-              <a:rPr lang="en-US"/>
-              <a:t>Edit Master text styles</a:t>
-            </a:r>
-          </a:p>
-        </p:txBody>
-      </p:sp>
-      <p:sp>
-        <p:nvSpPr>
-          <p:cNvPr id="4" name="Content Placeholder 3">
-            <a:extLst>
-              <a:ext uri="{FF2B5EF4-FFF2-40B4-BE49-F238E27FC236}">
-                <a16:creationId xmlns:a16="http://schemas.microsoft.com/office/drawing/2014/main" id="{D0C84E1E-AD39-414E-A630-BB5F20BC8A9B}"/>
-              </a:ext>
-            </a:extLst>
-          </p:cNvPr>
+            <a:pPr lvl="0" eaLnBrk="1" latinLnBrk="0" hangingPunct="1"/>
+            <a:r>
+              <a:rPr kumimoji="0" lang="en-US" smtClean="0"/>
+              <a:t>Click to edit Master text styles</a:t>
+            </a:r>
+          </a:p>
+        </p:txBody>
+      </p:sp>
+      <p:sp>
+        <p:nvSpPr>
+          <p:cNvPr id="4" name="Text Placeholder 3"/>
           <p:cNvSpPr>
             <a:spLocks noGrp="1"/>
           </p:cNvSpPr>
           <p:nvPr>
-            <p:ph sz="half" idx="2"/>
+            <p:ph type="body" sz="half" idx="3"/>
           </p:nvPr>
         </p:nvSpPr>
         <p:spPr>
           <a:xfrm>
-            <a:off x="839788" y="2505075"/>
-            <a:ext cx="5157787" cy="3684588"/>
+            <a:off x="6193368" y="1859758"/>
+            <a:ext cx="5389033" cy="654843"/>
           </a:xfrm>
         </p:spPr>
         <p:txBody>
-          <a:bodyPr/>
-          <a:lstStyle/>
-          <a:p>
-            <a:pPr lvl="0"/>
-            <a:r>
-              <a:rPr lang="en-US"/>
-              <a:t>Edit Master text styles</a:t>
-            </a:r>
-          </a:p>
-          <a:p>
-            <a:pPr lvl="1"/>
-            <a:r>
-              <a:rPr lang="en-US"/>
-              <a:t>Second level</a:t>
-            </a:r>
-          </a:p>
-          <a:p>
-            <a:pPr lvl="2"/>
-            <a:r>
-              <a:rPr lang="en-US"/>
-              <a:t>Third level</a:t>
-            </a:r>
-          </a:p>
-          <a:p>
-            <a:pPr lvl="3"/>
-            <a:r>
-              <a:rPr lang="en-US"/>
-              <a:t>Fourth level</a:t>
-            </a:r>
-          </a:p>
-          <a:p>
-            <a:pPr lvl="4"/>
-            <a:r>
-              <a:rPr lang="en-US"/>
-              <a:t>Fifth level</a:t>
-            </a:r>
-          </a:p>
-        </p:txBody>
-      </p:sp>
-      <p:sp>
-        <p:nvSpPr>
-          <p:cNvPr id="5" name="Text Placeholder 4">
-            <a:extLst>
-              <a:ext uri="{FF2B5EF4-FFF2-40B4-BE49-F238E27FC236}">
-                <a16:creationId xmlns:a16="http://schemas.microsoft.com/office/drawing/2014/main" id="{9EEA01E5-2430-4A1C-8323-5D191529BD67}"/>
-              </a:ext>
-            </a:extLst>
-          </p:cNvPr>
+          <a:bodyPr lIns="45720" tIns="0" rIns="45720" bIns="0" anchor="ctr"/>
+          <a:lstStyle>
+            <a:lvl1pPr marL="0" indent="0">
+              <a:buNone/>
+              <a:defRPr sz="2400" b="1" cap="none" baseline="0">
+                <a:solidFill>
+                  <a:schemeClr val="tx2"/>
+                </a:solidFill>
+                <a:effectLst/>
+              </a:defRPr>
+            </a:lvl1pPr>
+            <a:lvl2pPr>
+              <a:buNone/>
+              <a:defRPr sz="2000" b="1"/>
+            </a:lvl2pPr>
+            <a:lvl3pPr>
+              <a:buNone/>
+              <a:defRPr sz="1800" b="1"/>
+            </a:lvl3pPr>
+            <a:lvl4pPr>
+              <a:buNone/>
+              <a:defRPr sz="1600" b="1"/>
+            </a:lvl4pPr>
+            <a:lvl5pPr>
+              <a:buNone/>
+              <a:defRPr sz="1600" b="1"/>
+            </a:lvl5pPr>
+          </a:lstStyle>
+          <a:p>
+            <a:pPr lvl="0" eaLnBrk="1" latinLnBrk="0" hangingPunct="1"/>
+            <a:r>
+              <a:rPr kumimoji="0" lang="en-US" smtClean="0"/>
+              <a:t>Click to edit Master text styles</a:t>
+            </a:r>
+          </a:p>
+        </p:txBody>
+      </p:sp>
+      <p:sp>
+        <p:nvSpPr>
+          <p:cNvPr id="5" name="Content Placeholder 4"/>
           <p:cNvSpPr>
             <a:spLocks noGrp="1"/>
           </p:cNvSpPr>
           <p:nvPr>
-            <p:ph type="body" sz="quarter" idx="3"/>
+            <p:ph sz="quarter" idx="2"/>
           </p:nvPr>
         </p:nvSpPr>
         <p:spPr>
           <a:xfrm>
-            <a:off x="6172200" y="1681163"/>
-            <a:ext cx="5183188" cy="823912"/>
+            <a:off x="609600" y="2514600"/>
+            <a:ext cx="5386917" cy="3845720"/>
           </a:xfrm>
         </p:spPr>
         <p:txBody>
-          <a:bodyPr anchor="b"/>
+          <a:bodyPr tIns="0"/>
           <a:lstStyle>
-            <a:lvl1pPr marL="0" indent="0">
-              <a:buNone/>
-              <a:defRPr sz="2400" b="1"/>
+            <a:lvl1pPr>
+              <a:defRPr sz="2200"/>
             </a:lvl1pPr>
-            <a:lvl2pPr marL="457200" indent="0">
-              <a:buNone/>
-              <a:defRPr sz="2000" b="1"/>
+            <a:lvl2pPr>
+              <a:defRPr sz="2000"/>
             </a:lvl2pPr>
-            <a:lvl3pPr marL="914400" indent="0">
-              <a:buNone/>
-              <a:defRPr sz="1800" b="1"/>
+            <a:lvl3pPr>
+              <a:defRPr sz="1800"/>
             </a:lvl3pPr>
-            <a:lvl4pPr marL="1371600" indent="0">
-              <a:buNone/>
-              <a:defRPr sz="1600" b="1"/>
+            <a:lvl4pPr>
+              <a:defRPr sz="1600"/>
             </a:lvl4pPr>
-            <a:lvl5pPr marL="1828800" indent="0">
-              <a:buNone/>
-              <a:defRPr sz="1600" b="1"/>
+            <a:lvl5pPr>
+              <a:defRPr sz="1600"/>
             </a:lvl5pPr>
-            <a:lvl6pPr marL="2286000" indent="0">
-              <a:buNone/>
-              <a:defRPr sz="1600" b="1"/>
-            </a:lvl6pPr>
-            <a:lvl7pPr marL="2743200" indent="0">
-              <a:buNone/>
-              <a:defRPr sz="1600" b="1"/>
-            </a:lvl7pPr>
-            <a:lvl8pPr marL="3200400" indent="0">
-              <a:buNone/>
-              <a:defRPr sz="1600" b="1"/>
-            </a:lvl8pPr>
-            <a:lvl9pPr marL="3657600" indent="0">
-              <a:buNone/>
-              <a:defRPr sz="1600" b="1"/>
-            </a:lvl9pPr>
           </a:lstStyle>
           <a:p>
-            <a:pPr lvl="0"/>
-            <a:r>
-              <a:rPr lang="en-US"/>
-              <a:t>Edit Master text styles</a:t>
-            </a:r>
-          </a:p>
-        </p:txBody>
-      </p:sp>
-      <p:sp>
-        <p:nvSpPr>
-          <p:cNvPr id="6" name="Content Placeholder 5">
-            <a:extLst>
-              <a:ext uri="{FF2B5EF4-FFF2-40B4-BE49-F238E27FC236}">
-                <a16:creationId xmlns:a16="http://schemas.microsoft.com/office/drawing/2014/main" id="{B4C4A9DA-01AC-4343-9532-A824358CD679}"/>
-              </a:ext>
-            </a:extLst>
-          </p:cNvPr>
+            <a:pPr lvl="0" eaLnBrk="1" latinLnBrk="0" hangingPunct="1"/>
+            <a:r>
+              <a:rPr lang="en-US" smtClean="0"/>
+              <a:t>Click to edit Master text styles</a:t>
+            </a:r>
+          </a:p>
+          <a:p>
+            <a:pPr lvl="1" eaLnBrk="1" latinLnBrk="0" hangingPunct="1"/>
+            <a:r>
+              <a:rPr lang="en-US" smtClean="0"/>
+              <a:t>Second level</a:t>
+            </a:r>
+          </a:p>
+          <a:p>
+            <a:pPr lvl="2" eaLnBrk="1" latinLnBrk="0" hangingPunct="1"/>
+            <a:r>
+              <a:rPr lang="en-US" smtClean="0"/>
+              <a:t>Third level</a:t>
+            </a:r>
+          </a:p>
+          <a:p>
+            <a:pPr lvl="3" eaLnBrk="1" latinLnBrk="0" hangingPunct="1"/>
+            <a:r>
+              <a:rPr lang="en-US" smtClean="0"/>
+              <a:t>Fourth level</a:t>
+            </a:r>
+          </a:p>
+          <a:p>
+            <a:pPr lvl="4" eaLnBrk="1" latinLnBrk="0" hangingPunct="1"/>
+            <a:r>
+              <a:rPr lang="en-US" smtClean="0"/>
+              <a:t>Fifth level</a:t>
+            </a:r>
+            <a:endParaRPr kumimoji="0" lang="en-US"/>
+          </a:p>
+        </p:txBody>
+      </p:sp>
+      <p:sp>
+        <p:nvSpPr>
+          <p:cNvPr id="6" name="Content Placeholder 5"/>
           <p:cNvSpPr>
             <a:spLocks noGrp="1"/>
           </p:cNvSpPr>
@@ -4271,59 +1621,70 @@
         </p:nvSpPr>
         <p:spPr>
           <a:xfrm>
-            <a:off x="6172200" y="2505075"/>
-            <a:ext cx="5183188" cy="3684588"/>
+            <a:off x="6193368" y="2514600"/>
+            <a:ext cx="5389033" cy="3845720"/>
           </a:xfrm>
         </p:spPr>
         <p:txBody>
-          <a:bodyPr/>
-          <a:lstStyle/>
-          <a:p>
-            <a:pPr lvl="0"/>
-            <a:r>
-              <a:rPr lang="en-US"/>
-              <a:t>Edit Master text styles</a:t>
-            </a:r>
-          </a:p>
-          <a:p>
-            <a:pPr lvl="1"/>
-            <a:r>
-              <a:rPr lang="en-US"/>
+          <a:bodyPr tIns="0"/>
+          <a:lstStyle>
+            <a:lvl1pPr>
+              <a:defRPr sz="2200"/>
+            </a:lvl1pPr>
+            <a:lvl2pPr>
+              <a:defRPr sz="2000"/>
+            </a:lvl2pPr>
+            <a:lvl3pPr>
+              <a:defRPr sz="1800"/>
+            </a:lvl3pPr>
+            <a:lvl4pPr>
+              <a:defRPr sz="1600"/>
+            </a:lvl4pPr>
+            <a:lvl5pPr>
+              <a:defRPr sz="1600"/>
+            </a:lvl5pPr>
+          </a:lstStyle>
+          <a:p>
+            <a:pPr lvl="0" eaLnBrk="1" latinLnBrk="0" hangingPunct="1"/>
+            <a:r>
+              <a:rPr lang="en-US" smtClean="0"/>
+              <a:t>Click to edit Master text styles</a:t>
+            </a:r>
+          </a:p>
+          <a:p>
+            <a:pPr lvl="1" eaLnBrk="1" latinLnBrk="0" hangingPunct="1"/>
+            <a:r>
+              <a:rPr lang="en-US" smtClean="0"/>
               <a:t>Second level</a:t>
             </a:r>
           </a:p>
           <a:p>
-            <a:pPr lvl="2"/>
-            <a:r>
-              <a:rPr lang="en-US"/>
+            <a:pPr lvl="2" eaLnBrk="1" latinLnBrk="0" hangingPunct="1"/>
+            <a:r>
+              <a:rPr lang="en-US" smtClean="0"/>
               <a:t>Third level</a:t>
             </a:r>
           </a:p>
           <a:p>
-            <a:pPr lvl="3"/>
-            <a:r>
-              <a:rPr lang="en-US"/>
+            <a:pPr lvl="3" eaLnBrk="1" latinLnBrk="0" hangingPunct="1"/>
+            <a:r>
+              <a:rPr lang="en-US" smtClean="0"/>
               <a:t>Fourth level</a:t>
             </a:r>
           </a:p>
           <a:p>
-            <a:pPr lvl="4"/>
-            <a:r>
-              <a:rPr lang="en-US"/>
+            <a:pPr lvl="4" eaLnBrk="1" latinLnBrk="0" hangingPunct="1"/>
+            <a:r>
+              <a:rPr lang="en-US" smtClean="0"/>
               <a:t>Fifth level</a:t>
             </a:r>
-          </a:p>
-        </p:txBody>
-      </p:sp>
-      <p:sp>
-        <p:nvSpPr>
-          <p:cNvPr id="7" name="Date Placeholder 6">
-            <a:extLst>
-              <a:ext uri="{FF2B5EF4-FFF2-40B4-BE49-F238E27FC236}">
-                <a16:creationId xmlns:a16="http://schemas.microsoft.com/office/drawing/2014/main" id="{CA9BA755-AEE2-4001-8DE6-415A8DBF9673}"/>
-              </a:ext>
-            </a:extLst>
-          </p:cNvPr>
+            <a:endParaRPr kumimoji="0" lang="en-US"/>
+          </a:p>
+        </p:txBody>
+      </p:sp>
+      <p:sp>
+        <p:nvSpPr>
+          <p:cNvPr id="7" name="Date Placeholder 6"/>
           <p:cNvSpPr>
             <a:spLocks noGrp="1"/>
           </p:cNvSpPr>
@@ -4338,7 +1699,8 @@
           <a:p>
             <a:fld id="{D2474CCF-98B4-411A-8810-C31E8C29E19B}" type="datetimeFigureOut">
               <a:rPr lang="en-US" smtClean="0"/>
-              <a:t>9/16/2022</a:t>
+              <a:pPr/>
+              <a:t>11/8/2023</a:t>
             </a:fld>
             <a:endParaRPr lang="en-US"/>
           </a:p>
@@ -4346,13 +1708,7 @@
       </p:sp>
       <p:sp>
         <p:nvSpPr>
-          <p:cNvPr id="8" name="Footer Placeholder 7">
-            <a:extLst>
-              <a:ext uri="{FF2B5EF4-FFF2-40B4-BE49-F238E27FC236}">
-                <a16:creationId xmlns:a16="http://schemas.microsoft.com/office/drawing/2014/main" id="{823B665F-223D-495A-BDBB-E3363CAFC9D8}"/>
-              </a:ext>
-            </a:extLst>
-          </p:cNvPr>
+          <p:cNvPr id="8" name="Footer Placeholder 7"/>
           <p:cNvSpPr>
             <a:spLocks noGrp="1"/>
           </p:cNvSpPr>
@@ -4371,13 +1727,7 @@
       </p:sp>
       <p:sp>
         <p:nvSpPr>
-          <p:cNvPr id="9" name="Slide Number Placeholder 8">
-            <a:extLst>
-              <a:ext uri="{FF2B5EF4-FFF2-40B4-BE49-F238E27FC236}">
-                <a16:creationId xmlns:a16="http://schemas.microsoft.com/office/drawing/2014/main" id="{B19B297C-3F38-49A1-953B-17E3F6F667AE}"/>
-              </a:ext>
-            </a:extLst>
-          </p:cNvPr>
+          <p:cNvPr id="9" name="Slide Number Placeholder 8"/>
           <p:cNvSpPr>
             <a:spLocks noGrp="1"/>
           </p:cNvSpPr>
@@ -4392,6 +1742,7 @@
           <a:p>
             <a:fld id="{A1FD0E78-183D-4F7D-A18B-8A4BED7B6988}" type="slidenum">
               <a:rPr lang="en-US" smtClean="0"/>
+              <a:pPr/>
               <a:t>‹#›</a:t>
             </a:fld>
             <a:endParaRPr lang="en-US"/>
@@ -4399,11 +1750,6 @@
         </p:txBody>
       </p:sp>
     </p:spTree>
-    <p:extLst>
-      <p:ext uri="{BB962C8B-B14F-4D97-AF65-F5344CB8AC3E}">
-        <p14:creationId xmlns:p14="http://schemas.microsoft.com/office/powerpoint/2010/main" val="265057621"/>
-      </p:ext>
-    </p:extLst>
   </p:cSld>
   <p:clrMapOvr>
     <a:masterClrMapping/>
@@ -4430,403 +1776,7 @@
       </p:grpSpPr>
       <p:sp>
         <p:nvSpPr>
-          <p:cNvPr id="6" name="Rectangle 5">
-            <a:extLst>
-              <a:ext uri="{FF2B5EF4-FFF2-40B4-BE49-F238E27FC236}">
-                <a16:creationId xmlns:a16="http://schemas.microsoft.com/office/drawing/2014/main" id="{37856098-1DA3-49E8-91B8-CAA5CDB7382E}"/>
-              </a:ext>
-            </a:extLst>
-          </p:cNvPr>
-          <p:cNvSpPr/>
-          <p:nvPr/>
-        </p:nvSpPr>
-        <p:spPr>
-          <a:xfrm>
-            <a:off x="0" y="0"/>
-            <a:ext cx="595745" cy="6858000"/>
-          </a:xfrm>
-          <a:prstGeom prst="rect">
-            <a:avLst/>
-          </a:prstGeom>
-          <a:ln>
-            <a:noFill/>
-          </a:ln>
-        </p:spPr>
-        <p:style>
-          <a:lnRef idx="2">
-            <a:schemeClr val="accent1">
-              <a:shade val="50000"/>
-            </a:schemeClr>
-          </a:lnRef>
-          <a:fillRef idx="1">
-            <a:schemeClr val="accent1"/>
-          </a:fillRef>
-          <a:effectRef idx="0">
-            <a:schemeClr val="accent1"/>
-          </a:effectRef>
-          <a:fontRef idx="minor">
-            <a:schemeClr val="lt1"/>
-          </a:fontRef>
-        </p:style>
-        <p:txBody>
-          <a:bodyPr rtlCol="0" anchor="ctr"/>
-          <a:lstStyle/>
-          <a:p>
-            <a:pPr algn="ctr"/>
-            <a:endParaRPr lang="en-US"/>
-          </a:p>
-        </p:txBody>
-      </p:sp>
-      <p:sp>
-        <p:nvSpPr>
-          <p:cNvPr id="7" name="Rectangle 6">
-            <a:extLst>
-              <a:ext uri="{FF2B5EF4-FFF2-40B4-BE49-F238E27FC236}">
-                <a16:creationId xmlns:a16="http://schemas.microsoft.com/office/drawing/2014/main" id="{8AD2C0DA-73C9-4A83-97A2-EB4541745B64}"/>
-              </a:ext>
-            </a:extLst>
-          </p:cNvPr>
-          <p:cNvSpPr/>
-          <p:nvPr/>
-        </p:nvSpPr>
-        <p:spPr>
-          <a:xfrm>
-            <a:off x="207818" y="201706"/>
-            <a:ext cx="11762508" cy="6433806"/>
-          </a:xfrm>
-          <a:prstGeom prst="rect">
-            <a:avLst/>
-          </a:prstGeom>
-          <a:solidFill>
-            <a:schemeClr val="bg1"/>
-          </a:solidFill>
-          <a:ln>
-            <a:solidFill>
-              <a:schemeClr val="accent3">
-                <a:lumMod val="20000"/>
-                <a:lumOff val="80000"/>
-              </a:schemeClr>
-            </a:solidFill>
-          </a:ln>
-        </p:spPr>
-        <p:style>
-          <a:lnRef idx="2">
-            <a:schemeClr val="accent1">
-              <a:shade val="50000"/>
-            </a:schemeClr>
-          </a:lnRef>
-          <a:fillRef idx="1">
-            <a:schemeClr val="accent1"/>
-          </a:fillRef>
-          <a:effectRef idx="0">
-            <a:schemeClr val="accent1"/>
-          </a:effectRef>
-          <a:fontRef idx="minor">
-            <a:schemeClr val="lt1"/>
-          </a:fontRef>
-        </p:style>
-        <p:txBody>
-          <a:bodyPr rtlCol="0" anchor="ctr"/>
-          <a:lstStyle/>
-          <a:p>
-            <a:pPr algn="ctr"/>
-            <a:endParaRPr lang="en-US"/>
-          </a:p>
-        </p:txBody>
-      </p:sp>
-      <p:sp>
-        <p:nvSpPr>
-          <p:cNvPr id="8" name="Rectangle 7">
-            <a:extLst>
-              <a:ext uri="{FF2B5EF4-FFF2-40B4-BE49-F238E27FC236}">
-                <a16:creationId xmlns:a16="http://schemas.microsoft.com/office/drawing/2014/main" id="{B83A0938-3C8A-4ACA-8AD0-352B444392A9}"/>
-              </a:ext>
-            </a:extLst>
-          </p:cNvPr>
-          <p:cNvSpPr/>
-          <p:nvPr/>
-        </p:nvSpPr>
-        <p:spPr>
-          <a:xfrm>
-            <a:off x="11194473" y="6359236"/>
-            <a:ext cx="775853" cy="249382"/>
-          </a:xfrm>
-          <a:prstGeom prst="rect">
-            <a:avLst/>
-          </a:prstGeom>
-          <a:solidFill>
-            <a:srgbClr val="00B0F0"/>
-          </a:solidFill>
-          <a:ln>
-            <a:noFill/>
-          </a:ln>
-        </p:spPr>
-        <p:style>
-          <a:lnRef idx="2">
-            <a:schemeClr val="accent1">
-              <a:shade val="50000"/>
-            </a:schemeClr>
-          </a:lnRef>
-          <a:fillRef idx="1">
-            <a:schemeClr val="accent1"/>
-          </a:fillRef>
-          <a:effectRef idx="0">
-            <a:schemeClr val="accent1"/>
-          </a:effectRef>
-          <a:fontRef idx="minor">
-            <a:schemeClr val="lt1"/>
-          </a:fontRef>
-        </p:style>
-        <p:txBody>
-          <a:bodyPr rtlCol="0" anchor="ctr"/>
-          <a:lstStyle/>
-          <a:p>
-            <a:pPr algn="ctr"/>
-            <a:r>
-              <a:rPr lang="en-US" sz="900" dirty="0">
-                <a:solidFill>
-                  <a:schemeClr val="bg1"/>
-                </a:solidFill>
-                <a:latin typeface="Segoe UI" panose="020B0502040204020203" pitchFamily="34" charset="0"/>
-                <a:ea typeface="Segoe UI" panose="020B0502040204020203" pitchFamily="34" charset="0"/>
-                <a:cs typeface="Segoe UI" panose="020B0502040204020203" pitchFamily="34" charset="0"/>
-              </a:rPr>
-              <a:t>Manage</a:t>
-            </a:r>
-          </a:p>
-        </p:txBody>
-      </p:sp>
-      <p:sp>
-        <p:nvSpPr>
-          <p:cNvPr id="9" name="Rectangle 8">
-            <a:extLst>
-              <a:ext uri="{FF2B5EF4-FFF2-40B4-BE49-F238E27FC236}">
-                <a16:creationId xmlns:a16="http://schemas.microsoft.com/office/drawing/2014/main" id="{2FE9A254-00DC-4FF4-ABF3-8D548470A822}"/>
-              </a:ext>
-            </a:extLst>
-          </p:cNvPr>
-          <p:cNvSpPr/>
-          <p:nvPr/>
-        </p:nvSpPr>
-        <p:spPr>
-          <a:xfrm>
-            <a:off x="10401669" y="6359236"/>
-            <a:ext cx="775853" cy="249382"/>
-          </a:xfrm>
-          <a:prstGeom prst="rect">
-            <a:avLst/>
-          </a:prstGeom>
-          <a:solidFill>
-            <a:srgbClr val="FFC000"/>
-          </a:solidFill>
-          <a:ln>
-            <a:noFill/>
-          </a:ln>
-        </p:spPr>
-        <p:style>
-          <a:lnRef idx="2">
-            <a:schemeClr val="accent1">
-              <a:shade val="50000"/>
-            </a:schemeClr>
-          </a:lnRef>
-          <a:fillRef idx="1">
-            <a:schemeClr val="accent1"/>
-          </a:fillRef>
-          <a:effectRef idx="0">
-            <a:schemeClr val="accent1"/>
-          </a:effectRef>
-          <a:fontRef idx="minor">
-            <a:schemeClr val="lt1"/>
-          </a:fontRef>
-        </p:style>
-        <p:txBody>
-          <a:bodyPr rtlCol="0" anchor="ctr"/>
-          <a:lstStyle/>
-          <a:p>
-            <a:pPr algn="ctr"/>
-            <a:r>
-              <a:rPr lang="en-US" sz="900" dirty="0">
-                <a:solidFill>
-                  <a:schemeClr val="bg1"/>
-                </a:solidFill>
-                <a:latin typeface="Segoe UI" panose="020B0502040204020203" pitchFamily="34" charset="0"/>
-                <a:ea typeface="Segoe UI" panose="020B0502040204020203" pitchFamily="34" charset="0"/>
-                <a:cs typeface="Segoe UI" panose="020B0502040204020203" pitchFamily="34" charset="0"/>
-              </a:rPr>
-              <a:t>Implement</a:t>
-            </a:r>
-          </a:p>
-        </p:txBody>
-      </p:sp>
-      <p:sp>
-        <p:nvSpPr>
-          <p:cNvPr id="10" name="Rectangle 9">
-            <a:extLst>
-              <a:ext uri="{FF2B5EF4-FFF2-40B4-BE49-F238E27FC236}">
-                <a16:creationId xmlns:a16="http://schemas.microsoft.com/office/drawing/2014/main" id="{27E83A17-368C-4CF3-93EE-956780C13754}"/>
-              </a:ext>
-            </a:extLst>
-          </p:cNvPr>
-          <p:cNvSpPr/>
-          <p:nvPr/>
-        </p:nvSpPr>
-        <p:spPr>
-          <a:xfrm>
-            <a:off x="9608865" y="6359236"/>
-            <a:ext cx="775853" cy="249382"/>
-          </a:xfrm>
-          <a:prstGeom prst="rect">
-            <a:avLst/>
-          </a:prstGeom>
-          <a:solidFill>
-            <a:srgbClr val="33CC33"/>
-          </a:solidFill>
-          <a:ln>
-            <a:noFill/>
-          </a:ln>
-        </p:spPr>
-        <p:style>
-          <a:lnRef idx="2">
-            <a:schemeClr val="accent1">
-              <a:shade val="50000"/>
-            </a:schemeClr>
-          </a:lnRef>
-          <a:fillRef idx="1">
-            <a:schemeClr val="accent1"/>
-          </a:fillRef>
-          <a:effectRef idx="0">
-            <a:schemeClr val="accent1"/>
-          </a:effectRef>
-          <a:fontRef idx="minor">
-            <a:schemeClr val="lt1"/>
-          </a:fontRef>
-        </p:style>
-        <p:txBody>
-          <a:bodyPr rtlCol="0" anchor="ctr"/>
-          <a:lstStyle/>
-          <a:p>
-            <a:pPr algn="ctr"/>
-            <a:r>
-              <a:rPr lang="en-US" sz="900" dirty="0">
-                <a:solidFill>
-                  <a:schemeClr val="bg1"/>
-                </a:solidFill>
-                <a:latin typeface="Segoe UI" panose="020B0502040204020203" pitchFamily="34" charset="0"/>
-                <a:ea typeface="Segoe UI" panose="020B0502040204020203" pitchFamily="34" charset="0"/>
-                <a:cs typeface="Segoe UI" panose="020B0502040204020203" pitchFamily="34" charset="0"/>
-              </a:rPr>
-              <a:t>Advise</a:t>
-            </a:r>
-          </a:p>
-        </p:txBody>
-      </p:sp>
-      <p:sp>
-        <p:nvSpPr>
-          <p:cNvPr id="11" name="Rectangle 10">
-            <a:extLst>
-              <a:ext uri="{FF2B5EF4-FFF2-40B4-BE49-F238E27FC236}">
-                <a16:creationId xmlns:a16="http://schemas.microsoft.com/office/drawing/2014/main" id="{F86DDFCB-6B13-4853-B2B2-7FDD576847E1}"/>
-              </a:ext>
-            </a:extLst>
-          </p:cNvPr>
-          <p:cNvSpPr/>
-          <p:nvPr/>
-        </p:nvSpPr>
-        <p:spPr>
-          <a:xfrm>
-            <a:off x="8816061" y="6359236"/>
-            <a:ext cx="775853" cy="249382"/>
-          </a:xfrm>
-          <a:prstGeom prst="rect">
-            <a:avLst/>
-          </a:prstGeom>
-          <a:solidFill>
-            <a:schemeClr val="accent2"/>
-          </a:solidFill>
-          <a:ln>
-            <a:noFill/>
-          </a:ln>
-        </p:spPr>
-        <p:style>
-          <a:lnRef idx="2">
-            <a:schemeClr val="accent1">
-              <a:shade val="50000"/>
-            </a:schemeClr>
-          </a:lnRef>
-          <a:fillRef idx="1">
-            <a:schemeClr val="accent1"/>
-          </a:fillRef>
-          <a:effectRef idx="0">
-            <a:schemeClr val="accent1"/>
-          </a:effectRef>
-          <a:fontRef idx="minor">
-            <a:schemeClr val="lt1"/>
-          </a:fontRef>
-        </p:style>
-        <p:txBody>
-          <a:bodyPr rtlCol="0" anchor="ctr"/>
-          <a:lstStyle/>
-          <a:p>
-            <a:pPr algn="ctr"/>
-            <a:r>
-              <a:rPr lang="en-US" sz="900" dirty="0">
-                <a:solidFill>
-                  <a:schemeClr val="bg1"/>
-                </a:solidFill>
-                <a:latin typeface="Segoe UI" panose="020B0502040204020203" pitchFamily="34" charset="0"/>
-                <a:ea typeface="Segoe UI" panose="020B0502040204020203" pitchFamily="34" charset="0"/>
-                <a:cs typeface="Segoe UI" panose="020B0502040204020203" pitchFamily="34" charset="0"/>
-              </a:rPr>
-              <a:t>Educate</a:t>
-            </a:r>
-          </a:p>
-        </p:txBody>
-      </p:sp>
-      <p:pic>
-        <p:nvPicPr>
-          <p:cNvPr id="12" name="Picture 11">
-            <a:extLst>
-              <a:ext uri="{FF2B5EF4-FFF2-40B4-BE49-F238E27FC236}">
-                <a16:creationId xmlns:a16="http://schemas.microsoft.com/office/drawing/2014/main" id="{64C8E1E0-E974-41E1-9F43-DEF84D8A1F22}"/>
-              </a:ext>
-            </a:extLst>
-          </p:cNvPr>
-          <p:cNvPicPr>
-            <a:picLocks noChangeAspect="1"/>
-          </p:cNvPicPr>
-          <p:nvPr/>
-        </p:nvPicPr>
-        <p:blipFill>
-          <a:blip r:embed="rId2">
-            <a:extLst>
-              <a:ext uri="{28A0092B-C50C-407E-A947-70E740481C1C}">
-                <a14:useLocalDpi xmlns:a14="http://schemas.microsoft.com/office/drawing/2010/main" val="0"/>
-              </a:ext>
-            </a:extLst>
-          </a:blip>
-          <a:stretch>
-            <a:fillRect/>
-          </a:stretch>
-        </p:blipFill>
-        <p:spPr>
-          <a:xfrm>
-            <a:off x="9792281" y="278160"/>
-            <a:ext cx="2153769" cy="415804"/>
-          </a:xfrm>
-          <a:prstGeom prst="rect">
-            <a:avLst/>
-          </a:prstGeom>
-        </p:spPr>
-      </p:pic>
-      <p:sp>
-        <p:nvSpPr>
-          <p:cNvPr id="2" name="Title 1">
-            <a:extLst>
-              <a:ext uri="{FF2B5EF4-FFF2-40B4-BE49-F238E27FC236}">
-                <a16:creationId xmlns:a16="http://schemas.microsoft.com/office/drawing/2014/main" id="{634473C1-75AC-4CC3-97E1-56E2CDDB9EEA}"/>
-              </a:ext>
-            </a:extLst>
-          </p:cNvPr>
+          <p:cNvPr id="2" name="Title 1"/>
           <p:cNvSpPr>
             <a:spLocks noGrp="1"/>
           </p:cNvSpPr>
@@ -4834,27 +1784,59 @@
             <p:ph type="title"/>
           </p:nvPr>
         </p:nvSpPr>
-        <p:spPr/>
-        <p:txBody>
-          <a:bodyPr/>
-          <a:lstStyle/>
-          <a:p>
-            <a:r>
-              <a:rPr lang="en-US"/>
+        <p:spPr>
+          <a:xfrm>
+            <a:off x="609600" y="704088"/>
+            <a:ext cx="11074400" cy="1143000"/>
+          </a:xfrm>
+        </p:spPr>
+        <p:txBody>
+          <a:bodyPr vert="horz" tIns="45720" bIns="0" anchor="b">
+            <a:normAutofit/>
+            <a:scene3d>
+              <a:camera prst="orthographicFront"/>
+              <a:lightRig rig="freezing" dir="t">
+                <a:rot lat="0" lon="0" rev="5640000"/>
+              </a:lightRig>
+            </a:scene3d>
+            <a:sp3d prstMaterial="flat">
+              <a:contourClr>
+                <a:schemeClr val="tx2"/>
+              </a:contourClr>
+            </a:sp3d>
+          </a:bodyPr>
+          <a:lstStyle>
+            <a:lvl1pPr algn="l" rtl="0">
+              <a:spcBef>
+                <a:spcPct val="0"/>
+              </a:spcBef>
+              <a:buNone/>
+              <a:defRPr sz="5000" b="0">
+                <a:ln>
+                  <a:noFill/>
+                </a:ln>
+                <a:solidFill>
+                  <a:schemeClr val="tx2"/>
+                </a:solidFill>
+                <a:effectLst/>
+                <a:latin typeface="+mj-lt"/>
+                <a:ea typeface="+mj-ea"/>
+                <a:cs typeface="+mj-cs"/>
+              </a:defRPr>
+            </a:lvl1pPr>
+          </a:lstStyle>
+          <a:p>
+            <a:r>
+              <a:rPr kumimoji="0" lang="en-US" smtClean="0"/>
               <a:t>Click to edit Master title style</a:t>
             </a:r>
-          </a:p>
-        </p:txBody>
-      </p:sp>
-      <p:sp>
-        <p:nvSpPr>
-          <p:cNvPr id="3" name="Date Placeholder 2">
-            <a:extLst>
-              <a:ext uri="{FF2B5EF4-FFF2-40B4-BE49-F238E27FC236}">
-                <a16:creationId xmlns:a16="http://schemas.microsoft.com/office/drawing/2014/main" id="{8027F37E-14E1-44B3-BCD8-AEBD153A14BA}"/>
-              </a:ext>
-            </a:extLst>
-          </p:cNvPr>
+            <a:endParaRPr kumimoji="0" lang="en-US"/>
+          </a:p>
+        </p:txBody>
+      </p:sp>
+      <p:sp>
+        <p:nvSpPr>
+          <p:cNvPr id="3" name="Date Placeholder 2"/>
           <p:cNvSpPr>
             <a:spLocks noGrp="1"/>
           </p:cNvSpPr>
@@ -4869,7 +1851,8 @@
           <a:p>
             <a:fld id="{D2474CCF-98B4-411A-8810-C31E8C29E19B}" type="datetimeFigureOut">
               <a:rPr lang="en-US" smtClean="0"/>
-              <a:t>9/16/2022</a:t>
+              <a:pPr/>
+              <a:t>11/8/2023</a:t>
             </a:fld>
             <a:endParaRPr lang="en-US"/>
           </a:p>
@@ -4877,13 +1860,7 @@
       </p:sp>
       <p:sp>
         <p:nvSpPr>
-          <p:cNvPr id="4" name="Footer Placeholder 3">
-            <a:extLst>
-              <a:ext uri="{FF2B5EF4-FFF2-40B4-BE49-F238E27FC236}">
-                <a16:creationId xmlns:a16="http://schemas.microsoft.com/office/drawing/2014/main" id="{3EEB09FB-ACF3-4E2F-B66D-3E13733A5B2B}"/>
-              </a:ext>
-            </a:extLst>
-          </p:cNvPr>
+          <p:cNvPr id="4" name="Footer Placeholder 3"/>
           <p:cNvSpPr>
             <a:spLocks noGrp="1"/>
           </p:cNvSpPr>
@@ -4902,13 +1879,7 @@
       </p:sp>
       <p:sp>
         <p:nvSpPr>
-          <p:cNvPr id="5" name="Slide Number Placeholder 4">
-            <a:extLst>
-              <a:ext uri="{FF2B5EF4-FFF2-40B4-BE49-F238E27FC236}">
-                <a16:creationId xmlns:a16="http://schemas.microsoft.com/office/drawing/2014/main" id="{00D82C6C-9BFE-4C90-A547-8C325C55EAA2}"/>
-              </a:ext>
-            </a:extLst>
-          </p:cNvPr>
+          <p:cNvPr id="5" name="Slide Number Placeholder 4"/>
           <p:cNvSpPr>
             <a:spLocks noGrp="1"/>
           </p:cNvSpPr>
@@ -4923,6 +1894,7 @@
           <a:p>
             <a:fld id="{A1FD0E78-183D-4F7D-A18B-8A4BED7B6988}" type="slidenum">
               <a:rPr lang="en-US" smtClean="0"/>
+              <a:pPr/>
               <a:t>‹#›</a:t>
             </a:fld>
             <a:endParaRPr lang="en-US"/>
@@ -4930,11 +1902,6 @@
         </p:txBody>
       </p:sp>
     </p:spTree>
-    <p:extLst>
-      <p:ext uri="{BB962C8B-B14F-4D97-AF65-F5344CB8AC3E}">
-        <p14:creationId xmlns:p14="http://schemas.microsoft.com/office/powerpoint/2010/main" val="3783065093"/>
-      </p:ext>
-    </p:extLst>
   </p:cSld>
   <p:clrMapOvr>
     <a:masterClrMapping/>
@@ -4961,403 +1928,7 @@
       </p:grpSpPr>
       <p:sp>
         <p:nvSpPr>
-          <p:cNvPr id="5" name="Rectangle 4">
-            <a:extLst>
-              <a:ext uri="{FF2B5EF4-FFF2-40B4-BE49-F238E27FC236}">
-                <a16:creationId xmlns:a16="http://schemas.microsoft.com/office/drawing/2014/main" id="{F2FA0252-28E1-40E5-ACE6-20D14F5256B9}"/>
-              </a:ext>
-            </a:extLst>
-          </p:cNvPr>
-          <p:cNvSpPr/>
-          <p:nvPr/>
-        </p:nvSpPr>
-        <p:spPr>
-          <a:xfrm>
-            <a:off x="0" y="0"/>
-            <a:ext cx="595745" cy="6858000"/>
-          </a:xfrm>
-          <a:prstGeom prst="rect">
-            <a:avLst/>
-          </a:prstGeom>
-          <a:ln>
-            <a:noFill/>
-          </a:ln>
-        </p:spPr>
-        <p:style>
-          <a:lnRef idx="2">
-            <a:schemeClr val="accent1">
-              <a:shade val="50000"/>
-            </a:schemeClr>
-          </a:lnRef>
-          <a:fillRef idx="1">
-            <a:schemeClr val="accent1"/>
-          </a:fillRef>
-          <a:effectRef idx="0">
-            <a:schemeClr val="accent1"/>
-          </a:effectRef>
-          <a:fontRef idx="minor">
-            <a:schemeClr val="lt1"/>
-          </a:fontRef>
-        </p:style>
-        <p:txBody>
-          <a:bodyPr rtlCol="0" anchor="ctr"/>
-          <a:lstStyle/>
-          <a:p>
-            <a:pPr algn="ctr"/>
-            <a:endParaRPr lang="en-US"/>
-          </a:p>
-        </p:txBody>
-      </p:sp>
-      <p:sp>
-        <p:nvSpPr>
-          <p:cNvPr id="6" name="Rectangle 5">
-            <a:extLst>
-              <a:ext uri="{FF2B5EF4-FFF2-40B4-BE49-F238E27FC236}">
-                <a16:creationId xmlns:a16="http://schemas.microsoft.com/office/drawing/2014/main" id="{3E618FD9-31FC-4567-B182-23204706A8B0}"/>
-              </a:ext>
-            </a:extLst>
-          </p:cNvPr>
-          <p:cNvSpPr/>
-          <p:nvPr/>
-        </p:nvSpPr>
-        <p:spPr>
-          <a:xfrm>
-            <a:off x="207818" y="201706"/>
-            <a:ext cx="11762508" cy="6433806"/>
-          </a:xfrm>
-          <a:prstGeom prst="rect">
-            <a:avLst/>
-          </a:prstGeom>
-          <a:solidFill>
-            <a:schemeClr val="bg1"/>
-          </a:solidFill>
-          <a:ln>
-            <a:solidFill>
-              <a:schemeClr val="accent3">
-                <a:lumMod val="20000"/>
-                <a:lumOff val="80000"/>
-              </a:schemeClr>
-            </a:solidFill>
-          </a:ln>
-        </p:spPr>
-        <p:style>
-          <a:lnRef idx="2">
-            <a:schemeClr val="accent1">
-              <a:shade val="50000"/>
-            </a:schemeClr>
-          </a:lnRef>
-          <a:fillRef idx="1">
-            <a:schemeClr val="accent1"/>
-          </a:fillRef>
-          <a:effectRef idx="0">
-            <a:schemeClr val="accent1"/>
-          </a:effectRef>
-          <a:fontRef idx="minor">
-            <a:schemeClr val="lt1"/>
-          </a:fontRef>
-        </p:style>
-        <p:txBody>
-          <a:bodyPr rtlCol="0" anchor="ctr"/>
-          <a:lstStyle/>
-          <a:p>
-            <a:pPr algn="ctr"/>
-            <a:endParaRPr lang="en-US"/>
-          </a:p>
-        </p:txBody>
-      </p:sp>
-      <p:sp>
-        <p:nvSpPr>
-          <p:cNvPr id="7" name="Rectangle 6">
-            <a:extLst>
-              <a:ext uri="{FF2B5EF4-FFF2-40B4-BE49-F238E27FC236}">
-                <a16:creationId xmlns:a16="http://schemas.microsoft.com/office/drawing/2014/main" id="{0B29B7B4-B37A-4ECF-85D2-5A66AA4D9A3E}"/>
-              </a:ext>
-            </a:extLst>
-          </p:cNvPr>
-          <p:cNvSpPr/>
-          <p:nvPr/>
-        </p:nvSpPr>
-        <p:spPr>
-          <a:xfrm>
-            <a:off x="11194473" y="6359236"/>
-            <a:ext cx="775853" cy="249382"/>
-          </a:xfrm>
-          <a:prstGeom prst="rect">
-            <a:avLst/>
-          </a:prstGeom>
-          <a:solidFill>
-            <a:srgbClr val="00B0F0"/>
-          </a:solidFill>
-          <a:ln>
-            <a:noFill/>
-          </a:ln>
-        </p:spPr>
-        <p:style>
-          <a:lnRef idx="2">
-            <a:schemeClr val="accent1">
-              <a:shade val="50000"/>
-            </a:schemeClr>
-          </a:lnRef>
-          <a:fillRef idx="1">
-            <a:schemeClr val="accent1"/>
-          </a:fillRef>
-          <a:effectRef idx="0">
-            <a:schemeClr val="accent1"/>
-          </a:effectRef>
-          <a:fontRef idx="minor">
-            <a:schemeClr val="lt1"/>
-          </a:fontRef>
-        </p:style>
-        <p:txBody>
-          <a:bodyPr rtlCol="0" anchor="ctr"/>
-          <a:lstStyle/>
-          <a:p>
-            <a:pPr algn="ctr"/>
-            <a:r>
-              <a:rPr lang="en-US" sz="900" dirty="0">
-                <a:solidFill>
-                  <a:schemeClr val="bg1"/>
-                </a:solidFill>
-                <a:latin typeface="Segoe UI" panose="020B0502040204020203" pitchFamily="34" charset="0"/>
-                <a:ea typeface="Segoe UI" panose="020B0502040204020203" pitchFamily="34" charset="0"/>
-                <a:cs typeface="Segoe UI" panose="020B0502040204020203" pitchFamily="34" charset="0"/>
-              </a:rPr>
-              <a:t>Manage</a:t>
-            </a:r>
-          </a:p>
-        </p:txBody>
-      </p:sp>
-      <p:sp>
-        <p:nvSpPr>
-          <p:cNvPr id="8" name="Rectangle 7">
-            <a:extLst>
-              <a:ext uri="{FF2B5EF4-FFF2-40B4-BE49-F238E27FC236}">
-                <a16:creationId xmlns:a16="http://schemas.microsoft.com/office/drawing/2014/main" id="{CCF4FB33-76DE-4704-8B1A-C3FE16F507E2}"/>
-              </a:ext>
-            </a:extLst>
-          </p:cNvPr>
-          <p:cNvSpPr/>
-          <p:nvPr/>
-        </p:nvSpPr>
-        <p:spPr>
-          <a:xfrm>
-            <a:off x="10401669" y="6359236"/>
-            <a:ext cx="775853" cy="249382"/>
-          </a:xfrm>
-          <a:prstGeom prst="rect">
-            <a:avLst/>
-          </a:prstGeom>
-          <a:solidFill>
-            <a:srgbClr val="FFC000"/>
-          </a:solidFill>
-          <a:ln>
-            <a:noFill/>
-          </a:ln>
-        </p:spPr>
-        <p:style>
-          <a:lnRef idx="2">
-            <a:schemeClr val="accent1">
-              <a:shade val="50000"/>
-            </a:schemeClr>
-          </a:lnRef>
-          <a:fillRef idx="1">
-            <a:schemeClr val="accent1"/>
-          </a:fillRef>
-          <a:effectRef idx="0">
-            <a:schemeClr val="accent1"/>
-          </a:effectRef>
-          <a:fontRef idx="minor">
-            <a:schemeClr val="lt1"/>
-          </a:fontRef>
-        </p:style>
-        <p:txBody>
-          <a:bodyPr rtlCol="0" anchor="ctr"/>
-          <a:lstStyle/>
-          <a:p>
-            <a:pPr algn="ctr"/>
-            <a:r>
-              <a:rPr lang="en-US" sz="900" dirty="0">
-                <a:solidFill>
-                  <a:schemeClr val="bg1"/>
-                </a:solidFill>
-                <a:latin typeface="Segoe UI" panose="020B0502040204020203" pitchFamily="34" charset="0"/>
-                <a:ea typeface="Segoe UI" panose="020B0502040204020203" pitchFamily="34" charset="0"/>
-                <a:cs typeface="Segoe UI" panose="020B0502040204020203" pitchFamily="34" charset="0"/>
-              </a:rPr>
-              <a:t>Implement</a:t>
-            </a:r>
-          </a:p>
-        </p:txBody>
-      </p:sp>
-      <p:sp>
-        <p:nvSpPr>
-          <p:cNvPr id="9" name="Rectangle 8">
-            <a:extLst>
-              <a:ext uri="{FF2B5EF4-FFF2-40B4-BE49-F238E27FC236}">
-                <a16:creationId xmlns:a16="http://schemas.microsoft.com/office/drawing/2014/main" id="{58A894C9-4BA3-403A-B5F2-D596A188AF2F}"/>
-              </a:ext>
-            </a:extLst>
-          </p:cNvPr>
-          <p:cNvSpPr/>
-          <p:nvPr/>
-        </p:nvSpPr>
-        <p:spPr>
-          <a:xfrm>
-            <a:off x="9608865" y="6359236"/>
-            <a:ext cx="775853" cy="249382"/>
-          </a:xfrm>
-          <a:prstGeom prst="rect">
-            <a:avLst/>
-          </a:prstGeom>
-          <a:solidFill>
-            <a:srgbClr val="33CC33"/>
-          </a:solidFill>
-          <a:ln>
-            <a:noFill/>
-          </a:ln>
-        </p:spPr>
-        <p:style>
-          <a:lnRef idx="2">
-            <a:schemeClr val="accent1">
-              <a:shade val="50000"/>
-            </a:schemeClr>
-          </a:lnRef>
-          <a:fillRef idx="1">
-            <a:schemeClr val="accent1"/>
-          </a:fillRef>
-          <a:effectRef idx="0">
-            <a:schemeClr val="accent1"/>
-          </a:effectRef>
-          <a:fontRef idx="minor">
-            <a:schemeClr val="lt1"/>
-          </a:fontRef>
-        </p:style>
-        <p:txBody>
-          <a:bodyPr rtlCol="0" anchor="ctr"/>
-          <a:lstStyle/>
-          <a:p>
-            <a:pPr algn="ctr"/>
-            <a:r>
-              <a:rPr lang="en-US" sz="900" dirty="0">
-                <a:solidFill>
-                  <a:schemeClr val="bg1"/>
-                </a:solidFill>
-                <a:latin typeface="Segoe UI" panose="020B0502040204020203" pitchFamily="34" charset="0"/>
-                <a:ea typeface="Segoe UI" panose="020B0502040204020203" pitchFamily="34" charset="0"/>
-                <a:cs typeface="Segoe UI" panose="020B0502040204020203" pitchFamily="34" charset="0"/>
-              </a:rPr>
-              <a:t>Advise</a:t>
-            </a:r>
-          </a:p>
-        </p:txBody>
-      </p:sp>
-      <p:sp>
-        <p:nvSpPr>
-          <p:cNvPr id="10" name="Rectangle 9">
-            <a:extLst>
-              <a:ext uri="{FF2B5EF4-FFF2-40B4-BE49-F238E27FC236}">
-                <a16:creationId xmlns:a16="http://schemas.microsoft.com/office/drawing/2014/main" id="{970B9174-D03E-4D6F-A8E5-B9D3C8C2DB80}"/>
-              </a:ext>
-            </a:extLst>
-          </p:cNvPr>
-          <p:cNvSpPr/>
-          <p:nvPr/>
-        </p:nvSpPr>
-        <p:spPr>
-          <a:xfrm>
-            <a:off x="8816061" y="6359236"/>
-            <a:ext cx="775853" cy="249382"/>
-          </a:xfrm>
-          <a:prstGeom prst="rect">
-            <a:avLst/>
-          </a:prstGeom>
-          <a:solidFill>
-            <a:schemeClr val="accent2"/>
-          </a:solidFill>
-          <a:ln>
-            <a:noFill/>
-          </a:ln>
-        </p:spPr>
-        <p:style>
-          <a:lnRef idx="2">
-            <a:schemeClr val="accent1">
-              <a:shade val="50000"/>
-            </a:schemeClr>
-          </a:lnRef>
-          <a:fillRef idx="1">
-            <a:schemeClr val="accent1"/>
-          </a:fillRef>
-          <a:effectRef idx="0">
-            <a:schemeClr val="accent1"/>
-          </a:effectRef>
-          <a:fontRef idx="minor">
-            <a:schemeClr val="lt1"/>
-          </a:fontRef>
-        </p:style>
-        <p:txBody>
-          <a:bodyPr rtlCol="0" anchor="ctr"/>
-          <a:lstStyle/>
-          <a:p>
-            <a:pPr algn="ctr"/>
-            <a:r>
-              <a:rPr lang="en-US" sz="900" dirty="0">
-                <a:solidFill>
-                  <a:schemeClr val="bg1"/>
-                </a:solidFill>
-                <a:latin typeface="Segoe UI" panose="020B0502040204020203" pitchFamily="34" charset="0"/>
-                <a:ea typeface="Segoe UI" panose="020B0502040204020203" pitchFamily="34" charset="0"/>
-                <a:cs typeface="Segoe UI" panose="020B0502040204020203" pitchFamily="34" charset="0"/>
-              </a:rPr>
-              <a:t>Educate</a:t>
-            </a:r>
-          </a:p>
-        </p:txBody>
-      </p:sp>
-      <p:pic>
-        <p:nvPicPr>
-          <p:cNvPr id="11" name="Picture 10">
-            <a:extLst>
-              <a:ext uri="{FF2B5EF4-FFF2-40B4-BE49-F238E27FC236}">
-                <a16:creationId xmlns:a16="http://schemas.microsoft.com/office/drawing/2014/main" id="{16EAC91E-9BE5-4729-AA9E-F5E9394A8D1C}"/>
-              </a:ext>
-            </a:extLst>
-          </p:cNvPr>
-          <p:cNvPicPr>
-            <a:picLocks noChangeAspect="1"/>
-          </p:cNvPicPr>
-          <p:nvPr/>
-        </p:nvPicPr>
-        <p:blipFill>
-          <a:blip r:embed="rId2">
-            <a:extLst>
-              <a:ext uri="{28A0092B-C50C-407E-A947-70E740481C1C}">
-                <a14:useLocalDpi xmlns:a14="http://schemas.microsoft.com/office/drawing/2010/main" val="0"/>
-              </a:ext>
-            </a:extLst>
-          </a:blip>
-          <a:stretch>
-            <a:fillRect/>
-          </a:stretch>
-        </p:blipFill>
-        <p:spPr>
-          <a:xfrm>
-            <a:off x="9792281" y="278160"/>
-            <a:ext cx="2153769" cy="415804"/>
-          </a:xfrm>
-          <a:prstGeom prst="rect">
-            <a:avLst/>
-          </a:prstGeom>
-        </p:spPr>
-      </p:pic>
-      <p:sp>
-        <p:nvSpPr>
-          <p:cNvPr id="2" name="Date Placeholder 1">
-            <a:extLst>
-              <a:ext uri="{FF2B5EF4-FFF2-40B4-BE49-F238E27FC236}">
-                <a16:creationId xmlns:a16="http://schemas.microsoft.com/office/drawing/2014/main" id="{7839A89A-4F67-468F-80FE-0E3680B1A7D2}"/>
-              </a:ext>
-            </a:extLst>
-          </p:cNvPr>
+          <p:cNvPr id="2" name="Date Placeholder 1"/>
           <p:cNvSpPr>
             <a:spLocks noGrp="1"/>
           </p:cNvSpPr>
@@ -5372,7 +1943,8 @@
           <a:p>
             <a:fld id="{D2474CCF-98B4-411A-8810-C31E8C29E19B}" type="datetimeFigureOut">
               <a:rPr lang="en-US" smtClean="0"/>
-              <a:t>9/16/2022</a:t>
+              <a:pPr/>
+              <a:t>11/8/2023</a:t>
             </a:fld>
             <a:endParaRPr lang="en-US"/>
           </a:p>
@@ -5380,13 +1952,7 @@
       </p:sp>
       <p:sp>
         <p:nvSpPr>
-          <p:cNvPr id="3" name="Footer Placeholder 2">
-            <a:extLst>
-              <a:ext uri="{FF2B5EF4-FFF2-40B4-BE49-F238E27FC236}">
-                <a16:creationId xmlns:a16="http://schemas.microsoft.com/office/drawing/2014/main" id="{5C101976-8FCF-4B4F-B90A-B5E724625AE4}"/>
-              </a:ext>
-            </a:extLst>
-          </p:cNvPr>
+          <p:cNvPr id="3" name="Footer Placeholder 2"/>
           <p:cNvSpPr>
             <a:spLocks noGrp="1"/>
           </p:cNvSpPr>
@@ -5405,13 +1971,7 @@
       </p:sp>
       <p:sp>
         <p:nvSpPr>
-          <p:cNvPr id="4" name="Slide Number Placeholder 3">
-            <a:extLst>
-              <a:ext uri="{FF2B5EF4-FFF2-40B4-BE49-F238E27FC236}">
-                <a16:creationId xmlns:a16="http://schemas.microsoft.com/office/drawing/2014/main" id="{706AE299-AC97-4CB0-8712-61CB13DAB778}"/>
-              </a:ext>
-            </a:extLst>
-          </p:cNvPr>
+          <p:cNvPr id="4" name="Slide Number Placeholder 3"/>
           <p:cNvSpPr>
             <a:spLocks noGrp="1"/>
           </p:cNvSpPr>
@@ -5426,6 +1986,7 @@
           <a:p>
             <a:fld id="{A1FD0E78-183D-4F7D-A18B-8A4BED7B6988}" type="slidenum">
               <a:rPr lang="en-US" smtClean="0"/>
+              <a:pPr/>
               <a:t>‹#›</a:t>
             </a:fld>
             <a:endParaRPr lang="en-US"/>
@@ -5433,11 +1994,6 @@
         </p:txBody>
       </p:sp>
     </p:spTree>
-    <p:extLst>
-      <p:ext uri="{BB962C8B-B14F-4D97-AF65-F5344CB8AC3E}">
-        <p14:creationId xmlns:p14="http://schemas.microsoft.com/office/powerpoint/2010/main" val="3528334488"/>
-      </p:ext>
-    </p:extLst>
   </p:cSld>
   <p:clrMapOvr>
     <a:masterClrMapping/>
@@ -5464,13 +2020,7 @@
       </p:grpSpPr>
       <p:sp>
         <p:nvSpPr>
-          <p:cNvPr id="2" name="Title 1">
-            <a:extLst>
-              <a:ext uri="{FF2B5EF4-FFF2-40B4-BE49-F238E27FC236}">
-                <a16:creationId xmlns:a16="http://schemas.microsoft.com/office/drawing/2014/main" id="{0AB6CCC9-CB97-4066-B6DA-4148BB88F608}"/>
-              </a:ext>
-            </a:extLst>
-          </p:cNvPr>
+          <p:cNvPr id="2" name="Title 1"/>
           <p:cNvSpPr>
             <a:spLocks noGrp="1"/>
           </p:cNvSpPr>
@@ -5480,55 +2030,116 @@
         </p:nvSpPr>
         <p:spPr>
           <a:xfrm>
-            <a:off x="839788" y="457200"/>
-            <a:ext cx="3932237" cy="1600200"/>
+            <a:off x="914400" y="514352"/>
+            <a:ext cx="3657600" cy="1162050"/>
           </a:xfrm>
         </p:spPr>
         <p:txBody>
-          <a:bodyPr anchor="b"/>
+          <a:bodyPr lIns="0" anchor="b">
+            <a:noAutofit/>
+          </a:bodyPr>
           <a:lstStyle>
-            <a:lvl1pPr>
-              <a:defRPr sz="3200"/>
+            <a:lvl1pPr algn="l" rtl="0">
+              <a:spcBef>
+                <a:spcPct val="0"/>
+              </a:spcBef>
+              <a:buNone/>
+              <a:defRPr sz="2600" b="0">
+                <a:ln>
+                  <a:noFill/>
+                </a:ln>
+                <a:solidFill>
+                  <a:schemeClr val="tx2"/>
+                </a:solidFill>
+                <a:effectLst/>
+                <a:latin typeface="+mj-lt"/>
+                <a:ea typeface="+mj-ea"/>
+                <a:cs typeface="+mj-cs"/>
+              </a:defRPr>
             </a:lvl1pPr>
           </a:lstStyle>
           <a:p>
             <a:r>
-              <a:rPr lang="en-US"/>
+              <a:rPr kumimoji="0" lang="en-US" smtClean="0"/>
               <a:t>Click to edit Master title style</a:t>
             </a:r>
-          </a:p>
-        </p:txBody>
-      </p:sp>
-      <p:sp>
-        <p:nvSpPr>
-          <p:cNvPr id="3" name="Content Placeholder 2">
-            <a:extLst>
-              <a:ext uri="{FF2B5EF4-FFF2-40B4-BE49-F238E27FC236}">
-                <a16:creationId xmlns:a16="http://schemas.microsoft.com/office/drawing/2014/main" id="{F8B6ECEE-E57D-455E-A22A-6DE67E6B8B65}"/>
-              </a:ext>
-            </a:extLst>
-          </p:cNvPr>
+            <a:endParaRPr kumimoji="0" lang="en-US"/>
+          </a:p>
+        </p:txBody>
+      </p:sp>
+      <p:sp>
+        <p:nvSpPr>
+          <p:cNvPr id="3" name="Text Placeholder 2"/>
           <p:cNvSpPr>
             <a:spLocks noGrp="1"/>
           </p:cNvSpPr>
           <p:nvPr>
-            <p:ph idx="1"/>
+            <p:ph type="body" idx="2"/>
           </p:nvPr>
         </p:nvSpPr>
         <p:spPr>
           <a:xfrm>
-            <a:off x="5183188" y="987425"/>
-            <a:ext cx="6172200" cy="4873625"/>
+            <a:off x="914400" y="1676400"/>
+            <a:ext cx="3657600" cy="4572000"/>
           </a:xfrm>
         </p:spPr>
         <p:txBody>
-          <a:bodyPr/>
+          <a:bodyPr lIns="18288" rIns="18288"/>
+          <a:lstStyle>
+            <a:lvl1pPr marL="0" indent="0" algn="l">
+              <a:buNone/>
+              <a:defRPr sz="1400"/>
+            </a:lvl1pPr>
+            <a:lvl2pPr indent="0" algn="l">
+              <a:buNone/>
+              <a:defRPr sz="1200"/>
+            </a:lvl2pPr>
+            <a:lvl3pPr indent="0" algn="l">
+              <a:buNone/>
+              <a:defRPr sz="1000"/>
+            </a:lvl3pPr>
+            <a:lvl4pPr indent="0" algn="l">
+              <a:buNone/>
+              <a:defRPr sz="900"/>
+            </a:lvl4pPr>
+            <a:lvl5pPr indent="0" algn="l">
+              <a:buNone/>
+              <a:defRPr sz="900"/>
+            </a:lvl5pPr>
+          </a:lstStyle>
+          <a:p>
+            <a:pPr lvl="0" eaLnBrk="1" latinLnBrk="0" hangingPunct="1"/>
+            <a:r>
+              <a:rPr kumimoji="0" lang="en-US" smtClean="0"/>
+              <a:t>Click to edit Master text styles</a:t>
+            </a:r>
+          </a:p>
+        </p:txBody>
+      </p:sp>
+      <p:sp>
+        <p:nvSpPr>
+          <p:cNvPr id="4" name="Content Placeholder 3"/>
+          <p:cNvSpPr>
+            <a:spLocks noGrp="1"/>
+          </p:cNvSpPr>
+          <p:nvPr>
+            <p:ph sz="half" idx="1"/>
+          </p:nvPr>
+        </p:nvSpPr>
+        <p:spPr>
+          <a:xfrm>
+            <a:off x="4766733" y="1676400"/>
+            <a:ext cx="6815667" cy="4572000"/>
+          </a:xfrm>
+        </p:spPr>
+        <p:txBody>
+          <a:bodyPr tIns="0"/>
           <a:lstStyle>
             <a:lvl1pPr>
-              <a:defRPr sz="3200"/>
+              <a:defRPr sz="2800"/>
             </a:lvl1pPr>
             <a:lvl2pPr>
-              <a:defRPr sz="2800"/>
+              <a:defRPr sz="2600"/>
             </a:lvl2pPr>
             <a:lvl3pPr>
               <a:defRPr sz="2400"/>
@@ -5537,138 +2148,50 @@
               <a:defRPr sz="2000"/>
             </a:lvl4pPr>
             <a:lvl5pPr>
-              <a:defRPr sz="2000"/>
+              <a:defRPr sz="1800"/>
             </a:lvl5pPr>
-            <a:lvl6pPr>
-              <a:defRPr sz="2000"/>
-            </a:lvl6pPr>
-            <a:lvl7pPr>
-              <a:defRPr sz="2000"/>
-            </a:lvl7pPr>
-            <a:lvl8pPr>
-              <a:defRPr sz="2000"/>
-            </a:lvl8pPr>
-            <a:lvl9pPr>
-              <a:defRPr sz="2000"/>
-            </a:lvl9pPr>
           </a:lstStyle>
           <a:p>
-            <a:pPr lvl="0"/>
-            <a:r>
-              <a:rPr lang="en-US"/>
-              <a:t>Edit Master text styles</a:t>
-            </a:r>
-          </a:p>
-          <a:p>
-            <a:pPr lvl="1"/>
-            <a:r>
-              <a:rPr lang="en-US"/>
+            <a:pPr lvl="0" eaLnBrk="1" latinLnBrk="0" hangingPunct="1"/>
+            <a:r>
+              <a:rPr lang="en-US" smtClean="0"/>
+              <a:t>Click to edit Master text styles</a:t>
+            </a:r>
+          </a:p>
+          <a:p>
+            <a:pPr lvl="1" eaLnBrk="1" latinLnBrk="0" hangingPunct="1"/>
+            <a:r>
+              <a:rPr lang="en-US" smtClean="0"/>
               <a:t>Second level</a:t>
             </a:r>
           </a:p>
           <a:p>
-            <a:pPr lvl="2"/>
-            <a:r>
-              <a:rPr lang="en-US"/>
+            <a:pPr lvl="2" eaLnBrk="1" latinLnBrk="0" hangingPunct="1"/>
+            <a:r>
+              <a:rPr lang="en-US" smtClean="0"/>
               <a:t>Third level</a:t>
             </a:r>
           </a:p>
           <a:p>
-            <a:pPr lvl="3"/>
-            <a:r>
-              <a:rPr lang="en-US"/>
+            <a:pPr lvl="3" eaLnBrk="1" latinLnBrk="0" hangingPunct="1"/>
+            <a:r>
+              <a:rPr lang="en-US" smtClean="0"/>
               <a:t>Fourth level</a:t>
             </a:r>
           </a:p>
           <a:p>
-            <a:pPr lvl="4"/>
-            <a:r>
-              <a:rPr lang="en-US"/>
+            <a:pPr lvl="4" eaLnBrk="1" latinLnBrk="0" hangingPunct="1"/>
+            <a:r>
+              <a:rPr lang="en-US" smtClean="0"/>
               <a:t>Fifth level</a:t>
             </a:r>
-          </a:p>
-        </p:txBody>
-      </p:sp>
-      <p:sp>
-        <p:nvSpPr>
-          <p:cNvPr id="4" name="Text Placeholder 3">
-            <a:extLst>
-              <a:ext uri="{FF2B5EF4-FFF2-40B4-BE49-F238E27FC236}">
-                <a16:creationId xmlns:a16="http://schemas.microsoft.com/office/drawing/2014/main" id="{23E2D1F0-214E-43F0-A7BC-42F93E547BE6}"/>
-              </a:ext>
-            </a:extLst>
-          </p:cNvPr>
-          <p:cNvSpPr>
-            <a:spLocks noGrp="1"/>
-          </p:cNvSpPr>
-          <p:nvPr>
-            <p:ph type="body" sz="half" idx="2"/>
-          </p:nvPr>
-        </p:nvSpPr>
-        <p:spPr>
-          <a:xfrm>
-            <a:off x="839788" y="2057400"/>
-            <a:ext cx="3932237" cy="3811588"/>
-          </a:xfrm>
-        </p:spPr>
-        <p:txBody>
-          <a:bodyPr/>
-          <a:lstStyle>
-            <a:lvl1pPr marL="0" indent="0">
-              <a:buNone/>
-              <a:defRPr sz="1600"/>
-            </a:lvl1pPr>
-            <a:lvl2pPr marL="457200" indent="0">
-              <a:buNone/>
-              <a:defRPr sz="1400"/>
-            </a:lvl2pPr>
-            <a:lvl3pPr marL="914400" indent="0">
-              <a:buNone/>
-              <a:defRPr sz="1200"/>
-            </a:lvl3pPr>
-            <a:lvl4pPr marL="1371600" indent="0">
-              <a:buNone/>
-              <a:defRPr sz="1000"/>
-            </a:lvl4pPr>
-            <a:lvl5pPr marL="1828800" indent="0">
-              <a:buNone/>
-              <a:defRPr sz="1000"/>
-            </a:lvl5pPr>
-            <a:lvl6pPr marL="2286000" indent="0">
-              <a:buNone/>
-              <a:defRPr sz="1000"/>
-            </a:lvl6pPr>
-            <a:lvl7pPr marL="2743200" indent="0">
-              <a:buNone/>
-              <a:defRPr sz="1000"/>
-            </a:lvl7pPr>
-            <a:lvl8pPr marL="3200400" indent="0">
-              <a:buNone/>
-              <a:defRPr sz="1000"/>
-            </a:lvl8pPr>
-            <a:lvl9pPr marL="3657600" indent="0">
-              <a:buNone/>
-              <a:defRPr sz="1000"/>
-            </a:lvl9pPr>
-          </a:lstStyle>
-          <a:p>
-            <a:pPr lvl="0"/>
-            <a:r>
-              <a:rPr lang="en-US"/>
-              <a:t>Edit Master text styles</a:t>
-            </a:r>
-          </a:p>
-        </p:txBody>
-      </p:sp>
-      <p:sp>
-        <p:nvSpPr>
-          <p:cNvPr id="5" name="Date Placeholder 4">
-            <a:extLst>
-              <a:ext uri="{FF2B5EF4-FFF2-40B4-BE49-F238E27FC236}">
-                <a16:creationId xmlns:a16="http://schemas.microsoft.com/office/drawing/2014/main" id="{D0B125E7-FC1E-4111-8E29-520E9E6AFC29}"/>
-              </a:ext>
-            </a:extLst>
-          </p:cNvPr>
+            <a:endParaRPr kumimoji="0" lang="en-US"/>
+          </a:p>
+        </p:txBody>
+      </p:sp>
+      <p:sp>
+        <p:nvSpPr>
+          <p:cNvPr id="5" name="Date Placeholder 4"/>
           <p:cNvSpPr>
             <a:spLocks noGrp="1"/>
           </p:cNvSpPr>
@@ -5683,7 +2206,8 @@
           <a:p>
             <a:fld id="{D2474CCF-98B4-411A-8810-C31E8C29E19B}" type="datetimeFigureOut">
               <a:rPr lang="en-US" smtClean="0"/>
-              <a:t>9/16/2022</a:t>
+              <a:pPr/>
+              <a:t>11/8/2023</a:t>
             </a:fld>
             <a:endParaRPr lang="en-US"/>
           </a:p>
@@ -5691,13 +2215,7 @@
       </p:sp>
       <p:sp>
         <p:nvSpPr>
-          <p:cNvPr id="6" name="Footer Placeholder 5">
-            <a:extLst>
-              <a:ext uri="{FF2B5EF4-FFF2-40B4-BE49-F238E27FC236}">
-                <a16:creationId xmlns:a16="http://schemas.microsoft.com/office/drawing/2014/main" id="{856E390C-8CD6-41DF-B8A7-0EA86E70449B}"/>
-              </a:ext>
-            </a:extLst>
-          </p:cNvPr>
+          <p:cNvPr id="6" name="Footer Placeholder 5"/>
           <p:cNvSpPr>
             <a:spLocks noGrp="1"/>
           </p:cNvSpPr>
@@ -5716,13 +2234,7 @@
       </p:sp>
       <p:sp>
         <p:nvSpPr>
-          <p:cNvPr id="7" name="Slide Number Placeholder 6">
-            <a:extLst>
-              <a:ext uri="{FF2B5EF4-FFF2-40B4-BE49-F238E27FC236}">
-                <a16:creationId xmlns:a16="http://schemas.microsoft.com/office/drawing/2014/main" id="{F24D1209-8122-481B-93F3-CD9D18358AD5}"/>
-              </a:ext>
-            </a:extLst>
-          </p:cNvPr>
+          <p:cNvPr id="7" name="Slide Number Placeholder 6"/>
           <p:cNvSpPr>
             <a:spLocks noGrp="1"/>
           </p:cNvSpPr>
@@ -5737,6 +2249,7 @@
           <a:p>
             <a:fld id="{A1FD0E78-183D-4F7D-A18B-8A4BED7B6988}" type="slidenum">
               <a:rPr lang="en-US" smtClean="0"/>
+              <a:pPr/>
               <a:t>‹#›</a:t>
             </a:fld>
             <a:endParaRPr lang="en-US"/>
@@ -5744,11 +2257,6 @@
         </p:txBody>
       </p:sp>
     </p:spTree>
-    <p:extLst>
-      <p:ext uri="{BB962C8B-B14F-4D97-AF65-F5344CB8AC3E}">
-        <p14:creationId xmlns:p14="http://schemas.microsoft.com/office/powerpoint/2010/main" val="2872829762"/>
-      </p:ext>
-    </p:extLst>
   </p:cSld>
   <p:clrMapOvr>
     <a:masterClrMapping/>
@@ -5757,7 +2265,7 @@
 </file>
 
 <file path=ppt/slideLayouts/slideLayout9.xml><?xml version="1.0" encoding="utf-8"?>
-<p:sldLayout xmlns:a="http://schemas.openxmlformats.org/drawingml/2006/main" xmlns:r="http://schemas.openxmlformats.org/officeDocument/2006/relationships" xmlns:p="http://schemas.openxmlformats.org/presentationml/2006/main" type="picTx" preserve="1">
+<p:sldLayout xmlns:a="http://schemas.openxmlformats.org/drawingml/2006/main" xmlns:r="http://schemas.openxmlformats.org/officeDocument/2006/relationships" xmlns:p="http://schemas.openxmlformats.org/presentationml/2006/main" showMasterSp="0" type="picTx" preserve="1">
   <p:cSld name="Picture with Caption">
     <p:spTree>
       <p:nvGrpSpPr>
@@ -5775,13 +2283,119 @@
       </p:grpSpPr>
       <p:sp>
         <p:nvSpPr>
-          <p:cNvPr id="2" name="Title 1">
-            <a:extLst>
-              <a:ext uri="{FF2B5EF4-FFF2-40B4-BE49-F238E27FC236}">
-                <a16:creationId xmlns:a16="http://schemas.microsoft.com/office/drawing/2014/main" id="{D0421060-B002-4A29-A677-95E1A92CC3EB}"/>
-              </a:ext>
-            </a:extLst>
-          </p:cNvPr>
+          <p:cNvPr id="9" name="Snip and Round Single Corner Rectangle 8"/>
+          <p:cNvSpPr/>
+          <p:nvPr/>
+        </p:nvSpPr>
+        <p:spPr>
+          <a:xfrm rot="420000" flipV="1">
+            <a:off x="4221004" y="1108077"/>
+            <a:ext cx="7010400" cy="4114800"/>
+          </a:xfrm>
+          <a:prstGeom prst="snipRoundRect">
+            <a:avLst>
+              <a:gd name="adj1" fmla="val 0"/>
+              <a:gd name="adj2" fmla="val 3646"/>
+            </a:avLst>
+          </a:prstGeom>
+          <a:solidFill>
+            <a:srgbClr val="FFFFFF"/>
+          </a:solidFill>
+          <a:ln w="3175" cap="rnd" cmpd="sng" algn="ctr">
+            <a:solidFill>
+              <a:srgbClr val="C0C0C0"/>
+            </a:solidFill>
+            <a:prstDash val="solid"/>
+          </a:ln>
+          <a:effectLst>
+            <a:outerShdw blurRad="63500" dist="38500" dir="7500000" sx="98500" sy="100080" kx="100000" algn="tl" rotWithShape="0">
+              <a:srgbClr val="000000">
+                <a:alpha val="25000"/>
+              </a:srgbClr>
+            </a:outerShdw>
+          </a:effectLst>
+        </p:spPr>
+        <p:style>
+          <a:lnRef idx="2">
+            <a:schemeClr val="accent1"/>
+          </a:lnRef>
+          <a:fillRef idx="1">
+            <a:schemeClr val="accent1"/>
+          </a:fillRef>
+          <a:effectRef idx="0">
+            <a:schemeClr val="accent1"/>
+          </a:effectRef>
+          <a:fontRef idx="minor">
+            <a:schemeClr val="lt1"/>
+          </a:fontRef>
+        </p:style>
+        <p:txBody>
+          <a:bodyPr rtlCol="0" anchor="ctr"/>
+          <a:lstStyle/>
+          <a:p>
+            <a:pPr algn="ctr" eaLnBrk="1" latinLnBrk="0" hangingPunct="1"/>
+            <a:endParaRPr kumimoji="0" lang="en-US"/>
+          </a:p>
+        </p:txBody>
+      </p:sp>
+      <p:sp>
+        <p:nvSpPr>
+          <p:cNvPr id="12" name="Right Triangle 11"/>
+          <p:cNvSpPr/>
+          <p:nvPr/>
+        </p:nvSpPr>
+        <p:spPr>
+          <a:xfrm rot="420000" flipV="1">
+            <a:off x="10672179" y="5359769"/>
+            <a:ext cx="207264" cy="155448"/>
+          </a:xfrm>
+          <a:prstGeom prst="rtTriangle">
+            <a:avLst/>
+          </a:prstGeom>
+          <a:solidFill>
+            <a:srgbClr val="FFFFFF"/>
+          </a:solidFill>
+          <a:ln w="12700" cap="flat" cmpd="sng" algn="ctr">
+            <a:solidFill>
+              <a:srgbClr val="FFFFFF"/>
+            </a:solidFill>
+            <a:prstDash val="solid"/>
+            <a:bevel/>
+          </a:ln>
+          <a:effectLst>
+            <a:outerShdw blurRad="19685" dist="6350" dir="12900000" algn="tl" rotWithShape="0">
+              <a:srgbClr val="000000">
+                <a:alpha val="47000"/>
+              </a:srgbClr>
+            </a:outerShdw>
+          </a:effectLst>
+        </p:spPr>
+        <p:style>
+          <a:lnRef idx="2">
+            <a:schemeClr val="accent1"/>
+          </a:lnRef>
+          <a:fillRef idx="1">
+            <a:schemeClr val="accent1"/>
+          </a:fillRef>
+          <a:effectRef idx="0">
+            <a:schemeClr val="accent1"/>
+          </a:effectRef>
+          <a:fontRef idx="minor">
+            <a:schemeClr val="lt1"/>
+          </a:fontRef>
+        </p:style>
+        <p:txBody>
+          <a:bodyPr rtlCol="0" anchor="ctr"/>
+          <a:lstStyle/>
+          <a:p>
+            <a:pPr algn="ctr" eaLnBrk="1" latinLnBrk="0" hangingPunct="1"/>
+            <a:endParaRPr kumimoji="0" lang="en-US"/>
+          </a:p>
+        </p:txBody>
+      </p:sp>
+      <p:sp>
+        <p:nvSpPr>
+          <p:cNvPr id="2" name="Title 1"/>
           <p:cNvSpPr>
             <a:spLocks noGrp="1"/>
           </p:cNvSpPr>
@@ -5791,34 +2405,155 @@
         </p:nvSpPr>
         <p:spPr>
           <a:xfrm>
-            <a:off x="839788" y="457200"/>
-            <a:ext cx="3932237" cy="1600200"/>
+            <a:off x="812800" y="1176997"/>
+            <a:ext cx="2950464" cy="1582621"/>
           </a:xfrm>
         </p:spPr>
         <p:txBody>
-          <a:bodyPr anchor="b"/>
+          <a:bodyPr vert="horz" lIns="45720" tIns="45720" rIns="45720" bIns="45720" anchor="b"/>
           <a:lstStyle>
-            <a:lvl1pPr>
-              <a:defRPr sz="3200"/>
+            <a:lvl1pPr algn="l">
+              <a:buNone/>
+              <a:defRPr sz="2000" b="1">
+                <a:solidFill>
+                  <a:schemeClr val="tx2"/>
+                </a:solidFill>
+              </a:defRPr>
             </a:lvl1pPr>
           </a:lstStyle>
           <a:p>
             <a:r>
-              <a:rPr lang="en-US"/>
+              <a:rPr kumimoji="0" lang="en-US" smtClean="0"/>
               <a:t>Click to edit Master title style</a:t>
             </a:r>
-          </a:p>
-        </p:txBody>
-      </p:sp>
-      <p:sp>
-        <p:nvSpPr>
-          <p:cNvPr id="3" name="Picture Placeholder 2">
-            <a:extLst>
-              <a:ext uri="{FF2B5EF4-FFF2-40B4-BE49-F238E27FC236}">
-                <a16:creationId xmlns:a16="http://schemas.microsoft.com/office/drawing/2014/main" id="{4DA23B8C-6470-4EFE-BA18-C7C748C1CA29}"/>
-              </a:ext>
-            </a:extLst>
-          </p:cNvPr>
+            <a:endParaRPr kumimoji="0" lang="en-US"/>
+          </a:p>
+        </p:txBody>
+      </p:sp>
+      <p:sp>
+        <p:nvSpPr>
+          <p:cNvPr id="4" name="Text Placeholder 3"/>
+          <p:cNvSpPr>
+            <a:spLocks noGrp="1"/>
+          </p:cNvSpPr>
+          <p:nvPr>
+            <p:ph type="body" sz="half" idx="2"/>
+          </p:nvPr>
+        </p:nvSpPr>
+        <p:spPr>
+          <a:xfrm>
+            <a:off x="812800" y="2828785"/>
+            <a:ext cx="2946400" cy="2179320"/>
+          </a:xfrm>
+        </p:spPr>
+        <p:txBody>
+          <a:bodyPr lIns="64008" rIns="45720" bIns="45720" anchor="t"/>
+          <a:lstStyle>
+            <a:lvl1pPr marL="0" indent="0" algn="l">
+              <a:spcBef>
+                <a:spcPts val="250"/>
+              </a:spcBef>
+              <a:buFontTx/>
+              <a:buNone/>
+              <a:defRPr sz="1300"/>
+            </a:lvl1pPr>
+            <a:lvl2pPr>
+              <a:defRPr sz="1200"/>
+            </a:lvl2pPr>
+            <a:lvl3pPr>
+              <a:defRPr sz="1000"/>
+            </a:lvl3pPr>
+            <a:lvl4pPr>
+              <a:defRPr sz="900"/>
+            </a:lvl4pPr>
+            <a:lvl5pPr>
+              <a:defRPr sz="900"/>
+            </a:lvl5pPr>
+          </a:lstStyle>
+          <a:p>
+            <a:pPr lvl="0" eaLnBrk="1" latinLnBrk="0" hangingPunct="1"/>
+            <a:r>
+              <a:rPr kumimoji="0" lang="en-US" smtClean="0"/>
+              <a:t>Click to edit Master text styles</a:t>
+            </a:r>
+          </a:p>
+        </p:txBody>
+      </p:sp>
+      <p:sp>
+        <p:nvSpPr>
+          <p:cNvPr id="5" name="Date Placeholder 4"/>
+          <p:cNvSpPr>
+            <a:spLocks noGrp="1"/>
+          </p:cNvSpPr>
+          <p:nvPr>
+            <p:ph type="dt" sz="half" idx="10"/>
+          </p:nvPr>
+        </p:nvSpPr>
+        <p:spPr/>
+        <p:txBody>
+          <a:bodyPr/>
+          <a:lstStyle/>
+          <a:p>
+            <a:fld id="{D2474CCF-98B4-411A-8810-C31E8C29E19B}" type="datetimeFigureOut">
+              <a:rPr lang="en-US" smtClean="0"/>
+              <a:pPr/>
+              <a:t>11/8/2023</a:t>
+            </a:fld>
+            <a:endParaRPr lang="en-US"/>
+          </a:p>
+        </p:txBody>
+      </p:sp>
+      <p:sp>
+        <p:nvSpPr>
+          <p:cNvPr id="6" name="Footer Placeholder 5"/>
+          <p:cNvSpPr>
+            <a:spLocks noGrp="1"/>
+          </p:cNvSpPr>
+          <p:nvPr>
+            <p:ph type="ftr" sz="quarter" idx="11"/>
+          </p:nvPr>
+        </p:nvSpPr>
+        <p:spPr/>
+        <p:txBody>
+          <a:bodyPr/>
+          <a:lstStyle/>
+          <a:p>
+            <a:endParaRPr lang="en-US"/>
+          </a:p>
+        </p:txBody>
+      </p:sp>
+      <p:sp>
+        <p:nvSpPr>
+          <p:cNvPr id="7" name="Slide Number Placeholder 6"/>
+          <p:cNvSpPr>
+            <a:spLocks noGrp="1"/>
+          </p:cNvSpPr>
+          <p:nvPr>
+            <p:ph type="sldNum" sz="quarter" idx="12"/>
+          </p:nvPr>
+        </p:nvSpPr>
+        <p:spPr>
+          <a:xfrm>
+            <a:off x="10769600" y="6356351"/>
+            <a:ext cx="812800" cy="365125"/>
+          </a:xfrm>
+        </p:spPr>
+        <p:txBody>
+          <a:bodyPr/>
+          <a:lstStyle/>
+          <a:p>
+            <a:fld id="{A1FD0E78-183D-4F7D-A18B-8A4BED7B6988}" type="slidenum">
+              <a:rPr lang="en-US" smtClean="0"/>
+              <a:pPr/>
+              <a:t>‹#›</a:t>
+            </a:fld>
+            <a:endParaRPr lang="en-US"/>
+          </a:p>
+        </p:txBody>
+      </p:sp>
+      <p:sp>
+        <p:nvSpPr>
+          <p:cNvPr id="3" name="Picture Placeholder 2"/>
           <p:cNvSpPr>
             <a:spLocks noGrp="1"/>
           </p:cNvSpPr>
@@ -5827,10 +2562,23 @@
           </p:nvPr>
         </p:nvSpPr>
         <p:spPr>
-          <a:xfrm>
-            <a:off x="5183188" y="987425"/>
-            <a:ext cx="6172200" cy="4873625"/>
+          <a:xfrm rot="420000">
+            <a:off x="4647724" y="1199517"/>
+            <a:ext cx="6156960" cy="3931920"/>
           </a:xfrm>
+          <a:prstGeom prst="rect">
+            <a:avLst/>
+          </a:prstGeom>
+          <a:solidFill>
+            <a:schemeClr val="bg2"/>
+          </a:solidFill>
+          <a:ln w="3000" cap="rnd">
+            <a:solidFill>
+              <a:srgbClr val="C0C0C0"/>
+            </a:solidFill>
+            <a:round/>
+          </a:ln>
+          <a:effectLst/>
         </p:spPr>
         <p:txBody>
           <a:bodyPr/>
@@ -5839,207 +2587,273 @@
               <a:buNone/>
               <a:defRPr sz="3200"/>
             </a:lvl1pPr>
-            <a:lvl2pPr marL="457200" indent="0">
-              <a:buNone/>
-              <a:defRPr sz="2800"/>
-            </a:lvl2pPr>
-            <a:lvl3pPr marL="914400" indent="0">
-              <a:buNone/>
-              <a:defRPr sz="2400"/>
-            </a:lvl3pPr>
-            <a:lvl4pPr marL="1371600" indent="0">
-              <a:buNone/>
-              <a:defRPr sz="2000"/>
-            </a:lvl4pPr>
-            <a:lvl5pPr marL="1828800" indent="0">
-              <a:buNone/>
-              <a:defRPr sz="2000"/>
-            </a:lvl5pPr>
-            <a:lvl6pPr marL="2286000" indent="0">
-              <a:buNone/>
-              <a:defRPr sz="2000"/>
-            </a:lvl6pPr>
-            <a:lvl7pPr marL="2743200" indent="0">
-              <a:buNone/>
-              <a:defRPr sz="2000"/>
-            </a:lvl7pPr>
-            <a:lvl8pPr marL="3200400" indent="0">
-              <a:buNone/>
-              <a:defRPr sz="2000"/>
-            </a:lvl8pPr>
-            <a:lvl9pPr marL="3657600" indent="0">
-              <a:buNone/>
-              <a:defRPr sz="2000"/>
-            </a:lvl9pPr>
           </a:lstStyle>
           <a:p>
             <a:r>
-              <a:rPr lang="en-US"/>
+              <a:rPr kumimoji="0" lang="en-US" smtClean="0"/>
               <a:t>Click icon to add picture</a:t>
             </a:r>
-          </a:p>
-        </p:txBody>
-      </p:sp>
-      <p:sp>
-        <p:nvSpPr>
-          <p:cNvPr id="4" name="Text Placeholder 3">
-            <a:extLst>
-              <a:ext uri="{FF2B5EF4-FFF2-40B4-BE49-F238E27FC236}">
-                <a16:creationId xmlns:a16="http://schemas.microsoft.com/office/drawing/2014/main" id="{0C14D961-FD3B-461E-A88E-64AC4821E64F}"/>
-              </a:ext>
-            </a:extLst>
-          </p:cNvPr>
+            <a:endParaRPr kumimoji="0" lang="en-US" dirty="0"/>
+          </a:p>
+        </p:txBody>
+      </p:sp>
+      <p:sp>
+        <p:nvSpPr>
+          <p:cNvPr id="10" name="Freeform 9"/>
           <p:cNvSpPr>
-            <a:spLocks noGrp="1"/>
+            <a:spLocks/>
           </p:cNvSpPr>
-          <p:nvPr>
-            <p:ph type="body" sz="half" idx="2"/>
-          </p:nvPr>
-        </p:nvSpPr>
-        <p:spPr>
-          <a:xfrm>
-            <a:off x="839788" y="2057400"/>
-            <a:ext cx="3932237" cy="3811588"/>
+          <p:nvPr/>
+        </p:nvSpPr>
+        <p:spPr bwMode="auto">
+          <a:xfrm flipV="1">
+            <a:off x="-12700" y="5816600"/>
+            <a:ext cx="12217400" cy="1041400"/>
           </a:xfrm>
+          <a:custGeom>
+            <a:avLst>
+              <a:gd name="A1" fmla="val 0"/>
+              <a:gd name="A2" fmla="val 0"/>
+              <a:gd name="A3" fmla="val 0"/>
+              <a:gd name="A4" fmla="val 0"/>
+              <a:gd name="A5" fmla="val 0"/>
+              <a:gd name="A6" fmla="val 0"/>
+              <a:gd name="A7" fmla="val 0"/>
+              <a:gd name="A8" fmla="val 0"/>
+            </a:avLst>
+            <a:gdLst/>
+            <a:ahLst/>
+            <a:cxnLst>
+              <a:cxn ang="0">
+                <a:pos x="6" y="2"/>
+              </a:cxn>
+              <a:cxn ang="0">
+                <a:pos x="2542" y="0"/>
+              </a:cxn>
+              <a:cxn ang="0">
+                <a:pos x="4374" y="367"/>
+              </a:cxn>
+              <a:cxn ang="0">
+                <a:pos x="5766" y="55"/>
+              </a:cxn>
+              <a:cxn ang="0">
+                <a:pos x="5772" y="213"/>
+              </a:cxn>
+              <a:cxn ang="0">
+                <a:pos x="4302" y="439"/>
+              </a:cxn>
+              <a:cxn ang="0">
+                <a:pos x="1488" y="201"/>
+              </a:cxn>
+              <a:cxn ang="0">
+                <a:pos x="0" y="656"/>
+              </a:cxn>
+              <a:cxn ang="0">
+                <a:pos x="6" y="2"/>
+              </a:cxn>
+            </a:cxnLst>
+            <a:rect l="0" t="0" r="0" b="0"/>
+            <a:pathLst>
+              <a:path w="5772" h="656">
+                <a:moveTo>
+                  <a:pt x="6" y="2"/>
+                </a:moveTo>
+                <a:lnTo>
+                  <a:pt x="2542" y="0"/>
+                </a:lnTo>
+                <a:cubicBezTo>
+                  <a:pt x="2746" y="101"/>
+                  <a:pt x="3828" y="367"/>
+                  <a:pt x="4374" y="367"/>
+                </a:cubicBezTo>
+                <a:cubicBezTo>
+                  <a:pt x="4920" y="367"/>
+                  <a:pt x="5526" y="152"/>
+                  <a:pt x="5766" y="55"/>
+                </a:cubicBezTo>
+                <a:lnTo>
+                  <a:pt x="5772" y="213"/>
+                </a:lnTo>
+                <a:cubicBezTo>
+                  <a:pt x="5670" y="257"/>
+                  <a:pt x="5016" y="441"/>
+                  <a:pt x="4302" y="439"/>
+                </a:cubicBezTo>
+                <a:cubicBezTo>
+                  <a:pt x="3588" y="437"/>
+                  <a:pt x="2205" y="165"/>
+                  <a:pt x="1488" y="201"/>
+                </a:cubicBezTo>
+                <a:cubicBezTo>
+                  <a:pt x="750" y="209"/>
+                  <a:pt x="270" y="482"/>
+                  <a:pt x="0" y="656"/>
+                </a:cubicBezTo>
+                <a:lnTo>
+                  <a:pt x="6" y="2"/>
+                </a:lnTo>
+                <a:close/>
+              </a:path>
+            </a:pathLst>
+          </a:custGeom>
+          <a:gradFill>
+            <a:gsLst>
+              <a:gs pos="0">
+                <a:schemeClr val="accent2">
+                  <a:shade val="50000"/>
+                  <a:alpha val="45000"/>
+                  <a:satMod val="120000"/>
+                </a:schemeClr>
+              </a:gs>
+              <a:gs pos="100000">
+                <a:schemeClr val="accent3">
+                  <a:shade val="80000"/>
+                  <a:alpha val="55000"/>
+                  <a:satMod val="155000"/>
+                </a:schemeClr>
+              </a:gs>
+            </a:gsLst>
+            <a:lin ang="5400000" scaled="1"/>
+          </a:gradFill>
+          <a:ln w="9525" cap="flat" cmpd="sng" algn="ctr">
+            <a:noFill/>
+            <a:prstDash val="solid"/>
+            <a:round/>
+            <a:headEnd type="none" w="med" len="med"/>
+            <a:tailEnd type="none" w="med" len="med"/>
+          </a:ln>
+          <a:effectLst/>
         </p:spPr>
         <p:txBody>
-          <a:bodyPr/>
-          <a:lstStyle>
-            <a:lvl1pPr marL="0" indent="0">
-              <a:buNone/>
-              <a:defRPr sz="1600"/>
-            </a:lvl1pPr>
-            <a:lvl2pPr marL="457200" indent="0">
-              <a:buNone/>
-              <a:defRPr sz="1400"/>
-            </a:lvl2pPr>
-            <a:lvl3pPr marL="914400" indent="0">
-              <a:buNone/>
-              <a:defRPr sz="1200"/>
-            </a:lvl3pPr>
-            <a:lvl4pPr marL="1371600" indent="0">
-              <a:buNone/>
-              <a:defRPr sz="1000"/>
-            </a:lvl4pPr>
-            <a:lvl5pPr marL="1828800" indent="0">
-              <a:buNone/>
-              <a:defRPr sz="1000"/>
-            </a:lvl5pPr>
-            <a:lvl6pPr marL="2286000" indent="0">
-              <a:buNone/>
-              <a:defRPr sz="1000"/>
-            </a:lvl6pPr>
-            <a:lvl7pPr marL="2743200" indent="0">
-              <a:buNone/>
-              <a:defRPr sz="1000"/>
-            </a:lvl7pPr>
-            <a:lvl8pPr marL="3200400" indent="0">
-              <a:buNone/>
-              <a:defRPr sz="1000"/>
-            </a:lvl8pPr>
-            <a:lvl9pPr marL="3657600" indent="0">
-              <a:buNone/>
-              <a:defRPr sz="1000"/>
-            </a:lvl9pPr>
-          </a:lstStyle>
-          <a:p>
-            <a:pPr lvl="0"/>
-            <a:r>
-              <a:rPr lang="en-US"/>
-              <a:t>Edit Master text styles</a:t>
-            </a:r>
-          </a:p>
-        </p:txBody>
-      </p:sp>
-      <p:sp>
-        <p:nvSpPr>
-          <p:cNvPr id="5" name="Date Placeholder 4">
-            <a:extLst>
-              <a:ext uri="{FF2B5EF4-FFF2-40B4-BE49-F238E27FC236}">
-                <a16:creationId xmlns:a16="http://schemas.microsoft.com/office/drawing/2014/main" id="{C64AF84C-0554-4D2A-95E2-84C361AAEDFA}"/>
-              </a:ext>
-            </a:extLst>
-          </p:cNvPr>
+          <a:bodyPr vert="horz" wrap="square" lIns="91440" tIns="45720" rIns="91440" bIns="45720" anchor="t" compatLnSpc="1"/>
+          <a:lstStyle/>
+          <a:p>
+            <a:pPr marL="0" algn="l" rtl="0" eaLnBrk="1" latinLnBrk="0" hangingPunct="1"/>
+            <a:endParaRPr kumimoji="0" lang="en-US">
+              <a:solidFill>
+                <a:schemeClr val="tx1"/>
+              </a:solidFill>
+              <a:latin typeface="+mn-lt"/>
+              <a:ea typeface="+mn-ea"/>
+              <a:cs typeface="+mn-cs"/>
+            </a:endParaRPr>
+          </a:p>
+        </p:txBody>
+      </p:sp>
+      <p:sp>
+        <p:nvSpPr>
+          <p:cNvPr id="11" name="Freeform 10"/>
           <p:cNvSpPr>
-            <a:spLocks noGrp="1"/>
+            <a:spLocks/>
           </p:cNvSpPr>
-          <p:nvPr>
-            <p:ph type="dt" sz="half" idx="10"/>
-          </p:nvPr>
-        </p:nvSpPr>
-        <p:spPr/>
-        <p:txBody>
-          <a:bodyPr/>
+          <p:nvPr/>
+        </p:nvSpPr>
+        <p:spPr bwMode="auto">
+          <a:xfrm flipV="1">
+            <a:off x="5842000" y="6219826"/>
+            <a:ext cx="6350000" cy="638175"/>
+          </a:xfrm>
+          <a:custGeom>
+            <a:avLst>
+              <a:gd name="A1" fmla="val 0"/>
+              <a:gd name="A2" fmla="val 0"/>
+              <a:gd name="A3" fmla="val 0"/>
+              <a:gd name="A4" fmla="val 0"/>
+              <a:gd name="A5" fmla="val 0"/>
+              <a:gd name="A6" fmla="val 0"/>
+              <a:gd name="A7" fmla="val 0"/>
+              <a:gd name="A8" fmla="val 0"/>
+            </a:avLst>
+            <a:gdLst/>
+            <a:ahLst/>
+            <a:cxnLst>
+              <a:cxn ang="0">
+                <a:pos x="0" y="0"/>
+              </a:cxn>
+              <a:cxn ang="0">
+                <a:pos x="1668" y="564"/>
+              </a:cxn>
+              <a:cxn ang="0">
+                <a:pos x="3000" y="186"/>
+              </a:cxn>
+              <a:cxn ang="0">
+                <a:pos x="3000" y="6"/>
+              </a:cxn>
+              <a:cxn ang="0">
+                <a:pos x="0" y="0"/>
+              </a:cxn>
+            </a:cxnLst>
+            <a:rect l="0" t="0" r="0" b="0"/>
+            <a:pathLst>
+              <a:path w="3000" h="595">
+                <a:moveTo>
+                  <a:pt x="0" y="0"/>
+                </a:moveTo>
+                <a:cubicBezTo>
+                  <a:pt x="174" y="102"/>
+                  <a:pt x="1168" y="533"/>
+                  <a:pt x="1668" y="564"/>
+                </a:cubicBezTo>
+                <a:cubicBezTo>
+                  <a:pt x="2168" y="595"/>
+                  <a:pt x="2778" y="279"/>
+                  <a:pt x="3000" y="186"/>
+                </a:cubicBezTo>
+                <a:lnTo>
+                  <a:pt x="3000" y="6"/>
+                </a:lnTo>
+                <a:lnTo>
+                  <a:pt x="0" y="0"/>
+                </a:lnTo>
+                <a:close/>
+              </a:path>
+            </a:pathLst>
+          </a:custGeom>
+          <a:gradFill>
+            <a:gsLst>
+              <a:gs pos="0">
+                <a:schemeClr val="accent3">
+                  <a:shade val="50000"/>
+                  <a:alpha val="30000"/>
+                  <a:satMod val="130000"/>
+                </a:schemeClr>
+              </a:gs>
+              <a:gs pos="80000">
+                <a:schemeClr val="accent2">
+                  <a:shade val="75000"/>
+                  <a:alpha val="45000"/>
+                  <a:satMod val="140000"/>
+                </a:schemeClr>
+              </a:gs>
+            </a:gsLst>
+            <a:lin ang="5400000" scaled="1"/>
+          </a:gradFill>
+          <a:ln w="9525" cap="flat" cmpd="sng" algn="ctr">
+            <a:noFill/>
+            <a:prstDash val="solid"/>
+            <a:round/>
+            <a:headEnd type="none" w="med" len="med"/>
+            <a:tailEnd type="none" w="med" len="med"/>
+          </a:ln>
+          <a:effectLst/>
+        </p:spPr>
+        <p:txBody>
+          <a:bodyPr vert="horz" wrap="square" lIns="91440" tIns="45720" rIns="91440" bIns="45720" anchor="t" compatLnSpc="1"/>
           <a:lstStyle/>
           <a:p>
-            <a:fld id="{D2474CCF-98B4-411A-8810-C31E8C29E19B}" type="datetimeFigureOut">
-              <a:rPr lang="en-US" smtClean="0"/>
-              <a:t>9/16/2022</a:t>
-            </a:fld>
-            <a:endParaRPr lang="en-US"/>
-          </a:p>
-        </p:txBody>
-      </p:sp>
-      <p:sp>
-        <p:nvSpPr>
-          <p:cNvPr id="6" name="Footer Placeholder 5">
-            <a:extLst>
-              <a:ext uri="{FF2B5EF4-FFF2-40B4-BE49-F238E27FC236}">
-                <a16:creationId xmlns:a16="http://schemas.microsoft.com/office/drawing/2014/main" id="{682BC5B5-70F3-4D7C-9421-4846A194AF84}"/>
-              </a:ext>
-            </a:extLst>
-          </p:cNvPr>
-          <p:cNvSpPr>
-            <a:spLocks noGrp="1"/>
-          </p:cNvSpPr>
-          <p:nvPr>
-            <p:ph type="ftr" sz="quarter" idx="11"/>
-          </p:nvPr>
-        </p:nvSpPr>
-        <p:spPr/>
-        <p:txBody>
-          <a:bodyPr/>
-          <a:lstStyle/>
-          <a:p>
-            <a:endParaRPr lang="en-US"/>
-          </a:p>
-        </p:txBody>
-      </p:sp>
-      <p:sp>
-        <p:nvSpPr>
-          <p:cNvPr id="7" name="Slide Number Placeholder 6">
-            <a:extLst>
-              <a:ext uri="{FF2B5EF4-FFF2-40B4-BE49-F238E27FC236}">
-                <a16:creationId xmlns:a16="http://schemas.microsoft.com/office/drawing/2014/main" id="{040C9E27-8F16-42E6-B25A-6357B56B30CB}"/>
-              </a:ext>
-            </a:extLst>
-          </p:cNvPr>
-          <p:cNvSpPr>
-            <a:spLocks noGrp="1"/>
-          </p:cNvSpPr>
-          <p:nvPr>
-            <p:ph type="sldNum" sz="quarter" idx="12"/>
-          </p:nvPr>
-        </p:nvSpPr>
-        <p:spPr/>
-        <p:txBody>
-          <a:bodyPr/>
-          <a:lstStyle/>
-          <a:p>
-            <a:fld id="{A1FD0E78-183D-4F7D-A18B-8A4BED7B6988}" type="slidenum">
-              <a:rPr lang="en-US" smtClean="0"/>
-              <a:t>‹#›</a:t>
-            </a:fld>
-            <a:endParaRPr lang="en-US"/>
+            <a:pPr marL="0" algn="l" rtl="0" eaLnBrk="1" latinLnBrk="0" hangingPunct="1"/>
+            <a:endParaRPr kumimoji="0" lang="en-US">
+              <a:solidFill>
+                <a:schemeClr val="tx1"/>
+              </a:solidFill>
+              <a:latin typeface="+mn-lt"/>
+              <a:ea typeface="+mn-ea"/>
+              <a:cs typeface="+mn-cs"/>
+            </a:endParaRPr>
           </a:p>
         </p:txBody>
       </p:sp>
     </p:spTree>
-    <p:extLst>
-      <p:ext uri="{BB962C8B-B14F-4D97-AF65-F5344CB8AC3E}">
-        <p14:creationId xmlns:p14="http://schemas.microsoft.com/office/powerpoint/2010/main" val="3978059408"/>
-      </p:ext>
-    </p:extLst>
   </p:cSld>
   <p:clrMapOvr>
     <a:masterClrMapping/>
@@ -6051,7 +2865,7 @@
 <p:sldMaster xmlns:a="http://schemas.openxmlformats.org/drawingml/2006/main" xmlns:r="http://schemas.openxmlformats.org/officeDocument/2006/relationships" xmlns:p="http://schemas.openxmlformats.org/presentationml/2006/main">
   <p:cSld>
     <p:bg>
-      <p:bgRef idx="1001">
+      <p:bgRef idx="1003">
         <a:schemeClr val="bg1"/>
       </p:bgRef>
     </p:bg>
@@ -6071,13 +2885,263 @@
       </p:grpSpPr>
       <p:sp>
         <p:nvSpPr>
-          <p:cNvPr id="2" name="Title Placeholder 1">
-            <a:extLst>
-              <a:ext uri="{FF2B5EF4-FFF2-40B4-BE49-F238E27FC236}">
-                <a16:creationId xmlns:a16="http://schemas.microsoft.com/office/drawing/2014/main" id="{5672EF02-B3FB-409B-B71D-7DB59224D03E}"/>
-              </a:ext>
-            </a:extLst>
-          </p:cNvPr>
+          <p:cNvPr id="7" name="Freeform 6"/>
+          <p:cNvSpPr>
+            <a:spLocks/>
+          </p:cNvSpPr>
+          <p:nvPr/>
+        </p:nvSpPr>
+        <p:spPr bwMode="auto">
+          <a:xfrm>
+            <a:off x="-12700" y="-7144"/>
+            <a:ext cx="12217400" cy="1041400"/>
+          </a:xfrm>
+          <a:custGeom>
+            <a:avLst>
+              <a:gd name="A1" fmla="val 0"/>
+              <a:gd name="A2" fmla="val 0"/>
+              <a:gd name="A3" fmla="val 0"/>
+              <a:gd name="A4" fmla="val 0"/>
+              <a:gd name="A5" fmla="val 0"/>
+              <a:gd name="A6" fmla="val 0"/>
+              <a:gd name="A7" fmla="val 0"/>
+              <a:gd name="A8" fmla="val 0"/>
+            </a:avLst>
+            <a:gdLst/>
+            <a:ahLst/>
+            <a:cxnLst>
+              <a:cxn ang="0">
+                <a:pos x="6" y="2"/>
+              </a:cxn>
+              <a:cxn ang="0">
+                <a:pos x="2542" y="0"/>
+              </a:cxn>
+              <a:cxn ang="0">
+                <a:pos x="4374" y="367"/>
+              </a:cxn>
+              <a:cxn ang="0">
+                <a:pos x="5766" y="55"/>
+              </a:cxn>
+              <a:cxn ang="0">
+                <a:pos x="5772" y="213"/>
+              </a:cxn>
+              <a:cxn ang="0">
+                <a:pos x="4302" y="439"/>
+              </a:cxn>
+              <a:cxn ang="0">
+                <a:pos x="1488" y="201"/>
+              </a:cxn>
+              <a:cxn ang="0">
+                <a:pos x="0" y="656"/>
+              </a:cxn>
+              <a:cxn ang="0">
+                <a:pos x="6" y="2"/>
+              </a:cxn>
+            </a:cxnLst>
+            <a:rect l="0" t="0" r="0" b="0"/>
+            <a:pathLst>
+              <a:path w="5772" h="656">
+                <a:moveTo>
+                  <a:pt x="6" y="2"/>
+                </a:moveTo>
+                <a:lnTo>
+                  <a:pt x="2542" y="0"/>
+                </a:lnTo>
+                <a:cubicBezTo>
+                  <a:pt x="2746" y="101"/>
+                  <a:pt x="3828" y="367"/>
+                  <a:pt x="4374" y="367"/>
+                </a:cubicBezTo>
+                <a:cubicBezTo>
+                  <a:pt x="4920" y="367"/>
+                  <a:pt x="5526" y="152"/>
+                  <a:pt x="5766" y="55"/>
+                </a:cubicBezTo>
+                <a:lnTo>
+                  <a:pt x="5772" y="213"/>
+                </a:lnTo>
+                <a:cubicBezTo>
+                  <a:pt x="5670" y="257"/>
+                  <a:pt x="5016" y="441"/>
+                  <a:pt x="4302" y="439"/>
+                </a:cubicBezTo>
+                <a:cubicBezTo>
+                  <a:pt x="3588" y="437"/>
+                  <a:pt x="2205" y="165"/>
+                  <a:pt x="1488" y="201"/>
+                </a:cubicBezTo>
+                <a:cubicBezTo>
+                  <a:pt x="750" y="209"/>
+                  <a:pt x="270" y="482"/>
+                  <a:pt x="0" y="656"/>
+                </a:cubicBezTo>
+                <a:lnTo>
+                  <a:pt x="6" y="2"/>
+                </a:lnTo>
+                <a:close/>
+              </a:path>
+            </a:pathLst>
+          </a:custGeom>
+          <a:gradFill>
+            <a:gsLst>
+              <a:gs pos="0">
+                <a:schemeClr val="accent2">
+                  <a:shade val="50000"/>
+                  <a:alpha val="45000"/>
+                  <a:satMod val="120000"/>
+                </a:schemeClr>
+              </a:gs>
+              <a:gs pos="100000">
+                <a:schemeClr val="accent3">
+                  <a:shade val="80000"/>
+                  <a:alpha val="55000"/>
+                  <a:satMod val="155000"/>
+                </a:schemeClr>
+              </a:gs>
+            </a:gsLst>
+            <a:lin ang="5400000" scaled="1"/>
+          </a:gradFill>
+          <a:ln w="9525" cap="flat" cmpd="sng" algn="ctr">
+            <a:noFill/>
+            <a:prstDash val="solid"/>
+            <a:round/>
+            <a:headEnd type="none" w="med" len="med"/>
+            <a:tailEnd type="none" w="med" len="med"/>
+          </a:ln>
+          <a:effectLst/>
+        </p:spPr>
+        <p:txBody>
+          <a:bodyPr vert="horz" wrap="square" lIns="91440" tIns="45720" rIns="91440" bIns="45720" anchor="t" compatLnSpc="1"/>
+          <a:lstStyle/>
+          <a:p>
+            <a:pPr marL="0" algn="l" rtl="0" eaLnBrk="1" latinLnBrk="0" hangingPunct="1"/>
+            <a:endParaRPr kumimoji="0" lang="en-US">
+              <a:solidFill>
+                <a:schemeClr val="tx1"/>
+              </a:solidFill>
+              <a:latin typeface="+mn-lt"/>
+              <a:ea typeface="+mn-ea"/>
+              <a:cs typeface="+mn-cs"/>
+            </a:endParaRPr>
+          </a:p>
+        </p:txBody>
+      </p:sp>
+      <p:sp>
+        <p:nvSpPr>
+          <p:cNvPr id="8" name="Freeform 7"/>
+          <p:cNvSpPr>
+            <a:spLocks/>
+          </p:cNvSpPr>
+          <p:nvPr/>
+        </p:nvSpPr>
+        <p:spPr bwMode="auto">
+          <a:xfrm>
+            <a:off x="5842000" y="-7144"/>
+            <a:ext cx="6350000" cy="638175"/>
+          </a:xfrm>
+          <a:custGeom>
+            <a:avLst>
+              <a:gd name="A1" fmla="val 0"/>
+              <a:gd name="A2" fmla="val 0"/>
+              <a:gd name="A3" fmla="val 0"/>
+              <a:gd name="A4" fmla="val 0"/>
+              <a:gd name="A5" fmla="val 0"/>
+              <a:gd name="A6" fmla="val 0"/>
+              <a:gd name="A7" fmla="val 0"/>
+              <a:gd name="A8" fmla="val 0"/>
+            </a:avLst>
+            <a:gdLst/>
+            <a:ahLst/>
+            <a:cxnLst>
+              <a:cxn ang="0">
+                <a:pos x="0" y="0"/>
+              </a:cxn>
+              <a:cxn ang="0">
+                <a:pos x="1668" y="564"/>
+              </a:cxn>
+              <a:cxn ang="0">
+                <a:pos x="3000" y="186"/>
+              </a:cxn>
+              <a:cxn ang="0">
+                <a:pos x="3000" y="6"/>
+              </a:cxn>
+              <a:cxn ang="0">
+                <a:pos x="0" y="0"/>
+              </a:cxn>
+            </a:cxnLst>
+            <a:rect l="0" t="0" r="0" b="0"/>
+            <a:pathLst>
+              <a:path w="3000" h="595">
+                <a:moveTo>
+                  <a:pt x="0" y="0"/>
+                </a:moveTo>
+                <a:cubicBezTo>
+                  <a:pt x="174" y="102"/>
+                  <a:pt x="1168" y="533"/>
+                  <a:pt x="1668" y="564"/>
+                </a:cubicBezTo>
+                <a:cubicBezTo>
+                  <a:pt x="2168" y="595"/>
+                  <a:pt x="2778" y="279"/>
+                  <a:pt x="3000" y="186"/>
+                </a:cubicBezTo>
+                <a:lnTo>
+                  <a:pt x="3000" y="6"/>
+                </a:lnTo>
+                <a:lnTo>
+                  <a:pt x="0" y="0"/>
+                </a:lnTo>
+                <a:close/>
+              </a:path>
+            </a:pathLst>
+          </a:custGeom>
+          <a:gradFill>
+            <a:gsLst>
+              <a:gs pos="0">
+                <a:schemeClr val="accent3">
+                  <a:shade val="50000"/>
+                  <a:alpha val="30000"/>
+                  <a:satMod val="130000"/>
+                </a:schemeClr>
+              </a:gs>
+              <a:gs pos="80000">
+                <a:schemeClr val="accent2">
+                  <a:shade val="75000"/>
+                  <a:alpha val="45000"/>
+                  <a:satMod val="140000"/>
+                </a:schemeClr>
+              </a:gs>
+            </a:gsLst>
+            <a:lin ang="5400000" scaled="1"/>
+          </a:gradFill>
+          <a:ln w="9525" cap="flat" cmpd="sng" algn="ctr">
+            <a:noFill/>
+            <a:prstDash val="solid"/>
+            <a:round/>
+            <a:headEnd type="none" w="med" len="med"/>
+            <a:tailEnd type="none" w="med" len="med"/>
+          </a:ln>
+          <a:effectLst/>
+        </p:spPr>
+        <p:txBody>
+          <a:bodyPr vert="horz" wrap="square" lIns="91440" tIns="45720" rIns="91440" bIns="45720" anchor="t" compatLnSpc="1"/>
+          <a:lstStyle/>
+          <a:p>
+            <a:pPr marL="0" algn="l" rtl="0" eaLnBrk="1" latinLnBrk="0" hangingPunct="1"/>
+            <a:endParaRPr kumimoji="0" lang="en-US">
+              <a:solidFill>
+                <a:schemeClr val="tx1"/>
+              </a:solidFill>
+              <a:latin typeface="+mn-lt"/>
+              <a:ea typeface="+mn-ea"/>
+              <a:cs typeface="+mn-cs"/>
+            </a:endParaRPr>
+          </a:p>
+        </p:txBody>
+      </p:sp>
+      <p:sp>
+        <p:nvSpPr>
+          <p:cNvPr id="9" name="Title Placeholder 8"/>
           <p:cNvSpPr>
             <a:spLocks noGrp="1"/>
           </p:cNvSpPr>
@@ -6087,35 +3151,30 @@
         </p:nvSpPr>
         <p:spPr>
           <a:xfrm>
-            <a:off x="838200" y="365125"/>
-            <a:ext cx="10515600" cy="1325563"/>
+            <a:off x="609600" y="704088"/>
+            <a:ext cx="10972800" cy="1143000"/>
           </a:xfrm>
           <a:prstGeom prst="rect">
             <a:avLst/>
           </a:prstGeom>
         </p:spPr>
         <p:txBody>
-          <a:bodyPr vert="horz" lIns="91440" tIns="45720" rIns="91440" bIns="45720" rtlCol="0" anchor="ctr">
+          <a:bodyPr vert="horz" lIns="0" rIns="0" bIns="0" anchor="b">
             <a:normAutofit/>
           </a:bodyPr>
           <a:lstStyle/>
           <a:p>
             <a:r>
-              <a:rPr lang="en-US"/>
+              <a:rPr kumimoji="0" lang="en-US" smtClean="0"/>
               <a:t>Click to edit Master title style</a:t>
             </a:r>
-          </a:p>
-        </p:txBody>
-      </p:sp>
-      <p:sp>
-        <p:nvSpPr>
-          <p:cNvPr id="3" name="Text Placeholder 2">
-            <a:extLst>
-              <a:ext uri="{FF2B5EF4-FFF2-40B4-BE49-F238E27FC236}">
-                <a16:creationId xmlns:a16="http://schemas.microsoft.com/office/drawing/2014/main" id="{1FD66FC5-8BC1-45FA-8841-F34FA58FDF13}"/>
-              </a:ext>
-            </a:extLst>
-          </p:cNvPr>
+            <a:endParaRPr kumimoji="0" lang="en-US"/>
+          </a:p>
+        </p:txBody>
+      </p:sp>
+      <p:sp>
+        <p:nvSpPr>
+          <p:cNvPr id="30" name="Text Placeholder 29"/>
           <p:cNvSpPr>
             <a:spLocks noGrp="1"/>
           </p:cNvSpPr>
@@ -6125,64 +3184,59 @@
         </p:nvSpPr>
         <p:spPr>
           <a:xfrm>
-            <a:off x="838200" y="1825625"/>
-            <a:ext cx="10515600" cy="4351338"/>
+            <a:off x="609600" y="1935480"/>
+            <a:ext cx="10972800" cy="4389120"/>
           </a:xfrm>
           <a:prstGeom prst="rect">
             <a:avLst/>
           </a:prstGeom>
         </p:spPr>
         <p:txBody>
-          <a:bodyPr vert="horz" lIns="91440" tIns="45720" rIns="91440" bIns="45720" rtlCol="0">
+          <a:bodyPr vert="horz">
             <a:normAutofit/>
           </a:bodyPr>
           <a:lstStyle/>
           <a:p>
-            <a:pPr lvl="0"/>
-            <a:r>
-              <a:rPr lang="en-US"/>
-              <a:t>Edit Master text styles</a:t>
-            </a:r>
-          </a:p>
-          <a:p>
-            <a:pPr lvl="1"/>
-            <a:r>
-              <a:rPr lang="en-US"/>
+            <a:pPr lvl="0" eaLnBrk="1" latinLnBrk="0" hangingPunct="1"/>
+            <a:r>
+              <a:rPr kumimoji="0" lang="en-US" smtClean="0"/>
+              <a:t>Click to edit Master text styles</a:t>
+            </a:r>
+          </a:p>
+          <a:p>
+            <a:pPr lvl="1" eaLnBrk="1" latinLnBrk="0" hangingPunct="1"/>
+            <a:r>
+              <a:rPr kumimoji="0" lang="en-US" smtClean="0"/>
               <a:t>Second level</a:t>
             </a:r>
           </a:p>
           <a:p>
-            <a:pPr lvl="2"/>
-            <a:r>
-              <a:rPr lang="en-US"/>
+            <a:pPr lvl="2" eaLnBrk="1" latinLnBrk="0" hangingPunct="1"/>
+            <a:r>
+              <a:rPr kumimoji="0" lang="en-US" smtClean="0"/>
               <a:t>Third level</a:t>
             </a:r>
           </a:p>
           <a:p>
-            <a:pPr lvl="3"/>
-            <a:r>
-              <a:rPr lang="en-US"/>
+            <a:pPr lvl="3" eaLnBrk="1" latinLnBrk="0" hangingPunct="1"/>
+            <a:r>
+              <a:rPr kumimoji="0" lang="en-US" smtClean="0"/>
               <a:t>Fourth level</a:t>
             </a:r>
           </a:p>
           <a:p>
-            <a:pPr lvl="4"/>
-            <a:r>
-              <a:rPr lang="en-US"/>
+            <a:pPr lvl="4" eaLnBrk="1" latinLnBrk="0" hangingPunct="1"/>
+            <a:r>
+              <a:rPr kumimoji="0" lang="en-US" smtClean="0"/>
               <a:t>Fifth level</a:t>
             </a:r>
-          </a:p>
-        </p:txBody>
-      </p:sp>
-      <p:sp>
-        <p:nvSpPr>
-          <p:cNvPr id="4" name="Date Placeholder 3">
-            <a:extLst>
-              <a:ext uri="{FF2B5EF4-FFF2-40B4-BE49-F238E27FC236}">
-                <a16:creationId xmlns:a16="http://schemas.microsoft.com/office/drawing/2014/main" id="{4107B98F-173F-4961-A753-124D5F25AED6}"/>
-              </a:ext>
-            </a:extLst>
-          </p:cNvPr>
+            <a:endParaRPr kumimoji="0" lang="en-US"/>
+          </a:p>
+        </p:txBody>
+      </p:sp>
+      <p:sp>
+        <p:nvSpPr>
+          <p:cNvPr id="10" name="Date Placeholder 9"/>
           <p:cNvSpPr>
             <a:spLocks noGrp="1"/>
           </p:cNvSpPr>
@@ -6192,21 +3246,21 @@
         </p:nvSpPr>
         <p:spPr>
           <a:xfrm>
-            <a:off x="838200" y="6356350"/>
-            <a:ext cx="2743200" cy="365125"/>
+            <a:off x="609600" y="6356351"/>
+            <a:ext cx="2844800" cy="365125"/>
           </a:xfrm>
           <a:prstGeom prst="rect">
             <a:avLst/>
           </a:prstGeom>
         </p:spPr>
         <p:txBody>
-          <a:bodyPr vert="horz" lIns="91440" tIns="45720" rIns="91440" bIns="45720" rtlCol="0" anchor="ctr"/>
+          <a:bodyPr vert="horz" lIns="0" tIns="0" rIns="0" bIns="0" anchor="b"/>
           <a:lstStyle>
-            <a:lvl1pPr algn="l">
-              <a:defRPr sz="1200">
-                <a:solidFill>
-                  <a:schemeClr val="tx1">
-                    <a:tint val="75000"/>
+            <a:lvl1pPr algn="l" eaLnBrk="1" latinLnBrk="0" hangingPunct="1">
+              <a:defRPr kumimoji="0" sz="1200">
+                <a:solidFill>
+                  <a:schemeClr val="tx2">
+                    <a:shade val="90000"/>
                   </a:schemeClr>
                 </a:solidFill>
               </a:defRPr>
@@ -6215,7 +3269,8 @@
           <a:p>
             <a:fld id="{D2474CCF-98B4-411A-8810-C31E8C29E19B}" type="datetimeFigureOut">
               <a:rPr lang="en-US" smtClean="0"/>
-              <a:t>9/16/2022</a:t>
+              <a:pPr/>
+              <a:t>11/8/2023</a:t>
             </a:fld>
             <a:endParaRPr lang="en-US"/>
           </a:p>
@@ -6223,13 +3278,7 @@
       </p:sp>
       <p:sp>
         <p:nvSpPr>
-          <p:cNvPr id="5" name="Footer Placeholder 4">
-            <a:extLst>
-              <a:ext uri="{FF2B5EF4-FFF2-40B4-BE49-F238E27FC236}">
-                <a16:creationId xmlns:a16="http://schemas.microsoft.com/office/drawing/2014/main" id="{69DB7A21-CD9E-479E-AAB2-6CC376E9F692}"/>
-              </a:ext>
-            </a:extLst>
-          </p:cNvPr>
+          <p:cNvPr id="22" name="Footer Placeholder 21"/>
           <p:cNvSpPr>
             <a:spLocks noGrp="1"/>
           </p:cNvSpPr>
@@ -6239,21 +3288,21 @@
         </p:nvSpPr>
         <p:spPr>
           <a:xfrm>
-            <a:off x="4038600" y="6356350"/>
-            <a:ext cx="4114800" cy="365125"/>
+            <a:off x="3556000" y="6356351"/>
+            <a:ext cx="4470400" cy="365125"/>
           </a:xfrm>
           <a:prstGeom prst="rect">
             <a:avLst/>
           </a:prstGeom>
         </p:spPr>
         <p:txBody>
-          <a:bodyPr vert="horz" lIns="91440" tIns="45720" rIns="91440" bIns="45720" rtlCol="0" anchor="ctr"/>
+          <a:bodyPr vert="horz" lIns="0" tIns="0" rIns="0" bIns="0" anchor="b"/>
           <a:lstStyle>
-            <a:lvl1pPr algn="ctr">
-              <a:defRPr sz="1200">
-                <a:solidFill>
-                  <a:schemeClr val="tx1">
-                    <a:tint val="75000"/>
+            <a:lvl1pPr algn="l" eaLnBrk="1" latinLnBrk="0" hangingPunct="1">
+              <a:defRPr kumimoji="0" sz="1200">
+                <a:solidFill>
+                  <a:schemeClr val="tx2">
+                    <a:shade val="90000"/>
                   </a:schemeClr>
                 </a:solidFill>
               </a:defRPr>
@@ -6266,13 +3315,7 @@
       </p:sp>
       <p:sp>
         <p:nvSpPr>
-          <p:cNvPr id="6" name="Slide Number Placeholder 5">
-            <a:extLst>
-              <a:ext uri="{FF2B5EF4-FFF2-40B4-BE49-F238E27FC236}">
-                <a16:creationId xmlns:a16="http://schemas.microsoft.com/office/drawing/2014/main" id="{C6ABC126-58FF-4F4D-A936-FEFCC877EF3A}"/>
-              </a:ext>
-            </a:extLst>
-          </p:cNvPr>
+          <p:cNvPr id="18" name="Slide Number Placeholder 17"/>
           <p:cNvSpPr>
             <a:spLocks noGrp="1"/>
           </p:cNvSpPr>
@@ -6282,21 +3325,21 @@
         </p:nvSpPr>
         <p:spPr>
           <a:xfrm>
-            <a:off x="8610600" y="6356350"/>
-            <a:ext cx="2743200" cy="365125"/>
+            <a:off x="10566400" y="6356351"/>
+            <a:ext cx="1016000" cy="365125"/>
           </a:xfrm>
           <a:prstGeom prst="rect">
             <a:avLst/>
           </a:prstGeom>
         </p:spPr>
         <p:txBody>
-          <a:bodyPr vert="horz" lIns="91440" tIns="45720" rIns="91440" bIns="45720" rtlCol="0" anchor="ctr"/>
+          <a:bodyPr vert="horz" lIns="0" tIns="0" rIns="0" bIns="0" anchor="b"/>
           <a:lstStyle>
-            <a:lvl1pPr algn="r">
-              <a:defRPr sz="1200">
-                <a:solidFill>
-                  <a:schemeClr val="tx1">
-                    <a:tint val="75000"/>
+            <a:lvl1pPr algn="r" eaLnBrk="1" latinLnBrk="0" hangingPunct="1">
+              <a:defRPr kumimoji="0" sz="1200">
+                <a:solidFill>
+                  <a:schemeClr val="tx2">
+                    <a:shade val="90000"/>
                   </a:schemeClr>
                 </a:solidFill>
               </a:defRPr>
@@ -6305,47 +3348,258 @@
           <a:p>
             <a:fld id="{A1FD0E78-183D-4F7D-A18B-8A4BED7B6988}" type="slidenum">
               <a:rPr lang="en-US" smtClean="0"/>
+              <a:pPr/>
               <a:t>‹#›</a:t>
             </a:fld>
             <a:endParaRPr lang="en-US"/>
           </a:p>
         </p:txBody>
       </p:sp>
+      <p:grpSp>
+        <p:nvGrpSpPr>
+          <p:cNvPr id="2" name="Group 1"/>
+          <p:cNvGrpSpPr/>
+          <p:nvPr/>
+        </p:nvGrpSpPr>
+        <p:grpSpPr>
+          <a:xfrm>
+            <a:off x="-25356" y="202408"/>
+            <a:ext cx="12240731" cy="649224"/>
+            <a:chOff x="-19045" y="216550"/>
+            <a:chExt cx="9180548" cy="649224"/>
+          </a:xfrm>
+        </p:grpSpPr>
+        <p:sp>
+          <p:nvSpPr>
+            <p:cNvPr id="12" name="Freeform 11"/>
+            <p:cNvSpPr>
+              <a:spLocks/>
+            </p:cNvSpPr>
+            <p:nvPr/>
+          </p:nvSpPr>
+          <p:spPr bwMode="auto">
+            <a:xfrm rot="21435692">
+              <a:off x="-19045" y="216550"/>
+              <a:ext cx="9163050" cy="649224"/>
+            </a:xfrm>
+            <a:custGeom>
+              <a:avLst>
+                <a:gd name="A1" fmla="val 0"/>
+                <a:gd name="A2" fmla="val 0"/>
+                <a:gd name="A3" fmla="val 0"/>
+                <a:gd name="A4" fmla="val 0"/>
+                <a:gd name="A5" fmla="val 0"/>
+                <a:gd name="A6" fmla="val 0"/>
+                <a:gd name="A7" fmla="val 0"/>
+                <a:gd name="A8" fmla="val 0"/>
+              </a:avLst>
+              <a:gdLst/>
+              <a:ahLst/>
+              <a:cxnLst>
+                <a:cxn ang="0">
+                  <a:pos x="0" y="966"/>
+                </a:cxn>
+                <a:cxn ang="0">
+                  <a:pos x="1608" y="282"/>
+                </a:cxn>
+                <a:cxn ang="0">
+                  <a:pos x="4110" y="1008"/>
+                </a:cxn>
+                <a:cxn ang="0">
+                  <a:pos x="5772" y="0"/>
+                </a:cxn>
+              </a:cxnLst>
+              <a:rect l="0" t="0" r="0" b="0"/>
+              <a:pathLst>
+                <a:path w="5772" h="1055">
+                  <a:moveTo>
+                    <a:pt x="0" y="966"/>
+                  </a:moveTo>
+                  <a:cubicBezTo>
+                    <a:pt x="282" y="738"/>
+                    <a:pt x="923" y="275"/>
+                    <a:pt x="1608" y="282"/>
+                  </a:cubicBezTo>
+                  <a:cubicBezTo>
+                    <a:pt x="2293" y="289"/>
+                    <a:pt x="3416" y="1055"/>
+                    <a:pt x="4110" y="1008"/>
+                  </a:cubicBezTo>
+                  <a:cubicBezTo>
+                    <a:pt x="4804" y="961"/>
+                    <a:pt x="5426" y="210"/>
+                    <a:pt x="5772" y="0"/>
+                  </a:cubicBezTo>
+                </a:path>
+              </a:pathLst>
+            </a:custGeom>
+            <a:noFill/>
+            <a:ln w="10795" cap="flat" cmpd="sng" algn="ctr">
+              <a:gradFill>
+                <a:gsLst>
+                  <a:gs pos="74000">
+                    <a:schemeClr val="accent3">
+                      <a:shade val="75000"/>
+                    </a:schemeClr>
+                  </a:gs>
+                  <a:gs pos="86000">
+                    <a:schemeClr val="tx1">
+                      <a:alpha val="29000"/>
+                    </a:schemeClr>
+                  </a:gs>
+                  <a:gs pos="16000">
+                    <a:schemeClr val="accent2">
+                      <a:shade val="75000"/>
+                      <a:alpha val="56000"/>
+                    </a:schemeClr>
+                  </a:gs>
+                </a:gsLst>
+                <a:lin ang="5400000" scaled="1"/>
+              </a:gradFill>
+              <a:prstDash val="solid"/>
+              <a:round/>
+              <a:headEnd type="none" w="med" len="med"/>
+              <a:tailEnd type="none" w="med" len="med"/>
+            </a:ln>
+            <a:effectLst/>
+          </p:spPr>
+          <p:txBody>
+            <a:bodyPr vert="horz" wrap="square" lIns="91440" tIns="45720" rIns="91440" bIns="45720" anchor="t" compatLnSpc="1"/>
+            <a:lstStyle/>
+            <a:p>
+              <a:endParaRPr kumimoji="0" lang="en-US"/>
+            </a:p>
+          </p:txBody>
+        </p:sp>
+        <p:sp>
+          <p:nvSpPr>
+            <p:cNvPr id="13" name="Freeform 12"/>
+            <p:cNvSpPr>
+              <a:spLocks/>
+            </p:cNvSpPr>
+            <p:nvPr/>
+          </p:nvSpPr>
+          <p:spPr bwMode="auto">
+            <a:xfrm rot="21435692">
+              <a:off x="-14309" y="290003"/>
+              <a:ext cx="9175812" cy="530352"/>
+            </a:xfrm>
+            <a:custGeom>
+              <a:avLst>
+                <a:gd name="A1" fmla="val 0"/>
+                <a:gd name="A2" fmla="val 0"/>
+                <a:gd name="A3" fmla="val 0"/>
+                <a:gd name="A4" fmla="val 0"/>
+                <a:gd name="A5" fmla="val 0"/>
+                <a:gd name="A6" fmla="val 0"/>
+                <a:gd name="A7" fmla="val 0"/>
+                <a:gd name="A8" fmla="val 0"/>
+              </a:avLst>
+              <a:gdLst/>
+              <a:ahLst/>
+              <a:cxnLst>
+                <a:cxn ang="0">
+                  <a:pos x="0" y="732"/>
+                </a:cxn>
+                <a:cxn ang="0">
+                  <a:pos x="1638" y="228"/>
+                </a:cxn>
+                <a:cxn ang="0">
+                  <a:pos x="4122" y="816"/>
+                </a:cxn>
+                <a:cxn ang="0">
+                  <a:pos x="5766" y="0"/>
+                </a:cxn>
+              </a:cxnLst>
+              <a:rect l="0" t="0" r="0" b="0"/>
+              <a:pathLst>
+                <a:path w="5766" h="854">
+                  <a:moveTo>
+                    <a:pt x="0" y="732"/>
+                  </a:moveTo>
+                  <a:cubicBezTo>
+                    <a:pt x="273" y="647"/>
+                    <a:pt x="951" y="214"/>
+                    <a:pt x="1638" y="228"/>
+                  </a:cubicBezTo>
+                  <a:cubicBezTo>
+                    <a:pt x="2325" y="242"/>
+                    <a:pt x="3434" y="854"/>
+                    <a:pt x="4122" y="816"/>
+                  </a:cubicBezTo>
+                  <a:cubicBezTo>
+                    <a:pt x="4810" y="778"/>
+                    <a:pt x="5424" y="170"/>
+                    <a:pt x="5766" y="0"/>
+                  </a:cubicBezTo>
+                </a:path>
+              </a:pathLst>
+            </a:custGeom>
+            <a:noFill/>
+            <a:ln w="9525" cap="flat" cmpd="sng" algn="ctr">
+              <a:gradFill>
+                <a:gsLst>
+                  <a:gs pos="74000">
+                    <a:schemeClr val="accent4"/>
+                  </a:gs>
+                  <a:gs pos="44000">
+                    <a:schemeClr val="accent1"/>
+                  </a:gs>
+                  <a:gs pos="33000">
+                    <a:schemeClr val="accent2">
+                      <a:alpha val="56000"/>
+                    </a:schemeClr>
+                  </a:gs>
+                </a:gsLst>
+                <a:lin ang="5400000" scaled="1"/>
+              </a:gradFill>
+              <a:prstDash val="solid"/>
+              <a:round/>
+              <a:headEnd type="none" w="med" len="med"/>
+              <a:tailEnd type="none" w="med" len="med"/>
+            </a:ln>
+            <a:effectLst/>
+          </p:spPr>
+          <p:txBody>
+            <a:bodyPr vert="horz" wrap="square" lIns="91440" tIns="45720" rIns="91440" bIns="45720" anchor="t" compatLnSpc="1"/>
+            <a:lstStyle/>
+            <a:p>
+              <a:endParaRPr kumimoji="0" lang="en-US"/>
+            </a:p>
+          </p:txBody>
+        </p:sp>
+      </p:grpSp>
     </p:spTree>
-    <p:extLst>
-      <p:ext uri="{BB962C8B-B14F-4D97-AF65-F5344CB8AC3E}">
-        <p14:creationId xmlns:p14="http://schemas.microsoft.com/office/powerpoint/2010/main" val="3606927380"/>
-      </p:ext>
-    </p:extLst>
   </p:cSld>
   <p:clrMap bg1="lt1" tx1="dk1" bg2="lt2" tx2="dk2" accent1="accent1" accent2="accent2" accent3="accent3" accent4="accent4" accent5="accent5" accent6="accent6" hlink="hlink" folHlink="folHlink"/>
   <p:sldLayoutIdLst>
-    <p:sldLayoutId id="2147483661" r:id="rId1"/>
-    <p:sldLayoutId id="2147483662" r:id="rId2"/>
-    <p:sldLayoutId id="2147483663" r:id="rId3"/>
-    <p:sldLayoutId id="2147483664" r:id="rId4"/>
-    <p:sldLayoutId id="2147483665" r:id="rId5"/>
-    <p:sldLayoutId id="2147483666" r:id="rId6"/>
-    <p:sldLayoutId id="2147483667" r:id="rId7"/>
-    <p:sldLayoutId id="2147483668" r:id="rId8"/>
-    <p:sldLayoutId id="2147483669" r:id="rId9"/>
-    <p:sldLayoutId id="2147483670" r:id="rId10"/>
-    <p:sldLayoutId id="2147483671" r:id="rId11"/>
+    <p:sldLayoutId id="2147483721" r:id="rId1"/>
+    <p:sldLayoutId id="2147483722" r:id="rId2"/>
+    <p:sldLayoutId id="2147483723" r:id="rId3"/>
+    <p:sldLayoutId id="2147483724" r:id="rId4"/>
+    <p:sldLayoutId id="2147483725" r:id="rId5"/>
+    <p:sldLayoutId id="2147483726" r:id="rId6"/>
+    <p:sldLayoutId id="2147483727" r:id="rId7"/>
+    <p:sldLayoutId id="2147483728" r:id="rId8"/>
+    <p:sldLayoutId id="2147483729" r:id="rId9"/>
+    <p:sldLayoutId id="2147483730" r:id="rId10"/>
+    <p:sldLayoutId id="2147483731" r:id="rId11"/>
   </p:sldLayoutIdLst>
   <p:txStyles>
     <p:titleStyle>
-      <a:lvl1pPr algn="l" defTabSz="914400" rtl="0" eaLnBrk="1" latinLnBrk="0" hangingPunct="1">
-        <a:lnSpc>
-          <a:spcPct val="90000"/>
-        </a:lnSpc>
+      <a:lvl1pPr algn="l" rtl="0" eaLnBrk="1" latinLnBrk="0" hangingPunct="1">
         <a:spcBef>
           <a:spcPct val="0"/>
         </a:spcBef>
         <a:buNone/>
-        <a:defRPr sz="4400" kern="1200">
+        <a:defRPr kumimoji="0" sz="5000" b="0" kern="1200">
+          <a:ln>
+            <a:noFill/>
+          </a:ln>
           <a:solidFill>
-            <a:schemeClr val="tx1"/>
+            <a:schemeClr val="tx2"/>
           </a:solidFill>
+          <a:effectLst/>
           <a:latin typeface="+mj-lt"/>
           <a:ea typeface="+mj-ea"/>
           <a:cs typeface="+mj-cs"/>
@@ -6353,16 +3607,17 @@
       </a:lvl1pPr>
     </p:titleStyle>
     <p:bodyStyle>
-      <a:lvl1pPr marL="228600" indent="-228600" algn="l" defTabSz="914400" rtl="0" eaLnBrk="1" latinLnBrk="0" hangingPunct="1">
-        <a:lnSpc>
-          <a:spcPct val="90000"/>
-        </a:lnSpc>
+      <a:lvl1pPr marL="274320" indent="-274320" algn="l" rtl="0" eaLnBrk="1" latinLnBrk="0" hangingPunct="1">
         <a:spcBef>
-          <a:spcPts val="1000"/>
+          <a:spcPct val="20000"/>
         </a:spcBef>
-        <a:buFont typeface="Arial" panose="020B0604020202020204" pitchFamily="34" charset="0"/>
-        <a:buChar char="•"/>
-        <a:defRPr sz="2800" kern="1200">
+        <a:buClr>
+          <a:schemeClr val="accent3"/>
+        </a:buClr>
+        <a:buSzPct val="95000"/>
+        <a:buFont typeface="Wingdings 2"/>
+        <a:buChar char=""/>
+        <a:defRPr kumimoji="0" sz="2600" kern="1200">
           <a:solidFill>
             <a:schemeClr val="tx1"/>
           </a:solidFill>
@@ -6371,16 +3626,17 @@
           <a:cs typeface="+mn-cs"/>
         </a:defRPr>
       </a:lvl1pPr>
-      <a:lvl2pPr marL="685800" indent="-228600" algn="l" defTabSz="914400" rtl="0" eaLnBrk="1" latinLnBrk="0" hangingPunct="1">
-        <a:lnSpc>
-          <a:spcPct val="90000"/>
-        </a:lnSpc>
+      <a:lvl2pPr marL="640080" indent="-246888" algn="l" rtl="0" eaLnBrk="1" latinLnBrk="0" hangingPunct="1">
         <a:spcBef>
-          <a:spcPts val="500"/>
+          <a:spcPct val="20000"/>
         </a:spcBef>
-        <a:buFont typeface="Arial" panose="020B0604020202020204" pitchFamily="34" charset="0"/>
-        <a:buChar char="•"/>
-        <a:defRPr sz="2400" kern="1200">
+        <a:buClr>
+          <a:schemeClr val="accent1"/>
+        </a:buClr>
+        <a:buSzPct val="85000"/>
+        <a:buFont typeface="Wingdings 2"/>
+        <a:buChar char=""/>
+        <a:defRPr kumimoji="0" sz="2400" kern="1200">
           <a:solidFill>
             <a:schemeClr val="tx1"/>
           </a:solidFill>
@@ -6389,16 +3645,17 @@
           <a:cs typeface="+mn-cs"/>
         </a:defRPr>
       </a:lvl2pPr>
-      <a:lvl3pPr marL="1143000" indent="-228600" algn="l" defTabSz="914400" rtl="0" eaLnBrk="1" latinLnBrk="0" hangingPunct="1">
-        <a:lnSpc>
-          <a:spcPct val="90000"/>
-        </a:lnSpc>
+      <a:lvl3pPr marL="914400" indent="-246888" algn="l" rtl="0" eaLnBrk="1" latinLnBrk="0" hangingPunct="1">
         <a:spcBef>
-          <a:spcPts val="500"/>
+          <a:spcPct val="20000"/>
         </a:spcBef>
-        <a:buFont typeface="Arial" panose="020B0604020202020204" pitchFamily="34" charset="0"/>
-        <a:buChar char="•"/>
-        <a:defRPr sz="2000" kern="1200">
+        <a:buClr>
+          <a:schemeClr val="accent2"/>
+        </a:buClr>
+        <a:buSzPct val="70000"/>
+        <a:buFont typeface="Wingdings 2"/>
+        <a:buChar char=""/>
+        <a:defRPr kumimoji="0" sz="2100" kern="1200">
           <a:solidFill>
             <a:schemeClr val="tx1"/>
           </a:solidFill>
@@ -6407,16 +3664,17 @@
           <a:cs typeface="+mn-cs"/>
         </a:defRPr>
       </a:lvl3pPr>
-      <a:lvl4pPr marL="1600200" indent="-228600" algn="l" defTabSz="914400" rtl="0" eaLnBrk="1" latinLnBrk="0" hangingPunct="1">
-        <a:lnSpc>
-          <a:spcPct val="90000"/>
-        </a:lnSpc>
+      <a:lvl4pPr marL="1188720" indent="-210312" algn="l" rtl="0" eaLnBrk="1" latinLnBrk="0" hangingPunct="1">
         <a:spcBef>
-          <a:spcPts val="500"/>
+          <a:spcPct val="20000"/>
         </a:spcBef>
-        <a:buFont typeface="Arial" panose="020B0604020202020204" pitchFamily="34" charset="0"/>
-        <a:buChar char="•"/>
-        <a:defRPr sz="1800" kern="1200">
+        <a:buClr>
+          <a:schemeClr val="accent3"/>
+        </a:buClr>
+        <a:buSzPct val="65000"/>
+        <a:buFont typeface="Wingdings 2"/>
+        <a:buChar char=""/>
+        <a:defRPr kumimoji="0" sz="2000" kern="1200">
           <a:solidFill>
             <a:schemeClr val="tx1"/>
           </a:solidFill>
@@ -6425,16 +3683,17 @@
           <a:cs typeface="+mn-cs"/>
         </a:defRPr>
       </a:lvl4pPr>
-      <a:lvl5pPr marL="2057400" indent="-228600" algn="l" defTabSz="914400" rtl="0" eaLnBrk="1" latinLnBrk="0" hangingPunct="1">
-        <a:lnSpc>
-          <a:spcPct val="90000"/>
-        </a:lnSpc>
+      <a:lvl5pPr marL="1463040" indent="-210312" algn="l" rtl="0" eaLnBrk="1" latinLnBrk="0" hangingPunct="1">
         <a:spcBef>
-          <a:spcPts val="500"/>
+          <a:spcPct val="20000"/>
         </a:spcBef>
-        <a:buFont typeface="Arial" panose="020B0604020202020204" pitchFamily="34" charset="0"/>
-        <a:buChar char="•"/>
-        <a:defRPr sz="1800" kern="1200">
+        <a:buClr>
+          <a:schemeClr val="accent4"/>
+        </a:buClr>
+        <a:buSzPct val="65000"/>
+        <a:buFont typeface="Wingdings 2"/>
+        <a:buChar char=""/>
+        <a:defRPr kumimoji="0" sz="2000" kern="1200">
           <a:solidFill>
             <a:schemeClr val="tx1"/>
           </a:solidFill>
@@ -6443,16 +3702,17 @@
           <a:cs typeface="+mn-cs"/>
         </a:defRPr>
       </a:lvl5pPr>
-      <a:lvl6pPr marL="2514600" indent="-228600" algn="l" defTabSz="914400" rtl="0" eaLnBrk="1" latinLnBrk="0" hangingPunct="1">
-        <a:lnSpc>
-          <a:spcPct val="90000"/>
-        </a:lnSpc>
+      <a:lvl6pPr marL="1737360" indent="-210312" algn="l" rtl="0" eaLnBrk="1" latinLnBrk="0" hangingPunct="1">
         <a:spcBef>
-          <a:spcPts val="500"/>
+          <a:spcPct val="20000"/>
         </a:spcBef>
-        <a:buFont typeface="Arial" panose="020B0604020202020204" pitchFamily="34" charset="0"/>
-        <a:buChar char="•"/>
-        <a:defRPr sz="1800" kern="1200">
+        <a:buClr>
+          <a:schemeClr val="accent5"/>
+        </a:buClr>
+        <a:buSzPct val="80000"/>
+        <a:buFont typeface="Wingdings 2"/>
+        <a:buChar char=""/>
+        <a:defRPr kumimoji="0" sz="1800" kern="1200">
           <a:solidFill>
             <a:schemeClr val="tx1"/>
           </a:solidFill>
@@ -6461,16 +3721,17 @@
           <a:cs typeface="+mn-cs"/>
         </a:defRPr>
       </a:lvl6pPr>
-      <a:lvl7pPr marL="2971800" indent="-228600" algn="l" defTabSz="914400" rtl="0" eaLnBrk="1" latinLnBrk="0" hangingPunct="1">
-        <a:lnSpc>
-          <a:spcPct val="90000"/>
-        </a:lnSpc>
+      <a:lvl7pPr marL="1920240" indent="-182880" algn="l" rtl="0" eaLnBrk="1" latinLnBrk="0" hangingPunct="1">
         <a:spcBef>
-          <a:spcPts val="500"/>
+          <a:spcPct val="20000"/>
         </a:spcBef>
-        <a:buFont typeface="Arial" panose="020B0604020202020204" pitchFamily="34" charset="0"/>
-        <a:buChar char="•"/>
-        <a:defRPr sz="1800" kern="1200">
+        <a:buClr>
+          <a:schemeClr val="accent6"/>
+        </a:buClr>
+        <a:buSzPct val="80000"/>
+        <a:buFont typeface="Wingdings 2"/>
+        <a:buChar char=""/>
+        <a:defRPr kumimoji="0" sz="1600" kern="1200" baseline="0">
           <a:solidFill>
             <a:schemeClr val="tx1"/>
           </a:solidFill>
@@ -6479,16 +3740,15 @@
           <a:cs typeface="+mn-cs"/>
         </a:defRPr>
       </a:lvl7pPr>
-      <a:lvl8pPr marL="3429000" indent="-228600" algn="l" defTabSz="914400" rtl="0" eaLnBrk="1" latinLnBrk="0" hangingPunct="1">
-        <a:lnSpc>
-          <a:spcPct val="90000"/>
-        </a:lnSpc>
+      <a:lvl8pPr marL="2194560" indent="-182880" algn="l" rtl="0" eaLnBrk="1" latinLnBrk="0" hangingPunct="1">
         <a:spcBef>
-          <a:spcPts val="500"/>
+          <a:spcPct val="20000"/>
         </a:spcBef>
-        <a:buFont typeface="Arial" panose="020B0604020202020204" pitchFamily="34" charset="0"/>
+        <a:buClr>
+          <a:schemeClr val="tx2"/>
+        </a:buClr>
         <a:buChar char="•"/>
-        <a:defRPr sz="1800" kern="1200">
+        <a:defRPr kumimoji="0" sz="1600" kern="1200">
           <a:solidFill>
             <a:schemeClr val="tx1"/>
           </a:solidFill>
@@ -6497,16 +3757,16 @@
           <a:cs typeface="+mn-cs"/>
         </a:defRPr>
       </a:lvl8pPr>
-      <a:lvl9pPr marL="3886200" indent="-228600" algn="l" defTabSz="914400" rtl="0" eaLnBrk="1" latinLnBrk="0" hangingPunct="1">
-        <a:lnSpc>
-          <a:spcPct val="90000"/>
-        </a:lnSpc>
+      <a:lvl9pPr marL="2468880" indent="-182880" algn="l" rtl="0" eaLnBrk="1" latinLnBrk="0" hangingPunct="1">
         <a:spcBef>
-          <a:spcPts val="500"/>
+          <a:spcPct val="20000"/>
         </a:spcBef>
-        <a:buFont typeface="Arial" panose="020B0604020202020204" pitchFamily="34" charset="0"/>
+        <a:buClr>
+          <a:schemeClr val="tx2"/>
+        </a:buClr>
+        <a:buFontTx/>
         <a:buChar char="•"/>
-        <a:defRPr sz="1800" kern="1200">
+        <a:defRPr kumimoji="0" sz="1400" kern="1200" baseline="0">
           <a:solidFill>
             <a:schemeClr val="tx1"/>
           </a:solidFill>
@@ -6517,11 +3777,8 @@
       </a:lvl9pPr>
     </p:bodyStyle>
     <p:otherStyle>
-      <a:defPPr>
-        <a:defRPr lang="en-US"/>
-      </a:defPPr>
-      <a:lvl1pPr marL="0" algn="l" defTabSz="914400" rtl="0" eaLnBrk="1" latinLnBrk="0" hangingPunct="1">
-        <a:defRPr sz="1800" kern="1200">
+      <a:lvl1pPr marL="0" algn="l" rtl="0" eaLnBrk="1" latinLnBrk="0" hangingPunct="1">
+        <a:defRPr kumimoji="0" kern="1200">
           <a:solidFill>
             <a:schemeClr val="tx1"/>
           </a:solidFill>
@@ -6530,8 +3787,8 @@
           <a:cs typeface="+mn-cs"/>
         </a:defRPr>
       </a:lvl1pPr>
-      <a:lvl2pPr marL="457200" algn="l" defTabSz="914400" rtl="0" eaLnBrk="1" latinLnBrk="0" hangingPunct="1">
-        <a:defRPr sz="1800" kern="1200">
+      <a:lvl2pPr marL="457200" algn="l" rtl="0" eaLnBrk="1" latinLnBrk="0" hangingPunct="1">
+        <a:defRPr kumimoji="0" kern="1200">
           <a:solidFill>
             <a:schemeClr val="tx1"/>
           </a:solidFill>
@@ -6540,8 +3797,8 @@
           <a:cs typeface="+mn-cs"/>
         </a:defRPr>
       </a:lvl2pPr>
-      <a:lvl3pPr marL="914400" algn="l" defTabSz="914400" rtl="0" eaLnBrk="1" latinLnBrk="0" hangingPunct="1">
-        <a:defRPr sz="1800" kern="1200">
+      <a:lvl3pPr marL="914400" algn="l" rtl="0" eaLnBrk="1" latinLnBrk="0" hangingPunct="1">
+        <a:defRPr kumimoji="0" kern="1200">
           <a:solidFill>
             <a:schemeClr val="tx1"/>
           </a:solidFill>
@@ -6550,8 +3807,8 @@
           <a:cs typeface="+mn-cs"/>
         </a:defRPr>
       </a:lvl3pPr>
-      <a:lvl4pPr marL="1371600" algn="l" defTabSz="914400" rtl="0" eaLnBrk="1" latinLnBrk="0" hangingPunct="1">
-        <a:defRPr sz="1800" kern="1200">
+      <a:lvl4pPr marL="1371600" algn="l" rtl="0" eaLnBrk="1" latinLnBrk="0" hangingPunct="1">
+        <a:defRPr kumimoji="0" kern="1200">
           <a:solidFill>
             <a:schemeClr val="tx1"/>
           </a:solidFill>
@@ -6560,8 +3817,8 @@
           <a:cs typeface="+mn-cs"/>
         </a:defRPr>
       </a:lvl4pPr>
-      <a:lvl5pPr marL="1828800" algn="l" defTabSz="914400" rtl="0" eaLnBrk="1" latinLnBrk="0" hangingPunct="1">
-        <a:defRPr sz="1800" kern="1200">
+      <a:lvl5pPr marL="1828800" algn="l" rtl="0" eaLnBrk="1" latinLnBrk="0" hangingPunct="1">
+        <a:defRPr kumimoji="0" kern="1200">
           <a:solidFill>
             <a:schemeClr val="tx1"/>
           </a:solidFill>
@@ -6570,8 +3827,8 @@
           <a:cs typeface="+mn-cs"/>
         </a:defRPr>
       </a:lvl5pPr>
-      <a:lvl6pPr marL="2286000" algn="l" defTabSz="914400" rtl="0" eaLnBrk="1" latinLnBrk="0" hangingPunct="1">
-        <a:defRPr sz="1800" kern="1200">
+      <a:lvl6pPr marL="2286000" algn="l" rtl="0" eaLnBrk="1" latinLnBrk="0" hangingPunct="1">
+        <a:defRPr kumimoji="0" kern="1200">
           <a:solidFill>
             <a:schemeClr val="tx1"/>
           </a:solidFill>
@@ -6580,8 +3837,8 @@
           <a:cs typeface="+mn-cs"/>
         </a:defRPr>
       </a:lvl6pPr>
-      <a:lvl7pPr marL="2743200" algn="l" defTabSz="914400" rtl="0" eaLnBrk="1" latinLnBrk="0" hangingPunct="1">
-        <a:defRPr sz="1800" kern="1200">
+      <a:lvl7pPr marL="2743200" algn="l" rtl="0" eaLnBrk="1" latinLnBrk="0" hangingPunct="1">
+        <a:defRPr kumimoji="0" kern="1200">
           <a:solidFill>
             <a:schemeClr val="tx1"/>
           </a:solidFill>
@@ -6590,8 +3847,8 @@
           <a:cs typeface="+mn-cs"/>
         </a:defRPr>
       </a:lvl7pPr>
-      <a:lvl8pPr marL="3200400" algn="l" defTabSz="914400" rtl="0" eaLnBrk="1" latinLnBrk="0" hangingPunct="1">
-        <a:defRPr sz="1800" kern="1200">
+      <a:lvl8pPr marL="3200400" algn="l" rtl="0" eaLnBrk="1" latinLnBrk="0" hangingPunct="1">
+        <a:defRPr kumimoji="0" kern="1200">
           <a:solidFill>
             <a:schemeClr val="tx1"/>
           </a:solidFill>
@@ -6600,8 +3857,8 @@
           <a:cs typeface="+mn-cs"/>
         </a:defRPr>
       </a:lvl8pPr>
-      <a:lvl9pPr marL="3657600" algn="l" defTabSz="914400" rtl="0" eaLnBrk="1" latinLnBrk="0" hangingPunct="1">
-        <a:defRPr sz="1800" kern="1200">
+      <a:lvl9pPr marL="3657600" algn="l" rtl="0" eaLnBrk="1" latinLnBrk="0" hangingPunct="1">
+        <a:defRPr kumimoji="0" kern="1200">
           <a:solidFill>
             <a:schemeClr val="tx1"/>
           </a:solidFill>
@@ -6637,7 +3894,7 @@
           <p:cNvPr id="2" name="Title 1">
             <a:extLst>
               <a:ext uri="{FF2B5EF4-FFF2-40B4-BE49-F238E27FC236}">
-                <a16:creationId xmlns:a16="http://schemas.microsoft.com/office/drawing/2014/main" id="{C70F88C2-D62C-496E-8359-A6E42ABBE5C2}"/>
+                <a16:creationId xmlns="" xmlns:a16="http://schemas.microsoft.com/office/drawing/2014/main" id="{C70F88C2-D62C-496E-8359-A6E42ABBE5C2}"/>
               </a:ext>
             </a:extLst>
           </p:cNvPr>
@@ -6671,7 +3928,7 @@
           <p:cNvPr id="3" name="Subtitle 2">
             <a:extLst>
               <a:ext uri="{FF2B5EF4-FFF2-40B4-BE49-F238E27FC236}">
-                <a16:creationId xmlns:a16="http://schemas.microsoft.com/office/drawing/2014/main" id="{D66627D2-8B6B-4DCC-9D83-1FA969EFAFA0}"/>
+                <a16:creationId xmlns="" xmlns:a16="http://schemas.microsoft.com/office/drawing/2014/main" id="{D66627D2-8B6B-4DCC-9D83-1FA969EFAFA0}"/>
               </a:ext>
             </a:extLst>
           </p:cNvPr>
@@ -6713,7 +3970,7 @@
     </p:spTree>
     <p:extLst>
       <p:ext uri="{BB962C8B-B14F-4D97-AF65-F5344CB8AC3E}">
-        <p14:creationId xmlns:p14="http://schemas.microsoft.com/office/powerpoint/2010/main" val="926091206"/>
+        <p14:creationId xmlns="" xmlns:p14="http://schemas.microsoft.com/office/powerpoint/2010/main" val="926091206"/>
       </p:ext>
     </p:extLst>
   </p:cSld>
@@ -6745,7 +4002,7 @@
           <p:cNvPr id="2" name="Title 1">
             <a:extLst>
               <a:ext uri="{FF2B5EF4-FFF2-40B4-BE49-F238E27FC236}">
-                <a16:creationId xmlns:a16="http://schemas.microsoft.com/office/drawing/2014/main" id="{6972CDDE-0398-4CA8-B245-BA1B93855047}"/>
+                <a16:creationId xmlns="" xmlns:a16="http://schemas.microsoft.com/office/drawing/2014/main" id="{6972CDDE-0398-4CA8-B245-BA1B93855047}"/>
               </a:ext>
             </a:extLst>
           </p:cNvPr>
@@ -6758,7 +4015,9 @@
         </p:nvSpPr>
         <p:spPr/>
         <p:txBody>
-          <a:bodyPr/>
+          <a:bodyPr>
+            <a:normAutofit fontScale="90000"/>
+          </a:bodyPr>
           <a:lstStyle/>
           <a:p>
             <a:r>
@@ -6783,7 +4042,7 @@
           <p:cNvPr id="4" name="TextBox 3">
             <a:extLst>
               <a:ext uri="{FF2B5EF4-FFF2-40B4-BE49-F238E27FC236}">
-                <a16:creationId xmlns:a16="http://schemas.microsoft.com/office/drawing/2014/main" id="{162637D6-1F5B-409E-89EE-A230BE04C66A}"/>
+                <a16:creationId xmlns="" xmlns:a16="http://schemas.microsoft.com/office/drawing/2014/main" id="{162637D6-1F5B-409E-89EE-A230BE04C66A}"/>
               </a:ext>
             </a:extLst>
           </p:cNvPr>
@@ -6843,7 +4102,7 @@
           <p:cNvPr id="6" name="TextBox 5">
             <a:extLst>
               <a:ext uri="{FF2B5EF4-FFF2-40B4-BE49-F238E27FC236}">
-                <a16:creationId xmlns:a16="http://schemas.microsoft.com/office/drawing/2014/main" id="{A0CCDD78-9D77-4021-BA2E-0E3A67FC2F7F}"/>
+                <a16:creationId xmlns="" xmlns:a16="http://schemas.microsoft.com/office/drawing/2014/main" id="{A0CCDD78-9D77-4021-BA2E-0E3A67FC2F7F}"/>
               </a:ext>
             </a:extLst>
           </p:cNvPr>
@@ -6903,7 +4162,7 @@
           <p:cNvPr id="8" name="TextBox 7">
             <a:extLst>
               <a:ext uri="{FF2B5EF4-FFF2-40B4-BE49-F238E27FC236}">
-                <a16:creationId xmlns:a16="http://schemas.microsoft.com/office/drawing/2014/main" id="{72AA650C-41C0-4108-9AB2-6D4190E04216}"/>
+                <a16:creationId xmlns="" xmlns:a16="http://schemas.microsoft.com/office/drawing/2014/main" id="{72AA650C-41C0-4108-9AB2-6D4190E04216}"/>
               </a:ext>
             </a:extLst>
           </p:cNvPr>
@@ -6943,7 +4202,7 @@
           <p:cNvPr id="10" name="TextBox 9">
             <a:extLst>
               <a:ext uri="{FF2B5EF4-FFF2-40B4-BE49-F238E27FC236}">
-                <a16:creationId xmlns:a16="http://schemas.microsoft.com/office/drawing/2014/main" id="{34E1C857-6AAE-4FDA-8BB2-C22AD825ECF3}"/>
+                <a16:creationId xmlns="" xmlns:a16="http://schemas.microsoft.com/office/drawing/2014/main" id="{34E1C857-6AAE-4FDA-8BB2-C22AD825ECF3}"/>
               </a:ext>
             </a:extLst>
           </p:cNvPr>
@@ -6991,7 +4250,7 @@
           <p:cNvPr id="12" name="TextBox 11">
             <a:extLst>
               <a:ext uri="{FF2B5EF4-FFF2-40B4-BE49-F238E27FC236}">
-                <a16:creationId xmlns:a16="http://schemas.microsoft.com/office/drawing/2014/main" id="{84AEE75D-67E8-42AF-8630-07927AD3CBAB}"/>
+                <a16:creationId xmlns="" xmlns:a16="http://schemas.microsoft.com/office/drawing/2014/main" id="{84AEE75D-67E8-42AF-8630-07927AD3CBAB}"/>
               </a:ext>
             </a:extLst>
           </p:cNvPr>
@@ -7082,7 +4341,7 @@
     </p:spTree>
     <p:extLst>
       <p:ext uri="{BB962C8B-B14F-4D97-AF65-F5344CB8AC3E}">
-        <p14:creationId xmlns:p14="http://schemas.microsoft.com/office/powerpoint/2010/main" val="1064036380"/>
+        <p14:creationId xmlns="" xmlns:p14="http://schemas.microsoft.com/office/powerpoint/2010/main" val="1064036380"/>
       </p:ext>
     </p:extLst>
   </p:cSld>
@@ -7114,7 +4373,7 @@
           <p:cNvPr id="4" name="TextBox 3">
             <a:extLst>
               <a:ext uri="{FF2B5EF4-FFF2-40B4-BE49-F238E27FC236}">
-                <a16:creationId xmlns:a16="http://schemas.microsoft.com/office/drawing/2014/main" id="{61400DC8-A6ED-4677-AB48-E9E403F47906}"/>
+                <a16:creationId xmlns="" xmlns:a16="http://schemas.microsoft.com/office/drawing/2014/main" id="{61400DC8-A6ED-4677-AB48-E9E403F47906}"/>
               </a:ext>
             </a:extLst>
           </p:cNvPr>
@@ -7165,7 +4424,7 @@
           <p:cNvPr id="6" name="TextBox 5">
             <a:extLst>
               <a:ext uri="{FF2B5EF4-FFF2-40B4-BE49-F238E27FC236}">
-                <a16:creationId xmlns:a16="http://schemas.microsoft.com/office/drawing/2014/main" id="{65C10884-3303-49AE-9C24-90451713BE95}"/>
+                <a16:creationId xmlns="" xmlns:a16="http://schemas.microsoft.com/office/drawing/2014/main" id="{65C10884-3303-49AE-9C24-90451713BE95}"/>
               </a:ext>
             </a:extLst>
           </p:cNvPr>
@@ -7212,7 +4471,7 @@
           <p:cNvPr id="8" name="TextBox 7">
             <a:extLst>
               <a:ext uri="{FF2B5EF4-FFF2-40B4-BE49-F238E27FC236}">
-                <a16:creationId xmlns:a16="http://schemas.microsoft.com/office/drawing/2014/main" id="{928892D2-0329-4032-844A-A919F732D881}"/>
+                <a16:creationId xmlns="" xmlns:a16="http://schemas.microsoft.com/office/drawing/2014/main" id="{928892D2-0329-4032-844A-A919F732D881}"/>
               </a:ext>
             </a:extLst>
           </p:cNvPr>
@@ -7264,7 +4523,7 @@
           <p:cNvPr id="10" name="TextBox 9">
             <a:extLst>
               <a:ext uri="{FF2B5EF4-FFF2-40B4-BE49-F238E27FC236}">
-                <a16:creationId xmlns:a16="http://schemas.microsoft.com/office/drawing/2014/main" id="{7030FB88-1877-40ED-8120-4B3AEA815955}"/>
+                <a16:creationId xmlns="" xmlns:a16="http://schemas.microsoft.com/office/drawing/2014/main" id="{7030FB88-1877-40ED-8120-4B3AEA815955}"/>
               </a:ext>
             </a:extLst>
           </p:cNvPr>
@@ -7307,7 +4566,7 @@
           <p:cNvPr id="12" name="TextBox 11">
             <a:extLst>
               <a:ext uri="{FF2B5EF4-FFF2-40B4-BE49-F238E27FC236}">
-                <a16:creationId xmlns:a16="http://schemas.microsoft.com/office/drawing/2014/main" id="{1B610B8A-A89D-49CE-9EC9-D799CA56363F}"/>
+                <a16:creationId xmlns="" xmlns:a16="http://schemas.microsoft.com/office/drawing/2014/main" id="{1B610B8A-A89D-49CE-9EC9-D799CA56363F}"/>
               </a:ext>
             </a:extLst>
           </p:cNvPr>
@@ -7367,7 +4626,7 @@
           <p:cNvPr id="14" name="TextBox 13">
             <a:extLst>
               <a:ext uri="{FF2B5EF4-FFF2-40B4-BE49-F238E27FC236}">
-                <a16:creationId xmlns:a16="http://schemas.microsoft.com/office/drawing/2014/main" id="{AD436399-CB52-4306-9214-8787CEDDD942}"/>
+                <a16:creationId xmlns="" xmlns:a16="http://schemas.microsoft.com/office/drawing/2014/main" id="{AD436399-CB52-4306-9214-8787CEDDD942}"/>
               </a:ext>
             </a:extLst>
           </p:cNvPr>
@@ -7526,7 +4785,7 @@
     </p:spTree>
     <p:extLst>
       <p:ext uri="{BB962C8B-B14F-4D97-AF65-F5344CB8AC3E}">
-        <p14:creationId xmlns:p14="http://schemas.microsoft.com/office/powerpoint/2010/main" val="3397975266"/>
+        <p14:creationId xmlns="" xmlns:p14="http://schemas.microsoft.com/office/powerpoint/2010/main" val="3397975266"/>
       </p:ext>
     </p:extLst>
   </p:cSld>
@@ -7558,7 +4817,7 @@
           <p:cNvPr id="3" name="TextBox 2">
             <a:extLst>
               <a:ext uri="{FF2B5EF4-FFF2-40B4-BE49-F238E27FC236}">
-                <a16:creationId xmlns:a16="http://schemas.microsoft.com/office/drawing/2014/main" id="{A1600593-32A9-4B74-A3B9-50E4FBC08A85}"/>
+                <a16:creationId xmlns="" xmlns:a16="http://schemas.microsoft.com/office/drawing/2014/main" id="{A1600593-32A9-4B74-A3B9-50E4FBC08A85}"/>
               </a:ext>
             </a:extLst>
           </p:cNvPr>
@@ -7683,7 +4942,7 @@
           <p:cNvPr id="5" name="TextBox 4">
             <a:extLst>
               <a:ext uri="{FF2B5EF4-FFF2-40B4-BE49-F238E27FC236}">
-                <a16:creationId xmlns:a16="http://schemas.microsoft.com/office/drawing/2014/main" id="{B158151A-A1DF-4391-B8E5-197AE760128C}"/>
+                <a16:creationId xmlns="" xmlns:a16="http://schemas.microsoft.com/office/drawing/2014/main" id="{B158151A-A1DF-4391-B8E5-197AE760128C}"/>
               </a:ext>
             </a:extLst>
           </p:cNvPr>
@@ -7722,7 +4981,7 @@
           <p:cNvPr id="7" name="TextBox 6">
             <a:extLst>
               <a:ext uri="{FF2B5EF4-FFF2-40B4-BE49-F238E27FC236}">
-                <a16:creationId xmlns:a16="http://schemas.microsoft.com/office/drawing/2014/main" id="{AB5DFF0E-F439-4C10-A6B8-967600B8D2DD}"/>
+                <a16:creationId xmlns="" xmlns:a16="http://schemas.microsoft.com/office/drawing/2014/main" id="{AB5DFF0E-F439-4C10-A6B8-967600B8D2DD}"/>
               </a:ext>
             </a:extLst>
           </p:cNvPr>
@@ -7953,7 +5212,7 @@
           <p:cNvPr id="9" name="TextBox 8">
             <a:extLst>
               <a:ext uri="{FF2B5EF4-FFF2-40B4-BE49-F238E27FC236}">
-                <a16:creationId xmlns:a16="http://schemas.microsoft.com/office/drawing/2014/main" id="{AEF39E3C-2906-4F4A-8998-AF55F0A1742D}"/>
+                <a16:creationId xmlns="" xmlns:a16="http://schemas.microsoft.com/office/drawing/2014/main" id="{AEF39E3C-2906-4F4A-8998-AF55F0A1742D}"/>
               </a:ext>
             </a:extLst>
           </p:cNvPr>
@@ -8030,7 +5289,7 @@
           <p:cNvPr id="11" name="TextBox 10">
             <a:extLst>
               <a:ext uri="{FF2B5EF4-FFF2-40B4-BE49-F238E27FC236}">
-                <a16:creationId xmlns:a16="http://schemas.microsoft.com/office/drawing/2014/main" id="{E0B5F927-1E9C-4E84-9E61-DF95EB373573}"/>
+                <a16:creationId xmlns="" xmlns:a16="http://schemas.microsoft.com/office/drawing/2014/main" id="{E0B5F927-1E9C-4E84-9E61-DF95EB373573}"/>
               </a:ext>
             </a:extLst>
           </p:cNvPr>
@@ -8557,7 +5816,7 @@
     </p:spTree>
     <p:extLst>
       <p:ext uri="{BB962C8B-B14F-4D97-AF65-F5344CB8AC3E}">
-        <p14:creationId xmlns:p14="http://schemas.microsoft.com/office/powerpoint/2010/main" val="873497968"/>
+        <p14:creationId xmlns="" xmlns:p14="http://schemas.microsoft.com/office/powerpoint/2010/main" val="873497968"/>
       </p:ext>
     </p:extLst>
   </p:cSld>
@@ -8589,7 +5848,7 @@
           <p:cNvPr id="3" name="TextBox 2">
             <a:extLst>
               <a:ext uri="{FF2B5EF4-FFF2-40B4-BE49-F238E27FC236}">
-                <a16:creationId xmlns:a16="http://schemas.microsoft.com/office/drawing/2014/main" id="{93E32A5E-4A1E-44E6-82A8-D413C65EFC1C}"/>
+                <a16:creationId xmlns="" xmlns:a16="http://schemas.microsoft.com/office/drawing/2014/main" id="{93E32A5E-4A1E-44E6-82A8-D413C65EFC1C}"/>
               </a:ext>
             </a:extLst>
           </p:cNvPr>
@@ -8628,7 +5887,7 @@
           <p:cNvPr id="6" name="TextBox 5">
             <a:extLst>
               <a:ext uri="{FF2B5EF4-FFF2-40B4-BE49-F238E27FC236}">
-                <a16:creationId xmlns:a16="http://schemas.microsoft.com/office/drawing/2014/main" id="{32702AEA-2BA3-4432-A7D5-84EEB621F365}"/>
+                <a16:creationId xmlns="" xmlns:a16="http://schemas.microsoft.com/office/drawing/2014/main" id="{32702AEA-2BA3-4432-A7D5-84EEB621F365}"/>
               </a:ext>
             </a:extLst>
           </p:cNvPr>
@@ -8714,7 +5973,7 @@
           <p:cNvPr id="8" name="TextBox 7">
             <a:extLst>
               <a:ext uri="{FF2B5EF4-FFF2-40B4-BE49-F238E27FC236}">
-                <a16:creationId xmlns:a16="http://schemas.microsoft.com/office/drawing/2014/main" id="{EAA14BE6-218C-473D-AC25-69F84CF76353}"/>
+                <a16:creationId xmlns="" xmlns:a16="http://schemas.microsoft.com/office/drawing/2014/main" id="{EAA14BE6-218C-473D-AC25-69F84CF76353}"/>
               </a:ext>
             </a:extLst>
           </p:cNvPr>
@@ -8781,7 +6040,7 @@
           <p:cNvPr id="12" name="TextBox 11">
             <a:extLst>
               <a:ext uri="{FF2B5EF4-FFF2-40B4-BE49-F238E27FC236}">
-                <a16:creationId xmlns:a16="http://schemas.microsoft.com/office/drawing/2014/main" id="{F6407CBD-4D4D-4B06-8E12-603E217A3067}"/>
+                <a16:creationId xmlns="" xmlns:a16="http://schemas.microsoft.com/office/drawing/2014/main" id="{F6407CBD-4D4D-4B06-8E12-603E217A3067}"/>
               </a:ext>
             </a:extLst>
           </p:cNvPr>
@@ -8820,7 +6079,7 @@
           <p:cNvPr id="14" name="TextBox 13">
             <a:extLst>
               <a:ext uri="{FF2B5EF4-FFF2-40B4-BE49-F238E27FC236}">
-                <a16:creationId xmlns:a16="http://schemas.microsoft.com/office/drawing/2014/main" id="{2625D3D1-7A51-4DFD-B4BD-5D0A701F8F91}"/>
+                <a16:creationId xmlns="" xmlns:a16="http://schemas.microsoft.com/office/drawing/2014/main" id="{2625D3D1-7A51-4DFD-B4BD-5D0A701F8F91}"/>
               </a:ext>
             </a:extLst>
           </p:cNvPr>
@@ -8864,7 +6123,7 @@
           <p:cNvPr id="16" name="TextBox 15">
             <a:extLst>
               <a:ext uri="{FF2B5EF4-FFF2-40B4-BE49-F238E27FC236}">
-                <a16:creationId xmlns:a16="http://schemas.microsoft.com/office/drawing/2014/main" id="{A25AD44A-C1FC-4D2C-922E-37521B38DCB9}"/>
+                <a16:creationId xmlns="" xmlns:a16="http://schemas.microsoft.com/office/drawing/2014/main" id="{A25AD44A-C1FC-4D2C-922E-37521B38DCB9}"/>
               </a:ext>
             </a:extLst>
           </p:cNvPr>
@@ -8927,7 +6186,7 @@
     </p:spTree>
     <p:extLst>
       <p:ext uri="{BB962C8B-B14F-4D97-AF65-F5344CB8AC3E}">
-        <p14:creationId xmlns:p14="http://schemas.microsoft.com/office/powerpoint/2010/main" val="2756327022"/>
+        <p14:creationId xmlns="" xmlns:p14="http://schemas.microsoft.com/office/powerpoint/2010/main" val="2756327022"/>
       </p:ext>
     </p:extLst>
   </p:cSld>
@@ -8959,7 +6218,7 @@
           <p:cNvPr id="4" name="Title 3">
             <a:extLst>
               <a:ext uri="{FF2B5EF4-FFF2-40B4-BE49-F238E27FC236}">
-                <a16:creationId xmlns:a16="http://schemas.microsoft.com/office/drawing/2014/main" id="{6A7E5E61-13E2-4755-865D-C70C8D050323}"/>
+                <a16:creationId xmlns="" xmlns:a16="http://schemas.microsoft.com/office/drawing/2014/main" id="{6A7E5E61-13E2-4755-865D-C70C8D050323}"/>
               </a:ext>
             </a:extLst>
           </p:cNvPr>
@@ -8987,7 +6246,7 @@
           <p:cNvPr id="5" name="Text Placeholder 4">
             <a:extLst>
               <a:ext uri="{FF2B5EF4-FFF2-40B4-BE49-F238E27FC236}">
-                <a16:creationId xmlns:a16="http://schemas.microsoft.com/office/drawing/2014/main" id="{FEA8CE66-7498-4D1A-B413-025DF799C0EE}"/>
+                <a16:creationId xmlns="" xmlns:a16="http://schemas.microsoft.com/office/drawing/2014/main" id="{FEA8CE66-7498-4D1A-B413-025DF799C0EE}"/>
               </a:ext>
             </a:extLst>
           </p:cNvPr>
@@ -9010,7 +6269,7 @@
     </p:spTree>
     <p:extLst>
       <p:ext uri="{BB962C8B-B14F-4D97-AF65-F5344CB8AC3E}">
-        <p14:creationId xmlns:p14="http://schemas.microsoft.com/office/powerpoint/2010/main" val="3749363430"/>
+        <p14:creationId xmlns="" xmlns:p14="http://schemas.microsoft.com/office/powerpoint/2010/main" val="3749363430"/>
       </p:ext>
     </p:extLst>
   </p:cSld>
@@ -9039,10 +6298,50 @@
       </p:grpSpPr>
       <p:sp>
         <p:nvSpPr>
+          <p:cNvPr id="7" name="Title 6">
+            <a:extLst>
+              <a:ext uri="{FF2B5EF4-FFF2-40B4-BE49-F238E27FC236}">
+                <a16:creationId xmlns="" xmlns:a16="http://schemas.microsoft.com/office/drawing/2014/main" id="{A98CFFBA-4B73-4197-AB28-2099EFCE123B}"/>
+              </a:ext>
+            </a:extLst>
+          </p:cNvPr>
+          <p:cNvSpPr>
+            <a:spLocks noGrp="1"/>
+          </p:cNvSpPr>
+          <p:nvPr>
+            <p:ph type="title"/>
+          </p:nvPr>
+        </p:nvSpPr>
+        <p:spPr/>
+        <p:txBody>
+          <a:bodyPr>
+            <a:normAutofit fontScale="90000"/>
+          </a:bodyPr>
+          <a:lstStyle/>
+          <a:p>
+            <a:r>
+              <a:rPr lang="en-IN" b="0" i="0" dirty="0">
+                <a:effectLst/>
+                <a:latin typeface="-apple-system"/>
+              </a:rPr>
+              <a:t>Angular Forms</a:t>
+            </a:r>
+            <a:br>
+              <a:rPr lang="en-IN" b="0" i="0" dirty="0">
+                <a:effectLst/>
+                <a:latin typeface="-apple-system"/>
+              </a:rPr>
+            </a:br>
+            <a:endParaRPr lang="en-IN" dirty="0"/>
+          </a:p>
+        </p:txBody>
+      </p:sp>
+      <p:sp>
+        <p:nvSpPr>
           <p:cNvPr id="5" name="Content Placeholder 4">
             <a:extLst>
               <a:ext uri="{FF2B5EF4-FFF2-40B4-BE49-F238E27FC236}">
-                <a16:creationId xmlns:a16="http://schemas.microsoft.com/office/drawing/2014/main" id="{823027E9-7DF7-4314-961A-FCDA9C424117}"/>
+                <a16:creationId xmlns="" xmlns:a16="http://schemas.microsoft.com/office/drawing/2014/main" id="{823027E9-7DF7-4314-961A-FCDA9C424117}"/>
               </a:ext>
             </a:extLst>
           </p:cNvPr>
@@ -9079,50 +6378,10 @@
       </p:sp>
       <p:sp>
         <p:nvSpPr>
-          <p:cNvPr id="7" name="Title 6">
-            <a:extLst>
-              <a:ext uri="{FF2B5EF4-FFF2-40B4-BE49-F238E27FC236}">
-                <a16:creationId xmlns:a16="http://schemas.microsoft.com/office/drawing/2014/main" id="{A98CFFBA-4B73-4197-AB28-2099EFCE123B}"/>
-              </a:ext>
-            </a:extLst>
-          </p:cNvPr>
-          <p:cNvSpPr>
-            <a:spLocks noGrp="1"/>
-          </p:cNvSpPr>
-          <p:nvPr>
-            <p:ph type="title"/>
-          </p:nvPr>
-        </p:nvSpPr>
-        <p:spPr/>
-        <p:txBody>
-          <a:bodyPr>
-            <a:normAutofit fontScale="90000"/>
-          </a:bodyPr>
-          <a:lstStyle/>
-          <a:p>
-            <a:r>
-              <a:rPr lang="en-IN" b="0" i="0" dirty="0">
-                <a:effectLst/>
-                <a:latin typeface="-apple-system"/>
-              </a:rPr>
-              <a:t>Angular Forms</a:t>
-            </a:r>
-            <a:br>
-              <a:rPr lang="en-IN" b="0" i="0" dirty="0">
-                <a:effectLst/>
-                <a:latin typeface="-apple-system"/>
-              </a:rPr>
-            </a:br>
-            <a:endParaRPr lang="en-IN" dirty="0"/>
-          </a:p>
-        </p:txBody>
-      </p:sp>
-      <p:sp>
-        <p:nvSpPr>
           <p:cNvPr id="6" name="TextBox 5">
             <a:extLst>
               <a:ext uri="{FF2B5EF4-FFF2-40B4-BE49-F238E27FC236}">
-                <a16:creationId xmlns:a16="http://schemas.microsoft.com/office/drawing/2014/main" id="{E5EB18A0-CF57-4331-BA72-D802B6880895}"/>
+                <a16:creationId xmlns="" xmlns:a16="http://schemas.microsoft.com/office/drawing/2014/main" id="{E5EB18A0-CF57-4331-BA72-D802B6880895}"/>
               </a:ext>
             </a:extLst>
           </p:cNvPr>
@@ -9147,6 +6406,16 @@
           <a:p>
             <a:pPr algn="l" fontAlgn="base"/>
             <a:r>
+              <a:rPr lang="en-US" b="0" i="0" dirty="0" smtClean="0">
+                <a:solidFill>
+                  <a:srgbClr val="000000"/>
+                </a:solidFill>
+                <a:effectLst/>
+                <a:latin typeface="-apple-system"/>
+              </a:rPr>
+              <a:t>The things forms  </a:t>
+            </a:r>
+            <a:r>
               <a:rPr lang="en-US" b="0" i="0" dirty="0">
                 <a:solidFill>
                   <a:srgbClr val="000000"/>
@@ -9154,7 +6423,7 @@
                 <a:effectLst/>
                 <a:latin typeface="-apple-system"/>
               </a:rPr>
-              <a:t>Some things forms are expected to do</a:t>
+              <a:t>are expected to do</a:t>
             </a:r>
           </a:p>
           <a:p>
@@ -9244,7 +6513,7 @@
           <p:cNvPr id="8" name="TextBox 7">
             <a:extLst>
               <a:ext uri="{FF2B5EF4-FFF2-40B4-BE49-F238E27FC236}">
-                <a16:creationId xmlns:a16="http://schemas.microsoft.com/office/drawing/2014/main" id="{7F606A44-CA97-45B4-AC91-C667CB36B91C}"/>
+                <a16:creationId xmlns="" xmlns:a16="http://schemas.microsoft.com/office/drawing/2014/main" id="{7F606A44-CA97-45B4-AC91-C667CB36B91C}"/>
               </a:ext>
             </a:extLst>
           </p:cNvPr>
@@ -9411,7 +6680,7 @@
     </p:spTree>
     <p:extLst>
       <p:ext uri="{BB962C8B-B14F-4D97-AF65-F5344CB8AC3E}">
-        <p14:creationId xmlns:p14="http://schemas.microsoft.com/office/powerpoint/2010/main" val="3912975597"/>
+        <p14:creationId xmlns="" xmlns:p14="http://schemas.microsoft.com/office/powerpoint/2010/main" val="3912975597"/>
       </p:ext>
     </p:extLst>
   </p:cSld>
@@ -9440,10 +6709,55 @@
       </p:grpSpPr>
       <p:sp>
         <p:nvSpPr>
+          <p:cNvPr id="7" name="Title 6">
+            <a:extLst>
+              <a:ext uri="{FF2B5EF4-FFF2-40B4-BE49-F238E27FC236}">
+                <a16:creationId xmlns="" xmlns:a16="http://schemas.microsoft.com/office/drawing/2014/main" id="{A98CFFBA-4B73-4197-AB28-2099EFCE123B}"/>
+              </a:ext>
+            </a:extLst>
+          </p:cNvPr>
+          <p:cNvSpPr>
+            <a:spLocks noGrp="1"/>
+          </p:cNvSpPr>
+          <p:nvPr>
+            <p:ph type="title"/>
+          </p:nvPr>
+        </p:nvSpPr>
+        <p:spPr>
+          <a:xfrm>
+            <a:off x="558800" y="142240"/>
+            <a:ext cx="10972800" cy="1143000"/>
+          </a:xfrm>
+        </p:spPr>
+        <p:txBody>
+          <a:bodyPr>
+            <a:normAutofit fontScale="90000"/>
+          </a:bodyPr>
+          <a:lstStyle/>
+          <a:p>
+            <a:r>
+              <a:rPr lang="en-IN" b="1" i="0" dirty="0">
+                <a:effectLst/>
+                <a:latin typeface="-apple-system"/>
+              </a:rPr>
+              <a:t>Template-driven forms approach</a:t>
+            </a:r>
+            <a:br>
+              <a:rPr lang="en-IN" b="1" i="0" dirty="0">
+                <a:effectLst/>
+                <a:latin typeface="-apple-system"/>
+              </a:rPr>
+            </a:br>
+            <a:endParaRPr lang="en-IN" dirty="0"/>
+          </a:p>
+        </p:txBody>
+      </p:sp>
+      <p:sp>
+        <p:nvSpPr>
           <p:cNvPr id="5" name="Content Placeholder 4">
             <a:extLst>
               <a:ext uri="{FF2B5EF4-FFF2-40B4-BE49-F238E27FC236}">
-                <a16:creationId xmlns:a16="http://schemas.microsoft.com/office/drawing/2014/main" id="{823027E9-7DF7-4314-961A-FCDA9C424117}"/>
+                <a16:creationId xmlns="" xmlns:a16="http://schemas.microsoft.com/office/drawing/2014/main" id="{823027E9-7DF7-4314-961A-FCDA9C424117}"/>
               </a:ext>
             </a:extLst>
           </p:cNvPr>
@@ -9498,50 +6812,10 @@
       </p:sp>
       <p:sp>
         <p:nvSpPr>
-          <p:cNvPr id="7" name="Title 6">
-            <a:extLst>
-              <a:ext uri="{FF2B5EF4-FFF2-40B4-BE49-F238E27FC236}">
-                <a16:creationId xmlns:a16="http://schemas.microsoft.com/office/drawing/2014/main" id="{A98CFFBA-4B73-4197-AB28-2099EFCE123B}"/>
-              </a:ext>
-            </a:extLst>
-          </p:cNvPr>
-          <p:cNvSpPr>
-            <a:spLocks noGrp="1"/>
-          </p:cNvSpPr>
-          <p:nvPr>
-            <p:ph type="title"/>
-          </p:nvPr>
-        </p:nvSpPr>
-        <p:spPr/>
-        <p:txBody>
-          <a:bodyPr>
-            <a:normAutofit fontScale="90000"/>
-          </a:bodyPr>
-          <a:lstStyle/>
-          <a:p>
-            <a:r>
-              <a:rPr lang="en-IN" b="1" i="0" dirty="0">
-                <a:effectLst/>
-                <a:latin typeface="-apple-system"/>
-              </a:rPr>
-              <a:t>Template-driven forms approach</a:t>
-            </a:r>
-            <a:br>
-              <a:rPr lang="en-IN" b="1" i="0" dirty="0">
-                <a:effectLst/>
-                <a:latin typeface="-apple-system"/>
-              </a:rPr>
-            </a:br>
-            <a:endParaRPr lang="en-IN" dirty="0"/>
-          </a:p>
-        </p:txBody>
-      </p:sp>
-      <p:sp>
-        <p:nvSpPr>
           <p:cNvPr id="2" name="Rectangle 1">
             <a:extLst>
               <a:ext uri="{FF2B5EF4-FFF2-40B4-BE49-F238E27FC236}">
-                <a16:creationId xmlns:a16="http://schemas.microsoft.com/office/drawing/2014/main" id="{267357EF-68A9-43C3-B014-BBB30355D465}"/>
+                <a16:creationId xmlns="" xmlns:a16="http://schemas.microsoft.com/office/drawing/2014/main" id="{267357EF-68A9-43C3-B014-BBB30355D465}"/>
               </a:ext>
             </a:extLst>
           </p:cNvPr>
@@ -9567,7 +6841,7 @@
           <a:effectLst/>
           <a:extLst>
             <a:ext uri="{91240B29-F687-4F45-9708-019B960494DF}">
-              <a14:hiddenLine xmlns:a14="http://schemas.microsoft.com/office/drawing/2010/main" w="9525">
+              <a14:hiddenLine xmlns="" xmlns:a14="http://schemas.microsoft.com/office/drawing/2010/main" w="9525">
                 <a:solidFill>
                   <a:schemeClr val="tx1"/>
                 </a:solidFill>
@@ -9577,7 +6851,7 @@
               </a14:hiddenLine>
             </a:ext>
             <a:ext uri="{AF507438-7753-43E0-B8FC-AC1667EBCBE1}">
-              <a14:hiddenEffects xmlns:a14="http://schemas.microsoft.com/office/drawing/2010/main">
+              <a14:hiddenEffects xmlns="" xmlns:a14="http://schemas.microsoft.com/office/drawing/2010/main">
                 <a:effectLst>
                   <a:outerShdw dist="35921" dir="2700000" algn="ctr" rotWithShape="0">
                     <a:schemeClr val="bg2"/>
@@ -9841,6 +7115,18 @@
               <a:buNone/>
               <a:tabLst/>
             </a:pPr>
+            <a:r>
+              <a:rPr kumimoji="0" lang="en-US" altLang="en-US" sz="2000" b="0" i="0" u="none" strike="noStrike" cap="none" normalizeH="0" baseline="0" dirty="0">
+                <a:ln>
+                  <a:noFill/>
+                </a:ln>
+                <a:solidFill>
+                  <a:schemeClr val="tx1"/>
+                </a:solidFill>
+                <a:effectLst/>
+              </a:rPr>
+              <a:t/>
+            </a:r>
             <a:br>
               <a:rPr kumimoji="0" lang="en-US" altLang="en-US" sz="2000" b="0" i="0" u="none" strike="noStrike" cap="none" normalizeH="0" baseline="0" dirty="0">
                 <a:ln>
@@ -9870,7 +7156,7 @@
           <p:cNvPr id="6" name="TextBox 5">
             <a:extLst>
               <a:ext uri="{FF2B5EF4-FFF2-40B4-BE49-F238E27FC236}">
-                <a16:creationId xmlns:a16="http://schemas.microsoft.com/office/drawing/2014/main" id="{C52E483D-59B5-4647-B0FE-B054C44EBC5E}"/>
+                <a16:creationId xmlns="" xmlns:a16="http://schemas.microsoft.com/office/drawing/2014/main" id="{C52E483D-59B5-4647-B0FE-B054C44EBC5E}"/>
               </a:ext>
             </a:extLst>
           </p:cNvPr>
@@ -9920,7 +7206,7 @@
           <p:cNvPr id="4" name="Rectangle 2">
             <a:extLst>
               <a:ext uri="{FF2B5EF4-FFF2-40B4-BE49-F238E27FC236}">
-                <a16:creationId xmlns:a16="http://schemas.microsoft.com/office/drawing/2014/main" id="{ECB90D0F-DF64-49D6-A2FE-12B5BF064DC6}"/>
+                <a16:creationId xmlns="" xmlns:a16="http://schemas.microsoft.com/office/drawing/2014/main" id="{ECB90D0F-DF64-49D6-A2FE-12B5BF064DC6}"/>
               </a:ext>
             </a:extLst>
           </p:cNvPr>
@@ -9946,7 +7232,7 @@
           <a:effectLst/>
           <a:extLst>
             <a:ext uri="{91240B29-F687-4F45-9708-019B960494DF}">
-              <a14:hiddenLine xmlns:a14="http://schemas.microsoft.com/office/drawing/2010/main" w="9525">
+              <a14:hiddenLine xmlns="" xmlns:a14="http://schemas.microsoft.com/office/drawing/2010/main" w="9525">
                 <a:solidFill>
                   <a:schemeClr val="tx1"/>
                 </a:solidFill>
@@ -9956,7 +7242,7 @@
               </a14:hiddenLine>
             </a:ext>
             <a:ext uri="{AF507438-7753-43E0-B8FC-AC1667EBCBE1}">
-              <a14:hiddenEffects xmlns:a14="http://schemas.microsoft.com/office/drawing/2010/main">
+              <a14:hiddenEffects xmlns="" xmlns:a14="http://schemas.microsoft.com/office/drawing/2010/main">
                 <a:effectLst>
                   <a:outerShdw dist="35921" dir="2700000" algn="ctr" rotWithShape="0">
                     <a:schemeClr val="bg2"/>
@@ -10179,7 +7465,7 @@
           <p:cNvPr id="8" name="Rectangle 3">
             <a:extLst>
               <a:ext uri="{FF2B5EF4-FFF2-40B4-BE49-F238E27FC236}">
-                <a16:creationId xmlns:a16="http://schemas.microsoft.com/office/drawing/2014/main" id="{5CC110AC-91CB-4E9B-87D0-6A950A237189}"/>
+                <a16:creationId xmlns="" xmlns:a16="http://schemas.microsoft.com/office/drawing/2014/main" id="{5CC110AC-91CB-4E9B-87D0-6A950A237189}"/>
               </a:ext>
             </a:extLst>
           </p:cNvPr>
@@ -10190,8 +7476,8 @@
         </p:nvSpPr>
         <p:spPr bwMode="auto">
           <a:xfrm>
-            <a:off x="695206" y="5096272"/>
-            <a:ext cx="9144211" cy="1231106"/>
+            <a:off x="644406" y="5106432"/>
+            <a:ext cx="9144211" cy="1568688"/>
           </a:xfrm>
           <a:prstGeom prst="rect">
             <a:avLst/>
@@ -10205,7 +7491,7 @@
           <a:effectLst/>
           <a:extLst>
             <a:ext uri="{91240B29-F687-4F45-9708-019B960494DF}">
-              <a14:hiddenLine xmlns:a14="http://schemas.microsoft.com/office/drawing/2010/main" w="9525">
+              <a14:hiddenLine xmlns="" xmlns:a14="http://schemas.microsoft.com/office/drawing/2010/main" w="9525">
                 <a:solidFill>
                   <a:schemeClr val="tx1"/>
                 </a:solidFill>
@@ -10215,7 +7501,7 @@
               </a14:hiddenLine>
             </a:ext>
             <a:ext uri="{AF507438-7753-43E0-B8FC-AC1667EBCBE1}">
-              <a14:hiddenEffects xmlns:a14="http://schemas.microsoft.com/office/drawing/2010/main">
+              <a14:hiddenEffects xmlns="" xmlns:a14="http://schemas.microsoft.com/office/drawing/2010/main">
                 <a:effectLst>
                   <a:outerShdw dist="35921" dir="2700000" algn="ctr" rotWithShape="0">
                     <a:schemeClr val="bg2"/>
@@ -10378,7 +7664,7 @@
               <a:tabLst/>
             </a:pPr>
             <a:r>
-              <a:rPr kumimoji="0" lang="en-US" altLang="en-US" sz="2000" b="0" i="0" u="none" strike="noStrike" cap="none" normalizeH="0" baseline="0">
+              <a:rPr kumimoji="0" lang="en-US" altLang="en-US" sz="2000" b="0" i="0" u="none" strike="noStrike" cap="none" normalizeH="0" baseline="0" dirty="0">
                 <a:ln>
                   <a:noFill/>
                 </a:ln>
@@ -10388,24 +7674,23 @@
                 <a:effectLst/>
                 <a:latin typeface="-apple-system"/>
               </a:rPr>
-              <a:t>When we include FormsModule, the Angular is going to look out for any &lt;form&gt; tag in our HTML template. Angular does this via ngForm </a:t>
-            </a:r>
-            <a:r>
-              <a:rPr kumimoji="0" lang="en-US" altLang="en-US" sz="2000" b="0" i="0" u="none" strike="noStrike" cap="none" normalizeH="0" baseline="0">
+              <a:t>When we include </a:t>
+            </a:r>
+            <a:r>
+              <a:rPr kumimoji="0" lang="en-US" altLang="en-US" sz="2000" b="0" i="0" u="none" strike="noStrike" cap="none" normalizeH="0" baseline="0" dirty="0" err="1">
                 <a:ln>
                   <a:noFill/>
                 </a:ln>
                 <a:solidFill>
-                  <a:schemeClr val="tx1"/>
+                  <a:srgbClr val="000000"/>
                 </a:solidFill>
                 <a:effectLst/>
                 <a:latin typeface="-apple-system"/>
-                <a:hlinkClick r:id="rId3"/>
-              </a:rPr>
-              <a:t>directive</a:t>
-            </a:r>
-            <a:r>
-              <a:rPr kumimoji="0" lang="en-US" altLang="en-US" sz="2000" b="0" i="0" u="none" strike="noStrike" cap="none" normalizeH="0" baseline="0">
+              </a:rPr>
+              <a:t>FormsModule</a:t>
+            </a:r>
+            <a:r>
+              <a:rPr kumimoji="0" lang="en-US" altLang="en-US" sz="2000" b="0" i="0" u="none" strike="noStrike" cap="none" normalizeH="0" baseline="0" dirty="0">
                 <a:ln>
                   <a:noFill/>
                 </a:ln>
@@ -10415,14 +7700,119 @@
                 <a:effectLst/>
                 <a:latin typeface="-apple-system"/>
               </a:rPr>
-              <a:t>. ngForm directive automatically detects the &lt;form&gt; tag and automatically binds to it. You do not have to do anything on your part to invoke and bind the ngForm directive.</a:t>
-            </a:r>
-            <a:r>
-              <a:rPr kumimoji="0" lang="en-US" altLang="en-US" sz="2000" b="0" i="0" u="none" strike="noStrike" cap="none" normalizeH="0" baseline="0">
+              <a:t>, the Angular is going to look out for any &lt;form&gt; tag in our HTML template. Angular does this via </a:t>
+            </a:r>
+            <a:r>
+              <a:rPr kumimoji="0" lang="en-US" altLang="en-US" sz="2000" b="0" i="0" u="none" strike="noStrike" cap="none" normalizeH="0" baseline="0" dirty="0" err="1">
                 <a:ln>
                   <a:noFill/>
                 </a:ln>
                 <a:solidFill>
+                  <a:srgbClr val="000000"/>
+                </a:solidFill>
+                <a:effectLst/>
+                <a:latin typeface="-apple-system"/>
+              </a:rPr>
+              <a:t>ngForm</a:t>
+            </a:r>
+            <a:r>
+              <a:rPr kumimoji="0" lang="en-US" altLang="en-US" sz="2000" b="0" i="0" u="none" strike="noStrike" cap="none" normalizeH="0" baseline="0" dirty="0">
+                <a:ln>
+                  <a:noFill/>
+                </a:ln>
+                <a:solidFill>
+                  <a:srgbClr val="000000"/>
+                </a:solidFill>
+                <a:effectLst/>
+                <a:latin typeface="-apple-system"/>
+              </a:rPr>
+              <a:t> </a:t>
+            </a:r>
+            <a:r>
+              <a:rPr kumimoji="0" lang="en-US" altLang="en-US" sz="2000" b="0" i="0" u="none" strike="noStrike" cap="none" normalizeH="0" baseline="0" dirty="0">
+                <a:ln>
+                  <a:noFill/>
+                </a:ln>
+                <a:solidFill>
+                  <a:schemeClr val="tx1"/>
+                </a:solidFill>
+                <a:effectLst/>
+                <a:latin typeface="-apple-system"/>
+                <a:hlinkClick r:id="rId3"/>
+              </a:rPr>
+              <a:t>directive</a:t>
+            </a:r>
+            <a:r>
+              <a:rPr kumimoji="0" lang="en-US" altLang="en-US" sz="2000" b="0" i="0" u="none" strike="noStrike" cap="none" normalizeH="0" baseline="0" dirty="0">
+                <a:ln>
+                  <a:noFill/>
+                </a:ln>
+                <a:solidFill>
+                  <a:srgbClr val="000000"/>
+                </a:solidFill>
+                <a:effectLst/>
+                <a:latin typeface="-apple-system"/>
+              </a:rPr>
+              <a:t>. </a:t>
+            </a:r>
+            <a:r>
+              <a:rPr kumimoji="0" lang="en-US" altLang="en-US" sz="2000" b="0" i="0" u="none" strike="noStrike" cap="none" normalizeH="0" baseline="0" dirty="0" err="1">
+                <a:ln>
+                  <a:noFill/>
+                </a:ln>
+                <a:solidFill>
+                  <a:srgbClr val="000000"/>
+                </a:solidFill>
+                <a:effectLst/>
+                <a:latin typeface="-apple-system"/>
+              </a:rPr>
+              <a:t>ngForm</a:t>
+            </a:r>
+            <a:r>
+              <a:rPr kumimoji="0" lang="en-US" altLang="en-US" sz="2000" b="0" i="0" u="none" strike="noStrike" cap="none" normalizeH="0" baseline="0" dirty="0">
+                <a:ln>
+                  <a:noFill/>
+                </a:ln>
+                <a:solidFill>
+                  <a:srgbClr val="000000"/>
+                </a:solidFill>
+                <a:effectLst/>
+                <a:latin typeface="-apple-system"/>
+              </a:rPr>
+              <a:t> directive automatically detects the &lt;form&gt; tag and automatically binds to it. You do not have to do anything on your part to invoke and bind the </a:t>
+            </a:r>
+            <a:r>
+              <a:rPr kumimoji="0" lang="en-US" altLang="en-US" sz="2000" b="0" i="0" u="none" strike="noStrike" cap="none" normalizeH="0" baseline="0" dirty="0" err="1">
+                <a:ln>
+                  <a:noFill/>
+                </a:ln>
+                <a:solidFill>
+                  <a:srgbClr val="000000"/>
+                </a:solidFill>
+                <a:effectLst/>
+                <a:latin typeface="-apple-system"/>
+              </a:rPr>
+              <a:t>ngForm</a:t>
+            </a:r>
+            <a:r>
+              <a:rPr kumimoji="0" lang="en-US" altLang="en-US" sz="2000" b="0" i="0" u="none" strike="noStrike" cap="none" normalizeH="0" baseline="0" dirty="0">
+                <a:ln>
+                  <a:noFill/>
+                </a:ln>
+                <a:solidFill>
+                  <a:srgbClr val="000000"/>
+                </a:solidFill>
+                <a:effectLst/>
+                <a:latin typeface="-apple-system"/>
+              </a:rPr>
+              <a:t> directive.</a:t>
+            </a:r>
+            <a:r>
+              <a:rPr kumimoji="0" lang="en-US" altLang="en-US" sz="2000" b="0" i="0" u="none" strike="noStrike" cap="none" normalizeH="0" baseline="0" dirty="0">
+                <a:ln>
+                  <a:noFill/>
+                </a:ln>
+                <a:solidFill>
                   <a:schemeClr val="tx1"/>
                 </a:solidFill>
                 <a:effectLst/>
@@ -10435,7 +7825,7 @@
     </p:spTree>
     <p:extLst>
       <p:ext uri="{BB962C8B-B14F-4D97-AF65-F5344CB8AC3E}">
-        <p14:creationId xmlns:p14="http://schemas.microsoft.com/office/powerpoint/2010/main" val="214724878"/>
+        <p14:creationId xmlns="" xmlns:p14="http://schemas.microsoft.com/office/powerpoint/2010/main" val="214724878"/>
       </p:ext>
     </p:extLst>
   </p:cSld>
@@ -10467,7 +7857,7 @@
           <p:cNvPr id="2" name="Title 1">
             <a:extLst>
               <a:ext uri="{FF2B5EF4-FFF2-40B4-BE49-F238E27FC236}">
-                <a16:creationId xmlns:a16="http://schemas.microsoft.com/office/drawing/2014/main" id="{295882D8-C87F-4259-AB58-3B7A88ED2E78}"/>
+                <a16:creationId xmlns="" xmlns:a16="http://schemas.microsoft.com/office/drawing/2014/main" id="{295882D8-C87F-4259-AB58-3B7A88ED2E78}"/>
               </a:ext>
             </a:extLst>
           </p:cNvPr>
@@ -10495,7 +7885,7 @@
           <a:effectLst/>
           <a:extLst>
             <a:ext uri="{91240B29-F687-4F45-9708-019B960494DF}">
-              <a14:hiddenLine xmlns:a14="http://schemas.microsoft.com/office/drawing/2010/main" w="9525">
+              <a14:hiddenLine xmlns="" xmlns:a14="http://schemas.microsoft.com/office/drawing/2010/main" w="9525">
                 <a:solidFill>
                   <a:schemeClr val="tx1"/>
                 </a:solidFill>
@@ -10505,7 +7895,7 @@
               </a14:hiddenLine>
             </a:ext>
             <a:ext uri="{AF507438-7753-43E0-B8FC-AC1667EBCBE1}">
-              <a14:hiddenEffects xmlns:a14="http://schemas.microsoft.com/office/drawing/2010/main">
+              <a14:hiddenEffects xmlns="" xmlns:a14="http://schemas.microsoft.com/office/drawing/2010/main">
                 <a:effectLst>
                   <a:outerShdw dist="35921" dir="2700000" algn="ctr" rotWithShape="0">
                     <a:schemeClr val="bg2"/>
@@ -10736,7 +8126,7 @@
           <p:cNvPr id="3" name="Content Placeholder 2">
             <a:extLst>
               <a:ext uri="{FF2B5EF4-FFF2-40B4-BE49-F238E27FC236}">
-                <a16:creationId xmlns:a16="http://schemas.microsoft.com/office/drawing/2014/main" id="{4CDE88C5-3081-42F3-A3EE-FF04284B095B}"/>
+                <a16:creationId xmlns="" xmlns:a16="http://schemas.microsoft.com/office/drawing/2014/main" id="{4CDE88C5-3081-42F3-A3EE-FF04284B095B}"/>
               </a:ext>
             </a:extLst>
           </p:cNvPr>
@@ -10764,7 +8154,7 @@
           <a:effectLst/>
           <a:extLst>
             <a:ext uri="{91240B29-F687-4F45-9708-019B960494DF}">
-              <a14:hiddenLine xmlns:a14="http://schemas.microsoft.com/office/drawing/2010/main" w="9525">
+              <a14:hiddenLine xmlns="" xmlns:a14="http://schemas.microsoft.com/office/drawing/2010/main" w="9525">
                 <a:solidFill>
                   <a:schemeClr val="tx1"/>
                 </a:solidFill>
@@ -10774,7 +8164,7 @@
               </a14:hiddenLine>
             </a:ext>
             <a:ext uri="{AF507438-7753-43E0-B8FC-AC1667EBCBE1}">
-              <a14:hiddenEffects xmlns:a14="http://schemas.microsoft.com/office/drawing/2010/main">
+              <a14:hiddenEffects xmlns="" xmlns:a14="http://schemas.microsoft.com/office/drawing/2010/main">
                 <a:effectLst>
                   <a:outerShdw dist="35921" dir="2700000" algn="ctr" rotWithShape="0">
                     <a:schemeClr val="bg2"/>
@@ -11109,7 +8499,7 @@
           <p:cNvPr id="8" name="TextBox 7">
             <a:extLst>
               <a:ext uri="{FF2B5EF4-FFF2-40B4-BE49-F238E27FC236}">
-                <a16:creationId xmlns:a16="http://schemas.microsoft.com/office/drawing/2014/main" id="{42C6A23F-086A-4773-ABFB-CE076F59929A}"/>
+                <a16:creationId xmlns="" xmlns:a16="http://schemas.microsoft.com/office/drawing/2014/main" id="{42C6A23F-086A-4773-ABFB-CE076F59929A}"/>
               </a:ext>
             </a:extLst>
           </p:cNvPr>
@@ -11152,7 +8542,7 @@
           <p:cNvPr id="10" name="TextBox 9">
             <a:extLst>
               <a:ext uri="{FF2B5EF4-FFF2-40B4-BE49-F238E27FC236}">
-                <a16:creationId xmlns:a16="http://schemas.microsoft.com/office/drawing/2014/main" id="{B038FB0A-FE84-4DF8-A03F-E603E77D2D0E}"/>
+                <a16:creationId xmlns="" xmlns:a16="http://schemas.microsoft.com/office/drawing/2014/main" id="{B038FB0A-FE84-4DF8-A03F-E603E77D2D0E}"/>
               </a:ext>
             </a:extLst>
           </p:cNvPr>
@@ -11216,7 +8606,7 @@
           <p:cNvPr id="12" name="TextBox 11">
             <a:extLst>
               <a:ext uri="{FF2B5EF4-FFF2-40B4-BE49-F238E27FC236}">
-                <a16:creationId xmlns:a16="http://schemas.microsoft.com/office/drawing/2014/main" id="{D38317A0-6BD8-40C7-9FEB-600A6271D1B4}"/>
+                <a16:creationId xmlns="" xmlns:a16="http://schemas.microsoft.com/office/drawing/2014/main" id="{D38317A0-6BD8-40C7-9FEB-600A6271D1B4}"/>
               </a:ext>
             </a:extLst>
           </p:cNvPr>
@@ -11255,7 +8645,7 @@
           <p:cNvPr id="14" name="TextBox 13">
             <a:extLst>
               <a:ext uri="{FF2B5EF4-FFF2-40B4-BE49-F238E27FC236}">
-                <a16:creationId xmlns:a16="http://schemas.microsoft.com/office/drawing/2014/main" id="{A0F6D07C-EF5E-489B-9BAD-18EB489FF670}"/>
+                <a16:creationId xmlns="" xmlns:a16="http://schemas.microsoft.com/office/drawing/2014/main" id="{A0F6D07C-EF5E-489B-9BAD-18EB489FF670}"/>
               </a:ext>
             </a:extLst>
           </p:cNvPr>
@@ -11323,7 +8713,7 @@
           <p:cNvPr id="16" name="TextBox 15">
             <a:extLst>
               <a:ext uri="{FF2B5EF4-FFF2-40B4-BE49-F238E27FC236}">
-                <a16:creationId xmlns:a16="http://schemas.microsoft.com/office/drawing/2014/main" id="{3A91EED8-6507-4AB6-B81F-DC3574427F1C}"/>
+                <a16:creationId xmlns="" xmlns:a16="http://schemas.microsoft.com/office/drawing/2014/main" id="{3A91EED8-6507-4AB6-B81F-DC3574427F1C}"/>
               </a:ext>
             </a:extLst>
           </p:cNvPr>
@@ -11473,7 +8863,7 @@
     </p:spTree>
     <p:extLst>
       <p:ext uri="{BB962C8B-B14F-4D97-AF65-F5344CB8AC3E}">
-        <p14:creationId xmlns:p14="http://schemas.microsoft.com/office/powerpoint/2010/main" val="2024268084"/>
+        <p14:creationId xmlns="" xmlns:p14="http://schemas.microsoft.com/office/powerpoint/2010/main" val="2024268084"/>
       </p:ext>
     </p:extLst>
   </p:cSld>
@@ -11505,7 +8895,7 @@
           <p:cNvPr id="2" name="Title 1">
             <a:extLst>
               <a:ext uri="{FF2B5EF4-FFF2-40B4-BE49-F238E27FC236}">
-                <a16:creationId xmlns:a16="http://schemas.microsoft.com/office/drawing/2014/main" id="{06CFE8DC-F624-48F5-BE03-F7BF3EAECE42}"/>
+                <a16:creationId xmlns="" xmlns:a16="http://schemas.microsoft.com/office/drawing/2014/main" id="{06CFE8DC-F624-48F5-BE03-F7BF3EAECE42}"/>
               </a:ext>
             </a:extLst>
           </p:cNvPr>
@@ -11518,7 +8908,9 @@
         </p:nvSpPr>
         <p:spPr/>
         <p:txBody>
-          <a:bodyPr/>
+          <a:bodyPr>
+            <a:normAutofit fontScale="90000"/>
+          </a:bodyPr>
           <a:lstStyle/>
           <a:p>
             <a:r>
@@ -11543,7 +8935,7 @@
           <p:cNvPr id="4" name="TextBox 3">
             <a:extLst>
               <a:ext uri="{FF2B5EF4-FFF2-40B4-BE49-F238E27FC236}">
-                <a16:creationId xmlns:a16="http://schemas.microsoft.com/office/drawing/2014/main" id="{F9E3B428-8A22-4E7A-804F-1940FA2B1617}"/>
+                <a16:creationId xmlns="" xmlns:a16="http://schemas.microsoft.com/office/drawing/2014/main" id="{F9E3B428-8A22-4E7A-804F-1940FA2B1617}"/>
               </a:ext>
             </a:extLst>
           </p:cNvPr>
@@ -11619,7 +9011,7 @@
           <p:cNvPr id="6" name="TextBox 5">
             <a:extLst>
               <a:ext uri="{FF2B5EF4-FFF2-40B4-BE49-F238E27FC236}">
-                <a16:creationId xmlns:a16="http://schemas.microsoft.com/office/drawing/2014/main" id="{C1273648-4E4F-4A74-A1D7-87BDCB6A9371}"/>
+                <a16:creationId xmlns="" xmlns:a16="http://schemas.microsoft.com/office/drawing/2014/main" id="{C1273648-4E4F-4A74-A1D7-87BDCB6A9371}"/>
               </a:ext>
             </a:extLst>
           </p:cNvPr>
@@ -11696,7 +9088,7 @@
           <p:cNvPr id="8" name="TextBox 7">
             <a:extLst>
               <a:ext uri="{FF2B5EF4-FFF2-40B4-BE49-F238E27FC236}">
-                <a16:creationId xmlns:a16="http://schemas.microsoft.com/office/drawing/2014/main" id="{12363146-5089-418B-B911-FCD59328A6B3}"/>
+                <a16:creationId xmlns="" xmlns:a16="http://schemas.microsoft.com/office/drawing/2014/main" id="{12363146-5089-418B-B911-FCD59328A6B3}"/>
               </a:ext>
             </a:extLst>
           </p:cNvPr>
@@ -12475,7 +9867,7 @@
           <p:cNvPr id="11" name="TextBox 10">
             <a:extLst>
               <a:ext uri="{FF2B5EF4-FFF2-40B4-BE49-F238E27FC236}">
-                <a16:creationId xmlns:a16="http://schemas.microsoft.com/office/drawing/2014/main" id="{6B680078-0064-4E32-80E4-4E3BF6399CE4}"/>
+                <a16:creationId xmlns="" xmlns:a16="http://schemas.microsoft.com/office/drawing/2014/main" id="{6B680078-0064-4E32-80E4-4E3BF6399CE4}"/>
               </a:ext>
             </a:extLst>
           </p:cNvPr>
@@ -12517,7 +9909,7 @@
     </p:spTree>
     <p:extLst>
       <p:ext uri="{BB962C8B-B14F-4D97-AF65-F5344CB8AC3E}">
-        <p14:creationId xmlns:p14="http://schemas.microsoft.com/office/powerpoint/2010/main" val="4128361539"/>
+        <p14:creationId xmlns="" xmlns:p14="http://schemas.microsoft.com/office/powerpoint/2010/main" val="4128361539"/>
       </p:ext>
     </p:extLst>
   </p:cSld>
@@ -12549,7 +9941,7 @@
           <p:cNvPr id="2" name="Title 1">
             <a:extLst>
               <a:ext uri="{FF2B5EF4-FFF2-40B4-BE49-F238E27FC236}">
-                <a16:creationId xmlns:a16="http://schemas.microsoft.com/office/drawing/2014/main" id="{392D0B4F-12DA-4E2F-8239-605F3D1DAE1C}"/>
+                <a16:creationId xmlns="" xmlns:a16="http://schemas.microsoft.com/office/drawing/2014/main" id="{392D0B4F-12DA-4E2F-8239-605F3D1DAE1C}"/>
               </a:ext>
             </a:extLst>
           </p:cNvPr>
@@ -12562,7 +9954,9 @@
         </p:nvSpPr>
         <p:spPr/>
         <p:txBody>
-          <a:bodyPr/>
+          <a:bodyPr>
+            <a:normAutofit fontScale="90000"/>
+          </a:bodyPr>
           <a:lstStyle/>
           <a:p>
             <a:r>
@@ -12587,7 +9981,7 @@
           <p:cNvPr id="4" name="TextBox 3">
             <a:extLst>
               <a:ext uri="{FF2B5EF4-FFF2-40B4-BE49-F238E27FC236}">
-                <a16:creationId xmlns:a16="http://schemas.microsoft.com/office/drawing/2014/main" id="{848243FF-5BCC-4235-A427-AB155924C583}"/>
+                <a16:creationId xmlns="" xmlns:a16="http://schemas.microsoft.com/office/drawing/2014/main" id="{848243FF-5BCC-4235-A427-AB155924C583}"/>
               </a:ext>
             </a:extLst>
           </p:cNvPr>
@@ -12638,7 +10032,7 @@
           <p:cNvPr id="6" name="TextBox 5">
             <a:extLst>
               <a:ext uri="{FF2B5EF4-FFF2-40B4-BE49-F238E27FC236}">
-                <a16:creationId xmlns:a16="http://schemas.microsoft.com/office/drawing/2014/main" id="{F7B119F5-E043-4BCE-9F31-1A8A44E5AA6C}"/>
+                <a16:creationId xmlns="" xmlns:a16="http://schemas.microsoft.com/office/drawing/2014/main" id="{F7B119F5-E043-4BCE-9F31-1A8A44E5AA6C}"/>
               </a:ext>
             </a:extLst>
           </p:cNvPr>
@@ -12835,7 +10229,7 @@
     </p:spTree>
     <p:extLst>
       <p:ext uri="{BB962C8B-B14F-4D97-AF65-F5344CB8AC3E}">
-        <p14:creationId xmlns:p14="http://schemas.microsoft.com/office/powerpoint/2010/main" val="2236679967"/>
+        <p14:creationId xmlns="" xmlns:p14="http://schemas.microsoft.com/office/powerpoint/2010/main" val="2236679967"/>
       </p:ext>
     </p:extLst>
   </p:cSld>
@@ -12867,7 +10261,7 @@
           <p:cNvPr id="4" name="TextBox 3">
             <a:extLst>
               <a:ext uri="{FF2B5EF4-FFF2-40B4-BE49-F238E27FC236}">
-                <a16:creationId xmlns:a16="http://schemas.microsoft.com/office/drawing/2014/main" id="{596AB309-F93A-4C7E-96FE-A5968FAC7920}"/>
+                <a16:creationId xmlns="" xmlns:a16="http://schemas.microsoft.com/office/drawing/2014/main" id="{596AB309-F93A-4C7E-96FE-A5968FAC7920}"/>
               </a:ext>
             </a:extLst>
           </p:cNvPr>
@@ -12935,7 +10329,7 @@
           <p:cNvPr id="6" name="TextBox 5">
             <a:extLst>
               <a:ext uri="{FF2B5EF4-FFF2-40B4-BE49-F238E27FC236}">
-                <a16:creationId xmlns:a16="http://schemas.microsoft.com/office/drawing/2014/main" id="{59B8E5EB-272E-46E5-8B3C-69DF1D5EA48F}"/>
+                <a16:creationId xmlns="" xmlns:a16="http://schemas.microsoft.com/office/drawing/2014/main" id="{59B8E5EB-272E-46E5-8B3C-69DF1D5EA48F}"/>
               </a:ext>
             </a:extLst>
           </p:cNvPr>
@@ -13017,7 +10411,7 @@
           <p:cNvPr id="8" name="TextBox 7">
             <a:extLst>
               <a:ext uri="{FF2B5EF4-FFF2-40B4-BE49-F238E27FC236}">
-                <a16:creationId xmlns:a16="http://schemas.microsoft.com/office/drawing/2014/main" id="{3214A5AB-C8AE-495C-90CA-A395BBD38EC6}"/>
+                <a16:creationId xmlns="" xmlns:a16="http://schemas.microsoft.com/office/drawing/2014/main" id="{3214A5AB-C8AE-495C-90CA-A395BBD38EC6}"/>
               </a:ext>
             </a:extLst>
           </p:cNvPr>
@@ -13087,7 +10481,7 @@
     </p:spTree>
     <p:extLst>
       <p:ext uri="{BB962C8B-B14F-4D97-AF65-F5344CB8AC3E}">
-        <p14:creationId xmlns:p14="http://schemas.microsoft.com/office/powerpoint/2010/main" val="1154937910"/>
+        <p14:creationId xmlns="" xmlns:p14="http://schemas.microsoft.com/office/powerpoint/2010/main" val="1154937910"/>
       </p:ext>
     </p:extLst>
   </p:cSld>
@@ -13119,7 +10513,7 @@
           <p:cNvPr id="2" name="Title 1">
             <a:extLst>
               <a:ext uri="{FF2B5EF4-FFF2-40B4-BE49-F238E27FC236}">
-                <a16:creationId xmlns:a16="http://schemas.microsoft.com/office/drawing/2014/main" id="{D389B23F-39C7-41DE-A3B7-73871C606D55}"/>
+                <a16:creationId xmlns="" xmlns:a16="http://schemas.microsoft.com/office/drawing/2014/main" id="{D389B23F-39C7-41DE-A3B7-73871C606D55}"/>
               </a:ext>
             </a:extLst>
           </p:cNvPr>
@@ -13147,7 +10541,7 @@
           <p:cNvPr id="3" name="Text Placeholder 2">
             <a:extLst>
               <a:ext uri="{FF2B5EF4-FFF2-40B4-BE49-F238E27FC236}">
-                <a16:creationId xmlns:a16="http://schemas.microsoft.com/office/drawing/2014/main" id="{ADE287CB-1A4A-4651-B04D-4D17D0773144}"/>
+                <a16:creationId xmlns="" xmlns:a16="http://schemas.microsoft.com/office/drawing/2014/main" id="{ADE287CB-1A4A-4651-B04D-4D17D0773144}"/>
               </a:ext>
             </a:extLst>
           </p:cNvPr>
@@ -13170,7 +10564,7 @@
     </p:spTree>
     <p:extLst>
       <p:ext uri="{BB962C8B-B14F-4D97-AF65-F5344CB8AC3E}">
-        <p14:creationId xmlns:p14="http://schemas.microsoft.com/office/powerpoint/2010/main" val="861686161"/>
+        <p14:creationId xmlns="" xmlns:p14="http://schemas.microsoft.com/office/powerpoint/2010/main" val="861686161"/>
       </p:ext>
     </p:extLst>
   </p:cSld>
@@ -13202,7 +10596,7 @@
           <p:cNvPr id="2" name="Title 1">
             <a:extLst>
               <a:ext uri="{FF2B5EF4-FFF2-40B4-BE49-F238E27FC236}">
-                <a16:creationId xmlns:a16="http://schemas.microsoft.com/office/drawing/2014/main" id="{7F20EE0C-E44D-45FF-999E-BBFE9496220E}"/>
+                <a16:creationId xmlns="" xmlns:a16="http://schemas.microsoft.com/office/drawing/2014/main" id="{7F20EE0C-E44D-45FF-999E-BBFE9496220E}"/>
               </a:ext>
             </a:extLst>
           </p:cNvPr>
@@ -13213,7 +10607,12 @@
             <p:ph type="title"/>
           </p:nvPr>
         </p:nvSpPr>
-        <p:spPr/>
+        <p:spPr>
+          <a:xfrm>
+            <a:off x="701040" y="135128"/>
+            <a:ext cx="11074400" cy="1143000"/>
+          </a:xfrm>
+        </p:spPr>
         <p:txBody>
           <a:bodyPr/>
           <a:lstStyle/>
@@ -13234,7 +10633,7 @@
           <p:cNvPr id="6" name="TextBox 5">
             <a:extLst>
               <a:ext uri="{FF2B5EF4-FFF2-40B4-BE49-F238E27FC236}">
-                <a16:creationId xmlns:a16="http://schemas.microsoft.com/office/drawing/2014/main" id="{94CE0840-F962-48C0-BF61-8968272E3CEE}"/>
+                <a16:creationId xmlns="" xmlns:a16="http://schemas.microsoft.com/office/drawing/2014/main" id="{94CE0840-F962-48C0-BF61-8968272E3CEE}"/>
               </a:ext>
             </a:extLst>
           </p:cNvPr>
@@ -13270,7 +10669,7 @@
           <p:cNvPr id="8" name="TextBox 7">
             <a:extLst>
               <a:ext uri="{FF2B5EF4-FFF2-40B4-BE49-F238E27FC236}">
-                <a16:creationId xmlns:a16="http://schemas.microsoft.com/office/drawing/2014/main" id="{2049CEA8-173C-44D0-91CE-0DA4474B4D94}"/>
+                <a16:creationId xmlns="" xmlns:a16="http://schemas.microsoft.com/office/drawing/2014/main" id="{2049CEA8-173C-44D0-91CE-0DA4474B4D94}"/>
               </a:ext>
             </a:extLst>
           </p:cNvPr>
@@ -13314,7 +10713,7 @@
           <p:cNvPr id="10" name="TextBox 9">
             <a:extLst>
               <a:ext uri="{FF2B5EF4-FFF2-40B4-BE49-F238E27FC236}">
-                <a16:creationId xmlns:a16="http://schemas.microsoft.com/office/drawing/2014/main" id="{DD85B67A-1F99-4059-819F-0CB37E252B06}"/>
+                <a16:creationId xmlns="" xmlns:a16="http://schemas.microsoft.com/office/drawing/2014/main" id="{DD85B67A-1F99-4059-819F-0CB37E252B06}"/>
               </a:ext>
             </a:extLst>
           </p:cNvPr>
@@ -13371,7 +10770,7 @@
     </p:spTree>
     <p:extLst>
       <p:ext uri="{BB962C8B-B14F-4D97-AF65-F5344CB8AC3E}">
-        <p14:creationId xmlns:p14="http://schemas.microsoft.com/office/powerpoint/2010/main" val="410008676"/>
+        <p14:creationId xmlns="" xmlns:p14="http://schemas.microsoft.com/office/powerpoint/2010/main" val="410008676"/>
       </p:ext>
     </p:extLst>
   </p:cSld>
@@ -13382,9 +10781,9 @@
 </file>
 
 <file path=ppt/theme/theme1.xml><?xml version="1.0" encoding="utf-8"?>
-<a:theme xmlns:a="http://schemas.openxmlformats.org/drawingml/2006/main" name="2018">
+<a:theme xmlns:a="http://schemas.openxmlformats.org/drawingml/2006/main" name="Flow">
   <a:themeElements>
-    <a:clrScheme name="Office">
+    <a:clrScheme name="Flow">
       <a:dk1>
         <a:sysClr val="windowText" lastClr="000000"/>
       </a:dk1>
@@ -13392,98 +10791,46 @@
         <a:sysClr val="window" lastClr="FFFFFF"/>
       </a:lt1>
       <a:dk2>
-        <a:srgbClr val="44546A"/>
+        <a:srgbClr val="04617B"/>
       </a:dk2>
       <a:lt2>
-        <a:srgbClr val="E7E6E6"/>
+        <a:srgbClr val="DBF5F9"/>
       </a:lt2>
       <a:accent1>
-        <a:srgbClr val="4472C4"/>
+        <a:srgbClr val="0F6FC6"/>
       </a:accent1>
       <a:accent2>
-        <a:srgbClr val="ED7D31"/>
+        <a:srgbClr val="009DD9"/>
       </a:accent2>
       <a:accent3>
-        <a:srgbClr val="A5A5A5"/>
+        <a:srgbClr val="0BD0D9"/>
       </a:accent3>
       <a:accent4>
-        <a:srgbClr val="FFC000"/>
+        <a:srgbClr val="10CF9B"/>
       </a:accent4>
       <a:accent5>
-        <a:srgbClr val="5B9BD5"/>
+        <a:srgbClr val="7CCA62"/>
       </a:accent5>
       <a:accent6>
-        <a:srgbClr val="70AD47"/>
+        <a:srgbClr val="A5C249"/>
       </a:accent6>
       <a:hlink>
-        <a:srgbClr val="0563C1"/>
+        <a:srgbClr val="E2D700"/>
       </a:hlink>
       <a:folHlink>
-        <a:srgbClr val="954F72"/>
+        <a:srgbClr val="85DFD0"/>
       </a:folHlink>
     </a:clrScheme>
-    <a:fontScheme name="Office">
+    <a:fontScheme name="Flow">
       <a:majorFont>
-        <a:latin typeface="Calibri Light" panose="020F0302020204030204"/>
+        <a:latin typeface="Calibri"/>
         <a:ea typeface=""/>
         <a:cs typeface=""/>
-        <a:font script="Jpan" typeface="游ゴシック Light"/>
-        <a:font script="Hang" typeface="맑은 고딕"/>
-        <a:font script="Hans" typeface="等线 Light"/>
-        <a:font script="Hant" typeface="新細明體"/>
-        <a:font script="Arab" typeface="Times New Roman"/>
-        <a:font script="Hebr" typeface="Times New Roman"/>
-        <a:font script="Thai" typeface="Angsana New"/>
-        <a:font script="Ethi" typeface="Nyala"/>
-        <a:font script="Beng" typeface="Vrinda"/>
-        <a:font script="Gujr" typeface="Shruti"/>
-        <a:font script="Khmr" typeface="MoolBoran"/>
-        <a:font script="Knda" typeface="Tunga"/>
-        <a:font script="Guru" typeface="Raavi"/>
-        <a:font script="Cans" typeface="Euphemia"/>
-        <a:font script="Cher" typeface="Plantagenet Cherokee"/>
-        <a:font script="Yiii" typeface="Microsoft Yi Baiti"/>
-        <a:font script="Tibt" typeface="Microsoft Himalaya"/>
-        <a:font script="Thaa" typeface="MV Boli"/>
-        <a:font script="Deva" typeface="Mangal"/>
-        <a:font script="Telu" typeface="Gautami"/>
-        <a:font script="Taml" typeface="Latha"/>
-        <a:font script="Syrc" typeface="Estrangelo Edessa"/>
-        <a:font script="Orya" typeface="Kalinga"/>
-        <a:font script="Mlym" typeface="Kartika"/>
-        <a:font script="Laoo" typeface="DokChampa"/>
-        <a:font script="Sinh" typeface="Iskoola Pota"/>
-        <a:font script="Mong" typeface="Mongolian Baiti"/>
-        <a:font script="Viet" typeface="Times New Roman"/>
-        <a:font script="Uigh" typeface="Microsoft Uighur"/>
-        <a:font script="Geor" typeface="Sylfaen"/>
-        <a:font script="Armn" typeface="Arial"/>
-        <a:font script="Bugi" typeface="Leelawadee UI"/>
-        <a:font script="Bopo" typeface="Microsoft JhengHei"/>
-        <a:font script="Java" typeface="Javanese Text"/>
-        <a:font script="Lisu" typeface="Segoe UI"/>
-        <a:font script="Mymr" typeface="Myanmar Text"/>
-        <a:font script="Nkoo" typeface="Ebrima"/>
-        <a:font script="Olck" typeface="Nirmala UI"/>
-        <a:font script="Osma" typeface="Ebrima"/>
-        <a:font script="Phag" typeface="Phagspa"/>
-        <a:font script="Syrn" typeface="Estrangelo Edessa"/>
-        <a:font script="Syrj" typeface="Estrangelo Edessa"/>
-        <a:font script="Syre" typeface="Estrangelo Edessa"/>
-        <a:font script="Sora" typeface="Nirmala UI"/>
-        <a:font script="Tale" typeface="Microsoft Tai Le"/>
-        <a:font script="Talu" typeface="Microsoft New Tai Lue"/>
-        <a:font script="Tfng" typeface="Ebrima"/>
-      </a:majorFont>
-      <a:minorFont>
-        <a:latin typeface="Calibri" panose="020F0502020204030204"/>
-        <a:ea typeface=""/>
-        <a:cs typeface=""/>
-        <a:font script="Jpan" typeface="游ゴシック"/>
-        <a:font script="Hang" typeface="맑은 고딕"/>
-        <a:font script="Hans" typeface="等线"/>
-        <a:font script="Hant" typeface="新細明體"/>
-        <a:font script="Arab" typeface="Arial"/>
+        <a:font script="Jpan" typeface="ＭＳ Ｐゴシック"/>
+        <a:font script="Hang" typeface="HY중고딕"/>
+        <a:font script="Hans" typeface="隶书"/>
+        <a:font script="Hant" typeface="微軟正黑體"/>
+        <a:font script="Arab" typeface="Traditional Arabic"/>
         <a:font script="Hebr" typeface="Arial"/>
         <a:font script="Thai" typeface="Cordia New"/>
         <a:font script="Ethi" typeface="Nyala"/>
@@ -13508,27 +10855,43 @@
         <a:font script="Mong" typeface="Mongolian Baiti"/>
         <a:font script="Viet" typeface="Arial"/>
         <a:font script="Uigh" typeface="Microsoft Uighur"/>
-        <a:font script="Geor" typeface="Sylfaen"/>
-        <a:font script="Armn" typeface="Arial"/>
-        <a:font script="Bugi" typeface="Leelawadee UI"/>
-        <a:font script="Bopo" typeface="Microsoft JhengHei"/>
-        <a:font script="Java" typeface="Javanese Text"/>
-        <a:font script="Lisu" typeface="Segoe UI"/>
-        <a:font script="Mymr" typeface="Myanmar Text"/>
-        <a:font script="Nkoo" typeface="Ebrima"/>
-        <a:font script="Olck" typeface="Nirmala UI"/>
-        <a:font script="Osma" typeface="Ebrima"/>
-        <a:font script="Phag" typeface="Phagspa"/>
-        <a:font script="Syrn" typeface="Estrangelo Edessa"/>
-        <a:font script="Syrj" typeface="Estrangelo Edessa"/>
-        <a:font script="Syre" typeface="Estrangelo Edessa"/>
-        <a:font script="Sora" typeface="Nirmala UI"/>
-        <a:font script="Tale" typeface="Microsoft Tai Le"/>
-        <a:font script="Talu" typeface="Microsoft New Tai Lue"/>
-        <a:font script="Tfng" typeface="Ebrima"/>
+      </a:majorFont>
+      <a:minorFont>
+        <a:latin typeface="Constantia"/>
+        <a:ea typeface=""/>
+        <a:cs typeface=""/>
+        <a:font script="Jpan" typeface="HGP明朝E"/>
+        <a:font script="Hang" typeface="HY신명조"/>
+        <a:font script="Hans" typeface="宋体"/>
+        <a:font script="Hant" typeface="新細明體"/>
+        <a:font script="Arab" typeface="Majalla UI"/>
+        <a:font script="Hebr" typeface="David"/>
+        <a:font script="Thai" typeface="Browallia New"/>
+        <a:font script="Ethi" typeface="Nyala"/>
+        <a:font script="Beng" typeface="Vrinda"/>
+        <a:font script="Gujr" typeface="Shruti"/>
+        <a:font script="Khmr" typeface="MoolBoran"/>
+        <a:font script="Knda" typeface="Tunga"/>
+        <a:font script="Guru" typeface="Raavi"/>
+        <a:font script="Cans" typeface="Euphemia"/>
+        <a:font script="Cher" typeface="Plantagenet Cherokee"/>
+        <a:font script="Yiii" typeface="Microsoft Yi Baiti"/>
+        <a:font script="Tibt" typeface="Microsoft Himalaya"/>
+        <a:font script="Thaa" typeface="MV Boli"/>
+        <a:font script="Deva" typeface="Mangal"/>
+        <a:font script="Telu" typeface="Gautami"/>
+        <a:font script="Taml" typeface="Latha"/>
+        <a:font script="Syrc" typeface="Estrangelo Edessa"/>
+        <a:font script="Orya" typeface="Kalinga"/>
+        <a:font script="Mlym" typeface="Kartika"/>
+        <a:font script="Laoo" typeface="DokChampa"/>
+        <a:font script="Sinh" typeface="Iskoola Pota"/>
+        <a:font script="Mong" typeface="Mongolian Baiti"/>
+        <a:font script="Viet" typeface="Times New Roman"/>
+        <a:font script="Uigh" typeface="Microsoft Uighur"/>
       </a:minorFont>
     </a:fontScheme>
-    <a:fmtScheme name="Office">
+    <a:fmtScheme name="Flow">
       <a:fillStyleLst>
         <a:solidFill>
           <a:schemeClr val="phClr"/>
@@ -13537,141 +10900,177 @@
           <a:gsLst>
             <a:gs pos="0">
               <a:schemeClr val="phClr">
-                <a:lumMod val="110000"/>
-                <a:satMod val="105000"/>
-                <a:tint val="67000"/>
+                <a:tint val="70000"/>
+                <a:satMod val="130000"/>
               </a:schemeClr>
             </a:gs>
-            <a:gs pos="50000">
+            <a:gs pos="43000">
               <a:schemeClr val="phClr">
-                <a:lumMod val="105000"/>
-                <a:satMod val="103000"/>
-                <a:tint val="73000"/>
+                <a:tint val="44000"/>
+                <a:satMod val="165000"/>
+              </a:schemeClr>
+            </a:gs>
+            <a:gs pos="93000">
+              <a:schemeClr val="phClr">
+                <a:tint val="15000"/>
+                <a:satMod val="165000"/>
               </a:schemeClr>
             </a:gs>
             <a:gs pos="100000">
               <a:schemeClr val="phClr">
-                <a:lumMod val="105000"/>
-                <a:satMod val="109000"/>
-                <a:tint val="81000"/>
+                <a:tint val="5000"/>
+                <a:satMod val="250000"/>
               </a:schemeClr>
             </a:gs>
           </a:gsLst>
-          <a:lin ang="5400000" scaled="0"/>
+          <a:path path="circle">
+            <a:fillToRect l="50000" t="130000" r="50000" b="-30000"/>
+          </a:path>
         </a:gradFill>
         <a:gradFill rotWithShape="1">
           <a:gsLst>
             <a:gs pos="0">
               <a:schemeClr val="phClr">
-                <a:satMod val="103000"/>
-                <a:lumMod val="102000"/>
-                <a:tint val="94000"/>
+                <a:tint val="98000"/>
+                <a:shade val="25000"/>
+                <a:satMod val="250000"/>
               </a:schemeClr>
             </a:gs>
-            <a:gs pos="50000">
+            <a:gs pos="68000">
               <a:schemeClr val="phClr">
-                <a:satMod val="110000"/>
-                <a:lumMod val="100000"/>
-                <a:shade val="100000"/>
+                <a:tint val="86000"/>
+                <a:satMod val="115000"/>
               </a:schemeClr>
             </a:gs>
             <a:gs pos="100000">
               <a:schemeClr val="phClr">
-                <a:lumMod val="99000"/>
-                <a:satMod val="120000"/>
-                <a:shade val="78000"/>
+                <a:tint val="50000"/>
+                <a:satMod val="150000"/>
               </a:schemeClr>
             </a:gs>
           </a:gsLst>
-          <a:lin ang="5400000" scaled="0"/>
+          <a:path path="circle">
+            <a:fillToRect l="50000" t="130000" r="50000" b="-30000"/>
+          </a:path>
         </a:gradFill>
       </a:fillStyleLst>
       <a:lnStyleLst>
-        <a:ln w="6350" cap="flat" cmpd="sng" algn="ctr">
+        <a:ln w="9525" cap="flat" cmpd="sng" algn="ctr">
+          <a:solidFill>
+            <a:schemeClr val="phClr">
+              <a:shade val="50000"/>
+              <a:satMod val="103000"/>
+            </a:schemeClr>
+          </a:solidFill>
+          <a:prstDash val="solid"/>
+        </a:ln>
+        <a:ln w="25400" cap="flat" cmpd="sng" algn="ctr">
           <a:solidFill>
             <a:schemeClr val="phClr"/>
           </a:solidFill>
           <a:prstDash val="solid"/>
-          <a:miter lim="800000"/>
         </a:ln>
-        <a:ln w="12700" cap="flat" cmpd="sng" algn="ctr">
+        <a:ln w="38100" cap="flat" cmpd="sng" algn="ctr">
           <a:solidFill>
             <a:schemeClr val="phClr"/>
           </a:solidFill>
           <a:prstDash val="solid"/>
-          <a:miter lim="800000"/>
-        </a:ln>
-        <a:ln w="19050" cap="flat" cmpd="sng" algn="ctr">
-          <a:solidFill>
-            <a:schemeClr val="phClr"/>
-          </a:solidFill>
-          <a:prstDash val="solid"/>
-          <a:miter lim="800000"/>
         </a:ln>
       </a:lnStyleLst>
       <a:effectStyleLst>
         <a:effectStyle>
-          <a:effectLst/>
-        </a:effectStyle>
-        <a:effectStyle>
-          <a:effectLst/>
+          <a:effectLst>
+            <a:outerShdw blurRad="57150" dist="38100" dir="5400000" algn="ctr" rotWithShape="0">
+              <a:schemeClr val="phClr">
+                <a:shade val="9000"/>
+                <a:satMod val="105000"/>
+                <a:alpha val="48000"/>
+              </a:schemeClr>
+            </a:outerShdw>
+          </a:effectLst>
         </a:effectStyle>
         <a:effectStyle>
           <a:effectLst>
-            <a:outerShdw blurRad="57150" dist="19050" dir="5400000" algn="ctr" rotWithShape="0">
-              <a:srgbClr val="000000">
-                <a:alpha val="63000"/>
-              </a:srgbClr>
+            <a:outerShdw blurRad="57150" dist="38100" dir="5400000" algn="ctr" rotWithShape="0">
+              <a:schemeClr val="phClr">
+                <a:shade val="9000"/>
+                <a:satMod val="105000"/>
+                <a:alpha val="48000"/>
+              </a:schemeClr>
             </a:outerShdw>
           </a:effectLst>
+        </a:effectStyle>
+        <a:effectStyle>
+          <a:effectLst>
+            <a:outerShdw blurRad="57150" dist="38100" dir="5400000" algn="ctr" rotWithShape="0">
+              <a:schemeClr val="phClr">
+                <a:shade val="9000"/>
+                <a:satMod val="105000"/>
+                <a:alpha val="48000"/>
+              </a:schemeClr>
+            </a:outerShdw>
+          </a:effectLst>
+          <a:scene3d>
+            <a:camera prst="orthographicFront" fov="0">
+              <a:rot lat="0" lon="0" rev="0"/>
+            </a:camera>
+            <a:lightRig rig="glow" dir="tl">
+              <a:rot lat="0" lon="0" rev="900000"/>
+            </a:lightRig>
+          </a:scene3d>
+          <a:sp3d prstMaterial="powder">
+            <a:bevelT w="25400" h="38100"/>
+          </a:sp3d>
         </a:effectStyle>
       </a:effectStyleLst>
       <a:bgFillStyleLst>
         <a:solidFill>
           <a:schemeClr val="phClr"/>
         </a:solidFill>
-        <a:solidFill>
-          <a:schemeClr val="phClr">
-            <a:tint val="95000"/>
-            <a:satMod val="170000"/>
-          </a:schemeClr>
-        </a:solidFill>
         <a:gradFill rotWithShape="1">
           <a:gsLst>
             <a:gs pos="0">
               <a:schemeClr val="phClr">
-                <a:tint val="93000"/>
-                <a:satMod val="150000"/>
-                <a:shade val="98000"/>
-                <a:lumMod val="102000"/>
+                <a:tint val="80000"/>
+                <a:satMod val="400000"/>
               </a:schemeClr>
             </a:gs>
-            <a:gs pos="50000">
+            <a:gs pos="25000">
               <a:schemeClr val="phClr">
-                <a:tint val="98000"/>
-                <a:satMod val="130000"/>
-                <a:shade val="90000"/>
-                <a:lumMod val="103000"/>
+                <a:tint val="83000"/>
+                <a:satMod val="320000"/>
               </a:schemeClr>
             </a:gs>
             <a:gs pos="100000">
               <a:schemeClr val="phClr">
-                <a:shade val="63000"/>
-                <a:satMod val="120000"/>
+                <a:shade val="15000"/>
+                <a:satMod val="320000"/>
               </a:schemeClr>
             </a:gs>
           </a:gsLst>
-          <a:lin ang="5400000" scaled="0"/>
+          <a:path path="circle">
+            <a:fillToRect l="10000" t="110000" r="10000" b="100000"/>
+          </a:path>
         </a:gradFill>
+        <a:blipFill>
+          <a:blip xmlns:r="http://schemas.openxmlformats.org/officeDocument/2006/relationships" r:embed="rId1">
+            <a:duotone>
+              <a:schemeClr val="phClr">
+                <a:shade val="90000"/>
+                <a:satMod val="150000"/>
+              </a:schemeClr>
+              <a:schemeClr val="phClr">
+                <a:tint val="88000"/>
+                <a:satMod val="150000"/>
+              </a:schemeClr>
+            </a:duotone>
+          </a:blip>
+          <a:tile tx="0" ty="0" sx="65000" sy="65000" flip="none" algn="tl"/>
+        </a:blipFill>
       </a:bgFillStyleLst>
     </a:fmtScheme>
   </a:themeElements>
   <a:objectDefaults/>
   <a:extraClrSchemeLst/>
-  <a:extLst>
-    <a:ext uri="{05A4C25C-085E-4340-85A3-A5531E510DB2}">
-      <thm15:themeFamily xmlns:thm15="http://schemas.microsoft.com/office/thememl/2012/main" name="2018" id="{B0E980CD-A54D-4681-878C-2746A87DC6E5}" vid="{62E40539-E070-47D4-8381-3EBCC8F4FC45}"/>
-    </a:ext>
-  </a:extLst>
 </a:theme>
 </file>